--- a/Report/ER Diagram.pptx
+++ b/Report/ER Diagram.pptx
@@ -105,6 +105,11 @@
       </a:defRPr>
     </a:lvl9pPr>
   </p:defaultTextStyle>
+  <p:extLst>
+    <p:ext uri="{EFAFB233-063F-42B5-8137-9DF3F51BA10A}">
+      <p15:sldGuideLst xmlns:p15="http://schemas.microsoft.com/office/powerpoint/2012/main"/>
+    </p:ext>
+  </p:extLst>
 </p:presentation>
 </file>
 
@@ -255,7 +260,7 @@
           <a:p>
             <a:fld id="{67A8E8C1-478A-4CDA-825D-5DB4554A4EA9}" type="datetimeFigureOut">
               <a:rPr lang="zh-TW" altLang="en-US" smtClean="0"/>
-              <a:t>2020/7/13</a:t>
+              <a:t>2020/7/14</a:t>
             </a:fld>
             <a:endParaRPr lang="zh-TW" altLang="en-US"/>
           </a:p>
@@ -453,7 +458,7 @@
           <a:p>
             <a:fld id="{67A8E8C1-478A-4CDA-825D-5DB4554A4EA9}" type="datetimeFigureOut">
               <a:rPr lang="zh-TW" altLang="en-US" smtClean="0"/>
-              <a:t>2020/7/13</a:t>
+              <a:t>2020/7/14</a:t>
             </a:fld>
             <a:endParaRPr lang="zh-TW" altLang="en-US"/>
           </a:p>
@@ -661,7 +666,7 @@
           <a:p>
             <a:fld id="{67A8E8C1-478A-4CDA-825D-5DB4554A4EA9}" type="datetimeFigureOut">
               <a:rPr lang="zh-TW" altLang="en-US" smtClean="0"/>
-              <a:t>2020/7/13</a:t>
+              <a:t>2020/7/14</a:t>
             </a:fld>
             <a:endParaRPr lang="zh-TW" altLang="en-US"/>
           </a:p>
@@ -859,7 +864,7 @@
           <a:p>
             <a:fld id="{67A8E8C1-478A-4CDA-825D-5DB4554A4EA9}" type="datetimeFigureOut">
               <a:rPr lang="zh-TW" altLang="en-US" smtClean="0"/>
-              <a:t>2020/7/13</a:t>
+              <a:t>2020/7/14</a:t>
             </a:fld>
             <a:endParaRPr lang="zh-TW" altLang="en-US"/>
           </a:p>
@@ -1134,7 +1139,7 @@
           <a:p>
             <a:fld id="{67A8E8C1-478A-4CDA-825D-5DB4554A4EA9}" type="datetimeFigureOut">
               <a:rPr lang="zh-TW" altLang="en-US" smtClean="0"/>
-              <a:t>2020/7/13</a:t>
+              <a:t>2020/7/14</a:t>
             </a:fld>
             <a:endParaRPr lang="zh-TW" altLang="en-US"/>
           </a:p>
@@ -1399,7 +1404,7 @@
           <a:p>
             <a:fld id="{67A8E8C1-478A-4CDA-825D-5DB4554A4EA9}" type="datetimeFigureOut">
               <a:rPr lang="zh-TW" altLang="en-US" smtClean="0"/>
-              <a:t>2020/7/13</a:t>
+              <a:t>2020/7/14</a:t>
             </a:fld>
             <a:endParaRPr lang="zh-TW" altLang="en-US"/>
           </a:p>
@@ -1811,7 +1816,7 @@
           <a:p>
             <a:fld id="{67A8E8C1-478A-4CDA-825D-5DB4554A4EA9}" type="datetimeFigureOut">
               <a:rPr lang="zh-TW" altLang="en-US" smtClean="0"/>
-              <a:t>2020/7/13</a:t>
+              <a:t>2020/7/14</a:t>
             </a:fld>
             <a:endParaRPr lang="zh-TW" altLang="en-US"/>
           </a:p>
@@ -1952,7 +1957,7 @@
           <a:p>
             <a:fld id="{67A8E8C1-478A-4CDA-825D-5DB4554A4EA9}" type="datetimeFigureOut">
               <a:rPr lang="zh-TW" altLang="en-US" smtClean="0"/>
-              <a:t>2020/7/13</a:t>
+              <a:t>2020/7/14</a:t>
             </a:fld>
             <a:endParaRPr lang="zh-TW" altLang="en-US"/>
           </a:p>
@@ -2065,7 +2070,7 @@
           <a:p>
             <a:fld id="{67A8E8C1-478A-4CDA-825D-5DB4554A4EA9}" type="datetimeFigureOut">
               <a:rPr lang="zh-TW" altLang="en-US" smtClean="0"/>
-              <a:t>2020/7/13</a:t>
+              <a:t>2020/7/14</a:t>
             </a:fld>
             <a:endParaRPr lang="zh-TW" altLang="en-US"/>
           </a:p>
@@ -2376,7 +2381,7 @@
           <a:p>
             <a:fld id="{67A8E8C1-478A-4CDA-825D-5DB4554A4EA9}" type="datetimeFigureOut">
               <a:rPr lang="zh-TW" altLang="en-US" smtClean="0"/>
-              <a:t>2020/7/13</a:t>
+              <a:t>2020/7/14</a:t>
             </a:fld>
             <a:endParaRPr lang="zh-TW" altLang="en-US"/>
           </a:p>
@@ -2664,7 +2669,7 @@
           <a:p>
             <a:fld id="{67A8E8C1-478A-4CDA-825D-5DB4554A4EA9}" type="datetimeFigureOut">
               <a:rPr lang="zh-TW" altLang="en-US" smtClean="0"/>
-              <a:t>2020/7/13</a:t>
+              <a:t>2020/7/14</a:t>
             </a:fld>
             <a:endParaRPr lang="zh-TW" altLang="en-US"/>
           </a:p>
@@ -2905,7 +2910,7 @@
           <a:p>
             <a:fld id="{67A8E8C1-478A-4CDA-825D-5DB4554A4EA9}" type="datetimeFigureOut">
               <a:rPr lang="zh-TW" altLang="en-US" smtClean="0"/>
-              <a:t>2020/7/13</a:t>
+              <a:t>2020/7/14</a:t>
             </a:fld>
             <a:endParaRPr lang="zh-TW" altLang="en-US"/>
           </a:p>
@@ -3324,43 +3329,6 @@
       </p:grpSpPr>
       <p:sp>
         <p:nvSpPr>
-          <p:cNvPr id="42" name="文字方塊 41">
-            <a:extLst>
-              <a:ext uri="{FF2B5EF4-FFF2-40B4-BE49-F238E27FC236}">
-                <a16:creationId xmlns:a16="http://schemas.microsoft.com/office/drawing/2014/main" id="{E35450B1-4B85-48EA-85D2-E55AAA4C4F03}"/>
-              </a:ext>
-            </a:extLst>
-          </p:cNvPr>
-          <p:cNvSpPr txBox="1"/>
-          <p:nvPr/>
-        </p:nvSpPr>
-        <p:spPr>
-          <a:xfrm flipH="1">
-            <a:off x="4301241" y="5521912"/>
-            <a:ext cx="3589518" cy="553998"/>
-          </a:xfrm>
-          <a:prstGeom prst="rect">
-            <a:avLst/>
-          </a:prstGeom>
-          <a:noFill/>
-        </p:spPr>
-        <p:txBody>
-          <a:bodyPr wrap="square" rtlCol="0">
-            <a:spAutoFit/>
-          </a:bodyPr>
-          <a:lstStyle/>
-          <a:p>
-            <a:pPr algn="ctr"/>
-            <a:r>
-              <a:rPr lang="en-US" altLang="zh-TW" sz="3000" dirty="0"/>
-              <a:t>Initial ER Diagram</a:t>
-            </a:r>
-            <a:endParaRPr lang="zh-TW" altLang="en-US" sz="3000" dirty="0"/>
-          </a:p>
-        </p:txBody>
-      </p:sp>
-      <p:sp>
-        <p:nvSpPr>
           <p:cNvPr id="22" name="菱形 21">
             <a:extLst>
               <a:ext uri="{FF2B5EF4-FFF2-40B4-BE49-F238E27FC236}">
@@ -4686,2872 +4654,2893 @@
           <a:chExt cx="0" cy="0"/>
         </a:xfrm>
       </p:grpSpPr>
-      <p:sp>
-        <p:nvSpPr>
-          <p:cNvPr id="22" name="菱形 21">
-            <a:extLst>
-              <a:ext uri="{FF2B5EF4-FFF2-40B4-BE49-F238E27FC236}">
-                <a16:creationId xmlns:a16="http://schemas.microsoft.com/office/drawing/2014/main" id="{37923A34-CB01-467B-B0BD-2D6553738C57}"/>
-              </a:ext>
-            </a:extLst>
-          </p:cNvPr>
-          <p:cNvSpPr/>
+      <p:grpSp>
+        <p:nvGrpSpPr>
+          <p:cNvPr id="2" name="群組 1">
+            <a:extLst>
+              <a:ext uri="{FF2B5EF4-FFF2-40B4-BE49-F238E27FC236}">
+                <a16:creationId xmlns:a16="http://schemas.microsoft.com/office/drawing/2014/main" id="{1D9C8E15-CC6A-4F99-B726-2F46FEE114E9}"/>
+              </a:ext>
+            </a:extLst>
+          </p:cNvPr>
+          <p:cNvGrpSpPr/>
           <p:nvPr/>
-        </p:nvSpPr>
-        <p:spPr>
+        </p:nvGrpSpPr>
+        <p:grpSpPr>
           <a:xfrm>
-            <a:off x="4465509" y="808470"/>
-            <a:ext cx="1376039" cy="745240"/>
+            <a:off x="362064" y="66675"/>
+            <a:ext cx="11829936" cy="6437174"/>
+            <a:chOff x="362064" y="66675"/>
+            <a:chExt cx="11829936" cy="6437174"/>
           </a:xfrm>
-          <a:prstGeom prst="diamond">
-            <a:avLst/>
-          </a:prstGeom>
-        </p:spPr>
-        <p:style>
-          <a:lnRef idx="2">
-            <a:schemeClr val="accent6">
-              <a:shade val="50000"/>
-            </a:schemeClr>
-          </a:lnRef>
-          <a:fillRef idx="1">
-            <a:schemeClr val="accent6"/>
-          </a:fillRef>
-          <a:effectRef idx="0">
-            <a:schemeClr val="accent6"/>
-          </a:effectRef>
-          <a:fontRef idx="minor">
-            <a:schemeClr val="lt1"/>
-          </a:fontRef>
-        </p:style>
-        <p:txBody>
-          <a:bodyPr rtlCol="0" anchor="ctr"/>
-          <a:lstStyle/>
-          <a:p>
-            <a:pPr algn="ctr"/>
-            <a:r>
-              <a:rPr lang="zh-TW" altLang="en-US" sz="1600" dirty="0">
-                <a:latin typeface="標楷體" panose="03000509000000000000" pitchFamily="65" charset="-120"/>
-                <a:ea typeface="標楷體" panose="03000509000000000000" pitchFamily="65" charset="-120"/>
-              </a:rPr>
-              <a:t>提供</a:t>
-            </a:r>
-          </a:p>
-        </p:txBody>
-      </p:sp>
-      <p:cxnSp>
-        <p:nvCxnSpPr>
-          <p:cNvPr id="24" name="直線單箭頭接點 23">
-            <a:extLst>
-              <a:ext uri="{FF2B5EF4-FFF2-40B4-BE49-F238E27FC236}">
-                <a16:creationId xmlns:a16="http://schemas.microsoft.com/office/drawing/2014/main" id="{CC54433E-37E3-42E3-87F6-C8C493134986}"/>
-              </a:ext>
-            </a:extLst>
-          </p:cNvPr>
-          <p:cNvCxnSpPr>
-            <a:stCxn id="22" idx="1"/>
-            <a:endCxn id="4" idx="3"/>
-          </p:cNvCxnSpPr>
-          <p:nvPr/>
-        </p:nvCxnSpPr>
-        <p:spPr>
-          <a:xfrm flipH="1">
-            <a:off x="3274282" y="1181090"/>
-            <a:ext cx="1191227" cy="4197"/>
-          </a:xfrm>
-          <a:prstGeom prst="straightConnector1">
-            <a:avLst/>
-          </a:prstGeom>
-          <a:ln>
-            <a:tailEnd type="triangle"/>
-          </a:ln>
-        </p:spPr>
-        <p:style>
-          <a:lnRef idx="1">
-            <a:schemeClr val="accent1"/>
-          </a:lnRef>
-          <a:fillRef idx="0">
-            <a:schemeClr val="accent1"/>
-          </a:fillRef>
-          <a:effectRef idx="0">
-            <a:schemeClr val="accent1"/>
-          </a:effectRef>
-          <a:fontRef idx="minor">
-            <a:schemeClr val="tx1"/>
-          </a:fontRef>
-        </p:style>
-      </p:cxnSp>
-      <p:sp>
-        <p:nvSpPr>
-          <p:cNvPr id="25" name="矩形 24">
-            <a:extLst>
-              <a:ext uri="{FF2B5EF4-FFF2-40B4-BE49-F238E27FC236}">
-                <a16:creationId xmlns:a16="http://schemas.microsoft.com/office/drawing/2014/main" id="{05395B9C-9A5D-47DD-ACDB-171A6F10DEC2}"/>
-              </a:ext>
-            </a:extLst>
-          </p:cNvPr>
-          <p:cNvSpPr/>
-          <p:nvPr/>
-        </p:nvSpPr>
-        <p:spPr>
-          <a:xfrm flipH="1">
-            <a:off x="7576625" y="2788222"/>
-            <a:ext cx="1376039" cy="736847"/>
-          </a:xfrm>
-          <a:prstGeom prst="rect">
-            <a:avLst/>
-          </a:prstGeom>
-        </p:spPr>
-        <p:style>
-          <a:lnRef idx="2">
-            <a:schemeClr val="accent4">
-              <a:shade val="50000"/>
-            </a:schemeClr>
-          </a:lnRef>
-          <a:fillRef idx="1">
-            <a:schemeClr val="accent4"/>
-          </a:fillRef>
-          <a:effectRef idx="0">
-            <a:schemeClr val="accent4"/>
-          </a:effectRef>
-          <a:fontRef idx="minor">
-            <a:schemeClr val="lt1"/>
-          </a:fontRef>
-        </p:style>
-        <p:txBody>
-          <a:bodyPr rtlCol="0" anchor="ctr"/>
-          <a:lstStyle/>
-          <a:p>
-            <a:pPr algn="ctr"/>
-            <a:r>
-              <a:rPr lang="zh-TW" altLang="en-US" sz="1600" dirty="0">
+        </p:grpSpPr>
+        <p:sp>
+          <p:nvSpPr>
+            <p:cNvPr id="22" name="菱形 21">
+              <a:extLst>
+                <a:ext uri="{FF2B5EF4-FFF2-40B4-BE49-F238E27FC236}">
+                  <a16:creationId xmlns:a16="http://schemas.microsoft.com/office/drawing/2014/main" id="{37923A34-CB01-467B-B0BD-2D6553738C57}"/>
+                </a:ext>
+              </a:extLst>
+            </p:cNvPr>
+            <p:cNvSpPr/>
+            <p:nvPr/>
+          </p:nvSpPr>
+          <p:spPr>
+            <a:xfrm>
+              <a:off x="4465509" y="808470"/>
+              <a:ext cx="1376039" cy="745240"/>
+            </a:xfrm>
+            <a:prstGeom prst="diamond">
+              <a:avLst/>
+            </a:prstGeom>
+          </p:spPr>
+          <p:style>
+            <a:lnRef idx="2">
+              <a:schemeClr val="accent6">
+                <a:shade val="50000"/>
+              </a:schemeClr>
+            </a:lnRef>
+            <a:fillRef idx="1">
+              <a:schemeClr val="accent6"/>
+            </a:fillRef>
+            <a:effectRef idx="0">
+              <a:schemeClr val="accent6"/>
+            </a:effectRef>
+            <a:fontRef idx="minor">
+              <a:schemeClr val="lt1"/>
+            </a:fontRef>
+          </p:style>
+          <p:txBody>
+            <a:bodyPr rtlCol="0" anchor="ctr"/>
+            <a:lstStyle/>
+            <a:p>
+              <a:pPr algn="ctr"/>
+              <a:r>
+                <a:rPr lang="zh-TW" altLang="en-US" sz="1600" dirty="0">
+                  <a:latin typeface="標楷體" panose="03000509000000000000" pitchFamily="65" charset="-120"/>
+                  <a:ea typeface="標楷體" panose="03000509000000000000" pitchFamily="65" charset="-120"/>
+                </a:rPr>
+                <a:t>提供</a:t>
+              </a:r>
+            </a:p>
+          </p:txBody>
+        </p:sp>
+        <p:cxnSp>
+          <p:nvCxnSpPr>
+            <p:cNvPr id="24" name="直線單箭頭接點 23">
+              <a:extLst>
+                <a:ext uri="{FF2B5EF4-FFF2-40B4-BE49-F238E27FC236}">
+                  <a16:creationId xmlns:a16="http://schemas.microsoft.com/office/drawing/2014/main" id="{CC54433E-37E3-42E3-87F6-C8C493134986}"/>
+                </a:ext>
+              </a:extLst>
+            </p:cNvPr>
+            <p:cNvCxnSpPr>
+              <a:stCxn id="22" idx="1"/>
+              <a:endCxn id="4" idx="3"/>
+            </p:cNvCxnSpPr>
+            <p:nvPr/>
+          </p:nvCxnSpPr>
+          <p:spPr>
+            <a:xfrm flipH="1">
+              <a:off x="3274282" y="1181090"/>
+              <a:ext cx="1191227" cy="4197"/>
+            </a:xfrm>
+            <a:prstGeom prst="straightConnector1">
+              <a:avLst/>
+            </a:prstGeom>
+            <a:ln>
+              <a:tailEnd type="triangle"/>
+            </a:ln>
+          </p:spPr>
+          <p:style>
+            <a:lnRef idx="1">
+              <a:schemeClr val="accent1"/>
+            </a:lnRef>
+            <a:fillRef idx="0">
+              <a:schemeClr val="accent1"/>
+            </a:fillRef>
+            <a:effectRef idx="0">
+              <a:schemeClr val="accent1"/>
+            </a:effectRef>
+            <a:fontRef idx="minor">
+              <a:schemeClr val="tx1"/>
+            </a:fontRef>
+          </p:style>
+        </p:cxnSp>
+        <p:sp>
+          <p:nvSpPr>
+            <p:cNvPr id="25" name="矩形 24">
+              <a:extLst>
+                <a:ext uri="{FF2B5EF4-FFF2-40B4-BE49-F238E27FC236}">
+                  <a16:creationId xmlns:a16="http://schemas.microsoft.com/office/drawing/2014/main" id="{05395B9C-9A5D-47DD-ACDB-171A6F10DEC2}"/>
+                </a:ext>
+              </a:extLst>
+            </p:cNvPr>
+            <p:cNvSpPr/>
+            <p:nvPr/>
+          </p:nvSpPr>
+          <p:spPr>
+            <a:xfrm flipH="1">
+              <a:off x="7576625" y="2788222"/>
+              <a:ext cx="1376039" cy="736847"/>
+            </a:xfrm>
+            <a:prstGeom prst="rect">
+              <a:avLst/>
+            </a:prstGeom>
+          </p:spPr>
+          <p:style>
+            <a:lnRef idx="2">
+              <a:schemeClr val="accent4">
+                <a:shade val="50000"/>
+              </a:schemeClr>
+            </a:lnRef>
+            <a:fillRef idx="1">
+              <a:schemeClr val="accent4"/>
+            </a:fillRef>
+            <a:effectRef idx="0">
+              <a:schemeClr val="accent4"/>
+            </a:effectRef>
+            <a:fontRef idx="minor">
+              <a:schemeClr val="lt1"/>
+            </a:fontRef>
+          </p:style>
+          <p:txBody>
+            <a:bodyPr rtlCol="0" anchor="ctr"/>
+            <a:lstStyle/>
+            <a:p>
+              <a:pPr algn="ctr"/>
+              <a:r>
+                <a:rPr lang="zh-TW" altLang="en-US" sz="1600" dirty="0">
+                  <a:solidFill>
+                    <a:sysClr val="windowText" lastClr="000000"/>
+                  </a:solidFill>
+                  <a:latin typeface="Times New Roman" panose="02020603050405020304" pitchFamily="18" charset="0"/>
+                  <a:ea typeface="標楷體" panose="03000509000000000000" pitchFamily="65" charset="-120"/>
+                </a:rPr>
+                <a:t>職缺</a:t>
+              </a:r>
+              <a:endParaRPr lang="en-US" altLang="zh-TW" sz="1600" dirty="0">
                 <a:solidFill>
                   <a:sysClr val="windowText" lastClr="000000"/>
                 </a:solidFill>
                 <a:latin typeface="Times New Roman" panose="02020603050405020304" pitchFamily="18" charset="0"/>
                 <a:ea typeface="標楷體" panose="03000509000000000000" pitchFamily="65" charset="-120"/>
-              </a:rPr>
-              <a:t>職缺</a:t>
-            </a:r>
-            <a:endParaRPr lang="en-US" altLang="zh-TW" sz="1600" dirty="0">
-              <a:solidFill>
-                <a:sysClr val="windowText" lastClr="000000"/>
-              </a:solidFill>
-              <a:latin typeface="Times New Roman" panose="02020603050405020304" pitchFamily="18" charset="0"/>
-              <a:ea typeface="標楷體" panose="03000509000000000000" pitchFamily="65" charset="-120"/>
-            </a:endParaRPr>
-          </a:p>
-          <a:p>
-            <a:pPr algn="ctr"/>
-            <a:r>
-              <a:rPr lang="zh-TW" altLang="en-US" sz="1600" dirty="0">
+              </a:endParaRPr>
+            </a:p>
+            <a:p>
+              <a:pPr algn="ctr"/>
+              <a:r>
+                <a:rPr lang="zh-TW" altLang="en-US" sz="1600" dirty="0">
+                  <a:solidFill>
+                    <a:sysClr val="windowText" lastClr="000000"/>
+                  </a:solidFill>
+                  <a:latin typeface="Times New Roman" panose="02020603050405020304" pitchFamily="18" charset="0"/>
+                  <a:ea typeface="標楷體" panose="03000509000000000000" pitchFamily="65" charset="-120"/>
+                </a:rPr>
+                <a:t>（</a:t>
+              </a:r>
+              <a:r>
+                <a:rPr lang="en-US" altLang="zh-TW" sz="1600" dirty="0" err="1">
+                  <a:solidFill>
+                    <a:sysClr val="windowText" lastClr="000000"/>
+                  </a:solidFill>
+                  <a:latin typeface="Times New Roman" panose="02020603050405020304" pitchFamily="18" charset="0"/>
+                  <a:ea typeface="標楷體" panose="03000509000000000000" pitchFamily="65" charset="-120"/>
+                </a:rPr>
+                <a:t>jobinfo</a:t>
+              </a:r>
+              <a:r>
+                <a:rPr lang="zh-TW" altLang="en-US" sz="1600" dirty="0">
+                  <a:solidFill>
+                    <a:sysClr val="windowText" lastClr="000000"/>
+                  </a:solidFill>
+                  <a:latin typeface="Times New Roman" panose="02020603050405020304" pitchFamily="18" charset="0"/>
+                  <a:ea typeface="標楷體" panose="03000509000000000000" pitchFamily="65" charset="-120"/>
+                </a:rPr>
+                <a:t>）</a:t>
+              </a:r>
+            </a:p>
+          </p:txBody>
+        </p:sp>
+        <p:cxnSp>
+          <p:nvCxnSpPr>
+            <p:cNvPr id="41" name="直線接點 40">
+              <a:extLst>
+                <a:ext uri="{FF2B5EF4-FFF2-40B4-BE49-F238E27FC236}">
+                  <a16:creationId xmlns:a16="http://schemas.microsoft.com/office/drawing/2014/main" id="{3B0522DE-9DD8-4FEB-9B54-AC903EF75B22}"/>
+                </a:ext>
+              </a:extLst>
+            </p:cNvPr>
+            <p:cNvCxnSpPr>
+              <a:cxnSpLocks/>
+              <a:stCxn id="22" idx="3"/>
+              <a:endCxn id="25" idx="3"/>
+            </p:cNvCxnSpPr>
+            <p:nvPr/>
+          </p:nvCxnSpPr>
+          <p:spPr>
+            <a:xfrm>
+              <a:off x="5841548" y="1181090"/>
+              <a:ext cx="1735077" cy="1975556"/>
+            </a:xfrm>
+            <a:prstGeom prst="line">
+              <a:avLst/>
+            </a:prstGeom>
+            <a:ln w="38100"/>
+          </p:spPr>
+          <p:style>
+            <a:lnRef idx="1">
+              <a:schemeClr val="dk1"/>
+            </a:lnRef>
+            <a:fillRef idx="0">
+              <a:schemeClr val="dk1"/>
+            </a:fillRef>
+            <a:effectRef idx="0">
+              <a:schemeClr val="dk1"/>
+            </a:effectRef>
+            <a:fontRef idx="minor">
+              <a:schemeClr val="tx1"/>
+            </a:fontRef>
+          </p:style>
+        </p:cxnSp>
+        <p:sp>
+          <p:nvSpPr>
+            <p:cNvPr id="5" name="橢圓 4">
+              <a:extLst>
+                <a:ext uri="{FF2B5EF4-FFF2-40B4-BE49-F238E27FC236}">
+                  <a16:creationId xmlns:a16="http://schemas.microsoft.com/office/drawing/2014/main" id="{FAAFE717-12EA-4D05-AA19-003894862EF0}"/>
+                </a:ext>
+              </a:extLst>
+            </p:cNvPr>
+            <p:cNvSpPr/>
+            <p:nvPr/>
+          </p:nvSpPr>
+          <p:spPr>
+            <a:xfrm>
+              <a:off x="734343" y="66675"/>
+              <a:ext cx="1158877" cy="462712"/>
+            </a:xfrm>
+            <a:prstGeom prst="ellipse">
+              <a:avLst/>
+            </a:prstGeom>
+          </p:spPr>
+          <p:style>
+            <a:lnRef idx="2">
+              <a:schemeClr val="accent5">
+                <a:shade val="50000"/>
+              </a:schemeClr>
+            </a:lnRef>
+            <a:fillRef idx="1">
+              <a:schemeClr val="accent5"/>
+            </a:fillRef>
+            <a:effectRef idx="0">
+              <a:schemeClr val="accent5"/>
+            </a:effectRef>
+            <a:fontRef idx="minor">
+              <a:schemeClr val="lt1"/>
+            </a:fontRef>
+          </p:style>
+          <p:txBody>
+            <a:bodyPr rtlCol="0" anchor="ctr"/>
+            <a:lstStyle/>
+            <a:p>
+              <a:pPr algn="ctr"/>
+              <a:r>
+                <a:rPr lang="zh-TW" altLang="en-US" sz="1600" dirty="0">
+                  <a:latin typeface="標楷體" panose="03000509000000000000" pitchFamily="65" charset="-120"/>
+                  <a:ea typeface="標楷體" panose="03000509000000000000" pitchFamily="65" charset="-120"/>
+                </a:rPr>
+                <a:t>名稱</a:t>
+              </a:r>
+            </a:p>
+          </p:txBody>
+        </p:sp>
+        <p:sp>
+          <p:nvSpPr>
+            <p:cNvPr id="4" name="矩形 3">
+              <a:extLst>
+                <a:ext uri="{FF2B5EF4-FFF2-40B4-BE49-F238E27FC236}">
+                  <a16:creationId xmlns:a16="http://schemas.microsoft.com/office/drawing/2014/main" id="{DE783A1C-1E26-43D8-9B50-A6F79EAD2A79}"/>
+                </a:ext>
+              </a:extLst>
+            </p:cNvPr>
+            <p:cNvSpPr/>
+            <p:nvPr/>
+          </p:nvSpPr>
+          <p:spPr>
+            <a:xfrm>
+              <a:off x="1898243" y="816863"/>
+              <a:ext cx="1376039" cy="736847"/>
+            </a:xfrm>
+            <a:prstGeom prst="rect">
+              <a:avLst/>
+            </a:prstGeom>
+          </p:spPr>
+          <p:style>
+            <a:lnRef idx="2">
+              <a:schemeClr val="accent4">
+                <a:shade val="50000"/>
+              </a:schemeClr>
+            </a:lnRef>
+            <a:fillRef idx="1">
+              <a:schemeClr val="accent4"/>
+            </a:fillRef>
+            <a:effectRef idx="0">
+              <a:schemeClr val="accent4"/>
+            </a:effectRef>
+            <a:fontRef idx="minor">
+              <a:schemeClr val="lt1"/>
+            </a:fontRef>
+          </p:style>
+          <p:txBody>
+            <a:bodyPr rtlCol="0" anchor="ctr"/>
+            <a:lstStyle/>
+            <a:p>
+              <a:pPr algn="ctr"/>
+              <a:r>
+                <a:rPr lang="zh-TW" altLang="en-US" sz="1600" dirty="0">
+                  <a:solidFill>
+                    <a:sysClr val="windowText" lastClr="000000"/>
+                  </a:solidFill>
+                  <a:latin typeface="Times New Roman" panose="02020603050405020304" pitchFamily="18" charset="0"/>
+                  <a:ea typeface="標楷體" panose="03000509000000000000" pitchFamily="65" charset="-120"/>
+                </a:rPr>
+                <a:t>公司</a:t>
+              </a:r>
+              <a:endParaRPr lang="en-US" altLang="zh-TW" sz="1600" dirty="0">
                 <a:solidFill>
                   <a:sysClr val="windowText" lastClr="000000"/>
                 </a:solidFill>
                 <a:latin typeface="Times New Roman" panose="02020603050405020304" pitchFamily="18" charset="0"/>
                 <a:ea typeface="標楷體" panose="03000509000000000000" pitchFamily="65" charset="-120"/>
-              </a:rPr>
-              <a:t>（</a:t>
-            </a:r>
-            <a:r>
-              <a:rPr lang="en-US" altLang="zh-TW" sz="1600" dirty="0" err="1">
+              </a:endParaRPr>
+            </a:p>
+            <a:p>
+              <a:pPr algn="ctr"/>
+              <a:r>
+                <a:rPr lang="zh-TW" altLang="en-US" sz="1600" dirty="0">
+                  <a:solidFill>
+                    <a:sysClr val="windowText" lastClr="000000"/>
+                  </a:solidFill>
+                  <a:latin typeface="Times New Roman" panose="02020603050405020304" pitchFamily="18" charset="0"/>
+                  <a:ea typeface="標楷體" panose="03000509000000000000" pitchFamily="65" charset="-120"/>
+                </a:rPr>
+                <a:t>（</a:t>
+              </a:r>
+              <a:r>
+                <a:rPr lang="en-US" altLang="zh-TW" sz="1600" dirty="0">
+                  <a:solidFill>
+                    <a:sysClr val="windowText" lastClr="000000"/>
+                  </a:solidFill>
+                  <a:latin typeface="Times New Roman" panose="02020603050405020304" pitchFamily="18" charset="0"/>
+                  <a:ea typeface="標楷體" panose="03000509000000000000" pitchFamily="65" charset="-120"/>
+                </a:rPr>
+                <a:t>company</a:t>
+              </a:r>
+              <a:r>
+                <a:rPr lang="zh-TW" altLang="en-US" sz="1600" dirty="0">
+                  <a:solidFill>
+                    <a:sysClr val="windowText" lastClr="000000"/>
+                  </a:solidFill>
+                  <a:latin typeface="Times New Roman" panose="02020603050405020304" pitchFamily="18" charset="0"/>
+                  <a:ea typeface="標楷體" panose="03000509000000000000" pitchFamily="65" charset="-120"/>
+                </a:rPr>
+                <a:t>）</a:t>
+              </a:r>
+            </a:p>
+          </p:txBody>
+        </p:sp>
+        <p:sp>
+          <p:nvSpPr>
+            <p:cNvPr id="38" name="橢圓 37">
+              <a:extLst>
+                <a:ext uri="{FF2B5EF4-FFF2-40B4-BE49-F238E27FC236}">
+                  <a16:creationId xmlns:a16="http://schemas.microsoft.com/office/drawing/2014/main" id="{4FC5489F-50A4-4DA0-8BB5-01B945356E04}"/>
+                </a:ext>
+              </a:extLst>
+            </p:cNvPr>
+            <p:cNvSpPr/>
+            <p:nvPr/>
+          </p:nvSpPr>
+          <p:spPr>
+            <a:xfrm>
+              <a:off x="362065" y="645282"/>
+              <a:ext cx="1158877" cy="462712"/>
+            </a:xfrm>
+            <a:prstGeom prst="ellipse">
+              <a:avLst/>
+            </a:prstGeom>
+          </p:spPr>
+          <p:style>
+            <a:lnRef idx="2">
+              <a:schemeClr val="accent5">
+                <a:shade val="50000"/>
+              </a:schemeClr>
+            </a:lnRef>
+            <a:fillRef idx="1">
+              <a:schemeClr val="accent5"/>
+            </a:fillRef>
+            <a:effectRef idx="0">
+              <a:schemeClr val="accent5"/>
+            </a:effectRef>
+            <a:fontRef idx="minor">
+              <a:schemeClr val="lt1"/>
+            </a:fontRef>
+          </p:style>
+          <p:txBody>
+            <a:bodyPr rtlCol="0" anchor="ctr"/>
+            <a:lstStyle/>
+            <a:p>
+              <a:pPr algn="ctr"/>
+              <a:r>
+                <a:rPr lang="zh-TW" altLang="en-US" sz="1600" dirty="0">
+                  <a:latin typeface="標楷體" panose="03000509000000000000" pitchFamily="65" charset="-120"/>
+                  <a:ea typeface="標楷體" panose="03000509000000000000" pitchFamily="65" charset="-120"/>
+                </a:rPr>
+                <a:t>資本額</a:t>
+              </a:r>
+            </a:p>
+          </p:txBody>
+        </p:sp>
+        <p:sp>
+          <p:nvSpPr>
+            <p:cNvPr id="39" name="橢圓 38">
+              <a:extLst>
+                <a:ext uri="{FF2B5EF4-FFF2-40B4-BE49-F238E27FC236}">
+                  <a16:creationId xmlns:a16="http://schemas.microsoft.com/office/drawing/2014/main" id="{4DB5CA4B-10DD-4376-A3D8-DBA897FAA14B}"/>
+                </a:ext>
+              </a:extLst>
+            </p:cNvPr>
+            <p:cNvSpPr/>
+            <p:nvPr/>
+          </p:nvSpPr>
+          <p:spPr>
+            <a:xfrm>
+              <a:off x="362065" y="1262579"/>
+              <a:ext cx="1158877" cy="462712"/>
+            </a:xfrm>
+            <a:prstGeom prst="ellipse">
+              <a:avLst/>
+            </a:prstGeom>
+          </p:spPr>
+          <p:style>
+            <a:lnRef idx="2">
+              <a:schemeClr val="accent5">
+                <a:shade val="50000"/>
+              </a:schemeClr>
+            </a:lnRef>
+            <a:fillRef idx="1">
+              <a:schemeClr val="accent5"/>
+            </a:fillRef>
+            <a:effectRef idx="0">
+              <a:schemeClr val="accent5"/>
+            </a:effectRef>
+            <a:fontRef idx="minor">
+              <a:schemeClr val="lt1"/>
+            </a:fontRef>
+          </p:style>
+          <p:txBody>
+            <a:bodyPr rtlCol="0" anchor="ctr"/>
+            <a:lstStyle/>
+            <a:p>
+              <a:pPr algn="ctr"/>
+              <a:r>
+                <a:rPr lang="zh-TW" altLang="en-US" sz="1600" dirty="0">
+                  <a:latin typeface="標楷體" panose="03000509000000000000" pitchFamily="65" charset="-120"/>
+                  <a:ea typeface="標楷體" panose="03000509000000000000" pitchFamily="65" charset="-120"/>
+                </a:rPr>
+                <a:t>員工數</a:t>
+              </a:r>
+            </a:p>
+          </p:txBody>
+        </p:sp>
+        <p:sp>
+          <p:nvSpPr>
+            <p:cNvPr id="40" name="橢圓 39">
+              <a:extLst>
+                <a:ext uri="{FF2B5EF4-FFF2-40B4-BE49-F238E27FC236}">
+                  <a16:creationId xmlns:a16="http://schemas.microsoft.com/office/drawing/2014/main" id="{7F257DCE-4A1D-4D3F-8A66-99EC7C9C5281}"/>
+                </a:ext>
+              </a:extLst>
+            </p:cNvPr>
+            <p:cNvSpPr/>
+            <p:nvPr/>
+          </p:nvSpPr>
+          <p:spPr>
+            <a:xfrm>
+              <a:off x="734344" y="1841186"/>
+              <a:ext cx="1158877" cy="462712"/>
+            </a:xfrm>
+            <a:prstGeom prst="ellipse">
+              <a:avLst/>
+            </a:prstGeom>
+          </p:spPr>
+          <p:style>
+            <a:lnRef idx="2">
+              <a:schemeClr val="accent5">
+                <a:shade val="50000"/>
+              </a:schemeClr>
+            </a:lnRef>
+            <a:fillRef idx="1">
+              <a:schemeClr val="accent5"/>
+            </a:fillRef>
+            <a:effectRef idx="0">
+              <a:schemeClr val="accent5"/>
+            </a:effectRef>
+            <a:fontRef idx="minor">
+              <a:schemeClr val="lt1"/>
+            </a:fontRef>
+          </p:style>
+          <p:txBody>
+            <a:bodyPr rtlCol="0" anchor="ctr"/>
+            <a:lstStyle/>
+            <a:p>
+              <a:pPr algn="ctr"/>
+              <a:r>
+                <a:rPr lang="zh-TW" altLang="en-US" sz="1600" dirty="0">
+                  <a:latin typeface="標楷體" panose="03000509000000000000" pitchFamily="65" charset="-120"/>
+                  <a:ea typeface="標楷體" panose="03000509000000000000" pitchFamily="65" charset="-120"/>
+                </a:rPr>
+                <a:t>地址</a:t>
+              </a:r>
+            </a:p>
+          </p:txBody>
+        </p:sp>
+        <p:sp>
+          <p:nvSpPr>
+            <p:cNvPr id="50" name="橢圓 49">
+              <a:extLst>
+                <a:ext uri="{FF2B5EF4-FFF2-40B4-BE49-F238E27FC236}">
+                  <a16:creationId xmlns:a16="http://schemas.microsoft.com/office/drawing/2014/main" id="{3E7E5026-4695-4E52-BC9E-F9177CC20E9C}"/>
+                </a:ext>
+              </a:extLst>
+            </p:cNvPr>
+            <p:cNvSpPr/>
+            <p:nvPr/>
+          </p:nvSpPr>
+          <p:spPr>
+            <a:xfrm>
+              <a:off x="9329962" y="1768158"/>
+              <a:ext cx="1158877" cy="462712"/>
+            </a:xfrm>
+            <a:prstGeom prst="ellipse">
+              <a:avLst/>
+            </a:prstGeom>
+          </p:spPr>
+          <p:style>
+            <a:lnRef idx="2">
+              <a:schemeClr val="accent5">
+                <a:shade val="50000"/>
+              </a:schemeClr>
+            </a:lnRef>
+            <a:fillRef idx="1">
+              <a:schemeClr val="accent5"/>
+            </a:fillRef>
+            <a:effectRef idx="0">
+              <a:schemeClr val="accent5"/>
+            </a:effectRef>
+            <a:fontRef idx="minor">
+              <a:schemeClr val="lt1"/>
+            </a:fontRef>
+          </p:style>
+          <p:txBody>
+            <a:bodyPr rtlCol="0" anchor="ctr"/>
+            <a:lstStyle/>
+            <a:p>
+              <a:pPr algn="ctr"/>
+              <a:r>
+                <a:rPr lang="zh-TW" altLang="en-US" sz="1600" dirty="0">
+                  <a:latin typeface="標楷體" panose="03000509000000000000" pitchFamily="65" charset="-120"/>
+                  <a:ea typeface="標楷體" panose="03000509000000000000" pitchFamily="65" charset="-120"/>
+                </a:rPr>
+                <a:t>學歷</a:t>
+              </a:r>
+            </a:p>
+          </p:txBody>
+        </p:sp>
+        <p:sp>
+          <p:nvSpPr>
+            <p:cNvPr id="53" name="橢圓 52">
+              <a:extLst>
+                <a:ext uri="{FF2B5EF4-FFF2-40B4-BE49-F238E27FC236}">
+                  <a16:creationId xmlns:a16="http://schemas.microsoft.com/office/drawing/2014/main" id="{13241945-4C0B-49CB-A461-284A2FA9D851}"/>
+                </a:ext>
+              </a:extLst>
+            </p:cNvPr>
+            <p:cNvSpPr/>
+            <p:nvPr/>
+          </p:nvSpPr>
+          <p:spPr>
+            <a:xfrm>
+              <a:off x="9329965" y="2693933"/>
+              <a:ext cx="1158877" cy="462712"/>
+            </a:xfrm>
+            <a:prstGeom prst="ellipse">
+              <a:avLst/>
+            </a:prstGeom>
+          </p:spPr>
+          <p:style>
+            <a:lnRef idx="2">
+              <a:schemeClr val="accent5">
+                <a:shade val="50000"/>
+              </a:schemeClr>
+            </a:lnRef>
+            <a:fillRef idx="1">
+              <a:schemeClr val="accent5"/>
+            </a:fillRef>
+            <a:effectRef idx="0">
+              <a:schemeClr val="accent5"/>
+            </a:effectRef>
+            <a:fontRef idx="minor">
+              <a:schemeClr val="lt1"/>
+            </a:fontRef>
+          </p:style>
+          <p:txBody>
+            <a:bodyPr rtlCol="0" anchor="ctr"/>
+            <a:lstStyle/>
+            <a:p>
+              <a:pPr algn="ctr"/>
+              <a:r>
+                <a:rPr lang="zh-TW" altLang="en-US" sz="1250" dirty="0">
+                  <a:latin typeface="標楷體" panose="03000509000000000000" pitchFamily="65" charset="-120"/>
+                  <a:ea typeface="標楷體" panose="03000509000000000000" pitchFamily="65" charset="-120"/>
+                </a:rPr>
+                <a:t>年資要求</a:t>
+              </a:r>
+            </a:p>
+          </p:txBody>
+        </p:sp>
+        <p:sp>
+          <p:nvSpPr>
+            <p:cNvPr id="54" name="橢圓 53">
+              <a:extLst>
+                <a:ext uri="{FF2B5EF4-FFF2-40B4-BE49-F238E27FC236}">
+                  <a16:creationId xmlns:a16="http://schemas.microsoft.com/office/drawing/2014/main" id="{3B24C222-5EFE-46FD-8C09-EBF354D0EC68}"/>
+                </a:ext>
+              </a:extLst>
+            </p:cNvPr>
+            <p:cNvSpPr/>
+            <p:nvPr/>
+          </p:nvSpPr>
+          <p:spPr>
+            <a:xfrm>
+              <a:off x="9329963" y="2222828"/>
+              <a:ext cx="1158877" cy="462712"/>
+            </a:xfrm>
+            <a:prstGeom prst="ellipse">
+              <a:avLst/>
+            </a:prstGeom>
+          </p:spPr>
+          <p:style>
+            <a:lnRef idx="2">
+              <a:schemeClr val="accent5">
+                <a:shade val="50000"/>
+              </a:schemeClr>
+            </a:lnRef>
+            <a:fillRef idx="1">
+              <a:schemeClr val="accent5"/>
+            </a:fillRef>
+            <a:effectRef idx="0">
+              <a:schemeClr val="accent5"/>
+            </a:effectRef>
+            <a:fontRef idx="minor">
+              <a:schemeClr val="lt1"/>
+            </a:fontRef>
+          </p:style>
+          <p:txBody>
+            <a:bodyPr rtlCol="0" anchor="ctr"/>
+            <a:lstStyle/>
+            <a:p>
+              <a:pPr algn="ctr"/>
+              <a:r>
+                <a:rPr lang="zh-TW" altLang="en-US" sz="1600" dirty="0">
+                  <a:latin typeface="標楷體" panose="03000509000000000000" pitchFamily="65" charset="-120"/>
+                  <a:ea typeface="標楷體" panose="03000509000000000000" pitchFamily="65" charset="-120"/>
+                </a:rPr>
+                <a:t>薪資</a:t>
+              </a:r>
+            </a:p>
+          </p:txBody>
+        </p:sp>
+        <p:sp>
+          <p:nvSpPr>
+            <p:cNvPr id="55" name="橢圓 54">
+              <a:extLst>
+                <a:ext uri="{FF2B5EF4-FFF2-40B4-BE49-F238E27FC236}">
+                  <a16:creationId xmlns:a16="http://schemas.microsoft.com/office/drawing/2014/main" id="{374D129F-D781-471B-B489-98674C9B8952}"/>
+                </a:ext>
+              </a:extLst>
+            </p:cNvPr>
+            <p:cNvSpPr/>
+            <p:nvPr/>
+          </p:nvSpPr>
+          <p:spPr>
+            <a:xfrm>
+              <a:off x="9329964" y="3165038"/>
+              <a:ext cx="1158877" cy="462712"/>
+            </a:xfrm>
+            <a:prstGeom prst="ellipse">
+              <a:avLst/>
+            </a:prstGeom>
+          </p:spPr>
+          <p:style>
+            <a:lnRef idx="2">
+              <a:schemeClr val="accent5">
+                <a:shade val="50000"/>
+              </a:schemeClr>
+            </a:lnRef>
+            <a:fillRef idx="1">
+              <a:schemeClr val="accent5"/>
+            </a:fillRef>
+            <a:effectRef idx="0">
+              <a:schemeClr val="accent5"/>
+            </a:effectRef>
+            <a:fontRef idx="minor">
+              <a:schemeClr val="lt1"/>
+            </a:fontRef>
+          </p:style>
+          <p:txBody>
+            <a:bodyPr rtlCol="0" anchor="ctr"/>
+            <a:lstStyle/>
+            <a:p>
+              <a:pPr algn="ctr"/>
+              <a:r>
+                <a:rPr lang="zh-TW" altLang="en-US" sz="1250" dirty="0">
+                  <a:latin typeface="標楷體" panose="03000509000000000000" pitchFamily="65" charset="-120"/>
+                  <a:ea typeface="標楷體" panose="03000509000000000000" pitchFamily="65" charset="-120"/>
+                </a:rPr>
+                <a:t>工作型態</a:t>
+              </a:r>
+            </a:p>
+          </p:txBody>
+        </p:sp>
+        <p:sp>
+          <p:nvSpPr>
+            <p:cNvPr id="56" name="橢圓 55">
+              <a:extLst>
+                <a:ext uri="{FF2B5EF4-FFF2-40B4-BE49-F238E27FC236}">
+                  <a16:creationId xmlns:a16="http://schemas.microsoft.com/office/drawing/2014/main" id="{1D69EFC4-EF92-411D-8CEE-C57796FB1E5B}"/>
+                </a:ext>
+              </a:extLst>
+            </p:cNvPr>
+            <p:cNvSpPr/>
+            <p:nvPr/>
+          </p:nvSpPr>
+          <p:spPr>
+            <a:xfrm>
+              <a:off x="9329959" y="3636143"/>
+              <a:ext cx="1158877" cy="462712"/>
+            </a:xfrm>
+            <a:prstGeom prst="ellipse">
+              <a:avLst/>
+            </a:prstGeom>
+          </p:spPr>
+          <p:style>
+            <a:lnRef idx="2">
+              <a:schemeClr val="accent5">
+                <a:shade val="50000"/>
+              </a:schemeClr>
+            </a:lnRef>
+            <a:fillRef idx="1">
+              <a:schemeClr val="accent5"/>
+            </a:fillRef>
+            <a:effectRef idx="0">
+              <a:schemeClr val="accent5"/>
+            </a:effectRef>
+            <a:fontRef idx="minor">
+              <a:schemeClr val="lt1"/>
+            </a:fontRef>
+          </p:style>
+          <p:txBody>
+            <a:bodyPr rtlCol="0" anchor="ctr"/>
+            <a:lstStyle/>
+            <a:p>
+              <a:pPr algn="ctr"/>
+              <a:r>
+                <a:rPr lang="zh-TW" altLang="en-US" sz="1600" dirty="0">
+                  <a:latin typeface="標楷體" panose="03000509000000000000" pitchFamily="65" charset="-120"/>
+                  <a:ea typeface="標楷體" panose="03000509000000000000" pitchFamily="65" charset="-120"/>
+                </a:rPr>
+                <a:t>工時</a:t>
+              </a:r>
+            </a:p>
+          </p:txBody>
+        </p:sp>
+        <p:sp>
+          <p:nvSpPr>
+            <p:cNvPr id="57" name="橢圓 56">
+              <a:extLst>
+                <a:ext uri="{FF2B5EF4-FFF2-40B4-BE49-F238E27FC236}">
+                  <a16:creationId xmlns:a16="http://schemas.microsoft.com/office/drawing/2014/main" id="{304E7791-C1BB-4DF6-ABCD-E9256F6A27BF}"/>
+                </a:ext>
+              </a:extLst>
+            </p:cNvPr>
+            <p:cNvSpPr/>
+            <p:nvPr/>
+          </p:nvSpPr>
+          <p:spPr>
+            <a:xfrm>
+              <a:off x="9329962" y="4561918"/>
+              <a:ext cx="1158877" cy="462712"/>
+            </a:xfrm>
+            <a:prstGeom prst="ellipse">
+              <a:avLst/>
+            </a:prstGeom>
+          </p:spPr>
+          <p:style>
+            <a:lnRef idx="2">
+              <a:schemeClr val="accent5">
+                <a:shade val="50000"/>
+              </a:schemeClr>
+            </a:lnRef>
+            <a:fillRef idx="1">
+              <a:schemeClr val="accent5"/>
+            </a:fillRef>
+            <a:effectRef idx="0">
+              <a:schemeClr val="accent5"/>
+            </a:effectRef>
+            <a:fontRef idx="minor">
+              <a:schemeClr val="lt1"/>
+            </a:fontRef>
+          </p:style>
+          <p:txBody>
+            <a:bodyPr rtlCol="0" anchor="ctr"/>
+            <a:lstStyle/>
+            <a:p>
+              <a:pPr algn="ctr"/>
+              <a:r>
+                <a:rPr lang="zh-TW" altLang="en-US" sz="1250" dirty="0">
+                  <a:latin typeface="標楷體" panose="03000509000000000000" pitchFamily="65" charset="-120"/>
+                  <a:ea typeface="標楷體" panose="03000509000000000000" pitchFamily="65" charset="-120"/>
+                </a:rPr>
+                <a:t>需求人數</a:t>
+              </a:r>
+            </a:p>
+          </p:txBody>
+        </p:sp>
+        <p:sp>
+          <p:nvSpPr>
+            <p:cNvPr id="58" name="橢圓 57">
+              <a:extLst>
+                <a:ext uri="{FF2B5EF4-FFF2-40B4-BE49-F238E27FC236}">
+                  <a16:creationId xmlns:a16="http://schemas.microsoft.com/office/drawing/2014/main" id="{A88B9EE5-2953-4CCB-8793-C35B9742F43C}"/>
+                </a:ext>
+              </a:extLst>
+            </p:cNvPr>
+            <p:cNvSpPr/>
+            <p:nvPr/>
+          </p:nvSpPr>
+          <p:spPr>
+            <a:xfrm>
+              <a:off x="9329960" y="4090813"/>
+              <a:ext cx="1158877" cy="462712"/>
+            </a:xfrm>
+            <a:prstGeom prst="ellipse">
+              <a:avLst/>
+            </a:prstGeom>
+          </p:spPr>
+          <p:style>
+            <a:lnRef idx="2">
+              <a:schemeClr val="accent5">
+                <a:shade val="50000"/>
+              </a:schemeClr>
+            </a:lnRef>
+            <a:fillRef idx="1">
+              <a:schemeClr val="accent5"/>
+            </a:fillRef>
+            <a:effectRef idx="0">
+              <a:schemeClr val="accent5"/>
+            </a:effectRef>
+            <a:fontRef idx="minor">
+              <a:schemeClr val="lt1"/>
+            </a:fontRef>
+          </p:style>
+          <p:txBody>
+            <a:bodyPr rtlCol="0" anchor="ctr"/>
+            <a:lstStyle/>
+            <a:p>
+              <a:pPr algn="ctr"/>
+              <a:r>
+                <a:rPr lang="zh-TW" altLang="en-US" sz="1250" dirty="0">
+                  <a:latin typeface="標楷體" panose="03000509000000000000" pitchFamily="65" charset="-120"/>
+                  <a:ea typeface="標楷體" panose="03000509000000000000" pitchFamily="65" charset="-120"/>
+                </a:rPr>
+                <a:t>上班時段</a:t>
+              </a:r>
+            </a:p>
+          </p:txBody>
+        </p:sp>
+        <p:sp>
+          <p:nvSpPr>
+            <p:cNvPr id="59" name="橢圓 58">
+              <a:extLst>
+                <a:ext uri="{FF2B5EF4-FFF2-40B4-BE49-F238E27FC236}">
+                  <a16:creationId xmlns:a16="http://schemas.microsoft.com/office/drawing/2014/main" id="{972C3DA7-1F65-438D-A245-4DAD0ECEA16F}"/>
+                </a:ext>
+              </a:extLst>
+            </p:cNvPr>
+            <p:cNvSpPr/>
+            <p:nvPr/>
+          </p:nvSpPr>
+          <p:spPr>
+            <a:xfrm>
+              <a:off x="9329959" y="1301250"/>
+              <a:ext cx="1158877" cy="462712"/>
+            </a:xfrm>
+            <a:prstGeom prst="ellipse">
+              <a:avLst/>
+            </a:prstGeom>
+          </p:spPr>
+          <p:style>
+            <a:lnRef idx="2">
+              <a:schemeClr val="accent5">
+                <a:shade val="50000"/>
+              </a:schemeClr>
+            </a:lnRef>
+            <a:fillRef idx="1">
+              <a:schemeClr val="accent5"/>
+            </a:fillRef>
+            <a:effectRef idx="0">
+              <a:schemeClr val="accent5"/>
+            </a:effectRef>
+            <a:fontRef idx="minor">
+              <a:schemeClr val="lt1"/>
+            </a:fontRef>
+          </p:style>
+          <p:txBody>
+            <a:bodyPr rtlCol="0" anchor="ctr"/>
+            <a:lstStyle/>
+            <a:p>
+              <a:pPr algn="ctr"/>
+              <a:r>
+                <a:rPr lang="zh-TW" altLang="en-US" sz="1600" dirty="0">
+                  <a:latin typeface="標楷體" panose="03000509000000000000" pitchFamily="65" charset="-120"/>
+                  <a:ea typeface="標楷體" panose="03000509000000000000" pitchFamily="65" charset="-120"/>
+                </a:rPr>
+                <a:t>名稱</a:t>
+              </a:r>
+            </a:p>
+          </p:txBody>
+        </p:sp>
+        <p:sp>
+          <p:nvSpPr>
+            <p:cNvPr id="64" name="菱形 63">
+              <a:extLst>
+                <a:ext uri="{FF2B5EF4-FFF2-40B4-BE49-F238E27FC236}">
+                  <a16:creationId xmlns:a16="http://schemas.microsoft.com/office/drawing/2014/main" id="{C92183E7-A9F6-4CC9-805B-689F120943AE}"/>
+                </a:ext>
+              </a:extLst>
+            </p:cNvPr>
+            <p:cNvSpPr/>
+            <p:nvPr/>
+          </p:nvSpPr>
+          <p:spPr>
+            <a:xfrm>
+              <a:off x="4465509" y="4850181"/>
+              <a:ext cx="1376039" cy="745240"/>
+            </a:xfrm>
+            <a:prstGeom prst="diamond">
+              <a:avLst/>
+            </a:prstGeom>
+          </p:spPr>
+          <p:style>
+            <a:lnRef idx="2">
+              <a:schemeClr val="accent6">
+                <a:shade val="50000"/>
+              </a:schemeClr>
+            </a:lnRef>
+            <a:fillRef idx="1">
+              <a:schemeClr val="accent6"/>
+            </a:fillRef>
+            <a:effectRef idx="0">
+              <a:schemeClr val="accent6"/>
+            </a:effectRef>
+            <a:fontRef idx="minor">
+              <a:schemeClr val="lt1"/>
+            </a:fontRef>
+          </p:style>
+          <p:txBody>
+            <a:bodyPr rtlCol="0" anchor="ctr"/>
+            <a:lstStyle/>
+            <a:p>
+              <a:pPr algn="ctr"/>
+              <a:r>
+                <a:rPr lang="zh-TW" altLang="en-US" sz="1600" dirty="0">
+                  <a:latin typeface="標楷體" panose="03000509000000000000" pitchFamily="65" charset="-120"/>
+                  <a:ea typeface="標楷體" panose="03000509000000000000" pitchFamily="65" charset="-120"/>
+                </a:rPr>
+                <a:t>位於</a:t>
+              </a:r>
+            </a:p>
+          </p:txBody>
+        </p:sp>
+        <p:cxnSp>
+          <p:nvCxnSpPr>
+            <p:cNvPr id="65" name="直線單箭頭接點 64">
+              <a:extLst>
+                <a:ext uri="{FF2B5EF4-FFF2-40B4-BE49-F238E27FC236}">
+                  <a16:creationId xmlns:a16="http://schemas.microsoft.com/office/drawing/2014/main" id="{BCAF43C8-9294-4FFC-B0AF-BFE59DE7812A}"/>
+                </a:ext>
+              </a:extLst>
+            </p:cNvPr>
+            <p:cNvCxnSpPr>
+              <a:cxnSpLocks/>
+              <a:stCxn id="64" idx="1"/>
+              <a:endCxn id="68" idx="3"/>
+            </p:cNvCxnSpPr>
+            <p:nvPr/>
+          </p:nvCxnSpPr>
+          <p:spPr>
+            <a:xfrm flipH="1">
+              <a:off x="3274282" y="5222801"/>
+              <a:ext cx="1191227" cy="4197"/>
+            </a:xfrm>
+            <a:prstGeom prst="straightConnector1">
+              <a:avLst/>
+            </a:prstGeom>
+            <a:ln>
+              <a:tailEnd type="triangle"/>
+            </a:ln>
+          </p:spPr>
+          <p:style>
+            <a:lnRef idx="1">
+              <a:schemeClr val="accent1"/>
+            </a:lnRef>
+            <a:fillRef idx="0">
+              <a:schemeClr val="accent1"/>
+            </a:fillRef>
+            <a:effectRef idx="0">
+              <a:schemeClr val="accent1"/>
+            </a:effectRef>
+            <a:fontRef idx="minor">
+              <a:schemeClr val="tx1"/>
+            </a:fontRef>
+          </p:style>
+        </p:cxnSp>
+        <p:cxnSp>
+          <p:nvCxnSpPr>
+            <p:cNvPr id="66" name="直線接點 65">
+              <a:extLst>
+                <a:ext uri="{FF2B5EF4-FFF2-40B4-BE49-F238E27FC236}">
+                  <a16:creationId xmlns:a16="http://schemas.microsoft.com/office/drawing/2014/main" id="{ED3E93D9-1CDC-4F02-953F-30CF5A0A0A5D}"/>
+                </a:ext>
+              </a:extLst>
+            </p:cNvPr>
+            <p:cNvCxnSpPr>
+              <a:cxnSpLocks/>
+              <a:stCxn id="25" idx="3"/>
+              <a:endCxn id="64" idx="3"/>
+            </p:cNvCxnSpPr>
+            <p:nvPr/>
+          </p:nvCxnSpPr>
+          <p:spPr>
+            <a:xfrm flipH="1">
+              <a:off x="5841548" y="3156646"/>
+              <a:ext cx="1735077" cy="2066155"/>
+            </a:xfrm>
+            <a:prstGeom prst="line">
+              <a:avLst/>
+            </a:prstGeom>
+            <a:ln w="38100"/>
+          </p:spPr>
+          <p:style>
+            <a:lnRef idx="1">
+              <a:schemeClr val="dk1"/>
+            </a:lnRef>
+            <a:fillRef idx="0">
+              <a:schemeClr val="dk1"/>
+            </a:fillRef>
+            <a:effectRef idx="0">
+              <a:schemeClr val="dk1"/>
+            </a:effectRef>
+            <a:fontRef idx="minor">
+              <a:schemeClr val="tx1"/>
+            </a:fontRef>
+          </p:style>
+        </p:cxnSp>
+        <p:sp>
+          <p:nvSpPr>
+            <p:cNvPr id="68" name="矩形 67">
+              <a:extLst>
+                <a:ext uri="{FF2B5EF4-FFF2-40B4-BE49-F238E27FC236}">
+                  <a16:creationId xmlns:a16="http://schemas.microsoft.com/office/drawing/2014/main" id="{75B22F18-FB23-4F93-9FEC-3FC680A0DB4E}"/>
+                </a:ext>
+              </a:extLst>
+            </p:cNvPr>
+            <p:cNvSpPr/>
+            <p:nvPr/>
+          </p:nvSpPr>
+          <p:spPr>
+            <a:xfrm>
+              <a:off x="1898243" y="4858574"/>
+              <a:ext cx="1376039" cy="736847"/>
+            </a:xfrm>
+            <a:prstGeom prst="rect">
+              <a:avLst/>
+            </a:prstGeom>
+          </p:spPr>
+          <p:style>
+            <a:lnRef idx="2">
+              <a:schemeClr val="accent4">
+                <a:shade val="50000"/>
+              </a:schemeClr>
+            </a:lnRef>
+            <a:fillRef idx="1">
+              <a:schemeClr val="accent4"/>
+            </a:fillRef>
+            <a:effectRef idx="0">
+              <a:schemeClr val="accent4"/>
+            </a:effectRef>
+            <a:fontRef idx="minor">
+              <a:schemeClr val="lt1"/>
+            </a:fontRef>
+          </p:style>
+          <p:txBody>
+            <a:bodyPr rtlCol="0" anchor="ctr"/>
+            <a:lstStyle/>
+            <a:p>
+              <a:pPr algn="ctr"/>
+              <a:r>
+                <a:rPr lang="zh-TW" altLang="en-US" sz="1600" dirty="0">
+                  <a:solidFill>
+                    <a:sysClr val="windowText" lastClr="000000"/>
+                  </a:solidFill>
+                  <a:latin typeface="Times New Roman" panose="02020603050405020304" pitchFamily="18" charset="0"/>
+                  <a:ea typeface="標楷體" panose="03000509000000000000" pitchFamily="65" charset="-120"/>
+                </a:rPr>
+                <a:t>地域</a:t>
+              </a:r>
+              <a:endParaRPr lang="en-US" altLang="zh-TW" sz="1600" dirty="0">
                 <a:solidFill>
                   <a:sysClr val="windowText" lastClr="000000"/>
                 </a:solidFill>
                 <a:latin typeface="Times New Roman" panose="02020603050405020304" pitchFamily="18" charset="0"/>
                 <a:ea typeface="標楷體" panose="03000509000000000000" pitchFamily="65" charset="-120"/>
-              </a:rPr>
-              <a:t>jobinfo</a:t>
-            </a:r>
-            <a:r>
-              <a:rPr lang="zh-TW" altLang="en-US" sz="1600" dirty="0">
+              </a:endParaRPr>
+            </a:p>
+            <a:p>
+              <a:pPr algn="ctr"/>
+              <a:r>
+                <a:rPr lang="zh-TW" altLang="en-US" sz="1600" dirty="0">
+                  <a:solidFill>
+                    <a:sysClr val="windowText" lastClr="000000"/>
+                  </a:solidFill>
+                  <a:latin typeface="Times New Roman" panose="02020603050405020304" pitchFamily="18" charset="0"/>
+                  <a:ea typeface="標楷體" panose="03000509000000000000" pitchFamily="65" charset="-120"/>
+                </a:rPr>
+                <a:t>（</a:t>
+              </a:r>
+              <a:r>
+                <a:rPr lang="en-US" altLang="zh-TW" sz="1600" dirty="0" err="1">
+                  <a:solidFill>
+                    <a:sysClr val="windowText" lastClr="000000"/>
+                  </a:solidFill>
+                  <a:latin typeface="Times New Roman" panose="02020603050405020304" pitchFamily="18" charset="0"/>
+                  <a:ea typeface="標楷體" panose="03000509000000000000" pitchFamily="65" charset="-120"/>
+                </a:rPr>
+                <a:t>localarea</a:t>
+              </a:r>
+              <a:r>
+                <a:rPr lang="zh-TW" altLang="en-US" sz="1600" dirty="0">
+                  <a:solidFill>
+                    <a:sysClr val="windowText" lastClr="000000"/>
+                  </a:solidFill>
+                  <a:latin typeface="Times New Roman" panose="02020603050405020304" pitchFamily="18" charset="0"/>
+                  <a:ea typeface="標楷體" panose="03000509000000000000" pitchFamily="65" charset="-120"/>
+                </a:rPr>
+                <a:t>）</a:t>
+              </a:r>
+            </a:p>
+          </p:txBody>
+        </p:sp>
+        <p:sp>
+          <p:nvSpPr>
+            <p:cNvPr id="69" name="橢圓 68">
+              <a:extLst>
+                <a:ext uri="{FF2B5EF4-FFF2-40B4-BE49-F238E27FC236}">
+                  <a16:creationId xmlns:a16="http://schemas.microsoft.com/office/drawing/2014/main" id="{BA0F2B46-9A9F-41CD-AEC0-B53FC7B9121C}"/>
+                </a:ext>
+              </a:extLst>
+            </p:cNvPr>
+            <p:cNvSpPr/>
+            <p:nvPr/>
+          </p:nvSpPr>
+          <p:spPr>
+            <a:xfrm>
+              <a:off x="362065" y="4686993"/>
+              <a:ext cx="1158877" cy="462712"/>
+            </a:xfrm>
+            <a:prstGeom prst="ellipse">
+              <a:avLst/>
+            </a:prstGeom>
+          </p:spPr>
+          <p:style>
+            <a:lnRef idx="2">
+              <a:schemeClr val="accent5">
+                <a:shade val="50000"/>
+              </a:schemeClr>
+            </a:lnRef>
+            <a:fillRef idx="1">
+              <a:schemeClr val="accent5"/>
+            </a:fillRef>
+            <a:effectRef idx="0">
+              <a:schemeClr val="accent5"/>
+            </a:effectRef>
+            <a:fontRef idx="minor">
+              <a:schemeClr val="lt1"/>
+            </a:fontRef>
+          </p:style>
+          <p:txBody>
+            <a:bodyPr rtlCol="0" anchor="ctr"/>
+            <a:lstStyle/>
+            <a:p>
+              <a:pPr algn="ctr"/>
+              <a:r>
+                <a:rPr lang="zh-TW" altLang="en-US" sz="1600" dirty="0">
+                  <a:latin typeface="標楷體" panose="03000509000000000000" pitchFamily="65" charset="-120"/>
+                  <a:ea typeface="標楷體" panose="03000509000000000000" pitchFamily="65" charset="-120"/>
+                </a:rPr>
+                <a:t>縣市</a:t>
+              </a:r>
+            </a:p>
+          </p:txBody>
+        </p:sp>
+        <p:sp>
+          <p:nvSpPr>
+            <p:cNvPr id="70" name="橢圓 69">
+              <a:extLst>
+                <a:ext uri="{FF2B5EF4-FFF2-40B4-BE49-F238E27FC236}">
+                  <a16:creationId xmlns:a16="http://schemas.microsoft.com/office/drawing/2014/main" id="{151E286B-8244-4FF3-BDBD-4A3BB0B1E793}"/>
+                </a:ext>
+              </a:extLst>
+            </p:cNvPr>
+            <p:cNvSpPr/>
+            <p:nvPr/>
+          </p:nvSpPr>
+          <p:spPr>
+            <a:xfrm>
+              <a:off x="362065" y="5304290"/>
+              <a:ext cx="1158877" cy="462712"/>
+            </a:xfrm>
+            <a:prstGeom prst="ellipse">
+              <a:avLst/>
+            </a:prstGeom>
+          </p:spPr>
+          <p:style>
+            <a:lnRef idx="2">
+              <a:schemeClr val="accent5">
+                <a:shade val="50000"/>
+              </a:schemeClr>
+            </a:lnRef>
+            <a:fillRef idx="1">
+              <a:schemeClr val="accent5"/>
+            </a:fillRef>
+            <a:effectRef idx="0">
+              <a:schemeClr val="accent5"/>
+            </a:effectRef>
+            <a:fontRef idx="minor">
+              <a:schemeClr val="lt1"/>
+            </a:fontRef>
+          </p:style>
+          <p:txBody>
+            <a:bodyPr rtlCol="0" anchor="ctr"/>
+            <a:lstStyle/>
+            <a:p>
+              <a:pPr algn="ctr"/>
+              <a:r>
+                <a:rPr lang="zh-TW" altLang="en-US" sz="1250" dirty="0">
+                  <a:latin typeface="標楷體" panose="03000509000000000000" pitchFamily="65" charset="-120"/>
+                  <a:ea typeface="標楷體" panose="03000509000000000000" pitchFamily="65" charset="-120"/>
+                </a:rPr>
+                <a:t>鄉鎮市區</a:t>
+              </a:r>
+            </a:p>
+          </p:txBody>
+        </p:sp>
+        <p:sp>
+          <p:nvSpPr>
+            <p:cNvPr id="80" name="菱形 79">
+              <a:extLst>
+                <a:ext uri="{FF2B5EF4-FFF2-40B4-BE49-F238E27FC236}">
+                  <a16:creationId xmlns:a16="http://schemas.microsoft.com/office/drawing/2014/main" id="{FB441D19-8ED0-4882-93FD-8953DB39E1DA}"/>
+                </a:ext>
+              </a:extLst>
+            </p:cNvPr>
+            <p:cNvSpPr/>
+            <p:nvPr/>
+          </p:nvSpPr>
+          <p:spPr>
+            <a:xfrm>
+              <a:off x="4465508" y="2784026"/>
+              <a:ext cx="1376039" cy="745240"/>
+            </a:xfrm>
+            <a:prstGeom prst="diamond">
+              <a:avLst/>
+            </a:prstGeom>
+          </p:spPr>
+          <p:style>
+            <a:lnRef idx="2">
+              <a:schemeClr val="accent6">
+                <a:shade val="50000"/>
+              </a:schemeClr>
+            </a:lnRef>
+            <a:fillRef idx="1">
+              <a:schemeClr val="accent6"/>
+            </a:fillRef>
+            <a:effectRef idx="0">
+              <a:schemeClr val="accent6"/>
+            </a:effectRef>
+            <a:fontRef idx="minor">
+              <a:schemeClr val="lt1"/>
+            </a:fontRef>
+          </p:style>
+          <p:txBody>
+            <a:bodyPr rtlCol="0" anchor="ctr"/>
+            <a:lstStyle/>
+            <a:p>
+              <a:pPr algn="ctr"/>
+              <a:r>
+                <a:rPr lang="zh-TW" altLang="en-US" sz="1600" dirty="0">
+                  <a:latin typeface="標楷體" panose="03000509000000000000" pitchFamily="65" charset="-120"/>
+                  <a:ea typeface="標楷體" panose="03000509000000000000" pitchFamily="65" charset="-120"/>
+                </a:rPr>
+                <a:t>屬於</a:t>
+              </a:r>
+            </a:p>
+          </p:txBody>
+        </p:sp>
+        <p:cxnSp>
+          <p:nvCxnSpPr>
+            <p:cNvPr id="81" name="直線單箭頭接點 80">
+              <a:extLst>
+                <a:ext uri="{FF2B5EF4-FFF2-40B4-BE49-F238E27FC236}">
+                  <a16:creationId xmlns:a16="http://schemas.microsoft.com/office/drawing/2014/main" id="{050D4D69-687C-45C6-B4BE-1A4F8DB8B928}"/>
+                </a:ext>
+              </a:extLst>
+            </p:cNvPr>
+            <p:cNvCxnSpPr>
+              <a:stCxn id="80" idx="1"/>
+              <a:endCxn id="84" idx="3"/>
+            </p:cNvCxnSpPr>
+            <p:nvPr/>
+          </p:nvCxnSpPr>
+          <p:spPr>
+            <a:xfrm flipH="1">
+              <a:off x="3274281" y="3156646"/>
+              <a:ext cx="1191227" cy="4197"/>
+            </a:xfrm>
+            <a:prstGeom prst="straightConnector1">
+              <a:avLst/>
+            </a:prstGeom>
+            <a:ln>
+              <a:tailEnd type="triangle"/>
+            </a:ln>
+          </p:spPr>
+          <p:style>
+            <a:lnRef idx="1">
+              <a:schemeClr val="accent1"/>
+            </a:lnRef>
+            <a:fillRef idx="0">
+              <a:schemeClr val="accent1"/>
+            </a:fillRef>
+            <a:effectRef idx="0">
+              <a:schemeClr val="accent1"/>
+            </a:effectRef>
+            <a:fontRef idx="minor">
+              <a:schemeClr val="tx1"/>
+            </a:fontRef>
+          </p:style>
+        </p:cxnSp>
+        <p:sp>
+          <p:nvSpPr>
+            <p:cNvPr id="84" name="矩形 83">
+              <a:extLst>
+                <a:ext uri="{FF2B5EF4-FFF2-40B4-BE49-F238E27FC236}">
+                  <a16:creationId xmlns:a16="http://schemas.microsoft.com/office/drawing/2014/main" id="{23D22B9C-62C2-416D-9261-153FC05D45E9}"/>
+                </a:ext>
+              </a:extLst>
+            </p:cNvPr>
+            <p:cNvSpPr/>
+            <p:nvPr/>
+          </p:nvSpPr>
+          <p:spPr>
+            <a:xfrm>
+              <a:off x="1898242" y="2792419"/>
+              <a:ext cx="1376039" cy="736847"/>
+            </a:xfrm>
+            <a:prstGeom prst="rect">
+              <a:avLst/>
+            </a:prstGeom>
+          </p:spPr>
+          <p:style>
+            <a:lnRef idx="2">
+              <a:schemeClr val="accent4">
+                <a:shade val="50000"/>
+              </a:schemeClr>
+            </a:lnRef>
+            <a:fillRef idx="1">
+              <a:schemeClr val="accent4"/>
+            </a:fillRef>
+            <a:effectRef idx="0">
+              <a:schemeClr val="accent4"/>
+            </a:effectRef>
+            <a:fontRef idx="minor">
+              <a:schemeClr val="lt1"/>
+            </a:fontRef>
+          </p:style>
+          <p:txBody>
+            <a:bodyPr rtlCol="0" anchor="ctr"/>
+            <a:lstStyle/>
+            <a:p>
+              <a:pPr algn="ctr"/>
+              <a:r>
+                <a:rPr lang="zh-TW" altLang="en-US" sz="1600" dirty="0">
+                  <a:solidFill>
+                    <a:sysClr val="windowText" lastClr="000000"/>
+                  </a:solidFill>
+                  <a:latin typeface="Times New Roman" panose="02020603050405020304" pitchFamily="18" charset="0"/>
+                  <a:ea typeface="標楷體" panose="03000509000000000000" pitchFamily="65" charset="-120"/>
+                </a:rPr>
+                <a:t>職務</a:t>
+              </a:r>
+              <a:endParaRPr lang="en-US" altLang="zh-TW" sz="1600" dirty="0">
                 <a:solidFill>
                   <a:sysClr val="windowText" lastClr="000000"/>
                 </a:solidFill>
                 <a:latin typeface="Times New Roman" panose="02020603050405020304" pitchFamily="18" charset="0"/>
                 <a:ea typeface="標楷體" panose="03000509000000000000" pitchFamily="65" charset="-120"/>
-              </a:rPr>
-              <a:t>）</a:t>
-            </a:r>
-          </a:p>
-        </p:txBody>
-      </p:sp>
-      <p:cxnSp>
-        <p:nvCxnSpPr>
-          <p:cNvPr id="41" name="直線接點 40">
-            <a:extLst>
-              <a:ext uri="{FF2B5EF4-FFF2-40B4-BE49-F238E27FC236}">
-                <a16:creationId xmlns:a16="http://schemas.microsoft.com/office/drawing/2014/main" id="{3B0522DE-9DD8-4FEB-9B54-AC903EF75B22}"/>
-              </a:ext>
-            </a:extLst>
-          </p:cNvPr>
-          <p:cNvCxnSpPr>
-            <a:cxnSpLocks/>
-            <a:stCxn id="22" idx="3"/>
-            <a:endCxn id="25" idx="3"/>
-          </p:cNvCxnSpPr>
-          <p:nvPr/>
-        </p:nvCxnSpPr>
-        <p:spPr>
-          <a:xfrm>
-            <a:off x="5841548" y="1181090"/>
-            <a:ext cx="1735077" cy="1975556"/>
-          </a:xfrm>
-          <a:prstGeom prst="line">
-            <a:avLst/>
-          </a:prstGeom>
-          <a:ln w="38100"/>
-        </p:spPr>
-        <p:style>
-          <a:lnRef idx="1">
-            <a:schemeClr val="dk1"/>
-          </a:lnRef>
-          <a:fillRef idx="0">
-            <a:schemeClr val="dk1"/>
-          </a:fillRef>
-          <a:effectRef idx="0">
-            <a:schemeClr val="dk1"/>
-          </a:effectRef>
-          <a:fontRef idx="minor">
-            <a:schemeClr val="tx1"/>
-          </a:fontRef>
-        </p:style>
-      </p:cxnSp>
-      <p:sp>
-        <p:nvSpPr>
-          <p:cNvPr id="5" name="橢圓 4">
-            <a:extLst>
-              <a:ext uri="{FF2B5EF4-FFF2-40B4-BE49-F238E27FC236}">
-                <a16:creationId xmlns:a16="http://schemas.microsoft.com/office/drawing/2014/main" id="{FAAFE717-12EA-4D05-AA19-003894862EF0}"/>
-              </a:ext>
-            </a:extLst>
-          </p:cNvPr>
-          <p:cNvSpPr/>
-          <p:nvPr/>
-        </p:nvSpPr>
-        <p:spPr>
-          <a:xfrm>
-            <a:off x="734343" y="66675"/>
-            <a:ext cx="1158877" cy="462712"/>
-          </a:xfrm>
-          <a:prstGeom prst="ellipse">
-            <a:avLst/>
-          </a:prstGeom>
-        </p:spPr>
-        <p:style>
-          <a:lnRef idx="2">
-            <a:schemeClr val="accent5">
-              <a:shade val="50000"/>
-            </a:schemeClr>
-          </a:lnRef>
-          <a:fillRef idx="1">
-            <a:schemeClr val="accent5"/>
-          </a:fillRef>
-          <a:effectRef idx="0">
-            <a:schemeClr val="accent5"/>
-          </a:effectRef>
-          <a:fontRef idx="minor">
-            <a:schemeClr val="lt1"/>
-          </a:fontRef>
-        </p:style>
-        <p:txBody>
-          <a:bodyPr rtlCol="0" anchor="ctr"/>
-          <a:lstStyle/>
-          <a:p>
-            <a:pPr algn="ctr"/>
-            <a:r>
-              <a:rPr lang="zh-TW" altLang="en-US" sz="1600" dirty="0">
-                <a:latin typeface="標楷體" panose="03000509000000000000" pitchFamily="65" charset="-120"/>
+              </a:endParaRPr>
+            </a:p>
+            <a:p>
+              <a:pPr algn="ctr"/>
+              <a:r>
+                <a:rPr lang="zh-TW" altLang="en-US" sz="1600" dirty="0">
+                  <a:solidFill>
+                    <a:sysClr val="windowText" lastClr="000000"/>
+                  </a:solidFill>
+                  <a:latin typeface="Times New Roman" panose="02020603050405020304" pitchFamily="18" charset="0"/>
+                  <a:ea typeface="標楷體" panose="03000509000000000000" pitchFamily="65" charset="-120"/>
+                </a:rPr>
+                <a:t>（</a:t>
+              </a:r>
+              <a:r>
+                <a:rPr lang="en-US" altLang="zh-TW" sz="1600" dirty="0">
+                  <a:solidFill>
+                    <a:sysClr val="windowText" lastClr="000000"/>
+                  </a:solidFill>
+                  <a:latin typeface="Times New Roman" panose="02020603050405020304" pitchFamily="18" charset="0"/>
+                  <a:ea typeface="標楷體" panose="03000509000000000000" pitchFamily="65" charset="-120"/>
+                </a:rPr>
+                <a:t>position</a:t>
+              </a:r>
+              <a:r>
+                <a:rPr lang="zh-TW" altLang="en-US" sz="1600" dirty="0">
+                  <a:solidFill>
+                    <a:sysClr val="windowText" lastClr="000000"/>
+                  </a:solidFill>
+                  <a:latin typeface="Times New Roman" panose="02020603050405020304" pitchFamily="18" charset="0"/>
+                  <a:ea typeface="標楷體" panose="03000509000000000000" pitchFamily="65" charset="-120"/>
+                </a:rPr>
+                <a:t>）</a:t>
+              </a:r>
+            </a:p>
+          </p:txBody>
+        </p:sp>
+        <p:sp>
+          <p:nvSpPr>
+            <p:cNvPr id="85" name="橢圓 84">
+              <a:extLst>
+                <a:ext uri="{FF2B5EF4-FFF2-40B4-BE49-F238E27FC236}">
+                  <a16:creationId xmlns:a16="http://schemas.microsoft.com/office/drawing/2014/main" id="{4AD57DBD-C71A-4D7E-BDB1-C1DCD9713317}"/>
+                </a:ext>
+              </a:extLst>
+            </p:cNvPr>
+            <p:cNvSpPr/>
+            <p:nvPr/>
+          </p:nvSpPr>
+          <p:spPr>
+            <a:xfrm>
+              <a:off x="362064" y="2620838"/>
+              <a:ext cx="1158877" cy="462712"/>
+            </a:xfrm>
+            <a:prstGeom prst="ellipse">
+              <a:avLst/>
+            </a:prstGeom>
+          </p:spPr>
+          <p:style>
+            <a:lnRef idx="2">
+              <a:schemeClr val="accent5">
+                <a:shade val="50000"/>
+              </a:schemeClr>
+            </a:lnRef>
+            <a:fillRef idx="1">
+              <a:schemeClr val="accent5"/>
+            </a:fillRef>
+            <a:effectRef idx="0">
+              <a:schemeClr val="accent5"/>
+            </a:effectRef>
+            <a:fontRef idx="minor">
+              <a:schemeClr val="lt1"/>
+            </a:fontRef>
+          </p:style>
+          <p:txBody>
+            <a:bodyPr rtlCol="0" anchor="ctr"/>
+            <a:lstStyle/>
+            <a:p>
+              <a:pPr algn="ctr"/>
+              <a:r>
+                <a:rPr lang="zh-TW" altLang="en-US" sz="1600" dirty="0">
+                  <a:latin typeface="標楷體" panose="03000509000000000000" pitchFamily="65" charset="-120"/>
+                  <a:ea typeface="標楷體" panose="03000509000000000000" pitchFamily="65" charset="-120"/>
+                </a:rPr>
+                <a:t>名稱</a:t>
+              </a:r>
+            </a:p>
+          </p:txBody>
+        </p:sp>
+        <p:sp>
+          <p:nvSpPr>
+            <p:cNvPr id="86" name="橢圓 85">
+              <a:extLst>
+                <a:ext uri="{FF2B5EF4-FFF2-40B4-BE49-F238E27FC236}">
+                  <a16:creationId xmlns:a16="http://schemas.microsoft.com/office/drawing/2014/main" id="{0575EC88-D701-4F13-8806-225F40E17827}"/>
+                </a:ext>
+              </a:extLst>
+            </p:cNvPr>
+            <p:cNvSpPr/>
+            <p:nvPr/>
+          </p:nvSpPr>
+          <p:spPr>
+            <a:xfrm>
+              <a:off x="362064" y="3238135"/>
+              <a:ext cx="1158877" cy="462712"/>
+            </a:xfrm>
+            <a:prstGeom prst="ellipse">
+              <a:avLst/>
+            </a:prstGeom>
+          </p:spPr>
+          <p:style>
+            <a:lnRef idx="2">
+              <a:schemeClr val="accent5">
+                <a:shade val="50000"/>
+              </a:schemeClr>
+            </a:lnRef>
+            <a:fillRef idx="1">
+              <a:schemeClr val="accent5"/>
+            </a:fillRef>
+            <a:effectRef idx="0">
+              <a:schemeClr val="accent5"/>
+            </a:effectRef>
+            <a:fontRef idx="minor">
+              <a:schemeClr val="lt1"/>
+            </a:fontRef>
+          </p:style>
+          <p:txBody>
+            <a:bodyPr rtlCol="0" anchor="ctr"/>
+            <a:lstStyle/>
+            <a:p>
+              <a:pPr algn="ctr"/>
+              <a:r>
+                <a:rPr lang="zh-TW" altLang="en-US" sz="1600" dirty="0">
+                  <a:latin typeface="標楷體" panose="03000509000000000000" pitchFamily="65" charset="-120"/>
+                  <a:ea typeface="標楷體" panose="03000509000000000000" pitchFamily="65" charset="-120"/>
+                </a:rPr>
+                <a:t>領域</a:t>
+              </a:r>
+            </a:p>
+          </p:txBody>
+        </p:sp>
+        <p:cxnSp>
+          <p:nvCxnSpPr>
+            <p:cNvPr id="98" name="直線接點 97">
+              <a:extLst>
+                <a:ext uri="{FF2B5EF4-FFF2-40B4-BE49-F238E27FC236}">
+                  <a16:creationId xmlns:a16="http://schemas.microsoft.com/office/drawing/2014/main" id="{6B4DD95B-7EEE-4109-8986-62AF7E7055D2}"/>
+                </a:ext>
+              </a:extLst>
+            </p:cNvPr>
+            <p:cNvCxnSpPr>
+              <a:cxnSpLocks/>
+              <a:stCxn id="80" idx="3"/>
+              <a:endCxn id="25" idx="3"/>
+            </p:cNvCxnSpPr>
+            <p:nvPr/>
+          </p:nvCxnSpPr>
+          <p:spPr>
+            <a:xfrm>
+              <a:off x="5841547" y="3156646"/>
+              <a:ext cx="1735078" cy="0"/>
+            </a:xfrm>
+            <a:prstGeom prst="line">
+              <a:avLst/>
+            </a:prstGeom>
+            <a:ln w="38100"/>
+          </p:spPr>
+          <p:style>
+            <a:lnRef idx="1">
+              <a:schemeClr val="dk1"/>
+            </a:lnRef>
+            <a:fillRef idx="0">
+              <a:schemeClr val="dk1"/>
+            </a:fillRef>
+            <a:effectRef idx="0">
+              <a:schemeClr val="dk1"/>
+            </a:effectRef>
+            <a:fontRef idx="minor">
+              <a:schemeClr val="tx1"/>
+            </a:fontRef>
+          </p:style>
+        </p:cxnSp>
+        <p:sp>
+          <p:nvSpPr>
+            <p:cNvPr id="102" name="矩形 101">
+              <a:extLst>
+                <a:ext uri="{FF2B5EF4-FFF2-40B4-BE49-F238E27FC236}">
+                  <a16:creationId xmlns:a16="http://schemas.microsoft.com/office/drawing/2014/main" id="{09E755C2-3AB7-441B-BA14-B2B7CA524157}"/>
+                </a:ext>
+              </a:extLst>
+            </p:cNvPr>
+            <p:cNvSpPr/>
+            <p:nvPr/>
+          </p:nvSpPr>
+          <p:spPr>
+            <a:xfrm>
+              <a:off x="3704241" y="180975"/>
+              <a:ext cx="3260874" cy="6191250"/>
+            </a:xfrm>
+            <a:prstGeom prst="rect">
+              <a:avLst/>
+            </a:prstGeom>
+            <a:noFill/>
+            <a:ln w="76200">
+              <a:solidFill>
+                <a:srgbClr val="FF0000"/>
+              </a:solidFill>
+              <a:prstDash val="dash"/>
+            </a:ln>
+          </p:spPr>
+          <p:style>
+            <a:lnRef idx="2">
+              <a:schemeClr val="accent1">
+                <a:shade val="50000"/>
+              </a:schemeClr>
+            </a:lnRef>
+            <a:fillRef idx="1">
+              <a:schemeClr val="accent1"/>
+            </a:fillRef>
+            <a:effectRef idx="0">
+              <a:schemeClr val="accent1"/>
+            </a:effectRef>
+            <a:fontRef idx="minor">
+              <a:schemeClr val="lt1"/>
+            </a:fontRef>
+          </p:style>
+          <p:txBody>
+            <a:bodyPr rtlCol="0" anchor="ctr"/>
+            <a:lstStyle/>
+            <a:p>
+              <a:pPr algn="ctr"/>
+              <a:endParaRPr lang="zh-TW" altLang="en-US"/>
+            </a:p>
+          </p:txBody>
+        </p:sp>
+        <p:sp>
+          <p:nvSpPr>
+            <p:cNvPr id="103" name="文字方塊 102">
+              <a:extLst>
+                <a:ext uri="{FF2B5EF4-FFF2-40B4-BE49-F238E27FC236}">
+                  <a16:creationId xmlns:a16="http://schemas.microsoft.com/office/drawing/2014/main" id="{8B8F0011-3C24-41DE-B3C1-1A8A81976AC7}"/>
+                </a:ext>
+              </a:extLst>
+            </p:cNvPr>
+            <p:cNvSpPr txBox="1"/>
+            <p:nvPr/>
+          </p:nvSpPr>
+          <p:spPr>
+            <a:xfrm>
+              <a:off x="7576625" y="235426"/>
+              <a:ext cx="3743325" cy="369332"/>
+            </a:xfrm>
+            <a:prstGeom prst="rect">
+              <a:avLst/>
+            </a:prstGeom>
+            <a:noFill/>
+          </p:spPr>
+          <p:txBody>
+            <a:bodyPr wrap="square" rtlCol="0">
+              <a:spAutoFit/>
+            </a:bodyPr>
+            <a:lstStyle/>
+            <a:p>
+              <a:r>
+                <a:rPr lang="zh-TW" altLang="en-US" dirty="0">
+                  <a:latin typeface="Times New Roman" panose="02020603050405020304" pitchFamily="18" charset="0"/>
+                  <a:ea typeface="標楷體" panose="03000509000000000000" pitchFamily="65" charset="-120"/>
+                </a:rPr>
+                <a:t>這三個</a:t>
+              </a:r>
+              <a:r>
+                <a:rPr lang="en-US" altLang="zh-TW" dirty="0">
+                  <a:latin typeface="Times New Roman" panose="02020603050405020304" pitchFamily="18" charset="0"/>
+                  <a:ea typeface="標楷體" panose="03000509000000000000" pitchFamily="65" charset="-120"/>
+                </a:rPr>
+                <a:t>relationship</a:t>
+              </a:r>
+              <a:r>
+                <a:rPr lang="zh-TW" altLang="en-US" dirty="0">
+                  <a:latin typeface="Times New Roman" panose="02020603050405020304" pitchFamily="18" charset="0"/>
+                  <a:ea typeface="標楷體" panose="03000509000000000000" pitchFamily="65" charset="-120"/>
+                </a:rPr>
+                <a:t>被實作為</a:t>
+              </a:r>
+              <a:r>
+                <a:rPr lang="en-US" altLang="zh-TW" dirty="0">
+                  <a:latin typeface="Times New Roman" panose="02020603050405020304" pitchFamily="18" charset="0"/>
+                  <a:ea typeface="標楷體" panose="03000509000000000000" pitchFamily="65" charset="-120"/>
+                </a:rPr>
+                <a:t>job table</a:t>
+              </a:r>
+              <a:endParaRPr lang="zh-TW" altLang="en-US" dirty="0">
+                <a:latin typeface="Times New Roman" panose="02020603050405020304" pitchFamily="18" charset="0"/>
                 <a:ea typeface="標楷體" panose="03000509000000000000" pitchFamily="65" charset="-120"/>
-              </a:rPr>
-              <a:t>名稱</a:t>
-            </a:r>
-          </a:p>
-        </p:txBody>
-      </p:sp>
-      <p:sp>
-        <p:nvSpPr>
-          <p:cNvPr id="4" name="矩形 3">
-            <a:extLst>
-              <a:ext uri="{FF2B5EF4-FFF2-40B4-BE49-F238E27FC236}">
-                <a16:creationId xmlns:a16="http://schemas.microsoft.com/office/drawing/2014/main" id="{DE783A1C-1E26-43D8-9B50-A6F79EAD2A79}"/>
-              </a:ext>
-            </a:extLst>
-          </p:cNvPr>
-          <p:cNvSpPr/>
-          <p:nvPr/>
-        </p:nvSpPr>
-        <p:spPr>
-          <a:xfrm>
-            <a:off x="1898243" y="816863"/>
-            <a:ext cx="1376039" cy="736847"/>
-          </a:xfrm>
-          <a:prstGeom prst="rect">
-            <a:avLst/>
-          </a:prstGeom>
-        </p:spPr>
-        <p:style>
-          <a:lnRef idx="2">
-            <a:schemeClr val="accent4">
-              <a:shade val="50000"/>
-            </a:schemeClr>
-          </a:lnRef>
-          <a:fillRef idx="1">
-            <a:schemeClr val="accent4"/>
-          </a:fillRef>
-          <a:effectRef idx="0">
-            <a:schemeClr val="accent4"/>
-          </a:effectRef>
-          <a:fontRef idx="minor">
-            <a:schemeClr val="lt1"/>
-          </a:fontRef>
-        </p:style>
-        <p:txBody>
-          <a:bodyPr rtlCol="0" anchor="ctr"/>
-          <a:lstStyle/>
-          <a:p>
-            <a:pPr algn="ctr"/>
-            <a:r>
-              <a:rPr lang="zh-TW" altLang="en-US" sz="1600" dirty="0">
+              </a:endParaRPr>
+            </a:p>
+          </p:txBody>
+        </p:sp>
+        <p:cxnSp>
+          <p:nvCxnSpPr>
+            <p:cNvPr id="105" name="直線接點 104">
+              <a:extLst>
+                <a:ext uri="{FF2B5EF4-FFF2-40B4-BE49-F238E27FC236}">
+                  <a16:creationId xmlns:a16="http://schemas.microsoft.com/office/drawing/2014/main" id="{4F0B9508-3564-4346-9406-819B4C3F53A2}"/>
+                </a:ext>
+              </a:extLst>
+            </p:cNvPr>
+            <p:cNvCxnSpPr>
+              <a:cxnSpLocks/>
+            </p:cNvCxnSpPr>
+            <p:nvPr/>
+          </p:nvCxnSpPr>
+          <p:spPr>
+            <a:xfrm flipV="1">
+              <a:off x="7108998" y="662500"/>
+              <a:ext cx="617385" cy="950538"/>
+            </a:xfrm>
+            <a:prstGeom prst="line">
+              <a:avLst/>
+            </a:prstGeom>
+            <a:ln w="57150">
+              <a:solidFill>
+                <a:srgbClr val="FF0000"/>
+              </a:solidFill>
+            </a:ln>
+          </p:spPr>
+          <p:style>
+            <a:lnRef idx="1">
+              <a:schemeClr val="accent1"/>
+            </a:lnRef>
+            <a:fillRef idx="0">
+              <a:schemeClr val="accent1"/>
+            </a:fillRef>
+            <a:effectRef idx="0">
+              <a:schemeClr val="accent1"/>
+            </a:effectRef>
+            <a:fontRef idx="minor">
+              <a:schemeClr val="tx1"/>
+            </a:fontRef>
+          </p:style>
+        </p:cxnSp>
+        <p:cxnSp>
+          <p:nvCxnSpPr>
+            <p:cNvPr id="110" name="直線接點 109">
+              <a:extLst>
+                <a:ext uri="{FF2B5EF4-FFF2-40B4-BE49-F238E27FC236}">
+                  <a16:creationId xmlns:a16="http://schemas.microsoft.com/office/drawing/2014/main" id="{B7F455DC-EEF1-4293-A551-77A87907BE39}"/>
+                </a:ext>
+              </a:extLst>
+            </p:cNvPr>
+            <p:cNvCxnSpPr>
+              <a:cxnSpLocks/>
+              <a:stCxn id="5" idx="5"/>
+              <a:endCxn id="4" idx="1"/>
+            </p:cNvCxnSpPr>
+            <p:nvPr/>
+          </p:nvCxnSpPr>
+          <p:spPr>
+            <a:xfrm>
+              <a:off x="1723506" y="461624"/>
+              <a:ext cx="174737" cy="723663"/>
+            </a:xfrm>
+            <a:prstGeom prst="line">
+              <a:avLst/>
+            </a:prstGeom>
+          </p:spPr>
+          <p:style>
+            <a:lnRef idx="1">
+              <a:schemeClr val="accent1"/>
+            </a:lnRef>
+            <a:fillRef idx="0">
+              <a:schemeClr val="accent1"/>
+            </a:fillRef>
+            <a:effectRef idx="0">
+              <a:schemeClr val="accent1"/>
+            </a:effectRef>
+            <a:fontRef idx="minor">
+              <a:schemeClr val="tx1"/>
+            </a:fontRef>
+          </p:style>
+        </p:cxnSp>
+        <p:cxnSp>
+          <p:nvCxnSpPr>
+            <p:cNvPr id="112" name="直線接點 111">
+              <a:extLst>
+                <a:ext uri="{FF2B5EF4-FFF2-40B4-BE49-F238E27FC236}">
+                  <a16:creationId xmlns:a16="http://schemas.microsoft.com/office/drawing/2014/main" id="{24561EDC-92E8-412A-B508-4A2514D2413A}"/>
+                </a:ext>
+              </a:extLst>
+            </p:cNvPr>
+            <p:cNvCxnSpPr>
+              <a:cxnSpLocks/>
+              <a:stCxn id="38" idx="6"/>
+              <a:endCxn id="4" idx="1"/>
+            </p:cNvCxnSpPr>
+            <p:nvPr/>
+          </p:nvCxnSpPr>
+          <p:spPr>
+            <a:xfrm>
+              <a:off x="1520942" y="876638"/>
+              <a:ext cx="377301" cy="308649"/>
+            </a:xfrm>
+            <a:prstGeom prst="line">
+              <a:avLst/>
+            </a:prstGeom>
+          </p:spPr>
+          <p:style>
+            <a:lnRef idx="1">
+              <a:schemeClr val="accent1"/>
+            </a:lnRef>
+            <a:fillRef idx="0">
+              <a:schemeClr val="accent1"/>
+            </a:fillRef>
+            <a:effectRef idx="0">
+              <a:schemeClr val="accent1"/>
+            </a:effectRef>
+            <a:fontRef idx="minor">
+              <a:schemeClr val="tx1"/>
+            </a:fontRef>
+          </p:style>
+        </p:cxnSp>
+        <p:cxnSp>
+          <p:nvCxnSpPr>
+            <p:cNvPr id="115" name="直線接點 114">
+              <a:extLst>
+                <a:ext uri="{FF2B5EF4-FFF2-40B4-BE49-F238E27FC236}">
+                  <a16:creationId xmlns:a16="http://schemas.microsoft.com/office/drawing/2014/main" id="{A1694D64-C19B-4435-BB91-D5575F671BB9}"/>
+                </a:ext>
+              </a:extLst>
+            </p:cNvPr>
+            <p:cNvCxnSpPr>
+              <a:cxnSpLocks/>
+              <a:stCxn id="39" idx="6"/>
+              <a:endCxn id="4" idx="1"/>
+            </p:cNvCxnSpPr>
+            <p:nvPr/>
+          </p:nvCxnSpPr>
+          <p:spPr>
+            <a:xfrm flipV="1">
+              <a:off x="1520942" y="1185287"/>
+              <a:ext cx="377301" cy="308648"/>
+            </a:xfrm>
+            <a:prstGeom prst="line">
+              <a:avLst/>
+            </a:prstGeom>
+          </p:spPr>
+          <p:style>
+            <a:lnRef idx="1">
+              <a:schemeClr val="accent1"/>
+            </a:lnRef>
+            <a:fillRef idx="0">
+              <a:schemeClr val="accent1"/>
+            </a:fillRef>
+            <a:effectRef idx="0">
+              <a:schemeClr val="accent1"/>
+            </a:effectRef>
+            <a:fontRef idx="minor">
+              <a:schemeClr val="tx1"/>
+            </a:fontRef>
+          </p:style>
+        </p:cxnSp>
+        <p:cxnSp>
+          <p:nvCxnSpPr>
+            <p:cNvPr id="118" name="直線接點 117">
+              <a:extLst>
+                <a:ext uri="{FF2B5EF4-FFF2-40B4-BE49-F238E27FC236}">
+                  <a16:creationId xmlns:a16="http://schemas.microsoft.com/office/drawing/2014/main" id="{58A7B990-ABD7-4CB0-AD3B-0AA74E947405}"/>
+                </a:ext>
+              </a:extLst>
+            </p:cNvPr>
+            <p:cNvCxnSpPr>
+              <a:cxnSpLocks/>
+              <a:stCxn id="4" idx="1"/>
+              <a:endCxn id="40" idx="7"/>
+            </p:cNvCxnSpPr>
+            <p:nvPr/>
+          </p:nvCxnSpPr>
+          <p:spPr>
+            <a:xfrm flipH="1">
+              <a:off x="1723507" y="1185287"/>
+              <a:ext cx="174736" cy="723662"/>
+            </a:xfrm>
+            <a:prstGeom prst="line">
+              <a:avLst/>
+            </a:prstGeom>
+          </p:spPr>
+          <p:style>
+            <a:lnRef idx="1">
+              <a:schemeClr val="accent1"/>
+            </a:lnRef>
+            <a:fillRef idx="0">
+              <a:schemeClr val="accent1"/>
+            </a:fillRef>
+            <a:effectRef idx="0">
+              <a:schemeClr val="accent1"/>
+            </a:effectRef>
+            <a:fontRef idx="minor">
+              <a:schemeClr val="tx1"/>
+            </a:fontRef>
+          </p:style>
+        </p:cxnSp>
+        <p:cxnSp>
+          <p:nvCxnSpPr>
+            <p:cNvPr id="121" name="直線接點 120">
+              <a:extLst>
+                <a:ext uri="{FF2B5EF4-FFF2-40B4-BE49-F238E27FC236}">
+                  <a16:creationId xmlns:a16="http://schemas.microsoft.com/office/drawing/2014/main" id="{8FF08630-E1E0-4B4B-8C12-423C43121D5F}"/>
+                </a:ext>
+              </a:extLst>
+            </p:cNvPr>
+            <p:cNvCxnSpPr>
+              <a:cxnSpLocks/>
+              <a:stCxn id="85" idx="6"/>
+              <a:endCxn id="84" idx="1"/>
+            </p:cNvCxnSpPr>
+            <p:nvPr/>
+          </p:nvCxnSpPr>
+          <p:spPr>
+            <a:xfrm>
+              <a:off x="1520941" y="2852194"/>
+              <a:ext cx="377301" cy="308649"/>
+            </a:xfrm>
+            <a:prstGeom prst="line">
+              <a:avLst/>
+            </a:prstGeom>
+          </p:spPr>
+          <p:style>
+            <a:lnRef idx="1">
+              <a:schemeClr val="accent1"/>
+            </a:lnRef>
+            <a:fillRef idx="0">
+              <a:schemeClr val="accent1"/>
+            </a:fillRef>
+            <a:effectRef idx="0">
+              <a:schemeClr val="accent1"/>
+            </a:effectRef>
+            <a:fontRef idx="minor">
+              <a:schemeClr val="tx1"/>
+            </a:fontRef>
+          </p:style>
+        </p:cxnSp>
+        <p:cxnSp>
+          <p:nvCxnSpPr>
+            <p:cNvPr id="124" name="直線接點 123">
+              <a:extLst>
+                <a:ext uri="{FF2B5EF4-FFF2-40B4-BE49-F238E27FC236}">
+                  <a16:creationId xmlns:a16="http://schemas.microsoft.com/office/drawing/2014/main" id="{F17B30F4-3834-4C91-B04D-BC52BC3F06BD}"/>
+                </a:ext>
+              </a:extLst>
+            </p:cNvPr>
+            <p:cNvCxnSpPr>
+              <a:cxnSpLocks/>
+              <a:stCxn id="86" idx="6"/>
+              <a:endCxn id="84" idx="1"/>
+            </p:cNvCxnSpPr>
+            <p:nvPr/>
+          </p:nvCxnSpPr>
+          <p:spPr>
+            <a:xfrm flipV="1">
+              <a:off x="1520941" y="3160843"/>
+              <a:ext cx="377301" cy="308648"/>
+            </a:xfrm>
+            <a:prstGeom prst="line">
+              <a:avLst/>
+            </a:prstGeom>
+          </p:spPr>
+          <p:style>
+            <a:lnRef idx="1">
+              <a:schemeClr val="accent1"/>
+            </a:lnRef>
+            <a:fillRef idx="0">
+              <a:schemeClr val="accent1"/>
+            </a:fillRef>
+            <a:effectRef idx="0">
+              <a:schemeClr val="accent1"/>
+            </a:effectRef>
+            <a:fontRef idx="minor">
+              <a:schemeClr val="tx1"/>
+            </a:fontRef>
+          </p:style>
+        </p:cxnSp>
+        <p:cxnSp>
+          <p:nvCxnSpPr>
+            <p:cNvPr id="127" name="直線接點 126">
+              <a:extLst>
+                <a:ext uri="{FF2B5EF4-FFF2-40B4-BE49-F238E27FC236}">
+                  <a16:creationId xmlns:a16="http://schemas.microsoft.com/office/drawing/2014/main" id="{44D0FB87-504C-4ECC-B100-26746E1E77B6}"/>
+                </a:ext>
+              </a:extLst>
+            </p:cNvPr>
+            <p:cNvCxnSpPr>
+              <a:cxnSpLocks/>
+              <a:stCxn id="69" idx="6"/>
+              <a:endCxn id="68" idx="1"/>
+            </p:cNvCxnSpPr>
+            <p:nvPr/>
+          </p:nvCxnSpPr>
+          <p:spPr>
+            <a:xfrm>
+              <a:off x="1520942" y="4918349"/>
+              <a:ext cx="377301" cy="308649"/>
+            </a:xfrm>
+            <a:prstGeom prst="line">
+              <a:avLst/>
+            </a:prstGeom>
+          </p:spPr>
+          <p:style>
+            <a:lnRef idx="1">
+              <a:schemeClr val="accent1"/>
+            </a:lnRef>
+            <a:fillRef idx="0">
+              <a:schemeClr val="accent1"/>
+            </a:fillRef>
+            <a:effectRef idx="0">
+              <a:schemeClr val="accent1"/>
+            </a:effectRef>
+            <a:fontRef idx="minor">
+              <a:schemeClr val="tx1"/>
+            </a:fontRef>
+          </p:style>
+        </p:cxnSp>
+        <p:cxnSp>
+          <p:nvCxnSpPr>
+            <p:cNvPr id="130" name="直線接點 129">
+              <a:extLst>
+                <a:ext uri="{FF2B5EF4-FFF2-40B4-BE49-F238E27FC236}">
+                  <a16:creationId xmlns:a16="http://schemas.microsoft.com/office/drawing/2014/main" id="{18BAA586-3AFD-4DA7-8299-DCDFFB4B87AF}"/>
+                </a:ext>
+              </a:extLst>
+            </p:cNvPr>
+            <p:cNvCxnSpPr>
+              <a:cxnSpLocks/>
+              <a:stCxn id="70" idx="6"/>
+              <a:endCxn id="68" idx="1"/>
+            </p:cNvCxnSpPr>
+            <p:nvPr/>
+          </p:nvCxnSpPr>
+          <p:spPr>
+            <a:xfrm flipV="1">
+              <a:off x="1520942" y="5226998"/>
+              <a:ext cx="377301" cy="308648"/>
+            </a:xfrm>
+            <a:prstGeom prst="line">
+              <a:avLst/>
+            </a:prstGeom>
+          </p:spPr>
+          <p:style>
+            <a:lnRef idx="1">
+              <a:schemeClr val="accent1"/>
+            </a:lnRef>
+            <a:fillRef idx="0">
+              <a:schemeClr val="accent1"/>
+            </a:fillRef>
+            <a:effectRef idx="0">
+              <a:schemeClr val="accent1"/>
+            </a:effectRef>
+            <a:fontRef idx="minor">
+              <a:schemeClr val="tx1"/>
+            </a:fontRef>
+          </p:style>
+        </p:cxnSp>
+        <p:cxnSp>
+          <p:nvCxnSpPr>
+            <p:cNvPr id="133" name="直線接點 132">
+              <a:extLst>
+                <a:ext uri="{FF2B5EF4-FFF2-40B4-BE49-F238E27FC236}">
+                  <a16:creationId xmlns:a16="http://schemas.microsoft.com/office/drawing/2014/main" id="{B4D3AAD5-C1EE-4570-81F4-822EE98ED694}"/>
+                </a:ext>
+              </a:extLst>
+            </p:cNvPr>
+            <p:cNvCxnSpPr>
+              <a:cxnSpLocks/>
+              <a:stCxn id="59" idx="2"/>
+              <a:endCxn id="25" idx="1"/>
+            </p:cNvCxnSpPr>
+            <p:nvPr/>
+          </p:nvCxnSpPr>
+          <p:spPr>
+            <a:xfrm flipH="1">
+              <a:off x="8952664" y="1532606"/>
+              <a:ext cx="377295" cy="1624040"/>
+            </a:xfrm>
+            <a:prstGeom prst="line">
+              <a:avLst/>
+            </a:prstGeom>
+          </p:spPr>
+          <p:style>
+            <a:lnRef idx="1">
+              <a:schemeClr val="accent1"/>
+            </a:lnRef>
+            <a:fillRef idx="0">
+              <a:schemeClr val="accent1"/>
+            </a:fillRef>
+            <a:effectRef idx="0">
+              <a:schemeClr val="accent1"/>
+            </a:effectRef>
+            <a:fontRef idx="minor">
+              <a:schemeClr val="tx1"/>
+            </a:fontRef>
+          </p:style>
+        </p:cxnSp>
+        <p:cxnSp>
+          <p:nvCxnSpPr>
+            <p:cNvPr id="136" name="直線接點 135">
+              <a:extLst>
+                <a:ext uri="{FF2B5EF4-FFF2-40B4-BE49-F238E27FC236}">
+                  <a16:creationId xmlns:a16="http://schemas.microsoft.com/office/drawing/2014/main" id="{046E40E4-9016-4DA2-9C16-A493098964C8}"/>
+                </a:ext>
+              </a:extLst>
+            </p:cNvPr>
+            <p:cNvCxnSpPr>
+              <a:cxnSpLocks/>
+              <a:stCxn id="57" idx="2"/>
+              <a:endCxn id="25" idx="1"/>
+            </p:cNvCxnSpPr>
+            <p:nvPr/>
+          </p:nvCxnSpPr>
+          <p:spPr>
+            <a:xfrm flipH="1" flipV="1">
+              <a:off x="8952664" y="3156646"/>
+              <a:ext cx="377298" cy="1636628"/>
+            </a:xfrm>
+            <a:prstGeom prst="line">
+              <a:avLst/>
+            </a:prstGeom>
+          </p:spPr>
+          <p:style>
+            <a:lnRef idx="1">
+              <a:schemeClr val="accent1"/>
+            </a:lnRef>
+            <a:fillRef idx="0">
+              <a:schemeClr val="accent1"/>
+            </a:fillRef>
+            <a:effectRef idx="0">
+              <a:schemeClr val="accent1"/>
+            </a:effectRef>
+            <a:fontRef idx="minor">
+              <a:schemeClr val="tx1"/>
+            </a:fontRef>
+          </p:style>
+        </p:cxnSp>
+        <p:cxnSp>
+          <p:nvCxnSpPr>
+            <p:cNvPr id="139" name="直線接點 138">
+              <a:extLst>
+                <a:ext uri="{FF2B5EF4-FFF2-40B4-BE49-F238E27FC236}">
+                  <a16:creationId xmlns:a16="http://schemas.microsoft.com/office/drawing/2014/main" id="{CD774032-8497-4387-9580-7BF91A5132A0}"/>
+                </a:ext>
+              </a:extLst>
+            </p:cNvPr>
+            <p:cNvCxnSpPr>
+              <a:cxnSpLocks/>
+              <a:stCxn id="50" idx="2"/>
+              <a:endCxn id="25" idx="1"/>
+            </p:cNvCxnSpPr>
+            <p:nvPr/>
+          </p:nvCxnSpPr>
+          <p:spPr>
+            <a:xfrm flipH="1">
+              <a:off x="8952664" y="1999514"/>
+              <a:ext cx="377298" cy="1157132"/>
+            </a:xfrm>
+            <a:prstGeom prst="line">
+              <a:avLst/>
+            </a:prstGeom>
+          </p:spPr>
+          <p:style>
+            <a:lnRef idx="1">
+              <a:schemeClr val="accent1"/>
+            </a:lnRef>
+            <a:fillRef idx="0">
+              <a:schemeClr val="accent1"/>
+            </a:fillRef>
+            <a:effectRef idx="0">
+              <a:schemeClr val="accent1"/>
+            </a:effectRef>
+            <a:fontRef idx="minor">
+              <a:schemeClr val="tx1"/>
+            </a:fontRef>
+          </p:style>
+        </p:cxnSp>
+        <p:cxnSp>
+          <p:nvCxnSpPr>
+            <p:cNvPr id="142" name="直線接點 141">
+              <a:extLst>
+                <a:ext uri="{FF2B5EF4-FFF2-40B4-BE49-F238E27FC236}">
+                  <a16:creationId xmlns:a16="http://schemas.microsoft.com/office/drawing/2014/main" id="{89AB42ED-59C4-4FCE-8B43-93ADD31CB9C3}"/>
+                </a:ext>
+              </a:extLst>
+            </p:cNvPr>
+            <p:cNvCxnSpPr>
+              <a:cxnSpLocks/>
+              <a:stCxn id="54" idx="2"/>
+              <a:endCxn id="25" idx="1"/>
+            </p:cNvCxnSpPr>
+            <p:nvPr/>
+          </p:nvCxnSpPr>
+          <p:spPr>
+            <a:xfrm flipH="1">
+              <a:off x="8952664" y="2454184"/>
+              <a:ext cx="377299" cy="702462"/>
+            </a:xfrm>
+            <a:prstGeom prst="line">
+              <a:avLst/>
+            </a:prstGeom>
+          </p:spPr>
+          <p:style>
+            <a:lnRef idx="1">
+              <a:schemeClr val="accent1"/>
+            </a:lnRef>
+            <a:fillRef idx="0">
+              <a:schemeClr val="accent1"/>
+            </a:fillRef>
+            <a:effectRef idx="0">
+              <a:schemeClr val="accent1"/>
+            </a:effectRef>
+            <a:fontRef idx="minor">
+              <a:schemeClr val="tx1"/>
+            </a:fontRef>
+          </p:style>
+        </p:cxnSp>
+        <p:cxnSp>
+          <p:nvCxnSpPr>
+            <p:cNvPr id="145" name="直線接點 144">
+              <a:extLst>
+                <a:ext uri="{FF2B5EF4-FFF2-40B4-BE49-F238E27FC236}">
+                  <a16:creationId xmlns:a16="http://schemas.microsoft.com/office/drawing/2014/main" id="{88F2D826-0834-43DA-A82D-A097CF20B9B7}"/>
+                </a:ext>
+              </a:extLst>
+            </p:cNvPr>
+            <p:cNvCxnSpPr>
+              <a:cxnSpLocks/>
+              <a:stCxn id="53" idx="2"/>
+              <a:endCxn id="25" idx="1"/>
+            </p:cNvCxnSpPr>
+            <p:nvPr/>
+          </p:nvCxnSpPr>
+          <p:spPr>
+            <a:xfrm flipH="1">
+              <a:off x="8952664" y="2925289"/>
+              <a:ext cx="377301" cy="231357"/>
+            </a:xfrm>
+            <a:prstGeom prst="line">
+              <a:avLst/>
+            </a:prstGeom>
+          </p:spPr>
+          <p:style>
+            <a:lnRef idx="1">
+              <a:schemeClr val="accent1"/>
+            </a:lnRef>
+            <a:fillRef idx="0">
+              <a:schemeClr val="accent1"/>
+            </a:fillRef>
+            <a:effectRef idx="0">
+              <a:schemeClr val="accent1"/>
+            </a:effectRef>
+            <a:fontRef idx="minor">
+              <a:schemeClr val="tx1"/>
+            </a:fontRef>
+          </p:style>
+        </p:cxnSp>
+        <p:cxnSp>
+          <p:nvCxnSpPr>
+            <p:cNvPr id="148" name="直線接點 147">
+              <a:extLst>
+                <a:ext uri="{FF2B5EF4-FFF2-40B4-BE49-F238E27FC236}">
+                  <a16:creationId xmlns:a16="http://schemas.microsoft.com/office/drawing/2014/main" id="{3090C170-E178-42DA-B920-34BDB882AD35}"/>
+                </a:ext>
+              </a:extLst>
+            </p:cNvPr>
+            <p:cNvCxnSpPr>
+              <a:cxnSpLocks/>
+              <a:stCxn id="55" idx="2"/>
+              <a:endCxn id="25" idx="1"/>
+            </p:cNvCxnSpPr>
+            <p:nvPr/>
+          </p:nvCxnSpPr>
+          <p:spPr>
+            <a:xfrm flipH="1" flipV="1">
+              <a:off x="8952664" y="3156646"/>
+              <a:ext cx="377300" cy="239748"/>
+            </a:xfrm>
+            <a:prstGeom prst="line">
+              <a:avLst/>
+            </a:prstGeom>
+          </p:spPr>
+          <p:style>
+            <a:lnRef idx="1">
+              <a:schemeClr val="accent1"/>
+            </a:lnRef>
+            <a:fillRef idx="0">
+              <a:schemeClr val="accent1"/>
+            </a:fillRef>
+            <a:effectRef idx="0">
+              <a:schemeClr val="accent1"/>
+            </a:effectRef>
+            <a:fontRef idx="minor">
+              <a:schemeClr val="tx1"/>
+            </a:fontRef>
+          </p:style>
+        </p:cxnSp>
+        <p:cxnSp>
+          <p:nvCxnSpPr>
+            <p:cNvPr id="151" name="直線接點 150">
+              <a:extLst>
+                <a:ext uri="{FF2B5EF4-FFF2-40B4-BE49-F238E27FC236}">
+                  <a16:creationId xmlns:a16="http://schemas.microsoft.com/office/drawing/2014/main" id="{96D82371-BD5A-4000-A0B6-C9E10C46572D}"/>
+                </a:ext>
+              </a:extLst>
+            </p:cNvPr>
+            <p:cNvCxnSpPr>
+              <a:cxnSpLocks/>
+              <a:stCxn id="56" idx="2"/>
+              <a:endCxn id="25" idx="1"/>
+            </p:cNvCxnSpPr>
+            <p:nvPr/>
+          </p:nvCxnSpPr>
+          <p:spPr>
+            <a:xfrm flipH="1" flipV="1">
+              <a:off x="8952664" y="3156646"/>
+              <a:ext cx="377295" cy="710853"/>
+            </a:xfrm>
+            <a:prstGeom prst="line">
+              <a:avLst/>
+            </a:prstGeom>
+          </p:spPr>
+          <p:style>
+            <a:lnRef idx="1">
+              <a:schemeClr val="accent1"/>
+            </a:lnRef>
+            <a:fillRef idx="0">
+              <a:schemeClr val="accent1"/>
+            </a:fillRef>
+            <a:effectRef idx="0">
+              <a:schemeClr val="accent1"/>
+            </a:effectRef>
+            <a:fontRef idx="minor">
+              <a:schemeClr val="tx1"/>
+            </a:fontRef>
+          </p:style>
+        </p:cxnSp>
+        <p:cxnSp>
+          <p:nvCxnSpPr>
+            <p:cNvPr id="154" name="直線接點 153">
+              <a:extLst>
+                <a:ext uri="{FF2B5EF4-FFF2-40B4-BE49-F238E27FC236}">
+                  <a16:creationId xmlns:a16="http://schemas.microsoft.com/office/drawing/2014/main" id="{8696BC5F-2E08-4442-9965-BD0BE3DB1FC4}"/>
+                </a:ext>
+              </a:extLst>
+            </p:cNvPr>
+            <p:cNvCxnSpPr>
+              <a:cxnSpLocks/>
+              <a:stCxn id="58" idx="2"/>
+              <a:endCxn id="25" idx="1"/>
+            </p:cNvCxnSpPr>
+            <p:nvPr/>
+          </p:nvCxnSpPr>
+          <p:spPr>
+            <a:xfrm flipH="1" flipV="1">
+              <a:off x="8952664" y="3156646"/>
+              <a:ext cx="377296" cy="1165523"/>
+            </a:xfrm>
+            <a:prstGeom prst="line">
+              <a:avLst/>
+            </a:prstGeom>
+          </p:spPr>
+          <p:style>
+            <a:lnRef idx="1">
+              <a:schemeClr val="accent1"/>
+            </a:lnRef>
+            <a:fillRef idx="0">
+              <a:schemeClr val="accent1"/>
+            </a:fillRef>
+            <a:effectRef idx="0">
+              <a:schemeClr val="accent1"/>
+            </a:effectRef>
+            <a:fontRef idx="minor">
+              <a:schemeClr val="tx1"/>
+            </a:fontRef>
+          </p:style>
+        </p:cxnSp>
+        <p:sp>
+          <p:nvSpPr>
+            <p:cNvPr id="158" name="菱形 157">
+              <a:extLst>
+                <a:ext uri="{FF2B5EF4-FFF2-40B4-BE49-F238E27FC236}">
+                  <a16:creationId xmlns:a16="http://schemas.microsoft.com/office/drawing/2014/main" id="{4143B8A8-410F-4A38-BB32-5DD7E2726B9E}"/>
+                </a:ext>
+              </a:extLst>
+            </p:cNvPr>
+            <p:cNvSpPr/>
+            <p:nvPr/>
+          </p:nvSpPr>
+          <p:spPr>
+            <a:xfrm>
+              <a:off x="7576625" y="5072144"/>
+              <a:ext cx="1640519" cy="745240"/>
+            </a:xfrm>
+            <a:prstGeom prst="diamond">
+              <a:avLst/>
+            </a:prstGeom>
+          </p:spPr>
+          <p:style>
+            <a:lnRef idx="2">
+              <a:schemeClr val="accent6">
+                <a:shade val="50000"/>
+              </a:schemeClr>
+            </a:lnRef>
+            <a:fillRef idx="1">
+              <a:schemeClr val="accent6"/>
+            </a:fillRef>
+            <a:effectRef idx="0">
+              <a:schemeClr val="accent6"/>
+            </a:effectRef>
+            <a:fontRef idx="minor">
+              <a:schemeClr val="lt1"/>
+            </a:fontRef>
+          </p:style>
+          <p:txBody>
+            <a:bodyPr rtlCol="0" anchor="ctr"/>
+            <a:lstStyle/>
+            <a:p>
+              <a:pPr algn="ctr"/>
+              <a:r>
+                <a:rPr lang="zh-TW" altLang="en-US" sz="1200" dirty="0">
+                  <a:latin typeface="Times New Roman" panose="02020603050405020304" pitchFamily="18" charset="0"/>
+                  <a:ea typeface="標楷體" panose="03000509000000000000" pitchFamily="65" charset="-120"/>
+                </a:rPr>
+                <a:t>　</a:t>
+              </a:r>
+              <a:r>
+                <a:rPr lang="zh-TW" altLang="en-US" sz="1600" dirty="0">
+                  <a:latin typeface="Times New Roman" panose="02020603050405020304" pitchFamily="18" charset="0"/>
+                  <a:ea typeface="標楷體" panose="03000509000000000000" pitchFamily="65" charset="-120"/>
+                </a:rPr>
+                <a:t>最愛</a:t>
+              </a:r>
+              <a:r>
+                <a:rPr lang="zh-TW" altLang="en-US" sz="1200" dirty="0">
+                  <a:latin typeface="Times New Roman" panose="02020603050405020304" pitchFamily="18" charset="0"/>
+                  <a:ea typeface="標楷體" panose="03000509000000000000" pitchFamily="65" charset="-120"/>
+                </a:rPr>
+                <a:t>（</a:t>
+              </a:r>
+              <a:r>
+                <a:rPr lang="en-US" altLang="zh-TW" sz="1200" dirty="0">
+                  <a:latin typeface="Times New Roman" panose="02020603050405020304" pitchFamily="18" charset="0"/>
+                  <a:ea typeface="標楷體" panose="03000509000000000000" pitchFamily="65" charset="-120"/>
+                </a:rPr>
+                <a:t>favorite</a:t>
+              </a:r>
+              <a:r>
+                <a:rPr lang="zh-TW" altLang="en-US" sz="1200" dirty="0">
+                  <a:latin typeface="Times New Roman" panose="02020603050405020304" pitchFamily="18" charset="0"/>
+                  <a:ea typeface="標楷體" panose="03000509000000000000" pitchFamily="65" charset="-120"/>
+                </a:rPr>
+                <a:t>）</a:t>
+              </a:r>
+            </a:p>
+          </p:txBody>
+        </p:sp>
+        <p:cxnSp>
+          <p:nvCxnSpPr>
+            <p:cNvPr id="159" name="直線接點 158">
+              <a:extLst>
+                <a:ext uri="{FF2B5EF4-FFF2-40B4-BE49-F238E27FC236}">
+                  <a16:creationId xmlns:a16="http://schemas.microsoft.com/office/drawing/2014/main" id="{85B76FDE-8BA6-4DF7-B4A5-6C07C3B32221}"/>
+                </a:ext>
+              </a:extLst>
+            </p:cNvPr>
+            <p:cNvCxnSpPr>
+              <a:cxnSpLocks/>
+              <a:stCxn id="158" idx="0"/>
+              <a:endCxn id="25" idx="2"/>
+            </p:cNvCxnSpPr>
+            <p:nvPr/>
+          </p:nvCxnSpPr>
+          <p:spPr>
+            <a:xfrm flipH="1" flipV="1">
+              <a:off x="8264644" y="3525069"/>
+              <a:ext cx="132241" cy="1547075"/>
+            </a:xfrm>
+            <a:prstGeom prst="line">
+              <a:avLst/>
+            </a:prstGeom>
+            <a:ln w="38100"/>
+          </p:spPr>
+          <p:style>
+            <a:lnRef idx="1">
+              <a:schemeClr val="dk1"/>
+            </a:lnRef>
+            <a:fillRef idx="0">
+              <a:schemeClr val="dk1"/>
+            </a:fillRef>
+            <a:effectRef idx="0">
+              <a:schemeClr val="dk1"/>
+            </a:effectRef>
+            <a:fontRef idx="minor">
+              <a:schemeClr val="tx1"/>
+            </a:fontRef>
+          </p:style>
+        </p:cxnSp>
+        <p:sp>
+          <p:nvSpPr>
+            <p:cNvPr id="160" name="矩形 159">
+              <a:extLst>
+                <a:ext uri="{FF2B5EF4-FFF2-40B4-BE49-F238E27FC236}">
+                  <a16:creationId xmlns:a16="http://schemas.microsoft.com/office/drawing/2014/main" id="{C2E12020-3FBD-4458-9AF8-6ED10DFA9791}"/>
+                </a:ext>
+              </a:extLst>
+            </p:cNvPr>
+            <p:cNvSpPr/>
+            <p:nvPr/>
+          </p:nvSpPr>
+          <p:spPr>
+            <a:xfrm>
+              <a:off x="9353621" y="5767002"/>
+              <a:ext cx="1376039" cy="736847"/>
+            </a:xfrm>
+            <a:prstGeom prst="rect">
+              <a:avLst/>
+            </a:prstGeom>
+          </p:spPr>
+          <p:style>
+            <a:lnRef idx="2">
+              <a:schemeClr val="accent4">
+                <a:shade val="50000"/>
+              </a:schemeClr>
+            </a:lnRef>
+            <a:fillRef idx="1">
+              <a:schemeClr val="accent4"/>
+            </a:fillRef>
+            <a:effectRef idx="0">
+              <a:schemeClr val="accent4"/>
+            </a:effectRef>
+            <a:fontRef idx="minor">
+              <a:schemeClr val="lt1"/>
+            </a:fontRef>
+          </p:style>
+          <p:txBody>
+            <a:bodyPr rtlCol="0" anchor="ctr"/>
+            <a:lstStyle/>
+            <a:p>
+              <a:pPr algn="ctr"/>
+              <a:r>
+                <a:rPr lang="zh-TW" altLang="en-US" sz="1600" dirty="0">
+                  <a:solidFill>
+                    <a:sysClr val="windowText" lastClr="000000"/>
+                  </a:solidFill>
+                  <a:latin typeface="Times New Roman" panose="02020603050405020304" pitchFamily="18" charset="0"/>
+                  <a:ea typeface="標楷體" panose="03000509000000000000" pitchFamily="65" charset="-120"/>
+                </a:rPr>
+                <a:t>使用者</a:t>
+              </a:r>
+              <a:endParaRPr lang="en-US" altLang="zh-TW" sz="1600" dirty="0">
                 <a:solidFill>
                   <a:sysClr val="windowText" lastClr="000000"/>
                 </a:solidFill>
                 <a:latin typeface="Times New Roman" panose="02020603050405020304" pitchFamily="18" charset="0"/>
                 <a:ea typeface="標楷體" panose="03000509000000000000" pitchFamily="65" charset="-120"/>
-              </a:rPr>
-              <a:t>公司</a:t>
-            </a:r>
-            <a:endParaRPr lang="en-US" altLang="zh-TW" sz="1600" dirty="0">
-              <a:solidFill>
-                <a:sysClr val="windowText" lastClr="000000"/>
-              </a:solidFill>
-              <a:latin typeface="Times New Roman" panose="02020603050405020304" pitchFamily="18" charset="0"/>
-              <a:ea typeface="標楷體" panose="03000509000000000000" pitchFamily="65" charset="-120"/>
-            </a:endParaRPr>
-          </a:p>
-          <a:p>
-            <a:pPr algn="ctr"/>
-            <a:r>
-              <a:rPr lang="zh-TW" altLang="en-US" sz="1600" dirty="0">
-                <a:solidFill>
-                  <a:sysClr val="windowText" lastClr="000000"/>
-                </a:solidFill>
-                <a:latin typeface="Times New Roman" panose="02020603050405020304" pitchFamily="18" charset="0"/>
-                <a:ea typeface="標楷體" panose="03000509000000000000" pitchFamily="65" charset="-120"/>
-              </a:rPr>
-              <a:t>（</a:t>
-            </a:r>
-            <a:r>
-              <a:rPr lang="en-US" altLang="zh-TW" sz="1600" dirty="0">
-                <a:solidFill>
-                  <a:sysClr val="windowText" lastClr="000000"/>
-                </a:solidFill>
-                <a:latin typeface="Times New Roman" panose="02020603050405020304" pitchFamily="18" charset="0"/>
-                <a:ea typeface="標楷體" panose="03000509000000000000" pitchFamily="65" charset="-120"/>
-              </a:rPr>
-              <a:t>company</a:t>
-            </a:r>
-            <a:r>
-              <a:rPr lang="zh-TW" altLang="en-US" sz="1600" dirty="0">
-                <a:solidFill>
-                  <a:sysClr val="windowText" lastClr="000000"/>
-                </a:solidFill>
-                <a:latin typeface="Times New Roman" panose="02020603050405020304" pitchFamily="18" charset="0"/>
-                <a:ea typeface="標楷體" panose="03000509000000000000" pitchFamily="65" charset="-120"/>
-              </a:rPr>
-              <a:t>）</a:t>
-            </a:r>
-          </a:p>
-        </p:txBody>
-      </p:sp>
-      <p:sp>
-        <p:nvSpPr>
-          <p:cNvPr id="38" name="橢圓 37">
-            <a:extLst>
-              <a:ext uri="{FF2B5EF4-FFF2-40B4-BE49-F238E27FC236}">
-                <a16:creationId xmlns:a16="http://schemas.microsoft.com/office/drawing/2014/main" id="{4FC5489F-50A4-4DA0-8BB5-01B945356E04}"/>
-              </a:ext>
-            </a:extLst>
-          </p:cNvPr>
-          <p:cNvSpPr/>
-          <p:nvPr/>
-        </p:nvSpPr>
-        <p:spPr>
-          <a:xfrm>
-            <a:off x="362065" y="645282"/>
-            <a:ext cx="1158877" cy="462712"/>
-          </a:xfrm>
-          <a:prstGeom prst="ellipse">
-            <a:avLst/>
-          </a:prstGeom>
-        </p:spPr>
-        <p:style>
-          <a:lnRef idx="2">
-            <a:schemeClr val="accent5">
-              <a:shade val="50000"/>
-            </a:schemeClr>
-          </a:lnRef>
-          <a:fillRef idx="1">
-            <a:schemeClr val="accent5"/>
-          </a:fillRef>
-          <a:effectRef idx="0">
-            <a:schemeClr val="accent5"/>
-          </a:effectRef>
-          <a:fontRef idx="minor">
-            <a:schemeClr val="lt1"/>
-          </a:fontRef>
-        </p:style>
-        <p:txBody>
-          <a:bodyPr rtlCol="0" anchor="ctr"/>
-          <a:lstStyle/>
-          <a:p>
-            <a:pPr algn="ctr"/>
-            <a:r>
-              <a:rPr lang="zh-TW" altLang="en-US" sz="1600" dirty="0">
+              </a:endParaRPr>
+            </a:p>
+            <a:p>
+              <a:pPr algn="ctr"/>
+              <a:r>
+                <a:rPr lang="zh-TW" altLang="en-US" sz="1600" dirty="0">
+                  <a:solidFill>
+                    <a:sysClr val="windowText" lastClr="000000"/>
+                  </a:solidFill>
+                  <a:latin typeface="Times New Roman" panose="02020603050405020304" pitchFamily="18" charset="0"/>
+                  <a:ea typeface="標楷體" panose="03000509000000000000" pitchFamily="65" charset="-120"/>
+                </a:rPr>
+                <a:t>（</a:t>
+              </a:r>
+              <a:r>
+                <a:rPr lang="en-US" altLang="zh-TW" sz="1600" dirty="0">
+                  <a:solidFill>
+                    <a:sysClr val="windowText" lastClr="000000"/>
+                  </a:solidFill>
+                  <a:latin typeface="Times New Roman" panose="02020603050405020304" pitchFamily="18" charset="0"/>
+                  <a:ea typeface="標楷體" panose="03000509000000000000" pitchFamily="65" charset="-120"/>
+                </a:rPr>
+                <a:t>user</a:t>
+              </a:r>
+              <a:r>
+                <a:rPr lang="zh-TW" altLang="en-US" sz="1600" dirty="0">
+                  <a:solidFill>
+                    <a:sysClr val="windowText" lastClr="000000"/>
+                  </a:solidFill>
+                  <a:latin typeface="Times New Roman" panose="02020603050405020304" pitchFamily="18" charset="0"/>
+                  <a:ea typeface="標楷體" panose="03000509000000000000" pitchFamily="65" charset="-120"/>
+                </a:rPr>
+                <a:t>）</a:t>
+              </a:r>
+            </a:p>
+          </p:txBody>
+        </p:sp>
+        <p:sp>
+          <p:nvSpPr>
+            <p:cNvPr id="161" name="橢圓 160">
+              <a:extLst>
+                <a:ext uri="{FF2B5EF4-FFF2-40B4-BE49-F238E27FC236}">
+                  <a16:creationId xmlns:a16="http://schemas.microsoft.com/office/drawing/2014/main" id="{80D9A839-2159-482E-AF45-0CE69D70876A}"/>
+                </a:ext>
+              </a:extLst>
+            </p:cNvPr>
+            <p:cNvSpPr/>
+            <p:nvPr/>
+          </p:nvSpPr>
+          <p:spPr>
+            <a:xfrm>
+              <a:off x="10866137" y="4991445"/>
+              <a:ext cx="1158877" cy="462712"/>
+            </a:xfrm>
+            <a:prstGeom prst="ellipse">
+              <a:avLst/>
+            </a:prstGeom>
+          </p:spPr>
+          <p:style>
+            <a:lnRef idx="2">
+              <a:schemeClr val="accent5">
+                <a:shade val="50000"/>
+              </a:schemeClr>
+            </a:lnRef>
+            <a:fillRef idx="1">
+              <a:schemeClr val="accent5"/>
+            </a:fillRef>
+            <a:effectRef idx="0">
+              <a:schemeClr val="accent5"/>
+            </a:effectRef>
+            <a:fontRef idx="minor">
+              <a:schemeClr val="lt1"/>
+            </a:fontRef>
+          </p:style>
+          <p:txBody>
+            <a:bodyPr rtlCol="0" anchor="ctr"/>
+            <a:lstStyle/>
+            <a:p>
+              <a:pPr algn="ctr"/>
+              <a:r>
+                <a:rPr lang="en-US" altLang="zh-TW" sz="1250" dirty="0">
+                  <a:latin typeface="標楷體" panose="03000509000000000000" pitchFamily="65" charset="-120"/>
+                  <a:ea typeface="標楷體" panose="03000509000000000000" pitchFamily="65" charset="-120"/>
+                </a:rPr>
+                <a:t>username</a:t>
+              </a:r>
+              <a:endParaRPr lang="zh-TW" altLang="en-US" sz="1250" dirty="0">
                 <a:latin typeface="標楷體" panose="03000509000000000000" pitchFamily="65" charset="-120"/>
                 <a:ea typeface="標楷體" panose="03000509000000000000" pitchFamily="65" charset="-120"/>
-              </a:rPr>
-              <a:t>資本額</a:t>
-            </a:r>
-          </a:p>
-        </p:txBody>
-      </p:sp>
-      <p:sp>
-        <p:nvSpPr>
-          <p:cNvPr id="39" name="橢圓 38">
-            <a:extLst>
-              <a:ext uri="{FF2B5EF4-FFF2-40B4-BE49-F238E27FC236}">
-                <a16:creationId xmlns:a16="http://schemas.microsoft.com/office/drawing/2014/main" id="{4DB5CA4B-10DD-4376-A3D8-DBA897FAA14B}"/>
-              </a:ext>
-            </a:extLst>
-          </p:cNvPr>
-          <p:cNvSpPr/>
-          <p:nvPr/>
-        </p:nvSpPr>
-        <p:spPr>
-          <a:xfrm>
-            <a:off x="362065" y="1262579"/>
-            <a:ext cx="1158877" cy="462712"/>
-          </a:xfrm>
-          <a:prstGeom prst="ellipse">
-            <a:avLst/>
-          </a:prstGeom>
-        </p:spPr>
-        <p:style>
-          <a:lnRef idx="2">
-            <a:schemeClr val="accent5">
-              <a:shade val="50000"/>
-            </a:schemeClr>
-          </a:lnRef>
-          <a:fillRef idx="1">
-            <a:schemeClr val="accent5"/>
-          </a:fillRef>
-          <a:effectRef idx="0">
-            <a:schemeClr val="accent5"/>
-          </a:effectRef>
-          <a:fontRef idx="minor">
-            <a:schemeClr val="lt1"/>
-          </a:fontRef>
-        </p:style>
-        <p:txBody>
-          <a:bodyPr rtlCol="0" anchor="ctr"/>
-          <a:lstStyle/>
-          <a:p>
-            <a:pPr algn="ctr"/>
-            <a:r>
-              <a:rPr lang="zh-TW" altLang="en-US" sz="1600" dirty="0">
+              </a:endParaRPr>
+            </a:p>
+          </p:txBody>
+        </p:sp>
+        <p:sp>
+          <p:nvSpPr>
+            <p:cNvPr id="162" name="橢圓 161">
+              <a:extLst>
+                <a:ext uri="{FF2B5EF4-FFF2-40B4-BE49-F238E27FC236}">
+                  <a16:creationId xmlns:a16="http://schemas.microsoft.com/office/drawing/2014/main" id="{03672B2A-0142-40A4-9A1C-E2C8E6115F2A}"/>
+                </a:ext>
+              </a:extLst>
+            </p:cNvPr>
+            <p:cNvSpPr/>
+            <p:nvPr/>
+          </p:nvSpPr>
+          <p:spPr>
+            <a:xfrm>
+              <a:off x="11033123" y="6039537"/>
+              <a:ext cx="1158877" cy="462712"/>
+            </a:xfrm>
+            <a:prstGeom prst="ellipse">
+              <a:avLst/>
+            </a:prstGeom>
+          </p:spPr>
+          <p:style>
+            <a:lnRef idx="2">
+              <a:schemeClr val="accent5">
+                <a:shade val="50000"/>
+              </a:schemeClr>
+            </a:lnRef>
+            <a:fillRef idx="1">
+              <a:schemeClr val="accent5"/>
+            </a:fillRef>
+            <a:effectRef idx="0">
+              <a:schemeClr val="accent5"/>
+            </a:effectRef>
+            <a:fontRef idx="minor">
+              <a:schemeClr val="lt1"/>
+            </a:fontRef>
+          </p:style>
+          <p:txBody>
+            <a:bodyPr rtlCol="0" anchor="ctr"/>
+            <a:lstStyle/>
+            <a:p>
+              <a:pPr algn="ctr"/>
+              <a:r>
+                <a:rPr lang="en-US" altLang="zh-TW" sz="1600" dirty="0">
+                  <a:latin typeface="標楷體" panose="03000509000000000000" pitchFamily="65" charset="-120"/>
+                  <a:ea typeface="標楷體" panose="03000509000000000000" pitchFamily="65" charset="-120"/>
+                </a:rPr>
+                <a:t>passwd</a:t>
+              </a:r>
+              <a:endParaRPr lang="zh-TW" altLang="en-US" sz="1600" dirty="0">
                 <a:latin typeface="標楷體" panose="03000509000000000000" pitchFamily="65" charset="-120"/>
                 <a:ea typeface="標楷體" panose="03000509000000000000" pitchFamily="65" charset="-120"/>
-              </a:rPr>
-              <a:t>員工數</a:t>
-            </a:r>
-          </a:p>
-        </p:txBody>
-      </p:sp>
-      <p:sp>
-        <p:nvSpPr>
-          <p:cNvPr id="40" name="橢圓 39">
-            <a:extLst>
-              <a:ext uri="{FF2B5EF4-FFF2-40B4-BE49-F238E27FC236}">
-                <a16:creationId xmlns:a16="http://schemas.microsoft.com/office/drawing/2014/main" id="{7F257DCE-4A1D-4D3F-8A66-99EC7C9C5281}"/>
-              </a:ext>
-            </a:extLst>
-          </p:cNvPr>
-          <p:cNvSpPr/>
-          <p:nvPr/>
-        </p:nvSpPr>
-        <p:spPr>
-          <a:xfrm>
-            <a:off x="734344" y="1841186"/>
-            <a:ext cx="1158877" cy="462712"/>
-          </a:xfrm>
-          <a:prstGeom prst="ellipse">
-            <a:avLst/>
-          </a:prstGeom>
-        </p:spPr>
-        <p:style>
-          <a:lnRef idx="2">
-            <a:schemeClr val="accent5">
-              <a:shade val="50000"/>
-            </a:schemeClr>
-          </a:lnRef>
-          <a:fillRef idx="1">
-            <a:schemeClr val="accent5"/>
-          </a:fillRef>
-          <a:effectRef idx="0">
-            <a:schemeClr val="accent5"/>
-          </a:effectRef>
-          <a:fontRef idx="minor">
-            <a:schemeClr val="lt1"/>
-          </a:fontRef>
-        </p:style>
-        <p:txBody>
-          <a:bodyPr rtlCol="0" anchor="ctr"/>
-          <a:lstStyle/>
-          <a:p>
-            <a:pPr algn="ctr"/>
-            <a:r>
-              <a:rPr lang="zh-TW" altLang="en-US" sz="1600" dirty="0">
-                <a:latin typeface="標楷體" panose="03000509000000000000" pitchFamily="65" charset="-120"/>
-                <a:ea typeface="標楷體" panose="03000509000000000000" pitchFamily="65" charset="-120"/>
-              </a:rPr>
-              <a:t>地址</a:t>
-            </a:r>
-          </a:p>
-        </p:txBody>
-      </p:sp>
-      <p:sp>
-        <p:nvSpPr>
-          <p:cNvPr id="50" name="橢圓 49">
-            <a:extLst>
-              <a:ext uri="{FF2B5EF4-FFF2-40B4-BE49-F238E27FC236}">
-                <a16:creationId xmlns:a16="http://schemas.microsoft.com/office/drawing/2014/main" id="{3E7E5026-4695-4E52-BC9E-F9177CC20E9C}"/>
-              </a:ext>
-            </a:extLst>
-          </p:cNvPr>
-          <p:cNvSpPr/>
-          <p:nvPr/>
-        </p:nvSpPr>
-        <p:spPr>
-          <a:xfrm>
-            <a:off x="9329962" y="1768158"/>
-            <a:ext cx="1158877" cy="462712"/>
-          </a:xfrm>
-          <a:prstGeom prst="ellipse">
-            <a:avLst/>
-          </a:prstGeom>
-        </p:spPr>
-        <p:style>
-          <a:lnRef idx="2">
-            <a:schemeClr val="accent5">
-              <a:shade val="50000"/>
-            </a:schemeClr>
-          </a:lnRef>
-          <a:fillRef idx="1">
-            <a:schemeClr val="accent5"/>
-          </a:fillRef>
-          <a:effectRef idx="0">
-            <a:schemeClr val="accent5"/>
-          </a:effectRef>
-          <a:fontRef idx="minor">
-            <a:schemeClr val="lt1"/>
-          </a:fontRef>
-        </p:style>
-        <p:txBody>
-          <a:bodyPr rtlCol="0" anchor="ctr"/>
-          <a:lstStyle/>
-          <a:p>
-            <a:pPr algn="ctr"/>
-            <a:r>
-              <a:rPr lang="zh-TW" altLang="en-US" sz="1600" dirty="0">
-                <a:latin typeface="標楷體" panose="03000509000000000000" pitchFamily="65" charset="-120"/>
-                <a:ea typeface="標楷體" panose="03000509000000000000" pitchFamily="65" charset="-120"/>
-              </a:rPr>
-              <a:t>學歷</a:t>
-            </a:r>
-          </a:p>
-        </p:txBody>
-      </p:sp>
-      <p:sp>
-        <p:nvSpPr>
-          <p:cNvPr id="53" name="橢圓 52">
-            <a:extLst>
-              <a:ext uri="{FF2B5EF4-FFF2-40B4-BE49-F238E27FC236}">
-                <a16:creationId xmlns:a16="http://schemas.microsoft.com/office/drawing/2014/main" id="{13241945-4C0B-49CB-A461-284A2FA9D851}"/>
-              </a:ext>
-            </a:extLst>
-          </p:cNvPr>
-          <p:cNvSpPr/>
-          <p:nvPr/>
-        </p:nvSpPr>
-        <p:spPr>
-          <a:xfrm>
-            <a:off x="9329965" y="2693933"/>
-            <a:ext cx="1158877" cy="462712"/>
-          </a:xfrm>
-          <a:prstGeom prst="ellipse">
-            <a:avLst/>
-          </a:prstGeom>
-        </p:spPr>
-        <p:style>
-          <a:lnRef idx="2">
-            <a:schemeClr val="accent5">
-              <a:shade val="50000"/>
-            </a:schemeClr>
-          </a:lnRef>
-          <a:fillRef idx="1">
-            <a:schemeClr val="accent5"/>
-          </a:fillRef>
-          <a:effectRef idx="0">
-            <a:schemeClr val="accent5"/>
-          </a:effectRef>
-          <a:fontRef idx="minor">
-            <a:schemeClr val="lt1"/>
-          </a:fontRef>
-        </p:style>
-        <p:txBody>
-          <a:bodyPr rtlCol="0" anchor="ctr"/>
-          <a:lstStyle/>
-          <a:p>
-            <a:pPr algn="ctr"/>
-            <a:r>
-              <a:rPr lang="zh-TW" altLang="en-US" sz="1250" dirty="0">
-                <a:latin typeface="標楷體" panose="03000509000000000000" pitchFamily="65" charset="-120"/>
-                <a:ea typeface="標楷體" panose="03000509000000000000" pitchFamily="65" charset="-120"/>
-              </a:rPr>
-              <a:t>年資要求</a:t>
-            </a:r>
-          </a:p>
-        </p:txBody>
-      </p:sp>
-      <p:sp>
-        <p:nvSpPr>
-          <p:cNvPr id="54" name="橢圓 53">
-            <a:extLst>
-              <a:ext uri="{FF2B5EF4-FFF2-40B4-BE49-F238E27FC236}">
-                <a16:creationId xmlns:a16="http://schemas.microsoft.com/office/drawing/2014/main" id="{3B24C222-5EFE-46FD-8C09-EBF354D0EC68}"/>
-              </a:ext>
-            </a:extLst>
-          </p:cNvPr>
-          <p:cNvSpPr/>
-          <p:nvPr/>
-        </p:nvSpPr>
-        <p:spPr>
-          <a:xfrm>
-            <a:off x="9329963" y="2222828"/>
-            <a:ext cx="1158877" cy="462712"/>
-          </a:xfrm>
-          <a:prstGeom prst="ellipse">
-            <a:avLst/>
-          </a:prstGeom>
-        </p:spPr>
-        <p:style>
-          <a:lnRef idx="2">
-            <a:schemeClr val="accent5">
-              <a:shade val="50000"/>
-            </a:schemeClr>
-          </a:lnRef>
-          <a:fillRef idx="1">
-            <a:schemeClr val="accent5"/>
-          </a:fillRef>
-          <a:effectRef idx="0">
-            <a:schemeClr val="accent5"/>
-          </a:effectRef>
-          <a:fontRef idx="minor">
-            <a:schemeClr val="lt1"/>
-          </a:fontRef>
-        </p:style>
-        <p:txBody>
-          <a:bodyPr rtlCol="0" anchor="ctr"/>
-          <a:lstStyle/>
-          <a:p>
-            <a:pPr algn="ctr"/>
-            <a:r>
-              <a:rPr lang="zh-TW" altLang="en-US" sz="1600" dirty="0">
-                <a:latin typeface="標楷體" panose="03000509000000000000" pitchFamily="65" charset="-120"/>
-                <a:ea typeface="標楷體" panose="03000509000000000000" pitchFamily="65" charset="-120"/>
-              </a:rPr>
-              <a:t>薪資</a:t>
-            </a:r>
-          </a:p>
-        </p:txBody>
-      </p:sp>
-      <p:sp>
-        <p:nvSpPr>
-          <p:cNvPr id="55" name="橢圓 54">
-            <a:extLst>
-              <a:ext uri="{FF2B5EF4-FFF2-40B4-BE49-F238E27FC236}">
-                <a16:creationId xmlns:a16="http://schemas.microsoft.com/office/drawing/2014/main" id="{374D129F-D781-471B-B489-98674C9B8952}"/>
-              </a:ext>
-            </a:extLst>
-          </p:cNvPr>
-          <p:cNvSpPr/>
-          <p:nvPr/>
-        </p:nvSpPr>
-        <p:spPr>
-          <a:xfrm>
-            <a:off x="9329964" y="3165038"/>
-            <a:ext cx="1158877" cy="462712"/>
-          </a:xfrm>
-          <a:prstGeom prst="ellipse">
-            <a:avLst/>
-          </a:prstGeom>
-        </p:spPr>
-        <p:style>
-          <a:lnRef idx="2">
-            <a:schemeClr val="accent5">
-              <a:shade val="50000"/>
-            </a:schemeClr>
-          </a:lnRef>
-          <a:fillRef idx="1">
-            <a:schemeClr val="accent5"/>
-          </a:fillRef>
-          <a:effectRef idx="0">
-            <a:schemeClr val="accent5"/>
-          </a:effectRef>
-          <a:fontRef idx="minor">
-            <a:schemeClr val="lt1"/>
-          </a:fontRef>
-        </p:style>
-        <p:txBody>
-          <a:bodyPr rtlCol="0" anchor="ctr"/>
-          <a:lstStyle/>
-          <a:p>
-            <a:pPr algn="ctr"/>
-            <a:r>
-              <a:rPr lang="zh-TW" altLang="en-US" sz="1250" dirty="0">
-                <a:latin typeface="標楷體" panose="03000509000000000000" pitchFamily="65" charset="-120"/>
-                <a:ea typeface="標楷體" panose="03000509000000000000" pitchFamily="65" charset="-120"/>
-              </a:rPr>
-              <a:t>工作型態</a:t>
-            </a:r>
-          </a:p>
-        </p:txBody>
-      </p:sp>
-      <p:sp>
-        <p:nvSpPr>
-          <p:cNvPr id="56" name="橢圓 55">
-            <a:extLst>
-              <a:ext uri="{FF2B5EF4-FFF2-40B4-BE49-F238E27FC236}">
-                <a16:creationId xmlns:a16="http://schemas.microsoft.com/office/drawing/2014/main" id="{1D69EFC4-EF92-411D-8CEE-C57796FB1E5B}"/>
-              </a:ext>
-            </a:extLst>
-          </p:cNvPr>
-          <p:cNvSpPr/>
-          <p:nvPr/>
-        </p:nvSpPr>
-        <p:spPr>
-          <a:xfrm>
-            <a:off x="9329959" y="3636143"/>
-            <a:ext cx="1158877" cy="462712"/>
-          </a:xfrm>
-          <a:prstGeom prst="ellipse">
-            <a:avLst/>
-          </a:prstGeom>
-        </p:spPr>
-        <p:style>
-          <a:lnRef idx="2">
-            <a:schemeClr val="accent5">
-              <a:shade val="50000"/>
-            </a:schemeClr>
-          </a:lnRef>
-          <a:fillRef idx="1">
-            <a:schemeClr val="accent5"/>
-          </a:fillRef>
-          <a:effectRef idx="0">
-            <a:schemeClr val="accent5"/>
-          </a:effectRef>
-          <a:fontRef idx="minor">
-            <a:schemeClr val="lt1"/>
-          </a:fontRef>
-        </p:style>
-        <p:txBody>
-          <a:bodyPr rtlCol="0" anchor="ctr"/>
-          <a:lstStyle/>
-          <a:p>
-            <a:pPr algn="ctr"/>
-            <a:r>
-              <a:rPr lang="zh-TW" altLang="en-US" sz="1600" dirty="0">
-                <a:latin typeface="標楷體" panose="03000509000000000000" pitchFamily="65" charset="-120"/>
-                <a:ea typeface="標楷體" panose="03000509000000000000" pitchFamily="65" charset="-120"/>
-              </a:rPr>
-              <a:t>工時</a:t>
-            </a:r>
-          </a:p>
-        </p:txBody>
-      </p:sp>
-      <p:sp>
-        <p:nvSpPr>
-          <p:cNvPr id="57" name="橢圓 56">
-            <a:extLst>
-              <a:ext uri="{FF2B5EF4-FFF2-40B4-BE49-F238E27FC236}">
-                <a16:creationId xmlns:a16="http://schemas.microsoft.com/office/drawing/2014/main" id="{304E7791-C1BB-4DF6-ABCD-E9256F6A27BF}"/>
-              </a:ext>
-            </a:extLst>
-          </p:cNvPr>
-          <p:cNvSpPr/>
-          <p:nvPr/>
-        </p:nvSpPr>
-        <p:spPr>
-          <a:xfrm>
-            <a:off x="9329962" y="4561918"/>
-            <a:ext cx="1158877" cy="462712"/>
-          </a:xfrm>
-          <a:prstGeom prst="ellipse">
-            <a:avLst/>
-          </a:prstGeom>
-        </p:spPr>
-        <p:style>
-          <a:lnRef idx="2">
-            <a:schemeClr val="accent5">
-              <a:shade val="50000"/>
-            </a:schemeClr>
-          </a:lnRef>
-          <a:fillRef idx="1">
-            <a:schemeClr val="accent5"/>
-          </a:fillRef>
-          <a:effectRef idx="0">
-            <a:schemeClr val="accent5"/>
-          </a:effectRef>
-          <a:fontRef idx="minor">
-            <a:schemeClr val="lt1"/>
-          </a:fontRef>
-        </p:style>
-        <p:txBody>
-          <a:bodyPr rtlCol="0" anchor="ctr"/>
-          <a:lstStyle/>
-          <a:p>
-            <a:pPr algn="ctr"/>
-            <a:r>
-              <a:rPr lang="zh-TW" altLang="en-US" sz="1250" dirty="0">
-                <a:latin typeface="標楷體" panose="03000509000000000000" pitchFamily="65" charset="-120"/>
-                <a:ea typeface="標楷體" panose="03000509000000000000" pitchFamily="65" charset="-120"/>
-              </a:rPr>
-              <a:t>需求人數</a:t>
-            </a:r>
-          </a:p>
-        </p:txBody>
-      </p:sp>
-      <p:sp>
-        <p:nvSpPr>
-          <p:cNvPr id="58" name="橢圓 57">
-            <a:extLst>
-              <a:ext uri="{FF2B5EF4-FFF2-40B4-BE49-F238E27FC236}">
-                <a16:creationId xmlns:a16="http://schemas.microsoft.com/office/drawing/2014/main" id="{A88B9EE5-2953-4CCB-8793-C35B9742F43C}"/>
-              </a:ext>
-            </a:extLst>
-          </p:cNvPr>
-          <p:cNvSpPr/>
-          <p:nvPr/>
-        </p:nvSpPr>
-        <p:spPr>
-          <a:xfrm>
-            <a:off x="9329960" y="4090813"/>
-            <a:ext cx="1158877" cy="462712"/>
-          </a:xfrm>
-          <a:prstGeom prst="ellipse">
-            <a:avLst/>
-          </a:prstGeom>
-        </p:spPr>
-        <p:style>
-          <a:lnRef idx="2">
-            <a:schemeClr val="accent5">
-              <a:shade val="50000"/>
-            </a:schemeClr>
-          </a:lnRef>
-          <a:fillRef idx="1">
-            <a:schemeClr val="accent5"/>
-          </a:fillRef>
-          <a:effectRef idx="0">
-            <a:schemeClr val="accent5"/>
-          </a:effectRef>
-          <a:fontRef idx="minor">
-            <a:schemeClr val="lt1"/>
-          </a:fontRef>
-        </p:style>
-        <p:txBody>
-          <a:bodyPr rtlCol="0" anchor="ctr"/>
-          <a:lstStyle/>
-          <a:p>
-            <a:pPr algn="ctr"/>
-            <a:r>
-              <a:rPr lang="zh-TW" altLang="en-US" sz="1250" dirty="0">
-                <a:latin typeface="標楷體" panose="03000509000000000000" pitchFamily="65" charset="-120"/>
-                <a:ea typeface="標楷體" panose="03000509000000000000" pitchFamily="65" charset="-120"/>
-              </a:rPr>
-              <a:t>上班時段</a:t>
-            </a:r>
-          </a:p>
-        </p:txBody>
-      </p:sp>
-      <p:sp>
-        <p:nvSpPr>
-          <p:cNvPr id="59" name="橢圓 58">
-            <a:extLst>
-              <a:ext uri="{FF2B5EF4-FFF2-40B4-BE49-F238E27FC236}">
-                <a16:creationId xmlns:a16="http://schemas.microsoft.com/office/drawing/2014/main" id="{972C3DA7-1F65-438D-A245-4DAD0ECEA16F}"/>
-              </a:ext>
-            </a:extLst>
-          </p:cNvPr>
-          <p:cNvSpPr/>
-          <p:nvPr/>
-        </p:nvSpPr>
-        <p:spPr>
-          <a:xfrm>
-            <a:off x="9329959" y="1301250"/>
-            <a:ext cx="1158877" cy="462712"/>
-          </a:xfrm>
-          <a:prstGeom prst="ellipse">
-            <a:avLst/>
-          </a:prstGeom>
-        </p:spPr>
-        <p:style>
-          <a:lnRef idx="2">
-            <a:schemeClr val="accent5">
-              <a:shade val="50000"/>
-            </a:schemeClr>
-          </a:lnRef>
-          <a:fillRef idx="1">
-            <a:schemeClr val="accent5"/>
-          </a:fillRef>
-          <a:effectRef idx="0">
-            <a:schemeClr val="accent5"/>
-          </a:effectRef>
-          <a:fontRef idx="minor">
-            <a:schemeClr val="lt1"/>
-          </a:fontRef>
-        </p:style>
-        <p:txBody>
-          <a:bodyPr rtlCol="0" anchor="ctr"/>
-          <a:lstStyle/>
-          <a:p>
-            <a:pPr algn="ctr"/>
-            <a:r>
-              <a:rPr lang="zh-TW" altLang="en-US" sz="1600" dirty="0">
-                <a:latin typeface="標楷體" panose="03000509000000000000" pitchFamily="65" charset="-120"/>
-                <a:ea typeface="標楷體" panose="03000509000000000000" pitchFamily="65" charset="-120"/>
-              </a:rPr>
-              <a:t>名稱</a:t>
-            </a:r>
-          </a:p>
-        </p:txBody>
-      </p:sp>
-      <p:sp>
-        <p:nvSpPr>
-          <p:cNvPr id="64" name="菱形 63">
-            <a:extLst>
-              <a:ext uri="{FF2B5EF4-FFF2-40B4-BE49-F238E27FC236}">
-                <a16:creationId xmlns:a16="http://schemas.microsoft.com/office/drawing/2014/main" id="{C92183E7-A9F6-4CC9-805B-689F120943AE}"/>
-              </a:ext>
-            </a:extLst>
-          </p:cNvPr>
-          <p:cNvSpPr/>
-          <p:nvPr/>
-        </p:nvSpPr>
-        <p:spPr>
-          <a:xfrm>
-            <a:off x="4465509" y="4850181"/>
-            <a:ext cx="1376039" cy="745240"/>
-          </a:xfrm>
-          <a:prstGeom prst="diamond">
-            <a:avLst/>
-          </a:prstGeom>
-        </p:spPr>
-        <p:style>
-          <a:lnRef idx="2">
-            <a:schemeClr val="accent6">
-              <a:shade val="50000"/>
-            </a:schemeClr>
-          </a:lnRef>
-          <a:fillRef idx="1">
-            <a:schemeClr val="accent6"/>
-          </a:fillRef>
-          <a:effectRef idx="0">
-            <a:schemeClr val="accent6"/>
-          </a:effectRef>
-          <a:fontRef idx="minor">
-            <a:schemeClr val="lt1"/>
-          </a:fontRef>
-        </p:style>
-        <p:txBody>
-          <a:bodyPr rtlCol="0" anchor="ctr"/>
-          <a:lstStyle/>
-          <a:p>
-            <a:pPr algn="ctr"/>
-            <a:r>
-              <a:rPr lang="zh-TW" altLang="en-US" sz="1600" dirty="0">
-                <a:latin typeface="標楷體" panose="03000509000000000000" pitchFamily="65" charset="-120"/>
-                <a:ea typeface="標楷體" panose="03000509000000000000" pitchFamily="65" charset="-120"/>
-              </a:rPr>
-              <a:t>位於</a:t>
-            </a:r>
-          </a:p>
-        </p:txBody>
-      </p:sp>
-      <p:cxnSp>
-        <p:nvCxnSpPr>
-          <p:cNvPr id="65" name="直線單箭頭接點 64">
-            <a:extLst>
-              <a:ext uri="{FF2B5EF4-FFF2-40B4-BE49-F238E27FC236}">
-                <a16:creationId xmlns:a16="http://schemas.microsoft.com/office/drawing/2014/main" id="{BCAF43C8-9294-4FFC-B0AF-BFE59DE7812A}"/>
-              </a:ext>
-            </a:extLst>
-          </p:cNvPr>
-          <p:cNvCxnSpPr>
-            <a:cxnSpLocks/>
-            <a:stCxn id="64" idx="1"/>
-            <a:endCxn id="68" idx="3"/>
-          </p:cNvCxnSpPr>
-          <p:nvPr/>
-        </p:nvCxnSpPr>
-        <p:spPr>
-          <a:xfrm flipH="1">
-            <a:off x="3274282" y="5222801"/>
-            <a:ext cx="1191227" cy="4197"/>
-          </a:xfrm>
-          <a:prstGeom prst="straightConnector1">
-            <a:avLst/>
-          </a:prstGeom>
-          <a:ln>
-            <a:tailEnd type="triangle"/>
-          </a:ln>
-        </p:spPr>
-        <p:style>
-          <a:lnRef idx="1">
-            <a:schemeClr val="accent1"/>
-          </a:lnRef>
-          <a:fillRef idx="0">
-            <a:schemeClr val="accent1"/>
-          </a:fillRef>
-          <a:effectRef idx="0">
-            <a:schemeClr val="accent1"/>
-          </a:effectRef>
-          <a:fontRef idx="minor">
-            <a:schemeClr val="tx1"/>
-          </a:fontRef>
-        </p:style>
-      </p:cxnSp>
-      <p:cxnSp>
-        <p:nvCxnSpPr>
-          <p:cNvPr id="66" name="直線接點 65">
-            <a:extLst>
-              <a:ext uri="{FF2B5EF4-FFF2-40B4-BE49-F238E27FC236}">
-                <a16:creationId xmlns:a16="http://schemas.microsoft.com/office/drawing/2014/main" id="{ED3E93D9-1CDC-4F02-953F-30CF5A0A0A5D}"/>
-              </a:ext>
-            </a:extLst>
-          </p:cNvPr>
-          <p:cNvCxnSpPr>
-            <a:cxnSpLocks/>
-            <a:stCxn id="25" idx="3"/>
-            <a:endCxn id="64" idx="3"/>
-          </p:cNvCxnSpPr>
-          <p:nvPr/>
-        </p:nvCxnSpPr>
-        <p:spPr>
-          <a:xfrm flipH="1">
-            <a:off x="5841548" y="3156646"/>
-            <a:ext cx="1735077" cy="2066155"/>
-          </a:xfrm>
-          <a:prstGeom prst="line">
-            <a:avLst/>
-          </a:prstGeom>
-          <a:ln w="38100"/>
-        </p:spPr>
-        <p:style>
-          <a:lnRef idx="1">
-            <a:schemeClr val="dk1"/>
-          </a:lnRef>
-          <a:fillRef idx="0">
-            <a:schemeClr val="dk1"/>
-          </a:fillRef>
-          <a:effectRef idx="0">
-            <a:schemeClr val="dk1"/>
-          </a:effectRef>
-          <a:fontRef idx="minor">
-            <a:schemeClr val="tx1"/>
-          </a:fontRef>
-        </p:style>
-      </p:cxnSp>
-      <p:sp>
-        <p:nvSpPr>
-          <p:cNvPr id="68" name="矩形 67">
-            <a:extLst>
-              <a:ext uri="{FF2B5EF4-FFF2-40B4-BE49-F238E27FC236}">
-                <a16:creationId xmlns:a16="http://schemas.microsoft.com/office/drawing/2014/main" id="{75B22F18-FB23-4F93-9FEC-3FC680A0DB4E}"/>
-              </a:ext>
-            </a:extLst>
-          </p:cNvPr>
-          <p:cNvSpPr/>
-          <p:nvPr/>
-        </p:nvSpPr>
-        <p:spPr>
-          <a:xfrm>
-            <a:off x="1898243" y="4858574"/>
-            <a:ext cx="1376039" cy="736847"/>
-          </a:xfrm>
-          <a:prstGeom prst="rect">
-            <a:avLst/>
-          </a:prstGeom>
-        </p:spPr>
-        <p:style>
-          <a:lnRef idx="2">
-            <a:schemeClr val="accent4">
-              <a:shade val="50000"/>
-            </a:schemeClr>
-          </a:lnRef>
-          <a:fillRef idx="1">
-            <a:schemeClr val="accent4"/>
-          </a:fillRef>
-          <a:effectRef idx="0">
-            <a:schemeClr val="accent4"/>
-          </a:effectRef>
-          <a:fontRef idx="minor">
-            <a:schemeClr val="lt1"/>
-          </a:fontRef>
-        </p:style>
-        <p:txBody>
-          <a:bodyPr rtlCol="0" anchor="ctr"/>
-          <a:lstStyle/>
-          <a:p>
-            <a:pPr algn="ctr"/>
-            <a:r>
-              <a:rPr lang="zh-TW" altLang="en-US" sz="1600" dirty="0">
-                <a:solidFill>
-                  <a:sysClr val="windowText" lastClr="000000"/>
-                </a:solidFill>
-                <a:latin typeface="Times New Roman" panose="02020603050405020304" pitchFamily="18" charset="0"/>
-                <a:ea typeface="標楷體" panose="03000509000000000000" pitchFamily="65" charset="-120"/>
-              </a:rPr>
-              <a:t>地域</a:t>
-            </a:r>
-            <a:endParaRPr lang="en-US" altLang="zh-TW" sz="1600" dirty="0">
-              <a:solidFill>
-                <a:sysClr val="windowText" lastClr="000000"/>
-              </a:solidFill>
-              <a:latin typeface="Times New Roman" panose="02020603050405020304" pitchFamily="18" charset="0"/>
-              <a:ea typeface="標楷體" panose="03000509000000000000" pitchFamily="65" charset="-120"/>
-            </a:endParaRPr>
-          </a:p>
-          <a:p>
-            <a:pPr algn="ctr"/>
-            <a:r>
-              <a:rPr lang="zh-TW" altLang="en-US" sz="1600" dirty="0">
-                <a:solidFill>
-                  <a:sysClr val="windowText" lastClr="000000"/>
-                </a:solidFill>
-                <a:latin typeface="Times New Roman" panose="02020603050405020304" pitchFamily="18" charset="0"/>
-                <a:ea typeface="標楷體" panose="03000509000000000000" pitchFamily="65" charset="-120"/>
-              </a:rPr>
-              <a:t>（</a:t>
-            </a:r>
-            <a:r>
-              <a:rPr lang="en-US" altLang="zh-TW" sz="1600" dirty="0" err="1">
-                <a:solidFill>
-                  <a:sysClr val="windowText" lastClr="000000"/>
-                </a:solidFill>
-                <a:latin typeface="Times New Roman" panose="02020603050405020304" pitchFamily="18" charset="0"/>
-                <a:ea typeface="標楷體" panose="03000509000000000000" pitchFamily="65" charset="-120"/>
-              </a:rPr>
-              <a:t>localarea</a:t>
-            </a:r>
-            <a:r>
-              <a:rPr lang="zh-TW" altLang="en-US" sz="1600" dirty="0">
-                <a:solidFill>
-                  <a:sysClr val="windowText" lastClr="000000"/>
-                </a:solidFill>
-                <a:latin typeface="Times New Roman" panose="02020603050405020304" pitchFamily="18" charset="0"/>
-                <a:ea typeface="標楷體" panose="03000509000000000000" pitchFamily="65" charset="-120"/>
-              </a:rPr>
-              <a:t>）</a:t>
-            </a:r>
-          </a:p>
-        </p:txBody>
-      </p:sp>
-      <p:sp>
-        <p:nvSpPr>
-          <p:cNvPr id="69" name="橢圓 68">
-            <a:extLst>
-              <a:ext uri="{FF2B5EF4-FFF2-40B4-BE49-F238E27FC236}">
-                <a16:creationId xmlns:a16="http://schemas.microsoft.com/office/drawing/2014/main" id="{BA0F2B46-9A9F-41CD-AEC0-B53FC7B9121C}"/>
-              </a:ext>
-            </a:extLst>
-          </p:cNvPr>
-          <p:cNvSpPr/>
-          <p:nvPr/>
-        </p:nvSpPr>
-        <p:spPr>
-          <a:xfrm>
-            <a:off x="362065" y="4686993"/>
-            <a:ext cx="1158877" cy="462712"/>
-          </a:xfrm>
-          <a:prstGeom prst="ellipse">
-            <a:avLst/>
-          </a:prstGeom>
-        </p:spPr>
-        <p:style>
-          <a:lnRef idx="2">
-            <a:schemeClr val="accent5">
-              <a:shade val="50000"/>
-            </a:schemeClr>
-          </a:lnRef>
-          <a:fillRef idx="1">
-            <a:schemeClr val="accent5"/>
-          </a:fillRef>
-          <a:effectRef idx="0">
-            <a:schemeClr val="accent5"/>
-          </a:effectRef>
-          <a:fontRef idx="minor">
-            <a:schemeClr val="lt1"/>
-          </a:fontRef>
-        </p:style>
-        <p:txBody>
-          <a:bodyPr rtlCol="0" anchor="ctr"/>
-          <a:lstStyle/>
-          <a:p>
-            <a:pPr algn="ctr"/>
-            <a:r>
-              <a:rPr lang="zh-TW" altLang="en-US" sz="1600" dirty="0">
-                <a:latin typeface="標楷體" panose="03000509000000000000" pitchFamily="65" charset="-120"/>
-                <a:ea typeface="標楷體" panose="03000509000000000000" pitchFamily="65" charset="-120"/>
-              </a:rPr>
-              <a:t>縣市</a:t>
-            </a:r>
-          </a:p>
-        </p:txBody>
-      </p:sp>
-      <p:sp>
-        <p:nvSpPr>
-          <p:cNvPr id="70" name="橢圓 69">
-            <a:extLst>
-              <a:ext uri="{FF2B5EF4-FFF2-40B4-BE49-F238E27FC236}">
-                <a16:creationId xmlns:a16="http://schemas.microsoft.com/office/drawing/2014/main" id="{151E286B-8244-4FF3-BDBD-4A3BB0B1E793}"/>
-              </a:ext>
-            </a:extLst>
-          </p:cNvPr>
-          <p:cNvSpPr/>
-          <p:nvPr/>
-        </p:nvSpPr>
-        <p:spPr>
-          <a:xfrm>
-            <a:off x="362065" y="5304290"/>
-            <a:ext cx="1158877" cy="462712"/>
-          </a:xfrm>
-          <a:prstGeom prst="ellipse">
-            <a:avLst/>
-          </a:prstGeom>
-        </p:spPr>
-        <p:style>
-          <a:lnRef idx="2">
-            <a:schemeClr val="accent5">
-              <a:shade val="50000"/>
-            </a:schemeClr>
-          </a:lnRef>
-          <a:fillRef idx="1">
-            <a:schemeClr val="accent5"/>
-          </a:fillRef>
-          <a:effectRef idx="0">
-            <a:schemeClr val="accent5"/>
-          </a:effectRef>
-          <a:fontRef idx="minor">
-            <a:schemeClr val="lt1"/>
-          </a:fontRef>
-        </p:style>
-        <p:txBody>
-          <a:bodyPr rtlCol="0" anchor="ctr"/>
-          <a:lstStyle/>
-          <a:p>
-            <a:pPr algn="ctr"/>
-            <a:r>
-              <a:rPr lang="zh-TW" altLang="en-US" sz="1250" dirty="0">
-                <a:latin typeface="標楷體" panose="03000509000000000000" pitchFamily="65" charset="-120"/>
-                <a:ea typeface="標楷體" panose="03000509000000000000" pitchFamily="65" charset="-120"/>
-              </a:rPr>
-              <a:t>鄉鎮市區</a:t>
-            </a:r>
-          </a:p>
-        </p:txBody>
-      </p:sp>
-      <p:sp>
-        <p:nvSpPr>
-          <p:cNvPr id="80" name="菱形 79">
-            <a:extLst>
-              <a:ext uri="{FF2B5EF4-FFF2-40B4-BE49-F238E27FC236}">
-                <a16:creationId xmlns:a16="http://schemas.microsoft.com/office/drawing/2014/main" id="{FB441D19-8ED0-4882-93FD-8953DB39E1DA}"/>
-              </a:ext>
-            </a:extLst>
-          </p:cNvPr>
-          <p:cNvSpPr/>
-          <p:nvPr/>
-        </p:nvSpPr>
-        <p:spPr>
-          <a:xfrm>
-            <a:off x="4465508" y="2784026"/>
-            <a:ext cx="1376039" cy="745240"/>
-          </a:xfrm>
-          <a:prstGeom prst="diamond">
-            <a:avLst/>
-          </a:prstGeom>
-        </p:spPr>
-        <p:style>
-          <a:lnRef idx="2">
-            <a:schemeClr val="accent6">
-              <a:shade val="50000"/>
-            </a:schemeClr>
-          </a:lnRef>
-          <a:fillRef idx="1">
-            <a:schemeClr val="accent6"/>
-          </a:fillRef>
-          <a:effectRef idx="0">
-            <a:schemeClr val="accent6"/>
-          </a:effectRef>
-          <a:fontRef idx="minor">
-            <a:schemeClr val="lt1"/>
-          </a:fontRef>
-        </p:style>
-        <p:txBody>
-          <a:bodyPr rtlCol="0" anchor="ctr"/>
-          <a:lstStyle/>
-          <a:p>
-            <a:pPr algn="ctr"/>
-            <a:r>
-              <a:rPr lang="zh-TW" altLang="en-US" sz="1600" dirty="0">
-                <a:latin typeface="標楷體" panose="03000509000000000000" pitchFamily="65" charset="-120"/>
-                <a:ea typeface="標楷體" panose="03000509000000000000" pitchFamily="65" charset="-120"/>
-              </a:rPr>
-              <a:t>屬於</a:t>
-            </a:r>
-          </a:p>
-        </p:txBody>
-      </p:sp>
-      <p:cxnSp>
-        <p:nvCxnSpPr>
-          <p:cNvPr id="81" name="直線單箭頭接點 80">
-            <a:extLst>
-              <a:ext uri="{FF2B5EF4-FFF2-40B4-BE49-F238E27FC236}">
-                <a16:creationId xmlns:a16="http://schemas.microsoft.com/office/drawing/2014/main" id="{050D4D69-687C-45C6-B4BE-1A4F8DB8B928}"/>
-              </a:ext>
-            </a:extLst>
-          </p:cNvPr>
-          <p:cNvCxnSpPr>
-            <a:stCxn id="80" idx="1"/>
-            <a:endCxn id="84" idx="3"/>
-          </p:cNvCxnSpPr>
-          <p:nvPr/>
-        </p:nvCxnSpPr>
-        <p:spPr>
-          <a:xfrm flipH="1">
-            <a:off x="3274281" y="3156646"/>
-            <a:ext cx="1191227" cy="4197"/>
-          </a:xfrm>
-          <a:prstGeom prst="straightConnector1">
-            <a:avLst/>
-          </a:prstGeom>
-          <a:ln>
-            <a:tailEnd type="triangle"/>
-          </a:ln>
-        </p:spPr>
-        <p:style>
-          <a:lnRef idx="1">
-            <a:schemeClr val="accent1"/>
-          </a:lnRef>
-          <a:fillRef idx="0">
-            <a:schemeClr val="accent1"/>
-          </a:fillRef>
-          <a:effectRef idx="0">
-            <a:schemeClr val="accent1"/>
-          </a:effectRef>
-          <a:fontRef idx="minor">
-            <a:schemeClr val="tx1"/>
-          </a:fontRef>
-        </p:style>
-      </p:cxnSp>
-      <p:sp>
-        <p:nvSpPr>
-          <p:cNvPr id="84" name="矩形 83">
-            <a:extLst>
-              <a:ext uri="{FF2B5EF4-FFF2-40B4-BE49-F238E27FC236}">
-                <a16:creationId xmlns:a16="http://schemas.microsoft.com/office/drawing/2014/main" id="{23D22B9C-62C2-416D-9261-153FC05D45E9}"/>
-              </a:ext>
-            </a:extLst>
-          </p:cNvPr>
-          <p:cNvSpPr/>
-          <p:nvPr/>
-        </p:nvSpPr>
-        <p:spPr>
-          <a:xfrm>
-            <a:off x="1898242" y="2792419"/>
-            <a:ext cx="1376039" cy="736847"/>
-          </a:xfrm>
-          <a:prstGeom prst="rect">
-            <a:avLst/>
-          </a:prstGeom>
-        </p:spPr>
-        <p:style>
-          <a:lnRef idx="2">
-            <a:schemeClr val="accent4">
-              <a:shade val="50000"/>
-            </a:schemeClr>
-          </a:lnRef>
-          <a:fillRef idx="1">
-            <a:schemeClr val="accent4"/>
-          </a:fillRef>
-          <a:effectRef idx="0">
-            <a:schemeClr val="accent4"/>
-          </a:effectRef>
-          <a:fontRef idx="minor">
-            <a:schemeClr val="lt1"/>
-          </a:fontRef>
-        </p:style>
-        <p:txBody>
-          <a:bodyPr rtlCol="0" anchor="ctr"/>
-          <a:lstStyle/>
-          <a:p>
-            <a:pPr algn="ctr"/>
-            <a:r>
-              <a:rPr lang="zh-TW" altLang="en-US" sz="1600" dirty="0">
-                <a:solidFill>
-                  <a:sysClr val="windowText" lastClr="000000"/>
-                </a:solidFill>
-                <a:latin typeface="Times New Roman" panose="02020603050405020304" pitchFamily="18" charset="0"/>
-                <a:ea typeface="標楷體" panose="03000509000000000000" pitchFamily="65" charset="-120"/>
-              </a:rPr>
-              <a:t>職務</a:t>
-            </a:r>
-            <a:endParaRPr lang="en-US" altLang="zh-TW" sz="1600" dirty="0">
-              <a:solidFill>
-                <a:sysClr val="windowText" lastClr="000000"/>
-              </a:solidFill>
-              <a:latin typeface="Times New Roman" panose="02020603050405020304" pitchFamily="18" charset="0"/>
-              <a:ea typeface="標楷體" panose="03000509000000000000" pitchFamily="65" charset="-120"/>
-            </a:endParaRPr>
-          </a:p>
-          <a:p>
-            <a:pPr algn="ctr"/>
-            <a:r>
-              <a:rPr lang="zh-TW" altLang="en-US" sz="1600" dirty="0">
-                <a:solidFill>
-                  <a:sysClr val="windowText" lastClr="000000"/>
-                </a:solidFill>
-                <a:latin typeface="Times New Roman" panose="02020603050405020304" pitchFamily="18" charset="0"/>
-                <a:ea typeface="標楷體" panose="03000509000000000000" pitchFamily="65" charset="-120"/>
-              </a:rPr>
-              <a:t>（</a:t>
-            </a:r>
-            <a:r>
-              <a:rPr lang="en-US" altLang="zh-TW" sz="1600" dirty="0">
-                <a:solidFill>
-                  <a:sysClr val="windowText" lastClr="000000"/>
-                </a:solidFill>
-                <a:latin typeface="Times New Roman" panose="02020603050405020304" pitchFamily="18" charset="0"/>
-                <a:ea typeface="標楷體" panose="03000509000000000000" pitchFamily="65" charset="-120"/>
-              </a:rPr>
-              <a:t>position</a:t>
-            </a:r>
-            <a:r>
-              <a:rPr lang="zh-TW" altLang="en-US" sz="1600" dirty="0">
-                <a:solidFill>
-                  <a:sysClr val="windowText" lastClr="000000"/>
-                </a:solidFill>
-                <a:latin typeface="Times New Roman" panose="02020603050405020304" pitchFamily="18" charset="0"/>
-                <a:ea typeface="標楷體" panose="03000509000000000000" pitchFamily="65" charset="-120"/>
-              </a:rPr>
-              <a:t>）</a:t>
-            </a:r>
-          </a:p>
-        </p:txBody>
-      </p:sp>
-      <p:sp>
-        <p:nvSpPr>
-          <p:cNvPr id="85" name="橢圓 84">
-            <a:extLst>
-              <a:ext uri="{FF2B5EF4-FFF2-40B4-BE49-F238E27FC236}">
-                <a16:creationId xmlns:a16="http://schemas.microsoft.com/office/drawing/2014/main" id="{4AD57DBD-C71A-4D7E-BDB1-C1DCD9713317}"/>
-              </a:ext>
-            </a:extLst>
-          </p:cNvPr>
-          <p:cNvSpPr/>
-          <p:nvPr/>
-        </p:nvSpPr>
-        <p:spPr>
-          <a:xfrm>
-            <a:off x="362064" y="2620838"/>
-            <a:ext cx="1158877" cy="462712"/>
-          </a:xfrm>
-          <a:prstGeom prst="ellipse">
-            <a:avLst/>
-          </a:prstGeom>
-        </p:spPr>
-        <p:style>
-          <a:lnRef idx="2">
-            <a:schemeClr val="accent5">
-              <a:shade val="50000"/>
-            </a:schemeClr>
-          </a:lnRef>
-          <a:fillRef idx="1">
-            <a:schemeClr val="accent5"/>
-          </a:fillRef>
-          <a:effectRef idx="0">
-            <a:schemeClr val="accent5"/>
-          </a:effectRef>
-          <a:fontRef idx="minor">
-            <a:schemeClr val="lt1"/>
-          </a:fontRef>
-        </p:style>
-        <p:txBody>
-          <a:bodyPr rtlCol="0" anchor="ctr"/>
-          <a:lstStyle/>
-          <a:p>
-            <a:pPr algn="ctr"/>
-            <a:r>
-              <a:rPr lang="zh-TW" altLang="en-US" sz="1600" dirty="0">
-                <a:latin typeface="標楷體" panose="03000509000000000000" pitchFamily="65" charset="-120"/>
-                <a:ea typeface="標楷體" panose="03000509000000000000" pitchFamily="65" charset="-120"/>
-              </a:rPr>
-              <a:t>名稱</a:t>
-            </a:r>
-          </a:p>
-        </p:txBody>
-      </p:sp>
-      <p:sp>
-        <p:nvSpPr>
-          <p:cNvPr id="86" name="橢圓 85">
-            <a:extLst>
-              <a:ext uri="{FF2B5EF4-FFF2-40B4-BE49-F238E27FC236}">
-                <a16:creationId xmlns:a16="http://schemas.microsoft.com/office/drawing/2014/main" id="{0575EC88-D701-4F13-8806-225F40E17827}"/>
-              </a:ext>
-            </a:extLst>
-          </p:cNvPr>
-          <p:cNvSpPr/>
-          <p:nvPr/>
-        </p:nvSpPr>
-        <p:spPr>
-          <a:xfrm>
-            <a:off x="362064" y="3238135"/>
-            <a:ext cx="1158877" cy="462712"/>
-          </a:xfrm>
-          <a:prstGeom prst="ellipse">
-            <a:avLst/>
-          </a:prstGeom>
-        </p:spPr>
-        <p:style>
-          <a:lnRef idx="2">
-            <a:schemeClr val="accent5">
-              <a:shade val="50000"/>
-            </a:schemeClr>
-          </a:lnRef>
-          <a:fillRef idx="1">
-            <a:schemeClr val="accent5"/>
-          </a:fillRef>
-          <a:effectRef idx="0">
-            <a:schemeClr val="accent5"/>
-          </a:effectRef>
-          <a:fontRef idx="minor">
-            <a:schemeClr val="lt1"/>
-          </a:fontRef>
-        </p:style>
-        <p:txBody>
-          <a:bodyPr rtlCol="0" anchor="ctr"/>
-          <a:lstStyle/>
-          <a:p>
-            <a:pPr algn="ctr"/>
-            <a:r>
-              <a:rPr lang="zh-TW" altLang="en-US" sz="1600" dirty="0">
-                <a:latin typeface="標楷體" panose="03000509000000000000" pitchFamily="65" charset="-120"/>
-                <a:ea typeface="標楷體" panose="03000509000000000000" pitchFamily="65" charset="-120"/>
-              </a:rPr>
-              <a:t>領域</a:t>
-            </a:r>
-          </a:p>
-        </p:txBody>
-      </p:sp>
-      <p:cxnSp>
-        <p:nvCxnSpPr>
-          <p:cNvPr id="98" name="直線接點 97">
-            <a:extLst>
-              <a:ext uri="{FF2B5EF4-FFF2-40B4-BE49-F238E27FC236}">
-                <a16:creationId xmlns:a16="http://schemas.microsoft.com/office/drawing/2014/main" id="{6B4DD95B-7EEE-4109-8986-62AF7E7055D2}"/>
-              </a:ext>
-            </a:extLst>
-          </p:cNvPr>
-          <p:cNvCxnSpPr>
-            <a:cxnSpLocks/>
-            <a:stCxn id="80" idx="3"/>
-            <a:endCxn id="25" idx="3"/>
-          </p:cNvCxnSpPr>
-          <p:nvPr/>
-        </p:nvCxnSpPr>
-        <p:spPr>
-          <a:xfrm>
-            <a:off x="5841547" y="3156646"/>
-            <a:ext cx="1735078" cy="0"/>
-          </a:xfrm>
-          <a:prstGeom prst="line">
-            <a:avLst/>
-          </a:prstGeom>
-          <a:ln w="38100"/>
-        </p:spPr>
-        <p:style>
-          <a:lnRef idx="1">
-            <a:schemeClr val="dk1"/>
-          </a:lnRef>
-          <a:fillRef idx="0">
-            <a:schemeClr val="dk1"/>
-          </a:fillRef>
-          <a:effectRef idx="0">
-            <a:schemeClr val="dk1"/>
-          </a:effectRef>
-          <a:fontRef idx="minor">
-            <a:schemeClr val="tx1"/>
-          </a:fontRef>
-        </p:style>
-      </p:cxnSp>
-      <p:sp>
-        <p:nvSpPr>
-          <p:cNvPr id="102" name="矩形 101">
-            <a:extLst>
-              <a:ext uri="{FF2B5EF4-FFF2-40B4-BE49-F238E27FC236}">
-                <a16:creationId xmlns:a16="http://schemas.microsoft.com/office/drawing/2014/main" id="{09E755C2-3AB7-441B-BA14-B2B7CA524157}"/>
-              </a:ext>
-            </a:extLst>
-          </p:cNvPr>
-          <p:cNvSpPr/>
-          <p:nvPr/>
-        </p:nvSpPr>
-        <p:spPr>
-          <a:xfrm>
-            <a:off x="3704241" y="180975"/>
-            <a:ext cx="3260874" cy="6191250"/>
-          </a:xfrm>
-          <a:prstGeom prst="rect">
-            <a:avLst/>
-          </a:prstGeom>
-          <a:noFill/>
-          <a:ln w="76200">
-            <a:solidFill>
-              <a:srgbClr val="FF0000"/>
-            </a:solidFill>
-            <a:prstDash val="dash"/>
-          </a:ln>
-        </p:spPr>
-        <p:style>
-          <a:lnRef idx="2">
-            <a:schemeClr val="accent1">
-              <a:shade val="50000"/>
-            </a:schemeClr>
-          </a:lnRef>
-          <a:fillRef idx="1">
-            <a:schemeClr val="accent1"/>
-          </a:fillRef>
-          <a:effectRef idx="0">
-            <a:schemeClr val="accent1"/>
-          </a:effectRef>
-          <a:fontRef idx="minor">
-            <a:schemeClr val="lt1"/>
-          </a:fontRef>
-        </p:style>
-        <p:txBody>
-          <a:bodyPr rtlCol="0" anchor="ctr"/>
-          <a:lstStyle/>
-          <a:p>
-            <a:pPr algn="ctr"/>
-            <a:endParaRPr lang="zh-TW" altLang="en-US"/>
-          </a:p>
-        </p:txBody>
-      </p:sp>
-      <p:sp>
-        <p:nvSpPr>
-          <p:cNvPr id="103" name="文字方塊 102">
-            <a:extLst>
-              <a:ext uri="{FF2B5EF4-FFF2-40B4-BE49-F238E27FC236}">
-                <a16:creationId xmlns:a16="http://schemas.microsoft.com/office/drawing/2014/main" id="{8B8F0011-3C24-41DE-B3C1-1A8A81976AC7}"/>
-              </a:ext>
-            </a:extLst>
-          </p:cNvPr>
-          <p:cNvSpPr txBox="1"/>
-          <p:nvPr/>
-        </p:nvSpPr>
-        <p:spPr>
-          <a:xfrm>
-            <a:off x="7576625" y="235426"/>
-            <a:ext cx="3743325" cy="369332"/>
-          </a:xfrm>
-          <a:prstGeom prst="rect">
-            <a:avLst/>
-          </a:prstGeom>
-          <a:noFill/>
-        </p:spPr>
-        <p:txBody>
-          <a:bodyPr wrap="square" rtlCol="0">
-            <a:spAutoFit/>
-          </a:bodyPr>
-          <a:lstStyle/>
-          <a:p>
-            <a:r>
-              <a:rPr lang="zh-TW" altLang="en-US" dirty="0">
-                <a:latin typeface="Times New Roman" panose="02020603050405020304" pitchFamily="18" charset="0"/>
-                <a:ea typeface="標楷體" panose="03000509000000000000" pitchFamily="65" charset="-120"/>
-              </a:rPr>
-              <a:t>這三個</a:t>
-            </a:r>
-            <a:r>
-              <a:rPr lang="en-US" altLang="zh-TW" dirty="0">
-                <a:latin typeface="Times New Roman" panose="02020603050405020304" pitchFamily="18" charset="0"/>
-                <a:ea typeface="標楷體" panose="03000509000000000000" pitchFamily="65" charset="-120"/>
-              </a:rPr>
-              <a:t>relationship</a:t>
-            </a:r>
-            <a:r>
-              <a:rPr lang="zh-TW" altLang="en-US" dirty="0">
-                <a:latin typeface="Times New Roman" panose="02020603050405020304" pitchFamily="18" charset="0"/>
-                <a:ea typeface="標楷體" panose="03000509000000000000" pitchFamily="65" charset="-120"/>
-              </a:rPr>
-              <a:t>被實作為</a:t>
-            </a:r>
-            <a:r>
-              <a:rPr lang="en-US" altLang="zh-TW" dirty="0">
-                <a:latin typeface="Times New Roman" panose="02020603050405020304" pitchFamily="18" charset="0"/>
-                <a:ea typeface="標楷體" panose="03000509000000000000" pitchFamily="65" charset="-120"/>
-              </a:rPr>
-              <a:t>job table</a:t>
-            </a:r>
-            <a:endParaRPr lang="zh-TW" altLang="en-US" dirty="0">
-              <a:latin typeface="Times New Roman" panose="02020603050405020304" pitchFamily="18" charset="0"/>
-              <a:ea typeface="標楷體" panose="03000509000000000000" pitchFamily="65" charset="-120"/>
-            </a:endParaRPr>
-          </a:p>
-        </p:txBody>
-      </p:sp>
-      <p:cxnSp>
-        <p:nvCxnSpPr>
-          <p:cNvPr id="105" name="直線接點 104">
-            <a:extLst>
-              <a:ext uri="{FF2B5EF4-FFF2-40B4-BE49-F238E27FC236}">
-                <a16:creationId xmlns:a16="http://schemas.microsoft.com/office/drawing/2014/main" id="{4F0B9508-3564-4346-9406-819B4C3F53A2}"/>
-              </a:ext>
-            </a:extLst>
-          </p:cNvPr>
-          <p:cNvCxnSpPr>
-            <a:cxnSpLocks/>
-          </p:cNvCxnSpPr>
-          <p:nvPr/>
-        </p:nvCxnSpPr>
-        <p:spPr>
-          <a:xfrm flipV="1">
-            <a:off x="7108998" y="662500"/>
-            <a:ext cx="617385" cy="950538"/>
-          </a:xfrm>
-          <a:prstGeom prst="line">
-            <a:avLst/>
-          </a:prstGeom>
-          <a:ln w="57150">
-            <a:solidFill>
-              <a:srgbClr val="FF0000"/>
-            </a:solidFill>
-          </a:ln>
-        </p:spPr>
-        <p:style>
-          <a:lnRef idx="1">
-            <a:schemeClr val="accent1"/>
-          </a:lnRef>
-          <a:fillRef idx="0">
-            <a:schemeClr val="accent1"/>
-          </a:fillRef>
-          <a:effectRef idx="0">
-            <a:schemeClr val="accent1"/>
-          </a:effectRef>
-          <a:fontRef idx="minor">
-            <a:schemeClr val="tx1"/>
-          </a:fontRef>
-        </p:style>
-      </p:cxnSp>
-      <p:cxnSp>
-        <p:nvCxnSpPr>
-          <p:cNvPr id="110" name="直線接點 109">
-            <a:extLst>
-              <a:ext uri="{FF2B5EF4-FFF2-40B4-BE49-F238E27FC236}">
-                <a16:creationId xmlns:a16="http://schemas.microsoft.com/office/drawing/2014/main" id="{B7F455DC-EEF1-4293-A551-77A87907BE39}"/>
-              </a:ext>
-            </a:extLst>
-          </p:cNvPr>
-          <p:cNvCxnSpPr>
-            <a:cxnSpLocks/>
-            <a:stCxn id="5" idx="5"/>
-            <a:endCxn id="4" idx="1"/>
-          </p:cNvCxnSpPr>
-          <p:nvPr/>
-        </p:nvCxnSpPr>
-        <p:spPr>
-          <a:xfrm>
-            <a:off x="1723506" y="461624"/>
-            <a:ext cx="174737" cy="723663"/>
-          </a:xfrm>
-          <a:prstGeom prst="line">
-            <a:avLst/>
-          </a:prstGeom>
-        </p:spPr>
-        <p:style>
-          <a:lnRef idx="1">
-            <a:schemeClr val="accent1"/>
-          </a:lnRef>
-          <a:fillRef idx="0">
-            <a:schemeClr val="accent1"/>
-          </a:fillRef>
-          <a:effectRef idx="0">
-            <a:schemeClr val="accent1"/>
-          </a:effectRef>
-          <a:fontRef idx="minor">
-            <a:schemeClr val="tx1"/>
-          </a:fontRef>
-        </p:style>
-      </p:cxnSp>
-      <p:cxnSp>
-        <p:nvCxnSpPr>
-          <p:cNvPr id="112" name="直線接點 111">
-            <a:extLst>
-              <a:ext uri="{FF2B5EF4-FFF2-40B4-BE49-F238E27FC236}">
-                <a16:creationId xmlns:a16="http://schemas.microsoft.com/office/drawing/2014/main" id="{24561EDC-92E8-412A-B508-4A2514D2413A}"/>
-              </a:ext>
-            </a:extLst>
-          </p:cNvPr>
-          <p:cNvCxnSpPr>
-            <a:cxnSpLocks/>
-            <a:stCxn id="38" idx="6"/>
-            <a:endCxn id="4" idx="1"/>
-          </p:cNvCxnSpPr>
-          <p:nvPr/>
-        </p:nvCxnSpPr>
-        <p:spPr>
-          <a:xfrm>
-            <a:off x="1520942" y="876638"/>
-            <a:ext cx="377301" cy="308649"/>
-          </a:xfrm>
-          <a:prstGeom prst="line">
-            <a:avLst/>
-          </a:prstGeom>
-        </p:spPr>
-        <p:style>
-          <a:lnRef idx="1">
-            <a:schemeClr val="accent1"/>
-          </a:lnRef>
-          <a:fillRef idx="0">
-            <a:schemeClr val="accent1"/>
-          </a:fillRef>
-          <a:effectRef idx="0">
-            <a:schemeClr val="accent1"/>
-          </a:effectRef>
-          <a:fontRef idx="minor">
-            <a:schemeClr val="tx1"/>
-          </a:fontRef>
-        </p:style>
-      </p:cxnSp>
-      <p:cxnSp>
-        <p:nvCxnSpPr>
-          <p:cNvPr id="115" name="直線接點 114">
-            <a:extLst>
-              <a:ext uri="{FF2B5EF4-FFF2-40B4-BE49-F238E27FC236}">
-                <a16:creationId xmlns:a16="http://schemas.microsoft.com/office/drawing/2014/main" id="{A1694D64-C19B-4435-BB91-D5575F671BB9}"/>
-              </a:ext>
-            </a:extLst>
-          </p:cNvPr>
-          <p:cNvCxnSpPr>
-            <a:cxnSpLocks/>
-            <a:stCxn id="39" idx="6"/>
-            <a:endCxn id="4" idx="1"/>
-          </p:cNvCxnSpPr>
-          <p:nvPr/>
-        </p:nvCxnSpPr>
-        <p:spPr>
-          <a:xfrm flipV="1">
-            <a:off x="1520942" y="1185287"/>
-            <a:ext cx="377301" cy="308648"/>
-          </a:xfrm>
-          <a:prstGeom prst="line">
-            <a:avLst/>
-          </a:prstGeom>
-        </p:spPr>
-        <p:style>
-          <a:lnRef idx="1">
-            <a:schemeClr val="accent1"/>
-          </a:lnRef>
-          <a:fillRef idx="0">
-            <a:schemeClr val="accent1"/>
-          </a:fillRef>
-          <a:effectRef idx="0">
-            <a:schemeClr val="accent1"/>
-          </a:effectRef>
-          <a:fontRef idx="minor">
-            <a:schemeClr val="tx1"/>
-          </a:fontRef>
-        </p:style>
-      </p:cxnSp>
-      <p:cxnSp>
-        <p:nvCxnSpPr>
-          <p:cNvPr id="118" name="直線接點 117">
-            <a:extLst>
-              <a:ext uri="{FF2B5EF4-FFF2-40B4-BE49-F238E27FC236}">
-                <a16:creationId xmlns:a16="http://schemas.microsoft.com/office/drawing/2014/main" id="{58A7B990-ABD7-4CB0-AD3B-0AA74E947405}"/>
-              </a:ext>
-            </a:extLst>
-          </p:cNvPr>
-          <p:cNvCxnSpPr>
-            <a:cxnSpLocks/>
-            <a:stCxn id="4" idx="1"/>
-            <a:endCxn id="40" idx="7"/>
-          </p:cNvCxnSpPr>
-          <p:nvPr/>
-        </p:nvCxnSpPr>
-        <p:spPr>
-          <a:xfrm flipH="1">
-            <a:off x="1723507" y="1185287"/>
-            <a:ext cx="174736" cy="723662"/>
-          </a:xfrm>
-          <a:prstGeom prst="line">
-            <a:avLst/>
-          </a:prstGeom>
-        </p:spPr>
-        <p:style>
-          <a:lnRef idx="1">
-            <a:schemeClr val="accent1"/>
-          </a:lnRef>
-          <a:fillRef idx="0">
-            <a:schemeClr val="accent1"/>
-          </a:fillRef>
-          <a:effectRef idx="0">
-            <a:schemeClr val="accent1"/>
-          </a:effectRef>
-          <a:fontRef idx="minor">
-            <a:schemeClr val="tx1"/>
-          </a:fontRef>
-        </p:style>
-      </p:cxnSp>
-      <p:cxnSp>
-        <p:nvCxnSpPr>
-          <p:cNvPr id="121" name="直線接點 120">
-            <a:extLst>
-              <a:ext uri="{FF2B5EF4-FFF2-40B4-BE49-F238E27FC236}">
-                <a16:creationId xmlns:a16="http://schemas.microsoft.com/office/drawing/2014/main" id="{8FF08630-E1E0-4B4B-8C12-423C43121D5F}"/>
-              </a:ext>
-            </a:extLst>
-          </p:cNvPr>
-          <p:cNvCxnSpPr>
-            <a:cxnSpLocks/>
-            <a:stCxn id="85" idx="6"/>
-            <a:endCxn id="84" idx="1"/>
-          </p:cNvCxnSpPr>
-          <p:nvPr/>
-        </p:nvCxnSpPr>
-        <p:spPr>
-          <a:xfrm>
-            <a:off x="1520941" y="2852194"/>
-            <a:ext cx="377301" cy="308649"/>
-          </a:xfrm>
-          <a:prstGeom prst="line">
-            <a:avLst/>
-          </a:prstGeom>
-        </p:spPr>
-        <p:style>
-          <a:lnRef idx="1">
-            <a:schemeClr val="accent1"/>
-          </a:lnRef>
-          <a:fillRef idx="0">
-            <a:schemeClr val="accent1"/>
-          </a:fillRef>
-          <a:effectRef idx="0">
-            <a:schemeClr val="accent1"/>
-          </a:effectRef>
-          <a:fontRef idx="minor">
-            <a:schemeClr val="tx1"/>
-          </a:fontRef>
-        </p:style>
-      </p:cxnSp>
-      <p:cxnSp>
-        <p:nvCxnSpPr>
-          <p:cNvPr id="124" name="直線接點 123">
-            <a:extLst>
-              <a:ext uri="{FF2B5EF4-FFF2-40B4-BE49-F238E27FC236}">
-                <a16:creationId xmlns:a16="http://schemas.microsoft.com/office/drawing/2014/main" id="{F17B30F4-3834-4C91-B04D-BC52BC3F06BD}"/>
-              </a:ext>
-            </a:extLst>
-          </p:cNvPr>
-          <p:cNvCxnSpPr>
-            <a:cxnSpLocks/>
-            <a:stCxn id="86" idx="6"/>
-            <a:endCxn id="84" idx="1"/>
-          </p:cNvCxnSpPr>
-          <p:nvPr/>
-        </p:nvCxnSpPr>
-        <p:spPr>
-          <a:xfrm flipV="1">
-            <a:off x="1520941" y="3160843"/>
-            <a:ext cx="377301" cy="308648"/>
-          </a:xfrm>
-          <a:prstGeom prst="line">
-            <a:avLst/>
-          </a:prstGeom>
-        </p:spPr>
-        <p:style>
-          <a:lnRef idx="1">
-            <a:schemeClr val="accent1"/>
-          </a:lnRef>
-          <a:fillRef idx="0">
-            <a:schemeClr val="accent1"/>
-          </a:fillRef>
-          <a:effectRef idx="0">
-            <a:schemeClr val="accent1"/>
-          </a:effectRef>
-          <a:fontRef idx="minor">
-            <a:schemeClr val="tx1"/>
-          </a:fontRef>
-        </p:style>
-      </p:cxnSp>
-      <p:cxnSp>
-        <p:nvCxnSpPr>
-          <p:cNvPr id="127" name="直線接點 126">
-            <a:extLst>
-              <a:ext uri="{FF2B5EF4-FFF2-40B4-BE49-F238E27FC236}">
-                <a16:creationId xmlns:a16="http://schemas.microsoft.com/office/drawing/2014/main" id="{44D0FB87-504C-4ECC-B100-26746E1E77B6}"/>
-              </a:ext>
-            </a:extLst>
-          </p:cNvPr>
-          <p:cNvCxnSpPr>
-            <a:cxnSpLocks/>
-            <a:stCxn id="69" idx="6"/>
-            <a:endCxn id="68" idx="1"/>
-          </p:cNvCxnSpPr>
-          <p:nvPr/>
-        </p:nvCxnSpPr>
-        <p:spPr>
-          <a:xfrm>
-            <a:off x="1520942" y="4918349"/>
-            <a:ext cx="377301" cy="308649"/>
-          </a:xfrm>
-          <a:prstGeom prst="line">
-            <a:avLst/>
-          </a:prstGeom>
-        </p:spPr>
-        <p:style>
-          <a:lnRef idx="1">
-            <a:schemeClr val="accent1"/>
-          </a:lnRef>
-          <a:fillRef idx="0">
-            <a:schemeClr val="accent1"/>
-          </a:fillRef>
-          <a:effectRef idx="0">
-            <a:schemeClr val="accent1"/>
-          </a:effectRef>
-          <a:fontRef idx="minor">
-            <a:schemeClr val="tx1"/>
-          </a:fontRef>
-        </p:style>
-      </p:cxnSp>
-      <p:cxnSp>
-        <p:nvCxnSpPr>
-          <p:cNvPr id="130" name="直線接點 129">
-            <a:extLst>
-              <a:ext uri="{FF2B5EF4-FFF2-40B4-BE49-F238E27FC236}">
-                <a16:creationId xmlns:a16="http://schemas.microsoft.com/office/drawing/2014/main" id="{18BAA586-3AFD-4DA7-8299-DCDFFB4B87AF}"/>
-              </a:ext>
-            </a:extLst>
-          </p:cNvPr>
-          <p:cNvCxnSpPr>
-            <a:cxnSpLocks/>
-            <a:stCxn id="70" idx="6"/>
-            <a:endCxn id="68" idx="1"/>
-          </p:cNvCxnSpPr>
-          <p:nvPr/>
-        </p:nvCxnSpPr>
-        <p:spPr>
-          <a:xfrm flipV="1">
-            <a:off x="1520942" y="5226998"/>
-            <a:ext cx="377301" cy="308648"/>
-          </a:xfrm>
-          <a:prstGeom prst="line">
-            <a:avLst/>
-          </a:prstGeom>
-        </p:spPr>
-        <p:style>
-          <a:lnRef idx="1">
-            <a:schemeClr val="accent1"/>
-          </a:lnRef>
-          <a:fillRef idx="0">
-            <a:schemeClr val="accent1"/>
-          </a:fillRef>
-          <a:effectRef idx="0">
-            <a:schemeClr val="accent1"/>
-          </a:effectRef>
-          <a:fontRef idx="minor">
-            <a:schemeClr val="tx1"/>
-          </a:fontRef>
-        </p:style>
-      </p:cxnSp>
-      <p:cxnSp>
-        <p:nvCxnSpPr>
-          <p:cNvPr id="133" name="直線接點 132">
-            <a:extLst>
-              <a:ext uri="{FF2B5EF4-FFF2-40B4-BE49-F238E27FC236}">
-                <a16:creationId xmlns:a16="http://schemas.microsoft.com/office/drawing/2014/main" id="{B4D3AAD5-C1EE-4570-81F4-822EE98ED694}"/>
-              </a:ext>
-            </a:extLst>
-          </p:cNvPr>
-          <p:cNvCxnSpPr>
-            <a:cxnSpLocks/>
-            <a:stCxn id="59" idx="2"/>
-            <a:endCxn id="25" idx="1"/>
-          </p:cNvCxnSpPr>
-          <p:nvPr/>
-        </p:nvCxnSpPr>
-        <p:spPr>
-          <a:xfrm flipH="1">
-            <a:off x="8952664" y="1532606"/>
-            <a:ext cx="377295" cy="1624040"/>
-          </a:xfrm>
-          <a:prstGeom prst="line">
-            <a:avLst/>
-          </a:prstGeom>
-        </p:spPr>
-        <p:style>
-          <a:lnRef idx="1">
-            <a:schemeClr val="accent1"/>
-          </a:lnRef>
-          <a:fillRef idx="0">
-            <a:schemeClr val="accent1"/>
-          </a:fillRef>
-          <a:effectRef idx="0">
-            <a:schemeClr val="accent1"/>
-          </a:effectRef>
-          <a:fontRef idx="minor">
-            <a:schemeClr val="tx1"/>
-          </a:fontRef>
-        </p:style>
-      </p:cxnSp>
-      <p:cxnSp>
-        <p:nvCxnSpPr>
-          <p:cNvPr id="136" name="直線接點 135">
-            <a:extLst>
-              <a:ext uri="{FF2B5EF4-FFF2-40B4-BE49-F238E27FC236}">
-                <a16:creationId xmlns:a16="http://schemas.microsoft.com/office/drawing/2014/main" id="{046E40E4-9016-4DA2-9C16-A493098964C8}"/>
-              </a:ext>
-            </a:extLst>
-          </p:cNvPr>
-          <p:cNvCxnSpPr>
-            <a:cxnSpLocks/>
-            <a:stCxn id="57" idx="2"/>
-            <a:endCxn id="25" idx="1"/>
-          </p:cNvCxnSpPr>
-          <p:nvPr/>
-        </p:nvCxnSpPr>
-        <p:spPr>
-          <a:xfrm flipH="1" flipV="1">
-            <a:off x="8952664" y="3156646"/>
-            <a:ext cx="377298" cy="1636628"/>
-          </a:xfrm>
-          <a:prstGeom prst="line">
-            <a:avLst/>
-          </a:prstGeom>
-        </p:spPr>
-        <p:style>
-          <a:lnRef idx="1">
-            <a:schemeClr val="accent1"/>
-          </a:lnRef>
-          <a:fillRef idx="0">
-            <a:schemeClr val="accent1"/>
-          </a:fillRef>
-          <a:effectRef idx="0">
-            <a:schemeClr val="accent1"/>
-          </a:effectRef>
-          <a:fontRef idx="minor">
-            <a:schemeClr val="tx1"/>
-          </a:fontRef>
-        </p:style>
-      </p:cxnSp>
-      <p:cxnSp>
-        <p:nvCxnSpPr>
-          <p:cNvPr id="139" name="直線接點 138">
-            <a:extLst>
-              <a:ext uri="{FF2B5EF4-FFF2-40B4-BE49-F238E27FC236}">
-                <a16:creationId xmlns:a16="http://schemas.microsoft.com/office/drawing/2014/main" id="{CD774032-8497-4387-9580-7BF91A5132A0}"/>
-              </a:ext>
-            </a:extLst>
-          </p:cNvPr>
-          <p:cNvCxnSpPr>
-            <a:cxnSpLocks/>
-            <a:stCxn id="50" idx="2"/>
-            <a:endCxn id="25" idx="1"/>
-          </p:cNvCxnSpPr>
-          <p:nvPr/>
-        </p:nvCxnSpPr>
-        <p:spPr>
-          <a:xfrm flipH="1">
-            <a:off x="8952664" y="1999514"/>
-            <a:ext cx="377298" cy="1157132"/>
-          </a:xfrm>
-          <a:prstGeom prst="line">
-            <a:avLst/>
-          </a:prstGeom>
-        </p:spPr>
-        <p:style>
-          <a:lnRef idx="1">
-            <a:schemeClr val="accent1"/>
-          </a:lnRef>
-          <a:fillRef idx="0">
-            <a:schemeClr val="accent1"/>
-          </a:fillRef>
-          <a:effectRef idx="0">
-            <a:schemeClr val="accent1"/>
-          </a:effectRef>
-          <a:fontRef idx="minor">
-            <a:schemeClr val="tx1"/>
-          </a:fontRef>
-        </p:style>
-      </p:cxnSp>
-      <p:cxnSp>
-        <p:nvCxnSpPr>
-          <p:cNvPr id="142" name="直線接點 141">
-            <a:extLst>
-              <a:ext uri="{FF2B5EF4-FFF2-40B4-BE49-F238E27FC236}">
-                <a16:creationId xmlns:a16="http://schemas.microsoft.com/office/drawing/2014/main" id="{89AB42ED-59C4-4FCE-8B43-93ADD31CB9C3}"/>
-              </a:ext>
-            </a:extLst>
-          </p:cNvPr>
-          <p:cNvCxnSpPr>
-            <a:cxnSpLocks/>
-            <a:stCxn id="54" idx="2"/>
-            <a:endCxn id="25" idx="1"/>
-          </p:cNvCxnSpPr>
-          <p:nvPr/>
-        </p:nvCxnSpPr>
-        <p:spPr>
-          <a:xfrm flipH="1">
-            <a:off x="8952664" y="2454184"/>
-            <a:ext cx="377299" cy="702462"/>
-          </a:xfrm>
-          <a:prstGeom prst="line">
-            <a:avLst/>
-          </a:prstGeom>
-        </p:spPr>
-        <p:style>
-          <a:lnRef idx="1">
-            <a:schemeClr val="accent1"/>
-          </a:lnRef>
-          <a:fillRef idx="0">
-            <a:schemeClr val="accent1"/>
-          </a:fillRef>
-          <a:effectRef idx="0">
-            <a:schemeClr val="accent1"/>
-          </a:effectRef>
-          <a:fontRef idx="minor">
-            <a:schemeClr val="tx1"/>
-          </a:fontRef>
-        </p:style>
-      </p:cxnSp>
-      <p:cxnSp>
-        <p:nvCxnSpPr>
-          <p:cNvPr id="145" name="直線接點 144">
-            <a:extLst>
-              <a:ext uri="{FF2B5EF4-FFF2-40B4-BE49-F238E27FC236}">
-                <a16:creationId xmlns:a16="http://schemas.microsoft.com/office/drawing/2014/main" id="{88F2D826-0834-43DA-A82D-A097CF20B9B7}"/>
-              </a:ext>
-            </a:extLst>
-          </p:cNvPr>
-          <p:cNvCxnSpPr>
-            <a:cxnSpLocks/>
-            <a:stCxn id="53" idx="2"/>
-            <a:endCxn id="25" idx="1"/>
-          </p:cNvCxnSpPr>
-          <p:nvPr/>
-        </p:nvCxnSpPr>
-        <p:spPr>
-          <a:xfrm flipH="1">
-            <a:off x="8952664" y="2925289"/>
-            <a:ext cx="377301" cy="231357"/>
-          </a:xfrm>
-          <a:prstGeom prst="line">
-            <a:avLst/>
-          </a:prstGeom>
-        </p:spPr>
-        <p:style>
-          <a:lnRef idx="1">
-            <a:schemeClr val="accent1"/>
-          </a:lnRef>
-          <a:fillRef idx="0">
-            <a:schemeClr val="accent1"/>
-          </a:fillRef>
-          <a:effectRef idx="0">
-            <a:schemeClr val="accent1"/>
-          </a:effectRef>
-          <a:fontRef idx="minor">
-            <a:schemeClr val="tx1"/>
-          </a:fontRef>
-        </p:style>
-      </p:cxnSp>
-      <p:cxnSp>
-        <p:nvCxnSpPr>
-          <p:cNvPr id="148" name="直線接點 147">
-            <a:extLst>
-              <a:ext uri="{FF2B5EF4-FFF2-40B4-BE49-F238E27FC236}">
-                <a16:creationId xmlns:a16="http://schemas.microsoft.com/office/drawing/2014/main" id="{3090C170-E178-42DA-B920-34BDB882AD35}"/>
-              </a:ext>
-            </a:extLst>
-          </p:cNvPr>
-          <p:cNvCxnSpPr>
-            <a:cxnSpLocks/>
-            <a:stCxn id="55" idx="2"/>
-            <a:endCxn id="25" idx="1"/>
-          </p:cNvCxnSpPr>
-          <p:nvPr/>
-        </p:nvCxnSpPr>
-        <p:spPr>
-          <a:xfrm flipH="1" flipV="1">
-            <a:off x="8952664" y="3156646"/>
-            <a:ext cx="377300" cy="239748"/>
-          </a:xfrm>
-          <a:prstGeom prst="line">
-            <a:avLst/>
-          </a:prstGeom>
-        </p:spPr>
-        <p:style>
-          <a:lnRef idx="1">
-            <a:schemeClr val="accent1"/>
-          </a:lnRef>
-          <a:fillRef idx="0">
-            <a:schemeClr val="accent1"/>
-          </a:fillRef>
-          <a:effectRef idx="0">
-            <a:schemeClr val="accent1"/>
-          </a:effectRef>
-          <a:fontRef idx="minor">
-            <a:schemeClr val="tx1"/>
-          </a:fontRef>
-        </p:style>
-      </p:cxnSp>
-      <p:cxnSp>
-        <p:nvCxnSpPr>
-          <p:cNvPr id="151" name="直線接點 150">
-            <a:extLst>
-              <a:ext uri="{FF2B5EF4-FFF2-40B4-BE49-F238E27FC236}">
-                <a16:creationId xmlns:a16="http://schemas.microsoft.com/office/drawing/2014/main" id="{96D82371-BD5A-4000-A0B6-C9E10C46572D}"/>
-              </a:ext>
-            </a:extLst>
-          </p:cNvPr>
-          <p:cNvCxnSpPr>
-            <a:cxnSpLocks/>
-            <a:stCxn id="56" idx="2"/>
-            <a:endCxn id="25" idx="1"/>
-          </p:cNvCxnSpPr>
-          <p:nvPr/>
-        </p:nvCxnSpPr>
-        <p:spPr>
-          <a:xfrm flipH="1" flipV="1">
-            <a:off x="8952664" y="3156646"/>
-            <a:ext cx="377295" cy="710853"/>
-          </a:xfrm>
-          <a:prstGeom prst="line">
-            <a:avLst/>
-          </a:prstGeom>
-        </p:spPr>
-        <p:style>
-          <a:lnRef idx="1">
-            <a:schemeClr val="accent1"/>
-          </a:lnRef>
-          <a:fillRef idx="0">
-            <a:schemeClr val="accent1"/>
-          </a:fillRef>
-          <a:effectRef idx="0">
-            <a:schemeClr val="accent1"/>
-          </a:effectRef>
-          <a:fontRef idx="minor">
-            <a:schemeClr val="tx1"/>
-          </a:fontRef>
-        </p:style>
-      </p:cxnSp>
-      <p:cxnSp>
-        <p:nvCxnSpPr>
-          <p:cNvPr id="154" name="直線接點 153">
-            <a:extLst>
-              <a:ext uri="{FF2B5EF4-FFF2-40B4-BE49-F238E27FC236}">
-                <a16:creationId xmlns:a16="http://schemas.microsoft.com/office/drawing/2014/main" id="{8696BC5F-2E08-4442-9965-BD0BE3DB1FC4}"/>
-              </a:ext>
-            </a:extLst>
-          </p:cNvPr>
-          <p:cNvCxnSpPr>
-            <a:cxnSpLocks/>
-            <a:stCxn id="58" idx="2"/>
-            <a:endCxn id="25" idx="1"/>
-          </p:cNvCxnSpPr>
-          <p:nvPr/>
-        </p:nvCxnSpPr>
-        <p:spPr>
-          <a:xfrm flipH="1" flipV="1">
-            <a:off x="8952664" y="3156646"/>
-            <a:ext cx="377296" cy="1165523"/>
-          </a:xfrm>
-          <a:prstGeom prst="line">
-            <a:avLst/>
-          </a:prstGeom>
-        </p:spPr>
-        <p:style>
-          <a:lnRef idx="1">
-            <a:schemeClr val="accent1"/>
-          </a:lnRef>
-          <a:fillRef idx="0">
-            <a:schemeClr val="accent1"/>
-          </a:fillRef>
-          <a:effectRef idx="0">
-            <a:schemeClr val="accent1"/>
-          </a:effectRef>
-          <a:fontRef idx="minor">
-            <a:schemeClr val="tx1"/>
-          </a:fontRef>
-        </p:style>
-      </p:cxnSp>
-      <p:sp>
-        <p:nvSpPr>
-          <p:cNvPr id="158" name="菱形 157">
-            <a:extLst>
-              <a:ext uri="{FF2B5EF4-FFF2-40B4-BE49-F238E27FC236}">
-                <a16:creationId xmlns:a16="http://schemas.microsoft.com/office/drawing/2014/main" id="{4143B8A8-410F-4A38-BB32-5DD7E2726B9E}"/>
-              </a:ext>
-            </a:extLst>
-          </p:cNvPr>
-          <p:cNvSpPr/>
-          <p:nvPr/>
-        </p:nvSpPr>
-        <p:spPr>
-          <a:xfrm>
-            <a:off x="7576625" y="5072144"/>
-            <a:ext cx="1640519" cy="745240"/>
-          </a:xfrm>
-          <a:prstGeom prst="diamond">
-            <a:avLst/>
-          </a:prstGeom>
-        </p:spPr>
-        <p:style>
-          <a:lnRef idx="2">
-            <a:schemeClr val="accent6">
-              <a:shade val="50000"/>
-            </a:schemeClr>
-          </a:lnRef>
-          <a:fillRef idx="1">
-            <a:schemeClr val="accent6"/>
-          </a:fillRef>
-          <a:effectRef idx="0">
-            <a:schemeClr val="accent6"/>
-          </a:effectRef>
-          <a:fontRef idx="minor">
-            <a:schemeClr val="lt1"/>
-          </a:fontRef>
-        </p:style>
-        <p:txBody>
-          <a:bodyPr rtlCol="0" anchor="ctr"/>
-          <a:lstStyle/>
-          <a:p>
-            <a:pPr algn="ctr"/>
-            <a:r>
-              <a:rPr lang="zh-TW" altLang="en-US" sz="1200" dirty="0">
-                <a:latin typeface="Times New Roman" panose="02020603050405020304" pitchFamily="18" charset="0"/>
-                <a:ea typeface="標楷體" panose="03000509000000000000" pitchFamily="65" charset="-120"/>
-              </a:rPr>
-              <a:t>　</a:t>
-            </a:r>
-            <a:r>
-              <a:rPr lang="zh-TW" altLang="en-US" sz="1600" dirty="0">
-                <a:latin typeface="Times New Roman" panose="02020603050405020304" pitchFamily="18" charset="0"/>
-                <a:ea typeface="標楷體" panose="03000509000000000000" pitchFamily="65" charset="-120"/>
-              </a:rPr>
-              <a:t>最愛</a:t>
-            </a:r>
-            <a:r>
-              <a:rPr lang="zh-TW" altLang="en-US" sz="1200" dirty="0">
-                <a:latin typeface="Times New Roman" panose="02020603050405020304" pitchFamily="18" charset="0"/>
-                <a:ea typeface="標楷體" panose="03000509000000000000" pitchFamily="65" charset="-120"/>
-              </a:rPr>
-              <a:t>（</a:t>
-            </a:r>
-            <a:r>
-              <a:rPr lang="en-US" altLang="zh-TW" sz="1200" dirty="0">
-                <a:latin typeface="Times New Roman" panose="02020603050405020304" pitchFamily="18" charset="0"/>
-                <a:ea typeface="標楷體" panose="03000509000000000000" pitchFamily="65" charset="-120"/>
-              </a:rPr>
-              <a:t>favorite</a:t>
-            </a:r>
-            <a:r>
-              <a:rPr lang="zh-TW" altLang="en-US" sz="1200" dirty="0">
-                <a:latin typeface="Times New Roman" panose="02020603050405020304" pitchFamily="18" charset="0"/>
-                <a:ea typeface="標楷體" panose="03000509000000000000" pitchFamily="65" charset="-120"/>
-              </a:rPr>
-              <a:t>）</a:t>
-            </a:r>
-          </a:p>
-        </p:txBody>
-      </p:sp>
-      <p:cxnSp>
-        <p:nvCxnSpPr>
-          <p:cNvPr id="159" name="直線接點 158">
-            <a:extLst>
-              <a:ext uri="{FF2B5EF4-FFF2-40B4-BE49-F238E27FC236}">
-                <a16:creationId xmlns:a16="http://schemas.microsoft.com/office/drawing/2014/main" id="{85B76FDE-8BA6-4DF7-B4A5-6C07C3B32221}"/>
-              </a:ext>
-            </a:extLst>
-          </p:cNvPr>
-          <p:cNvCxnSpPr>
-            <a:cxnSpLocks/>
-            <a:stCxn id="158" idx="0"/>
-            <a:endCxn id="25" idx="2"/>
-          </p:cNvCxnSpPr>
-          <p:nvPr/>
-        </p:nvCxnSpPr>
-        <p:spPr>
-          <a:xfrm flipH="1" flipV="1">
-            <a:off x="8264644" y="3525069"/>
-            <a:ext cx="132241" cy="1547075"/>
-          </a:xfrm>
-          <a:prstGeom prst="line">
-            <a:avLst/>
-          </a:prstGeom>
-          <a:ln w="38100"/>
-        </p:spPr>
-        <p:style>
-          <a:lnRef idx="1">
-            <a:schemeClr val="dk1"/>
-          </a:lnRef>
-          <a:fillRef idx="0">
-            <a:schemeClr val="dk1"/>
-          </a:fillRef>
-          <a:effectRef idx="0">
-            <a:schemeClr val="dk1"/>
-          </a:effectRef>
-          <a:fontRef idx="minor">
-            <a:schemeClr val="tx1"/>
-          </a:fontRef>
-        </p:style>
-      </p:cxnSp>
-      <p:sp>
-        <p:nvSpPr>
-          <p:cNvPr id="160" name="矩形 159">
-            <a:extLst>
-              <a:ext uri="{FF2B5EF4-FFF2-40B4-BE49-F238E27FC236}">
-                <a16:creationId xmlns:a16="http://schemas.microsoft.com/office/drawing/2014/main" id="{C2E12020-3FBD-4458-9AF8-6ED10DFA9791}"/>
-              </a:ext>
-            </a:extLst>
-          </p:cNvPr>
-          <p:cNvSpPr/>
-          <p:nvPr/>
-        </p:nvSpPr>
-        <p:spPr>
-          <a:xfrm>
-            <a:off x="9353621" y="5767002"/>
-            <a:ext cx="1376039" cy="736847"/>
-          </a:xfrm>
-          <a:prstGeom prst="rect">
-            <a:avLst/>
-          </a:prstGeom>
-        </p:spPr>
-        <p:style>
-          <a:lnRef idx="2">
-            <a:schemeClr val="accent4">
-              <a:shade val="50000"/>
-            </a:schemeClr>
-          </a:lnRef>
-          <a:fillRef idx="1">
-            <a:schemeClr val="accent4"/>
-          </a:fillRef>
-          <a:effectRef idx="0">
-            <a:schemeClr val="accent4"/>
-          </a:effectRef>
-          <a:fontRef idx="minor">
-            <a:schemeClr val="lt1"/>
-          </a:fontRef>
-        </p:style>
-        <p:txBody>
-          <a:bodyPr rtlCol="0" anchor="ctr"/>
-          <a:lstStyle/>
-          <a:p>
-            <a:pPr algn="ctr"/>
-            <a:r>
-              <a:rPr lang="zh-TW" altLang="en-US" sz="1600" dirty="0">
-                <a:solidFill>
-                  <a:sysClr val="windowText" lastClr="000000"/>
-                </a:solidFill>
-                <a:latin typeface="Times New Roman" panose="02020603050405020304" pitchFamily="18" charset="0"/>
-                <a:ea typeface="標楷體" panose="03000509000000000000" pitchFamily="65" charset="-120"/>
-              </a:rPr>
-              <a:t>使用者</a:t>
-            </a:r>
-            <a:endParaRPr lang="en-US" altLang="zh-TW" sz="1600" dirty="0">
-              <a:solidFill>
-                <a:sysClr val="windowText" lastClr="000000"/>
-              </a:solidFill>
-              <a:latin typeface="Times New Roman" panose="02020603050405020304" pitchFamily="18" charset="0"/>
-              <a:ea typeface="標楷體" panose="03000509000000000000" pitchFamily="65" charset="-120"/>
-            </a:endParaRPr>
-          </a:p>
-          <a:p>
-            <a:pPr algn="ctr"/>
-            <a:r>
-              <a:rPr lang="zh-TW" altLang="en-US" sz="1600" dirty="0">
-                <a:solidFill>
-                  <a:sysClr val="windowText" lastClr="000000"/>
-                </a:solidFill>
-                <a:latin typeface="Times New Roman" panose="02020603050405020304" pitchFamily="18" charset="0"/>
-                <a:ea typeface="標楷體" panose="03000509000000000000" pitchFamily="65" charset="-120"/>
-              </a:rPr>
-              <a:t>（</a:t>
-            </a:r>
-            <a:r>
-              <a:rPr lang="en-US" altLang="zh-TW" sz="1600" dirty="0">
-                <a:solidFill>
-                  <a:sysClr val="windowText" lastClr="000000"/>
-                </a:solidFill>
-                <a:latin typeface="Times New Roman" panose="02020603050405020304" pitchFamily="18" charset="0"/>
-                <a:ea typeface="標楷體" panose="03000509000000000000" pitchFamily="65" charset="-120"/>
-              </a:rPr>
-              <a:t>user</a:t>
-            </a:r>
-            <a:r>
-              <a:rPr lang="zh-TW" altLang="en-US" sz="1600" dirty="0">
-                <a:solidFill>
-                  <a:sysClr val="windowText" lastClr="000000"/>
-                </a:solidFill>
-                <a:latin typeface="Times New Roman" panose="02020603050405020304" pitchFamily="18" charset="0"/>
-                <a:ea typeface="標楷體" panose="03000509000000000000" pitchFamily="65" charset="-120"/>
-              </a:rPr>
-              <a:t>）</a:t>
-            </a:r>
-          </a:p>
-        </p:txBody>
-      </p:sp>
-      <p:sp>
-        <p:nvSpPr>
-          <p:cNvPr id="161" name="橢圓 160">
-            <a:extLst>
-              <a:ext uri="{FF2B5EF4-FFF2-40B4-BE49-F238E27FC236}">
-                <a16:creationId xmlns:a16="http://schemas.microsoft.com/office/drawing/2014/main" id="{80D9A839-2159-482E-AF45-0CE69D70876A}"/>
-              </a:ext>
-            </a:extLst>
-          </p:cNvPr>
-          <p:cNvSpPr/>
-          <p:nvPr/>
-        </p:nvSpPr>
-        <p:spPr>
-          <a:xfrm>
-            <a:off x="10866137" y="4991445"/>
-            <a:ext cx="1158877" cy="462712"/>
-          </a:xfrm>
-          <a:prstGeom prst="ellipse">
-            <a:avLst/>
-          </a:prstGeom>
-        </p:spPr>
-        <p:style>
-          <a:lnRef idx="2">
-            <a:schemeClr val="accent5">
-              <a:shade val="50000"/>
-            </a:schemeClr>
-          </a:lnRef>
-          <a:fillRef idx="1">
-            <a:schemeClr val="accent5"/>
-          </a:fillRef>
-          <a:effectRef idx="0">
-            <a:schemeClr val="accent5"/>
-          </a:effectRef>
-          <a:fontRef idx="minor">
-            <a:schemeClr val="lt1"/>
-          </a:fontRef>
-        </p:style>
-        <p:txBody>
-          <a:bodyPr rtlCol="0" anchor="ctr"/>
-          <a:lstStyle/>
-          <a:p>
-            <a:pPr algn="ctr"/>
-            <a:r>
-              <a:rPr lang="en-US" altLang="zh-TW" sz="1250" dirty="0">
-                <a:latin typeface="標楷體" panose="03000509000000000000" pitchFamily="65" charset="-120"/>
-                <a:ea typeface="標楷體" panose="03000509000000000000" pitchFamily="65" charset="-120"/>
-              </a:rPr>
-              <a:t>username</a:t>
-            </a:r>
-            <a:endParaRPr lang="zh-TW" altLang="en-US" sz="1250" dirty="0">
-              <a:latin typeface="標楷體" panose="03000509000000000000" pitchFamily="65" charset="-120"/>
-              <a:ea typeface="標楷體" panose="03000509000000000000" pitchFamily="65" charset="-120"/>
-            </a:endParaRPr>
-          </a:p>
-        </p:txBody>
-      </p:sp>
-      <p:sp>
-        <p:nvSpPr>
-          <p:cNvPr id="162" name="橢圓 161">
-            <a:extLst>
-              <a:ext uri="{FF2B5EF4-FFF2-40B4-BE49-F238E27FC236}">
-                <a16:creationId xmlns:a16="http://schemas.microsoft.com/office/drawing/2014/main" id="{03672B2A-0142-40A4-9A1C-E2C8E6115F2A}"/>
-              </a:ext>
-            </a:extLst>
-          </p:cNvPr>
-          <p:cNvSpPr/>
-          <p:nvPr/>
-        </p:nvSpPr>
-        <p:spPr>
-          <a:xfrm>
-            <a:off x="11033123" y="6039537"/>
-            <a:ext cx="1158877" cy="462712"/>
-          </a:xfrm>
-          <a:prstGeom prst="ellipse">
-            <a:avLst/>
-          </a:prstGeom>
-        </p:spPr>
-        <p:style>
-          <a:lnRef idx="2">
-            <a:schemeClr val="accent5">
-              <a:shade val="50000"/>
-            </a:schemeClr>
-          </a:lnRef>
-          <a:fillRef idx="1">
-            <a:schemeClr val="accent5"/>
-          </a:fillRef>
-          <a:effectRef idx="0">
-            <a:schemeClr val="accent5"/>
-          </a:effectRef>
-          <a:fontRef idx="minor">
-            <a:schemeClr val="lt1"/>
-          </a:fontRef>
-        </p:style>
-        <p:txBody>
-          <a:bodyPr rtlCol="0" anchor="ctr"/>
-          <a:lstStyle/>
-          <a:p>
-            <a:pPr algn="ctr"/>
-            <a:r>
-              <a:rPr lang="en-US" altLang="zh-TW" sz="1600" dirty="0">
-                <a:latin typeface="標楷體" panose="03000509000000000000" pitchFamily="65" charset="-120"/>
-                <a:ea typeface="標楷體" panose="03000509000000000000" pitchFamily="65" charset="-120"/>
-              </a:rPr>
-              <a:t>passwd</a:t>
-            </a:r>
-            <a:endParaRPr lang="zh-TW" altLang="en-US" sz="1600" dirty="0">
-              <a:latin typeface="標楷體" panose="03000509000000000000" pitchFamily="65" charset="-120"/>
-              <a:ea typeface="標楷體" panose="03000509000000000000" pitchFamily="65" charset="-120"/>
-            </a:endParaRPr>
-          </a:p>
-        </p:txBody>
-      </p:sp>
-      <p:cxnSp>
-        <p:nvCxnSpPr>
-          <p:cNvPr id="163" name="直線接點 162">
-            <a:extLst>
-              <a:ext uri="{FF2B5EF4-FFF2-40B4-BE49-F238E27FC236}">
-                <a16:creationId xmlns:a16="http://schemas.microsoft.com/office/drawing/2014/main" id="{C1DFFCE1-F8E0-487F-BDEA-BE7EF631171E}"/>
-              </a:ext>
-            </a:extLst>
-          </p:cNvPr>
-          <p:cNvCxnSpPr>
-            <a:cxnSpLocks/>
-            <a:stCxn id="161" idx="4"/>
-            <a:endCxn id="160" idx="3"/>
-          </p:cNvCxnSpPr>
-          <p:nvPr/>
-        </p:nvCxnSpPr>
-        <p:spPr>
-          <a:xfrm flipH="1">
-            <a:off x="10729660" y="5454157"/>
-            <a:ext cx="715916" cy="681269"/>
-          </a:xfrm>
-          <a:prstGeom prst="line">
-            <a:avLst/>
-          </a:prstGeom>
-        </p:spPr>
-        <p:style>
-          <a:lnRef idx="1">
-            <a:schemeClr val="accent1"/>
-          </a:lnRef>
-          <a:fillRef idx="0">
-            <a:schemeClr val="accent1"/>
-          </a:fillRef>
-          <a:effectRef idx="0">
-            <a:schemeClr val="accent1"/>
-          </a:effectRef>
-          <a:fontRef idx="minor">
-            <a:schemeClr val="tx1"/>
-          </a:fontRef>
-        </p:style>
-      </p:cxnSp>
-      <p:cxnSp>
-        <p:nvCxnSpPr>
-          <p:cNvPr id="164" name="直線接點 163">
-            <a:extLst>
-              <a:ext uri="{FF2B5EF4-FFF2-40B4-BE49-F238E27FC236}">
-                <a16:creationId xmlns:a16="http://schemas.microsoft.com/office/drawing/2014/main" id="{1C210BDA-EAFE-435C-9D4E-185F6A76715A}"/>
-              </a:ext>
-            </a:extLst>
-          </p:cNvPr>
-          <p:cNvCxnSpPr>
-            <a:cxnSpLocks/>
-            <a:stCxn id="162" idx="2"/>
-            <a:endCxn id="160" idx="3"/>
-          </p:cNvCxnSpPr>
-          <p:nvPr/>
-        </p:nvCxnSpPr>
-        <p:spPr>
-          <a:xfrm flipH="1" flipV="1">
-            <a:off x="10729660" y="6135426"/>
-            <a:ext cx="303463" cy="135467"/>
-          </a:xfrm>
-          <a:prstGeom prst="line">
-            <a:avLst/>
-          </a:prstGeom>
-        </p:spPr>
-        <p:style>
-          <a:lnRef idx="1">
-            <a:schemeClr val="accent1"/>
-          </a:lnRef>
-          <a:fillRef idx="0">
-            <a:schemeClr val="accent1"/>
-          </a:fillRef>
-          <a:effectRef idx="0">
-            <a:schemeClr val="accent1"/>
-          </a:effectRef>
-          <a:fontRef idx="minor">
-            <a:schemeClr val="tx1"/>
-          </a:fontRef>
-        </p:style>
-      </p:cxnSp>
-      <p:cxnSp>
-        <p:nvCxnSpPr>
-          <p:cNvPr id="165" name="直線接點 164">
-            <a:extLst>
-              <a:ext uri="{FF2B5EF4-FFF2-40B4-BE49-F238E27FC236}">
-                <a16:creationId xmlns:a16="http://schemas.microsoft.com/office/drawing/2014/main" id="{64E38CA5-9EDF-41C2-B861-1E26770D3154}"/>
-              </a:ext>
-            </a:extLst>
-          </p:cNvPr>
-          <p:cNvCxnSpPr>
-            <a:cxnSpLocks/>
-            <a:stCxn id="158" idx="2"/>
-            <a:endCxn id="160" idx="1"/>
-          </p:cNvCxnSpPr>
-          <p:nvPr/>
-        </p:nvCxnSpPr>
-        <p:spPr>
-          <a:xfrm>
-            <a:off x="8396885" y="5817384"/>
-            <a:ext cx="956736" cy="318042"/>
-          </a:xfrm>
-          <a:prstGeom prst="line">
-            <a:avLst/>
-          </a:prstGeom>
-          <a:ln w="38100"/>
-        </p:spPr>
-        <p:style>
-          <a:lnRef idx="1">
-            <a:schemeClr val="dk1"/>
-          </a:lnRef>
-          <a:fillRef idx="0">
-            <a:schemeClr val="dk1"/>
-          </a:fillRef>
-          <a:effectRef idx="0">
-            <a:schemeClr val="dk1"/>
-          </a:effectRef>
-          <a:fontRef idx="minor">
-            <a:schemeClr val="tx1"/>
-          </a:fontRef>
-        </p:style>
-      </p:cxnSp>
+              </a:endParaRPr>
+            </a:p>
+          </p:txBody>
+        </p:sp>
+        <p:cxnSp>
+          <p:nvCxnSpPr>
+            <p:cNvPr id="163" name="直線接點 162">
+              <a:extLst>
+                <a:ext uri="{FF2B5EF4-FFF2-40B4-BE49-F238E27FC236}">
+                  <a16:creationId xmlns:a16="http://schemas.microsoft.com/office/drawing/2014/main" id="{C1DFFCE1-F8E0-487F-BDEA-BE7EF631171E}"/>
+                </a:ext>
+              </a:extLst>
+            </p:cNvPr>
+            <p:cNvCxnSpPr>
+              <a:cxnSpLocks/>
+              <a:stCxn id="161" idx="4"/>
+              <a:endCxn id="160" idx="3"/>
+            </p:cNvCxnSpPr>
+            <p:nvPr/>
+          </p:nvCxnSpPr>
+          <p:spPr>
+            <a:xfrm flipH="1">
+              <a:off x="10729660" y="5454157"/>
+              <a:ext cx="715916" cy="681269"/>
+            </a:xfrm>
+            <a:prstGeom prst="line">
+              <a:avLst/>
+            </a:prstGeom>
+          </p:spPr>
+          <p:style>
+            <a:lnRef idx="1">
+              <a:schemeClr val="accent1"/>
+            </a:lnRef>
+            <a:fillRef idx="0">
+              <a:schemeClr val="accent1"/>
+            </a:fillRef>
+            <a:effectRef idx="0">
+              <a:schemeClr val="accent1"/>
+            </a:effectRef>
+            <a:fontRef idx="minor">
+              <a:schemeClr val="tx1"/>
+            </a:fontRef>
+          </p:style>
+        </p:cxnSp>
+        <p:cxnSp>
+          <p:nvCxnSpPr>
+            <p:cNvPr id="164" name="直線接點 163">
+              <a:extLst>
+                <a:ext uri="{FF2B5EF4-FFF2-40B4-BE49-F238E27FC236}">
+                  <a16:creationId xmlns:a16="http://schemas.microsoft.com/office/drawing/2014/main" id="{1C210BDA-EAFE-435C-9D4E-185F6A76715A}"/>
+                </a:ext>
+              </a:extLst>
+            </p:cNvPr>
+            <p:cNvCxnSpPr>
+              <a:cxnSpLocks/>
+              <a:stCxn id="162" idx="2"/>
+              <a:endCxn id="160" idx="3"/>
+            </p:cNvCxnSpPr>
+            <p:nvPr/>
+          </p:nvCxnSpPr>
+          <p:spPr>
+            <a:xfrm flipH="1" flipV="1">
+              <a:off x="10729660" y="6135426"/>
+              <a:ext cx="303463" cy="135467"/>
+            </a:xfrm>
+            <a:prstGeom prst="line">
+              <a:avLst/>
+            </a:prstGeom>
+          </p:spPr>
+          <p:style>
+            <a:lnRef idx="1">
+              <a:schemeClr val="accent1"/>
+            </a:lnRef>
+            <a:fillRef idx="0">
+              <a:schemeClr val="accent1"/>
+            </a:fillRef>
+            <a:effectRef idx="0">
+              <a:schemeClr val="accent1"/>
+            </a:effectRef>
+            <a:fontRef idx="minor">
+              <a:schemeClr val="tx1"/>
+            </a:fontRef>
+          </p:style>
+        </p:cxnSp>
+        <p:cxnSp>
+          <p:nvCxnSpPr>
+            <p:cNvPr id="165" name="直線接點 164">
+              <a:extLst>
+                <a:ext uri="{FF2B5EF4-FFF2-40B4-BE49-F238E27FC236}">
+                  <a16:creationId xmlns:a16="http://schemas.microsoft.com/office/drawing/2014/main" id="{64E38CA5-9EDF-41C2-B861-1E26770D3154}"/>
+                </a:ext>
+              </a:extLst>
+            </p:cNvPr>
+            <p:cNvCxnSpPr>
+              <a:cxnSpLocks/>
+              <a:stCxn id="158" idx="2"/>
+              <a:endCxn id="160" idx="1"/>
+            </p:cNvCxnSpPr>
+            <p:nvPr/>
+          </p:nvCxnSpPr>
+          <p:spPr>
+            <a:xfrm>
+              <a:off x="8396885" y="5817384"/>
+              <a:ext cx="956736" cy="318042"/>
+            </a:xfrm>
+            <a:prstGeom prst="line">
+              <a:avLst/>
+            </a:prstGeom>
+            <a:ln w="38100"/>
+          </p:spPr>
+          <p:style>
+            <a:lnRef idx="1">
+              <a:schemeClr val="dk1"/>
+            </a:lnRef>
+            <a:fillRef idx="0">
+              <a:schemeClr val="dk1"/>
+            </a:fillRef>
+            <a:effectRef idx="0">
+              <a:schemeClr val="dk1"/>
+            </a:effectRef>
+            <a:fontRef idx="minor">
+              <a:schemeClr val="tx1"/>
+            </a:fontRef>
+          </p:style>
+        </p:cxnSp>
+      </p:grpSp>
     </p:spTree>
     <p:extLst>
       <p:ext uri="{BB962C8B-B14F-4D97-AF65-F5344CB8AC3E}">

--- a/Report/ER Diagram.pptx
+++ b/Report/ER Diagram.pptx
@@ -4654,2893 +4654,3255 @@
           <a:chExt cx="0" cy="0"/>
         </a:xfrm>
       </p:grpSpPr>
-      <p:grpSp>
-        <p:nvGrpSpPr>
-          <p:cNvPr id="2" name="群組 1">
-            <a:extLst>
-              <a:ext uri="{FF2B5EF4-FFF2-40B4-BE49-F238E27FC236}">
-                <a16:creationId xmlns:a16="http://schemas.microsoft.com/office/drawing/2014/main" id="{1D9C8E15-CC6A-4F99-B726-2F46FEE114E9}"/>
-              </a:ext>
-            </a:extLst>
-          </p:cNvPr>
-          <p:cNvGrpSpPr/>
+      <p:sp>
+        <p:nvSpPr>
+          <p:cNvPr id="22" name="菱形 21">
+            <a:extLst>
+              <a:ext uri="{FF2B5EF4-FFF2-40B4-BE49-F238E27FC236}">
+                <a16:creationId xmlns:a16="http://schemas.microsoft.com/office/drawing/2014/main" id="{37923A34-CB01-467B-B0BD-2D6553738C57}"/>
+              </a:ext>
+            </a:extLst>
+          </p:cNvPr>
+          <p:cNvSpPr/>
           <p:nvPr/>
-        </p:nvGrpSpPr>
-        <p:grpSpPr>
+        </p:nvSpPr>
+        <p:spPr>
           <a:xfrm>
-            <a:off x="362064" y="66675"/>
-            <a:ext cx="11829936" cy="6437174"/>
-            <a:chOff x="362064" y="66675"/>
-            <a:chExt cx="11829936" cy="6437174"/>
-          </a:xfrm>
-        </p:grpSpPr>
-        <p:sp>
-          <p:nvSpPr>
-            <p:cNvPr id="22" name="菱形 21">
-              <a:extLst>
-                <a:ext uri="{FF2B5EF4-FFF2-40B4-BE49-F238E27FC236}">
-                  <a16:creationId xmlns:a16="http://schemas.microsoft.com/office/drawing/2014/main" id="{37923A34-CB01-467B-B0BD-2D6553738C57}"/>
-                </a:ext>
-              </a:extLst>
-            </p:cNvPr>
-            <p:cNvSpPr/>
-            <p:nvPr/>
-          </p:nvSpPr>
-          <p:spPr>
-            <a:xfrm>
-              <a:off x="4465509" y="808470"/>
-              <a:ext cx="1376039" cy="745240"/>
-            </a:xfrm>
-            <a:prstGeom prst="diamond">
-              <a:avLst/>
-            </a:prstGeom>
-          </p:spPr>
-          <p:style>
-            <a:lnRef idx="2">
-              <a:schemeClr val="accent6">
-                <a:shade val="50000"/>
-              </a:schemeClr>
-            </a:lnRef>
-            <a:fillRef idx="1">
-              <a:schemeClr val="accent6"/>
-            </a:fillRef>
-            <a:effectRef idx="0">
-              <a:schemeClr val="accent6"/>
-            </a:effectRef>
-            <a:fontRef idx="minor">
-              <a:schemeClr val="lt1"/>
-            </a:fontRef>
-          </p:style>
-          <p:txBody>
-            <a:bodyPr rtlCol="0" anchor="ctr"/>
-            <a:lstStyle/>
-            <a:p>
-              <a:pPr algn="ctr"/>
-              <a:r>
-                <a:rPr lang="zh-TW" altLang="en-US" sz="1600" dirty="0">
-                  <a:latin typeface="標楷體" panose="03000509000000000000" pitchFamily="65" charset="-120"/>
-                  <a:ea typeface="標楷體" panose="03000509000000000000" pitchFamily="65" charset="-120"/>
-                </a:rPr>
-                <a:t>提供</a:t>
-              </a:r>
-            </a:p>
-          </p:txBody>
-        </p:sp>
-        <p:cxnSp>
-          <p:nvCxnSpPr>
-            <p:cNvPr id="24" name="直線單箭頭接點 23">
-              <a:extLst>
-                <a:ext uri="{FF2B5EF4-FFF2-40B4-BE49-F238E27FC236}">
-                  <a16:creationId xmlns:a16="http://schemas.microsoft.com/office/drawing/2014/main" id="{CC54433E-37E3-42E3-87F6-C8C493134986}"/>
-                </a:ext>
-              </a:extLst>
-            </p:cNvPr>
-            <p:cNvCxnSpPr>
-              <a:stCxn id="22" idx="1"/>
-              <a:endCxn id="4" idx="3"/>
-            </p:cNvCxnSpPr>
-            <p:nvPr/>
-          </p:nvCxnSpPr>
-          <p:spPr>
-            <a:xfrm flipH="1">
-              <a:off x="3274282" y="1181090"/>
-              <a:ext cx="1191227" cy="4197"/>
-            </a:xfrm>
-            <a:prstGeom prst="straightConnector1">
-              <a:avLst/>
-            </a:prstGeom>
-            <a:ln>
-              <a:tailEnd type="triangle"/>
-            </a:ln>
-          </p:spPr>
-          <p:style>
-            <a:lnRef idx="1">
-              <a:schemeClr val="accent1"/>
-            </a:lnRef>
-            <a:fillRef idx="0">
-              <a:schemeClr val="accent1"/>
-            </a:fillRef>
-            <a:effectRef idx="0">
-              <a:schemeClr val="accent1"/>
-            </a:effectRef>
-            <a:fontRef idx="minor">
-              <a:schemeClr val="tx1"/>
-            </a:fontRef>
-          </p:style>
-        </p:cxnSp>
-        <p:sp>
-          <p:nvSpPr>
-            <p:cNvPr id="25" name="矩形 24">
-              <a:extLst>
-                <a:ext uri="{FF2B5EF4-FFF2-40B4-BE49-F238E27FC236}">
-                  <a16:creationId xmlns:a16="http://schemas.microsoft.com/office/drawing/2014/main" id="{05395B9C-9A5D-47DD-ACDB-171A6F10DEC2}"/>
-                </a:ext>
-              </a:extLst>
-            </p:cNvPr>
-            <p:cNvSpPr/>
-            <p:nvPr/>
-          </p:nvSpPr>
-          <p:spPr>
-            <a:xfrm flipH="1">
-              <a:off x="7576625" y="2788222"/>
-              <a:ext cx="1376039" cy="736847"/>
-            </a:xfrm>
-            <a:prstGeom prst="rect">
-              <a:avLst/>
-            </a:prstGeom>
-          </p:spPr>
-          <p:style>
-            <a:lnRef idx="2">
-              <a:schemeClr val="accent4">
-                <a:shade val="50000"/>
-              </a:schemeClr>
-            </a:lnRef>
-            <a:fillRef idx="1">
-              <a:schemeClr val="accent4"/>
-            </a:fillRef>
-            <a:effectRef idx="0">
-              <a:schemeClr val="accent4"/>
-            </a:effectRef>
-            <a:fontRef idx="minor">
-              <a:schemeClr val="lt1"/>
-            </a:fontRef>
-          </p:style>
-          <p:txBody>
-            <a:bodyPr rtlCol="0" anchor="ctr"/>
-            <a:lstStyle/>
-            <a:p>
-              <a:pPr algn="ctr"/>
-              <a:r>
-                <a:rPr lang="zh-TW" altLang="en-US" sz="1600" dirty="0">
-                  <a:solidFill>
-                    <a:sysClr val="windowText" lastClr="000000"/>
-                  </a:solidFill>
-                  <a:latin typeface="Times New Roman" panose="02020603050405020304" pitchFamily="18" charset="0"/>
-                  <a:ea typeface="標楷體" panose="03000509000000000000" pitchFamily="65" charset="-120"/>
-                </a:rPr>
-                <a:t>職缺</a:t>
-              </a:r>
-              <a:endParaRPr lang="en-US" altLang="zh-TW" sz="1600" dirty="0">
+            <a:off x="4465509" y="781837"/>
+            <a:ext cx="1376039" cy="745240"/>
+          </a:xfrm>
+          <a:prstGeom prst="diamond">
+            <a:avLst/>
+          </a:prstGeom>
+        </p:spPr>
+        <p:style>
+          <a:lnRef idx="2">
+            <a:schemeClr val="accent6">
+              <a:shade val="50000"/>
+            </a:schemeClr>
+          </a:lnRef>
+          <a:fillRef idx="1">
+            <a:schemeClr val="accent6"/>
+          </a:fillRef>
+          <a:effectRef idx="0">
+            <a:schemeClr val="accent6"/>
+          </a:effectRef>
+          <a:fontRef idx="minor">
+            <a:schemeClr val="lt1"/>
+          </a:fontRef>
+        </p:style>
+        <p:txBody>
+          <a:bodyPr rtlCol="0" anchor="ctr"/>
+          <a:lstStyle/>
+          <a:p>
+            <a:pPr algn="ctr"/>
+            <a:r>
+              <a:rPr lang="zh-TW" altLang="en-US" sz="1600" dirty="0">
+                <a:latin typeface="標楷體" panose="03000509000000000000" pitchFamily="65" charset="-120"/>
+                <a:ea typeface="標楷體" panose="03000509000000000000" pitchFamily="65" charset="-120"/>
+              </a:rPr>
+              <a:t>提供</a:t>
+            </a:r>
+          </a:p>
+        </p:txBody>
+      </p:sp>
+      <p:cxnSp>
+        <p:nvCxnSpPr>
+          <p:cNvPr id="24" name="直線單箭頭接點 23">
+            <a:extLst>
+              <a:ext uri="{FF2B5EF4-FFF2-40B4-BE49-F238E27FC236}">
+                <a16:creationId xmlns:a16="http://schemas.microsoft.com/office/drawing/2014/main" id="{CC54433E-37E3-42E3-87F6-C8C493134986}"/>
+              </a:ext>
+            </a:extLst>
+          </p:cNvPr>
+          <p:cNvCxnSpPr>
+            <a:stCxn id="22" idx="1"/>
+            <a:endCxn id="4" idx="3"/>
+          </p:cNvCxnSpPr>
+          <p:nvPr/>
+        </p:nvCxnSpPr>
+        <p:spPr>
+          <a:xfrm flipH="1">
+            <a:off x="3274282" y="1154457"/>
+            <a:ext cx="1191227" cy="4197"/>
+          </a:xfrm>
+          <a:prstGeom prst="straightConnector1">
+            <a:avLst/>
+          </a:prstGeom>
+          <a:ln>
+            <a:tailEnd type="triangle"/>
+          </a:ln>
+        </p:spPr>
+        <p:style>
+          <a:lnRef idx="1">
+            <a:schemeClr val="accent1"/>
+          </a:lnRef>
+          <a:fillRef idx="0">
+            <a:schemeClr val="accent1"/>
+          </a:fillRef>
+          <a:effectRef idx="0">
+            <a:schemeClr val="accent1"/>
+          </a:effectRef>
+          <a:fontRef idx="minor">
+            <a:schemeClr val="tx1"/>
+          </a:fontRef>
+        </p:style>
+      </p:cxnSp>
+      <p:sp>
+        <p:nvSpPr>
+          <p:cNvPr id="25" name="矩形 24">
+            <a:extLst>
+              <a:ext uri="{FF2B5EF4-FFF2-40B4-BE49-F238E27FC236}">
+                <a16:creationId xmlns:a16="http://schemas.microsoft.com/office/drawing/2014/main" id="{05395B9C-9A5D-47DD-ACDB-171A6F10DEC2}"/>
+              </a:ext>
+            </a:extLst>
+          </p:cNvPr>
+          <p:cNvSpPr/>
+          <p:nvPr/>
+        </p:nvSpPr>
+        <p:spPr>
+          <a:xfrm flipH="1">
+            <a:off x="7576625" y="2761589"/>
+            <a:ext cx="1376039" cy="736847"/>
+          </a:xfrm>
+          <a:prstGeom prst="rect">
+            <a:avLst/>
+          </a:prstGeom>
+        </p:spPr>
+        <p:style>
+          <a:lnRef idx="2">
+            <a:schemeClr val="accent4">
+              <a:shade val="50000"/>
+            </a:schemeClr>
+          </a:lnRef>
+          <a:fillRef idx="1">
+            <a:schemeClr val="accent4"/>
+          </a:fillRef>
+          <a:effectRef idx="0">
+            <a:schemeClr val="accent4"/>
+          </a:effectRef>
+          <a:fontRef idx="minor">
+            <a:schemeClr val="lt1"/>
+          </a:fontRef>
+        </p:style>
+        <p:txBody>
+          <a:bodyPr rtlCol="0" anchor="ctr"/>
+          <a:lstStyle/>
+          <a:p>
+            <a:pPr algn="ctr"/>
+            <a:r>
+              <a:rPr lang="zh-TW" altLang="en-US" sz="1600" dirty="0">
                 <a:solidFill>
                   <a:sysClr val="windowText" lastClr="000000"/>
                 </a:solidFill>
                 <a:latin typeface="Times New Roman" panose="02020603050405020304" pitchFamily="18" charset="0"/>
                 <a:ea typeface="標楷體" panose="03000509000000000000" pitchFamily="65" charset="-120"/>
-              </a:endParaRPr>
-            </a:p>
-            <a:p>
-              <a:pPr algn="ctr"/>
-              <a:r>
-                <a:rPr lang="zh-TW" altLang="en-US" sz="1600" dirty="0">
-                  <a:solidFill>
-                    <a:sysClr val="windowText" lastClr="000000"/>
-                  </a:solidFill>
-                  <a:latin typeface="Times New Roman" panose="02020603050405020304" pitchFamily="18" charset="0"/>
-                  <a:ea typeface="標楷體" panose="03000509000000000000" pitchFamily="65" charset="-120"/>
-                </a:rPr>
-                <a:t>（</a:t>
-              </a:r>
-              <a:r>
-                <a:rPr lang="en-US" altLang="zh-TW" sz="1600" dirty="0" err="1">
-                  <a:solidFill>
-                    <a:sysClr val="windowText" lastClr="000000"/>
-                  </a:solidFill>
-                  <a:latin typeface="Times New Roman" panose="02020603050405020304" pitchFamily="18" charset="0"/>
-                  <a:ea typeface="標楷體" panose="03000509000000000000" pitchFamily="65" charset="-120"/>
-                </a:rPr>
-                <a:t>jobinfo</a:t>
-              </a:r>
-              <a:r>
-                <a:rPr lang="zh-TW" altLang="en-US" sz="1600" dirty="0">
-                  <a:solidFill>
-                    <a:sysClr val="windowText" lastClr="000000"/>
-                  </a:solidFill>
-                  <a:latin typeface="Times New Roman" panose="02020603050405020304" pitchFamily="18" charset="0"/>
-                  <a:ea typeface="標楷體" panose="03000509000000000000" pitchFamily="65" charset="-120"/>
-                </a:rPr>
-                <a:t>）</a:t>
-              </a:r>
-            </a:p>
-          </p:txBody>
-        </p:sp>
-        <p:cxnSp>
-          <p:nvCxnSpPr>
-            <p:cNvPr id="41" name="直線接點 40">
-              <a:extLst>
-                <a:ext uri="{FF2B5EF4-FFF2-40B4-BE49-F238E27FC236}">
-                  <a16:creationId xmlns:a16="http://schemas.microsoft.com/office/drawing/2014/main" id="{3B0522DE-9DD8-4FEB-9B54-AC903EF75B22}"/>
-                </a:ext>
-              </a:extLst>
-            </p:cNvPr>
-            <p:cNvCxnSpPr>
-              <a:cxnSpLocks/>
-              <a:stCxn id="22" idx="3"/>
-              <a:endCxn id="25" idx="3"/>
-            </p:cNvCxnSpPr>
-            <p:nvPr/>
-          </p:nvCxnSpPr>
-          <p:spPr>
-            <a:xfrm>
-              <a:off x="5841548" y="1181090"/>
-              <a:ext cx="1735077" cy="1975556"/>
-            </a:xfrm>
-            <a:prstGeom prst="line">
-              <a:avLst/>
-            </a:prstGeom>
-            <a:ln w="38100"/>
-          </p:spPr>
-          <p:style>
-            <a:lnRef idx="1">
-              <a:schemeClr val="dk1"/>
-            </a:lnRef>
-            <a:fillRef idx="0">
-              <a:schemeClr val="dk1"/>
-            </a:fillRef>
-            <a:effectRef idx="0">
-              <a:schemeClr val="dk1"/>
-            </a:effectRef>
-            <a:fontRef idx="minor">
-              <a:schemeClr val="tx1"/>
-            </a:fontRef>
-          </p:style>
-        </p:cxnSp>
-        <p:sp>
-          <p:nvSpPr>
-            <p:cNvPr id="5" name="橢圓 4">
-              <a:extLst>
-                <a:ext uri="{FF2B5EF4-FFF2-40B4-BE49-F238E27FC236}">
-                  <a16:creationId xmlns:a16="http://schemas.microsoft.com/office/drawing/2014/main" id="{FAAFE717-12EA-4D05-AA19-003894862EF0}"/>
-                </a:ext>
-              </a:extLst>
-            </p:cNvPr>
-            <p:cNvSpPr/>
-            <p:nvPr/>
-          </p:nvSpPr>
-          <p:spPr>
-            <a:xfrm>
-              <a:off x="734343" y="66675"/>
-              <a:ext cx="1158877" cy="462712"/>
-            </a:xfrm>
-            <a:prstGeom prst="ellipse">
-              <a:avLst/>
-            </a:prstGeom>
-          </p:spPr>
-          <p:style>
-            <a:lnRef idx="2">
-              <a:schemeClr val="accent5">
-                <a:shade val="50000"/>
-              </a:schemeClr>
-            </a:lnRef>
-            <a:fillRef idx="1">
-              <a:schemeClr val="accent5"/>
-            </a:fillRef>
-            <a:effectRef idx="0">
-              <a:schemeClr val="accent5"/>
-            </a:effectRef>
-            <a:fontRef idx="minor">
-              <a:schemeClr val="lt1"/>
-            </a:fontRef>
-          </p:style>
-          <p:txBody>
-            <a:bodyPr rtlCol="0" anchor="ctr"/>
-            <a:lstStyle/>
-            <a:p>
-              <a:pPr algn="ctr"/>
-              <a:r>
-                <a:rPr lang="zh-TW" altLang="en-US" sz="1600" dirty="0">
-                  <a:latin typeface="標楷體" panose="03000509000000000000" pitchFamily="65" charset="-120"/>
-                  <a:ea typeface="標楷體" panose="03000509000000000000" pitchFamily="65" charset="-120"/>
-                </a:rPr>
-                <a:t>名稱</a:t>
-              </a:r>
-            </a:p>
-          </p:txBody>
-        </p:sp>
-        <p:sp>
-          <p:nvSpPr>
-            <p:cNvPr id="4" name="矩形 3">
-              <a:extLst>
-                <a:ext uri="{FF2B5EF4-FFF2-40B4-BE49-F238E27FC236}">
-                  <a16:creationId xmlns:a16="http://schemas.microsoft.com/office/drawing/2014/main" id="{DE783A1C-1E26-43D8-9B50-A6F79EAD2A79}"/>
-                </a:ext>
-              </a:extLst>
-            </p:cNvPr>
-            <p:cNvSpPr/>
-            <p:nvPr/>
-          </p:nvSpPr>
-          <p:spPr>
-            <a:xfrm>
-              <a:off x="1898243" y="816863"/>
-              <a:ext cx="1376039" cy="736847"/>
-            </a:xfrm>
-            <a:prstGeom prst="rect">
-              <a:avLst/>
-            </a:prstGeom>
-          </p:spPr>
-          <p:style>
-            <a:lnRef idx="2">
-              <a:schemeClr val="accent4">
-                <a:shade val="50000"/>
-              </a:schemeClr>
-            </a:lnRef>
-            <a:fillRef idx="1">
-              <a:schemeClr val="accent4"/>
-            </a:fillRef>
-            <a:effectRef idx="0">
-              <a:schemeClr val="accent4"/>
-            </a:effectRef>
-            <a:fontRef idx="minor">
-              <a:schemeClr val="lt1"/>
-            </a:fontRef>
-          </p:style>
-          <p:txBody>
-            <a:bodyPr rtlCol="0" anchor="ctr"/>
-            <a:lstStyle/>
-            <a:p>
-              <a:pPr algn="ctr"/>
-              <a:r>
-                <a:rPr lang="zh-TW" altLang="en-US" sz="1600" dirty="0">
-                  <a:solidFill>
-                    <a:sysClr val="windowText" lastClr="000000"/>
-                  </a:solidFill>
-                  <a:latin typeface="Times New Roman" panose="02020603050405020304" pitchFamily="18" charset="0"/>
-                  <a:ea typeface="標楷體" panose="03000509000000000000" pitchFamily="65" charset="-120"/>
-                </a:rPr>
-                <a:t>公司</a:t>
-              </a:r>
-              <a:endParaRPr lang="en-US" altLang="zh-TW" sz="1600" dirty="0">
+              </a:rPr>
+              <a:t>職缺</a:t>
+            </a:r>
+            <a:endParaRPr lang="en-US" altLang="zh-TW" sz="1600" dirty="0">
+              <a:solidFill>
+                <a:sysClr val="windowText" lastClr="000000"/>
+              </a:solidFill>
+              <a:latin typeface="Times New Roman" panose="02020603050405020304" pitchFamily="18" charset="0"/>
+              <a:ea typeface="標楷體" panose="03000509000000000000" pitchFamily="65" charset="-120"/>
+            </a:endParaRPr>
+          </a:p>
+          <a:p>
+            <a:pPr algn="ctr"/>
+            <a:r>
+              <a:rPr lang="zh-TW" altLang="en-US" sz="1600" dirty="0">
                 <a:solidFill>
                   <a:sysClr val="windowText" lastClr="000000"/>
                 </a:solidFill>
                 <a:latin typeface="Times New Roman" panose="02020603050405020304" pitchFamily="18" charset="0"/>
                 <a:ea typeface="標楷體" panose="03000509000000000000" pitchFamily="65" charset="-120"/>
-              </a:endParaRPr>
-            </a:p>
-            <a:p>
-              <a:pPr algn="ctr"/>
-              <a:r>
-                <a:rPr lang="zh-TW" altLang="en-US" sz="1600" dirty="0">
-                  <a:solidFill>
-                    <a:sysClr val="windowText" lastClr="000000"/>
-                  </a:solidFill>
-                  <a:latin typeface="Times New Roman" panose="02020603050405020304" pitchFamily="18" charset="0"/>
-                  <a:ea typeface="標楷體" panose="03000509000000000000" pitchFamily="65" charset="-120"/>
-                </a:rPr>
-                <a:t>（</a:t>
-              </a:r>
-              <a:r>
-                <a:rPr lang="en-US" altLang="zh-TW" sz="1600" dirty="0">
-                  <a:solidFill>
-                    <a:sysClr val="windowText" lastClr="000000"/>
-                  </a:solidFill>
-                  <a:latin typeface="Times New Roman" panose="02020603050405020304" pitchFamily="18" charset="0"/>
-                  <a:ea typeface="標楷體" panose="03000509000000000000" pitchFamily="65" charset="-120"/>
-                </a:rPr>
-                <a:t>company</a:t>
-              </a:r>
-              <a:r>
-                <a:rPr lang="zh-TW" altLang="en-US" sz="1600" dirty="0">
-                  <a:solidFill>
-                    <a:sysClr val="windowText" lastClr="000000"/>
-                  </a:solidFill>
-                  <a:latin typeface="Times New Roman" panose="02020603050405020304" pitchFamily="18" charset="0"/>
-                  <a:ea typeface="標楷體" panose="03000509000000000000" pitchFamily="65" charset="-120"/>
-                </a:rPr>
-                <a:t>）</a:t>
-              </a:r>
-            </a:p>
-          </p:txBody>
-        </p:sp>
-        <p:sp>
-          <p:nvSpPr>
-            <p:cNvPr id="38" name="橢圓 37">
-              <a:extLst>
-                <a:ext uri="{FF2B5EF4-FFF2-40B4-BE49-F238E27FC236}">
-                  <a16:creationId xmlns:a16="http://schemas.microsoft.com/office/drawing/2014/main" id="{4FC5489F-50A4-4DA0-8BB5-01B945356E04}"/>
-                </a:ext>
-              </a:extLst>
-            </p:cNvPr>
-            <p:cNvSpPr/>
-            <p:nvPr/>
-          </p:nvSpPr>
-          <p:spPr>
-            <a:xfrm>
-              <a:off x="362065" y="645282"/>
-              <a:ext cx="1158877" cy="462712"/>
-            </a:xfrm>
-            <a:prstGeom prst="ellipse">
-              <a:avLst/>
-            </a:prstGeom>
-          </p:spPr>
-          <p:style>
-            <a:lnRef idx="2">
-              <a:schemeClr val="accent5">
-                <a:shade val="50000"/>
-              </a:schemeClr>
-            </a:lnRef>
-            <a:fillRef idx="1">
-              <a:schemeClr val="accent5"/>
-            </a:fillRef>
-            <a:effectRef idx="0">
-              <a:schemeClr val="accent5"/>
-            </a:effectRef>
-            <a:fontRef idx="minor">
-              <a:schemeClr val="lt1"/>
-            </a:fontRef>
-          </p:style>
-          <p:txBody>
-            <a:bodyPr rtlCol="0" anchor="ctr"/>
-            <a:lstStyle/>
-            <a:p>
-              <a:pPr algn="ctr"/>
-              <a:r>
-                <a:rPr lang="zh-TW" altLang="en-US" sz="1600" dirty="0">
-                  <a:latin typeface="標楷體" panose="03000509000000000000" pitchFamily="65" charset="-120"/>
-                  <a:ea typeface="標楷體" panose="03000509000000000000" pitchFamily="65" charset="-120"/>
-                </a:rPr>
-                <a:t>資本額</a:t>
-              </a:r>
-            </a:p>
-          </p:txBody>
-        </p:sp>
-        <p:sp>
-          <p:nvSpPr>
-            <p:cNvPr id="39" name="橢圓 38">
-              <a:extLst>
-                <a:ext uri="{FF2B5EF4-FFF2-40B4-BE49-F238E27FC236}">
-                  <a16:creationId xmlns:a16="http://schemas.microsoft.com/office/drawing/2014/main" id="{4DB5CA4B-10DD-4376-A3D8-DBA897FAA14B}"/>
-                </a:ext>
-              </a:extLst>
-            </p:cNvPr>
-            <p:cNvSpPr/>
-            <p:nvPr/>
-          </p:nvSpPr>
-          <p:spPr>
-            <a:xfrm>
-              <a:off x="362065" y="1262579"/>
-              <a:ext cx="1158877" cy="462712"/>
-            </a:xfrm>
-            <a:prstGeom prst="ellipse">
-              <a:avLst/>
-            </a:prstGeom>
-          </p:spPr>
-          <p:style>
-            <a:lnRef idx="2">
-              <a:schemeClr val="accent5">
-                <a:shade val="50000"/>
-              </a:schemeClr>
-            </a:lnRef>
-            <a:fillRef idx="1">
-              <a:schemeClr val="accent5"/>
-            </a:fillRef>
-            <a:effectRef idx="0">
-              <a:schemeClr val="accent5"/>
-            </a:effectRef>
-            <a:fontRef idx="minor">
-              <a:schemeClr val="lt1"/>
-            </a:fontRef>
-          </p:style>
-          <p:txBody>
-            <a:bodyPr rtlCol="0" anchor="ctr"/>
-            <a:lstStyle/>
-            <a:p>
-              <a:pPr algn="ctr"/>
-              <a:r>
-                <a:rPr lang="zh-TW" altLang="en-US" sz="1600" dirty="0">
-                  <a:latin typeface="標楷體" panose="03000509000000000000" pitchFamily="65" charset="-120"/>
-                  <a:ea typeface="標楷體" panose="03000509000000000000" pitchFamily="65" charset="-120"/>
-                </a:rPr>
-                <a:t>員工數</a:t>
-              </a:r>
-            </a:p>
-          </p:txBody>
-        </p:sp>
-        <p:sp>
-          <p:nvSpPr>
-            <p:cNvPr id="40" name="橢圓 39">
-              <a:extLst>
-                <a:ext uri="{FF2B5EF4-FFF2-40B4-BE49-F238E27FC236}">
-                  <a16:creationId xmlns:a16="http://schemas.microsoft.com/office/drawing/2014/main" id="{7F257DCE-4A1D-4D3F-8A66-99EC7C9C5281}"/>
-                </a:ext>
-              </a:extLst>
-            </p:cNvPr>
-            <p:cNvSpPr/>
-            <p:nvPr/>
-          </p:nvSpPr>
-          <p:spPr>
-            <a:xfrm>
-              <a:off x="734344" y="1841186"/>
-              <a:ext cx="1158877" cy="462712"/>
-            </a:xfrm>
-            <a:prstGeom prst="ellipse">
-              <a:avLst/>
-            </a:prstGeom>
-          </p:spPr>
-          <p:style>
-            <a:lnRef idx="2">
-              <a:schemeClr val="accent5">
-                <a:shade val="50000"/>
-              </a:schemeClr>
-            </a:lnRef>
-            <a:fillRef idx="1">
-              <a:schemeClr val="accent5"/>
-            </a:fillRef>
-            <a:effectRef idx="0">
-              <a:schemeClr val="accent5"/>
-            </a:effectRef>
-            <a:fontRef idx="minor">
-              <a:schemeClr val="lt1"/>
-            </a:fontRef>
-          </p:style>
-          <p:txBody>
-            <a:bodyPr rtlCol="0" anchor="ctr"/>
-            <a:lstStyle/>
-            <a:p>
-              <a:pPr algn="ctr"/>
-              <a:r>
-                <a:rPr lang="zh-TW" altLang="en-US" sz="1600" dirty="0">
-                  <a:latin typeface="標楷體" panose="03000509000000000000" pitchFamily="65" charset="-120"/>
-                  <a:ea typeface="標楷體" panose="03000509000000000000" pitchFamily="65" charset="-120"/>
-                </a:rPr>
-                <a:t>地址</a:t>
-              </a:r>
-            </a:p>
-          </p:txBody>
-        </p:sp>
-        <p:sp>
-          <p:nvSpPr>
-            <p:cNvPr id="50" name="橢圓 49">
-              <a:extLst>
-                <a:ext uri="{FF2B5EF4-FFF2-40B4-BE49-F238E27FC236}">
-                  <a16:creationId xmlns:a16="http://schemas.microsoft.com/office/drawing/2014/main" id="{3E7E5026-4695-4E52-BC9E-F9177CC20E9C}"/>
-                </a:ext>
-              </a:extLst>
-            </p:cNvPr>
-            <p:cNvSpPr/>
-            <p:nvPr/>
-          </p:nvSpPr>
-          <p:spPr>
-            <a:xfrm>
-              <a:off x="9329962" y="1768158"/>
-              <a:ext cx="1158877" cy="462712"/>
-            </a:xfrm>
-            <a:prstGeom prst="ellipse">
-              <a:avLst/>
-            </a:prstGeom>
-          </p:spPr>
-          <p:style>
-            <a:lnRef idx="2">
-              <a:schemeClr val="accent5">
-                <a:shade val="50000"/>
-              </a:schemeClr>
-            </a:lnRef>
-            <a:fillRef idx="1">
-              <a:schemeClr val="accent5"/>
-            </a:fillRef>
-            <a:effectRef idx="0">
-              <a:schemeClr val="accent5"/>
-            </a:effectRef>
-            <a:fontRef idx="minor">
-              <a:schemeClr val="lt1"/>
-            </a:fontRef>
-          </p:style>
-          <p:txBody>
-            <a:bodyPr rtlCol="0" anchor="ctr"/>
-            <a:lstStyle/>
-            <a:p>
-              <a:pPr algn="ctr"/>
-              <a:r>
-                <a:rPr lang="zh-TW" altLang="en-US" sz="1600" dirty="0">
-                  <a:latin typeface="標楷體" panose="03000509000000000000" pitchFamily="65" charset="-120"/>
-                  <a:ea typeface="標楷體" panose="03000509000000000000" pitchFamily="65" charset="-120"/>
-                </a:rPr>
-                <a:t>學歷</a:t>
-              </a:r>
-            </a:p>
-          </p:txBody>
-        </p:sp>
-        <p:sp>
-          <p:nvSpPr>
-            <p:cNvPr id="53" name="橢圓 52">
-              <a:extLst>
-                <a:ext uri="{FF2B5EF4-FFF2-40B4-BE49-F238E27FC236}">
-                  <a16:creationId xmlns:a16="http://schemas.microsoft.com/office/drawing/2014/main" id="{13241945-4C0B-49CB-A461-284A2FA9D851}"/>
-                </a:ext>
-              </a:extLst>
-            </p:cNvPr>
-            <p:cNvSpPr/>
-            <p:nvPr/>
-          </p:nvSpPr>
-          <p:spPr>
-            <a:xfrm>
-              <a:off x="9329965" y="2693933"/>
-              <a:ext cx="1158877" cy="462712"/>
-            </a:xfrm>
-            <a:prstGeom prst="ellipse">
-              <a:avLst/>
-            </a:prstGeom>
-          </p:spPr>
-          <p:style>
-            <a:lnRef idx="2">
-              <a:schemeClr val="accent5">
-                <a:shade val="50000"/>
-              </a:schemeClr>
-            </a:lnRef>
-            <a:fillRef idx="1">
-              <a:schemeClr val="accent5"/>
-            </a:fillRef>
-            <a:effectRef idx="0">
-              <a:schemeClr val="accent5"/>
-            </a:effectRef>
-            <a:fontRef idx="minor">
-              <a:schemeClr val="lt1"/>
-            </a:fontRef>
-          </p:style>
-          <p:txBody>
-            <a:bodyPr rtlCol="0" anchor="ctr"/>
-            <a:lstStyle/>
-            <a:p>
-              <a:pPr algn="ctr"/>
-              <a:r>
-                <a:rPr lang="zh-TW" altLang="en-US" sz="1250" dirty="0">
-                  <a:latin typeface="標楷體" panose="03000509000000000000" pitchFamily="65" charset="-120"/>
-                  <a:ea typeface="標楷體" panose="03000509000000000000" pitchFamily="65" charset="-120"/>
-                </a:rPr>
-                <a:t>年資要求</a:t>
-              </a:r>
-            </a:p>
-          </p:txBody>
-        </p:sp>
-        <p:sp>
-          <p:nvSpPr>
-            <p:cNvPr id="54" name="橢圓 53">
-              <a:extLst>
-                <a:ext uri="{FF2B5EF4-FFF2-40B4-BE49-F238E27FC236}">
-                  <a16:creationId xmlns:a16="http://schemas.microsoft.com/office/drawing/2014/main" id="{3B24C222-5EFE-46FD-8C09-EBF354D0EC68}"/>
-                </a:ext>
-              </a:extLst>
-            </p:cNvPr>
-            <p:cNvSpPr/>
-            <p:nvPr/>
-          </p:nvSpPr>
-          <p:spPr>
-            <a:xfrm>
-              <a:off x="9329963" y="2222828"/>
-              <a:ext cx="1158877" cy="462712"/>
-            </a:xfrm>
-            <a:prstGeom prst="ellipse">
-              <a:avLst/>
-            </a:prstGeom>
-          </p:spPr>
-          <p:style>
-            <a:lnRef idx="2">
-              <a:schemeClr val="accent5">
-                <a:shade val="50000"/>
-              </a:schemeClr>
-            </a:lnRef>
-            <a:fillRef idx="1">
-              <a:schemeClr val="accent5"/>
-            </a:fillRef>
-            <a:effectRef idx="0">
-              <a:schemeClr val="accent5"/>
-            </a:effectRef>
-            <a:fontRef idx="minor">
-              <a:schemeClr val="lt1"/>
-            </a:fontRef>
-          </p:style>
-          <p:txBody>
-            <a:bodyPr rtlCol="0" anchor="ctr"/>
-            <a:lstStyle/>
-            <a:p>
-              <a:pPr algn="ctr"/>
-              <a:r>
-                <a:rPr lang="zh-TW" altLang="en-US" sz="1600" dirty="0">
-                  <a:latin typeface="標楷體" panose="03000509000000000000" pitchFamily="65" charset="-120"/>
-                  <a:ea typeface="標楷體" panose="03000509000000000000" pitchFamily="65" charset="-120"/>
-                </a:rPr>
-                <a:t>薪資</a:t>
-              </a:r>
-            </a:p>
-          </p:txBody>
-        </p:sp>
-        <p:sp>
-          <p:nvSpPr>
-            <p:cNvPr id="55" name="橢圓 54">
-              <a:extLst>
-                <a:ext uri="{FF2B5EF4-FFF2-40B4-BE49-F238E27FC236}">
-                  <a16:creationId xmlns:a16="http://schemas.microsoft.com/office/drawing/2014/main" id="{374D129F-D781-471B-B489-98674C9B8952}"/>
-                </a:ext>
-              </a:extLst>
-            </p:cNvPr>
-            <p:cNvSpPr/>
-            <p:nvPr/>
-          </p:nvSpPr>
-          <p:spPr>
-            <a:xfrm>
-              <a:off x="9329964" y="3165038"/>
-              <a:ext cx="1158877" cy="462712"/>
-            </a:xfrm>
-            <a:prstGeom prst="ellipse">
-              <a:avLst/>
-            </a:prstGeom>
-          </p:spPr>
-          <p:style>
-            <a:lnRef idx="2">
-              <a:schemeClr val="accent5">
-                <a:shade val="50000"/>
-              </a:schemeClr>
-            </a:lnRef>
-            <a:fillRef idx="1">
-              <a:schemeClr val="accent5"/>
-            </a:fillRef>
-            <a:effectRef idx="0">
-              <a:schemeClr val="accent5"/>
-            </a:effectRef>
-            <a:fontRef idx="minor">
-              <a:schemeClr val="lt1"/>
-            </a:fontRef>
-          </p:style>
-          <p:txBody>
-            <a:bodyPr rtlCol="0" anchor="ctr"/>
-            <a:lstStyle/>
-            <a:p>
-              <a:pPr algn="ctr"/>
-              <a:r>
-                <a:rPr lang="zh-TW" altLang="en-US" sz="1250" dirty="0">
-                  <a:latin typeface="標楷體" panose="03000509000000000000" pitchFamily="65" charset="-120"/>
-                  <a:ea typeface="標楷體" panose="03000509000000000000" pitchFamily="65" charset="-120"/>
-                </a:rPr>
-                <a:t>工作型態</a:t>
-              </a:r>
-            </a:p>
-          </p:txBody>
-        </p:sp>
-        <p:sp>
-          <p:nvSpPr>
-            <p:cNvPr id="56" name="橢圓 55">
-              <a:extLst>
-                <a:ext uri="{FF2B5EF4-FFF2-40B4-BE49-F238E27FC236}">
-                  <a16:creationId xmlns:a16="http://schemas.microsoft.com/office/drawing/2014/main" id="{1D69EFC4-EF92-411D-8CEE-C57796FB1E5B}"/>
-                </a:ext>
-              </a:extLst>
-            </p:cNvPr>
-            <p:cNvSpPr/>
-            <p:nvPr/>
-          </p:nvSpPr>
-          <p:spPr>
-            <a:xfrm>
-              <a:off x="9329959" y="3636143"/>
-              <a:ext cx="1158877" cy="462712"/>
-            </a:xfrm>
-            <a:prstGeom prst="ellipse">
-              <a:avLst/>
-            </a:prstGeom>
-          </p:spPr>
-          <p:style>
-            <a:lnRef idx="2">
-              <a:schemeClr val="accent5">
-                <a:shade val="50000"/>
-              </a:schemeClr>
-            </a:lnRef>
-            <a:fillRef idx="1">
-              <a:schemeClr val="accent5"/>
-            </a:fillRef>
-            <a:effectRef idx="0">
-              <a:schemeClr val="accent5"/>
-            </a:effectRef>
-            <a:fontRef idx="minor">
-              <a:schemeClr val="lt1"/>
-            </a:fontRef>
-          </p:style>
-          <p:txBody>
-            <a:bodyPr rtlCol="0" anchor="ctr"/>
-            <a:lstStyle/>
-            <a:p>
-              <a:pPr algn="ctr"/>
-              <a:r>
-                <a:rPr lang="zh-TW" altLang="en-US" sz="1600" dirty="0">
-                  <a:latin typeface="標楷體" panose="03000509000000000000" pitchFamily="65" charset="-120"/>
-                  <a:ea typeface="標楷體" panose="03000509000000000000" pitchFamily="65" charset="-120"/>
-                </a:rPr>
-                <a:t>工時</a:t>
-              </a:r>
-            </a:p>
-          </p:txBody>
-        </p:sp>
-        <p:sp>
-          <p:nvSpPr>
-            <p:cNvPr id="57" name="橢圓 56">
-              <a:extLst>
-                <a:ext uri="{FF2B5EF4-FFF2-40B4-BE49-F238E27FC236}">
-                  <a16:creationId xmlns:a16="http://schemas.microsoft.com/office/drawing/2014/main" id="{304E7791-C1BB-4DF6-ABCD-E9256F6A27BF}"/>
-                </a:ext>
-              </a:extLst>
-            </p:cNvPr>
-            <p:cNvSpPr/>
-            <p:nvPr/>
-          </p:nvSpPr>
-          <p:spPr>
-            <a:xfrm>
-              <a:off x="9329962" y="4561918"/>
-              <a:ext cx="1158877" cy="462712"/>
-            </a:xfrm>
-            <a:prstGeom prst="ellipse">
-              <a:avLst/>
-            </a:prstGeom>
-          </p:spPr>
-          <p:style>
-            <a:lnRef idx="2">
-              <a:schemeClr val="accent5">
-                <a:shade val="50000"/>
-              </a:schemeClr>
-            </a:lnRef>
-            <a:fillRef idx="1">
-              <a:schemeClr val="accent5"/>
-            </a:fillRef>
-            <a:effectRef idx="0">
-              <a:schemeClr val="accent5"/>
-            </a:effectRef>
-            <a:fontRef idx="minor">
-              <a:schemeClr val="lt1"/>
-            </a:fontRef>
-          </p:style>
-          <p:txBody>
-            <a:bodyPr rtlCol="0" anchor="ctr"/>
-            <a:lstStyle/>
-            <a:p>
-              <a:pPr algn="ctr"/>
-              <a:r>
-                <a:rPr lang="zh-TW" altLang="en-US" sz="1250" dirty="0">
-                  <a:latin typeface="標楷體" panose="03000509000000000000" pitchFamily="65" charset="-120"/>
-                  <a:ea typeface="標楷體" panose="03000509000000000000" pitchFamily="65" charset="-120"/>
-                </a:rPr>
-                <a:t>需求人數</a:t>
-              </a:r>
-            </a:p>
-          </p:txBody>
-        </p:sp>
-        <p:sp>
-          <p:nvSpPr>
-            <p:cNvPr id="58" name="橢圓 57">
-              <a:extLst>
-                <a:ext uri="{FF2B5EF4-FFF2-40B4-BE49-F238E27FC236}">
-                  <a16:creationId xmlns:a16="http://schemas.microsoft.com/office/drawing/2014/main" id="{A88B9EE5-2953-4CCB-8793-C35B9742F43C}"/>
-                </a:ext>
-              </a:extLst>
-            </p:cNvPr>
-            <p:cNvSpPr/>
-            <p:nvPr/>
-          </p:nvSpPr>
-          <p:spPr>
-            <a:xfrm>
-              <a:off x="9329960" y="4090813"/>
-              <a:ext cx="1158877" cy="462712"/>
-            </a:xfrm>
-            <a:prstGeom prst="ellipse">
-              <a:avLst/>
-            </a:prstGeom>
-          </p:spPr>
-          <p:style>
-            <a:lnRef idx="2">
-              <a:schemeClr val="accent5">
-                <a:shade val="50000"/>
-              </a:schemeClr>
-            </a:lnRef>
-            <a:fillRef idx="1">
-              <a:schemeClr val="accent5"/>
-            </a:fillRef>
-            <a:effectRef idx="0">
-              <a:schemeClr val="accent5"/>
-            </a:effectRef>
-            <a:fontRef idx="minor">
-              <a:schemeClr val="lt1"/>
-            </a:fontRef>
-          </p:style>
-          <p:txBody>
-            <a:bodyPr rtlCol="0" anchor="ctr"/>
-            <a:lstStyle/>
-            <a:p>
-              <a:pPr algn="ctr"/>
-              <a:r>
-                <a:rPr lang="zh-TW" altLang="en-US" sz="1250" dirty="0">
-                  <a:latin typeface="標楷體" panose="03000509000000000000" pitchFamily="65" charset="-120"/>
-                  <a:ea typeface="標楷體" panose="03000509000000000000" pitchFamily="65" charset="-120"/>
-                </a:rPr>
-                <a:t>上班時段</a:t>
-              </a:r>
-            </a:p>
-          </p:txBody>
-        </p:sp>
-        <p:sp>
-          <p:nvSpPr>
-            <p:cNvPr id="59" name="橢圓 58">
-              <a:extLst>
-                <a:ext uri="{FF2B5EF4-FFF2-40B4-BE49-F238E27FC236}">
-                  <a16:creationId xmlns:a16="http://schemas.microsoft.com/office/drawing/2014/main" id="{972C3DA7-1F65-438D-A245-4DAD0ECEA16F}"/>
-                </a:ext>
-              </a:extLst>
-            </p:cNvPr>
-            <p:cNvSpPr/>
-            <p:nvPr/>
-          </p:nvSpPr>
-          <p:spPr>
-            <a:xfrm>
-              <a:off x="9329959" y="1301250"/>
-              <a:ext cx="1158877" cy="462712"/>
-            </a:xfrm>
-            <a:prstGeom prst="ellipse">
-              <a:avLst/>
-            </a:prstGeom>
-          </p:spPr>
-          <p:style>
-            <a:lnRef idx="2">
-              <a:schemeClr val="accent5">
-                <a:shade val="50000"/>
-              </a:schemeClr>
-            </a:lnRef>
-            <a:fillRef idx="1">
-              <a:schemeClr val="accent5"/>
-            </a:fillRef>
-            <a:effectRef idx="0">
-              <a:schemeClr val="accent5"/>
-            </a:effectRef>
-            <a:fontRef idx="minor">
-              <a:schemeClr val="lt1"/>
-            </a:fontRef>
-          </p:style>
-          <p:txBody>
-            <a:bodyPr rtlCol="0" anchor="ctr"/>
-            <a:lstStyle/>
-            <a:p>
-              <a:pPr algn="ctr"/>
-              <a:r>
-                <a:rPr lang="zh-TW" altLang="en-US" sz="1600" dirty="0">
-                  <a:latin typeface="標楷體" panose="03000509000000000000" pitchFamily="65" charset="-120"/>
-                  <a:ea typeface="標楷體" panose="03000509000000000000" pitchFamily="65" charset="-120"/>
-                </a:rPr>
-                <a:t>名稱</a:t>
-              </a:r>
-            </a:p>
-          </p:txBody>
-        </p:sp>
-        <p:sp>
-          <p:nvSpPr>
-            <p:cNvPr id="64" name="菱形 63">
-              <a:extLst>
-                <a:ext uri="{FF2B5EF4-FFF2-40B4-BE49-F238E27FC236}">
-                  <a16:creationId xmlns:a16="http://schemas.microsoft.com/office/drawing/2014/main" id="{C92183E7-A9F6-4CC9-805B-689F120943AE}"/>
-                </a:ext>
-              </a:extLst>
-            </p:cNvPr>
-            <p:cNvSpPr/>
-            <p:nvPr/>
-          </p:nvSpPr>
-          <p:spPr>
-            <a:xfrm>
-              <a:off x="4465509" y="4850181"/>
-              <a:ext cx="1376039" cy="745240"/>
-            </a:xfrm>
-            <a:prstGeom prst="diamond">
-              <a:avLst/>
-            </a:prstGeom>
-          </p:spPr>
-          <p:style>
-            <a:lnRef idx="2">
-              <a:schemeClr val="accent6">
-                <a:shade val="50000"/>
-              </a:schemeClr>
-            </a:lnRef>
-            <a:fillRef idx="1">
-              <a:schemeClr val="accent6"/>
-            </a:fillRef>
-            <a:effectRef idx="0">
-              <a:schemeClr val="accent6"/>
-            </a:effectRef>
-            <a:fontRef idx="minor">
-              <a:schemeClr val="lt1"/>
-            </a:fontRef>
-          </p:style>
-          <p:txBody>
-            <a:bodyPr rtlCol="0" anchor="ctr"/>
-            <a:lstStyle/>
-            <a:p>
-              <a:pPr algn="ctr"/>
-              <a:r>
-                <a:rPr lang="zh-TW" altLang="en-US" sz="1600" dirty="0">
-                  <a:latin typeface="標楷體" panose="03000509000000000000" pitchFamily="65" charset="-120"/>
-                  <a:ea typeface="標楷體" panose="03000509000000000000" pitchFamily="65" charset="-120"/>
-                </a:rPr>
-                <a:t>位於</a:t>
-              </a:r>
-            </a:p>
-          </p:txBody>
-        </p:sp>
-        <p:cxnSp>
-          <p:nvCxnSpPr>
-            <p:cNvPr id="65" name="直線單箭頭接點 64">
-              <a:extLst>
-                <a:ext uri="{FF2B5EF4-FFF2-40B4-BE49-F238E27FC236}">
-                  <a16:creationId xmlns:a16="http://schemas.microsoft.com/office/drawing/2014/main" id="{BCAF43C8-9294-4FFC-B0AF-BFE59DE7812A}"/>
-                </a:ext>
-              </a:extLst>
-            </p:cNvPr>
-            <p:cNvCxnSpPr>
-              <a:cxnSpLocks/>
-              <a:stCxn id="64" idx="1"/>
-              <a:endCxn id="68" idx="3"/>
-            </p:cNvCxnSpPr>
-            <p:nvPr/>
-          </p:nvCxnSpPr>
-          <p:spPr>
-            <a:xfrm flipH="1">
-              <a:off x="3274282" y="5222801"/>
-              <a:ext cx="1191227" cy="4197"/>
-            </a:xfrm>
-            <a:prstGeom prst="straightConnector1">
-              <a:avLst/>
-            </a:prstGeom>
-            <a:ln>
-              <a:tailEnd type="triangle"/>
-            </a:ln>
-          </p:spPr>
-          <p:style>
-            <a:lnRef idx="1">
-              <a:schemeClr val="accent1"/>
-            </a:lnRef>
-            <a:fillRef idx="0">
-              <a:schemeClr val="accent1"/>
-            </a:fillRef>
-            <a:effectRef idx="0">
-              <a:schemeClr val="accent1"/>
-            </a:effectRef>
-            <a:fontRef idx="minor">
-              <a:schemeClr val="tx1"/>
-            </a:fontRef>
-          </p:style>
-        </p:cxnSp>
-        <p:cxnSp>
-          <p:nvCxnSpPr>
-            <p:cNvPr id="66" name="直線接點 65">
-              <a:extLst>
-                <a:ext uri="{FF2B5EF4-FFF2-40B4-BE49-F238E27FC236}">
-                  <a16:creationId xmlns:a16="http://schemas.microsoft.com/office/drawing/2014/main" id="{ED3E93D9-1CDC-4F02-953F-30CF5A0A0A5D}"/>
-                </a:ext>
-              </a:extLst>
-            </p:cNvPr>
-            <p:cNvCxnSpPr>
-              <a:cxnSpLocks/>
-              <a:stCxn id="25" idx="3"/>
-              <a:endCxn id="64" idx="3"/>
-            </p:cNvCxnSpPr>
-            <p:nvPr/>
-          </p:nvCxnSpPr>
-          <p:spPr>
-            <a:xfrm flipH="1">
-              <a:off x="5841548" y="3156646"/>
-              <a:ext cx="1735077" cy="2066155"/>
-            </a:xfrm>
-            <a:prstGeom prst="line">
-              <a:avLst/>
-            </a:prstGeom>
-            <a:ln w="38100"/>
-          </p:spPr>
-          <p:style>
-            <a:lnRef idx="1">
-              <a:schemeClr val="dk1"/>
-            </a:lnRef>
-            <a:fillRef idx="0">
-              <a:schemeClr val="dk1"/>
-            </a:fillRef>
-            <a:effectRef idx="0">
-              <a:schemeClr val="dk1"/>
-            </a:effectRef>
-            <a:fontRef idx="minor">
-              <a:schemeClr val="tx1"/>
-            </a:fontRef>
-          </p:style>
-        </p:cxnSp>
-        <p:sp>
-          <p:nvSpPr>
-            <p:cNvPr id="68" name="矩形 67">
-              <a:extLst>
-                <a:ext uri="{FF2B5EF4-FFF2-40B4-BE49-F238E27FC236}">
-                  <a16:creationId xmlns:a16="http://schemas.microsoft.com/office/drawing/2014/main" id="{75B22F18-FB23-4F93-9FEC-3FC680A0DB4E}"/>
-                </a:ext>
-              </a:extLst>
-            </p:cNvPr>
-            <p:cNvSpPr/>
-            <p:nvPr/>
-          </p:nvSpPr>
-          <p:spPr>
-            <a:xfrm>
-              <a:off x="1898243" y="4858574"/>
-              <a:ext cx="1376039" cy="736847"/>
-            </a:xfrm>
-            <a:prstGeom prst="rect">
-              <a:avLst/>
-            </a:prstGeom>
-          </p:spPr>
-          <p:style>
-            <a:lnRef idx="2">
-              <a:schemeClr val="accent4">
-                <a:shade val="50000"/>
-              </a:schemeClr>
-            </a:lnRef>
-            <a:fillRef idx="1">
-              <a:schemeClr val="accent4"/>
-            </a:fillRef>
-            <a:effectRef idx="0">
-              <a:schemeClr val="accent4"/>
-            </a:effectRef>
-            <a:fontRef idx="minor">
-              <a:schemeClr val="lt1"/>
-            </a:fontRef>
-          </p:style>
-          <p:txBody>
-            <a:bodyPr rtlCol="0" anchor="ctr"/>
-            <a:lstStyle/>
-            <a:p>
-              <a:pPr algn="ctr"/>
-              <a:r>
-                <a:rPr lang="zh-TW" altLang="en-US" sz="1600" dirty="0">
-                  <a:solidFill>
-                    <a:sysClr val="windowText" lastClr="000000"/>
-                  </a:solidFill>
-                  <a:latin typeface="Times New Roman" panose="02020603050405020304" pitchFamily="18" charset="0"/>
-                  <a:ea typeface="標楷體" panose="03000509000000000000" pitchFamily="65" charset="-120"/>
-                </a:rPr>
-                <a:t>地域</a:t>
-              </a:r>
-              <a:endParaRPr lang="en-US" altLang="zh-TW" sz="1600" dirty="0">
+              </a:rPr>
+              <a:t>（</a:t>
+            </a:r>
+            <a:r>
+              <a:rPr lang="en-US" altLang="zh-TW" sz="1600" dirty="0" err="1">
                 <a:solidFill>
                   <a:sysClr val="windowText" lastClr="000000"/>
                 </a:solidFill>
                 <a:latin typeface="Times New Roman" panose="02020603050405020304" pitchFamily="18" charset="0"/>
                 <a:ea typeface="標楷體" panose="03000509000000000000" pitchFamily="65" charset="-120"/>
-              </a:endParaRPr>
-            </a:p>
-            <a:p>
-              <a:pPr algn="ctr"/>
-              <a:r>
-                <a:rPr lang="zh-TW" altLang="en-US" sz="1600" dirty="0">
-                  <a:solidFill>
-                    <a:sysClr val="windowText" lastClr="000000"/>
-                  </a:solidFill>
-                  <a:latin typeface="Times New Roman" panose="02020603050405020304" pitchFamily="18" charset="0"/>
-                  <a:ea typeface="標楷體" panose="03000509000000000000" pitchFamily="65" charset="-120"/>
-                </a:rPr>
-                <a:t>（</a:t>
-              </a:r>
-              <a:r>
-                <a:rPr lang="en-US" altLang="zh-TW" sz="1600" dirty="0" err="1">
-                  <a:solidFill>
-                    <a:sysClr val="windowText" lastClr="000000"/>
-                  </a:solidFill>
-                  <a:latin typeface="Times New Roman" panose="02020603050405020304" pitchFamily="18" charset="0"/>
-                  <a:ea typeface="標楷體" panose="03000509000000000000" pitchFamily="65" charset="-120"/>
-                </a:rPr>
-                <a:t>localarea</a:t>
-              </a:r>
-              <a:r>
-                <a:rPr lang="zh-TW" altLang="en-US" sz="1600" dirty="0">
-                  <a:solidFill>
-                    <a:sysClr val="windowText" lastClr="000000"/>
-                  </a:solidFill>
-                  <a:latin typeface="Times New Roman" panose="02020603050405020304" pitchFamily="18" charset="0"/>
-                  <a:ea typeface="標楷體" panose="03000509000000000000" pitchFamily="65" charset="-120"/>
-                </a:rPr>
-                <a:t>）</a:t>
-              </a:r>
-            </a:p>
-          </p:txBody>
-        </p:sp>
-        <p:sp>
-          <p:nvSpPr>
-            <p:cNvPr id="69" name="橢圓 68">
-              <a:extLst>
-                <a:ext uri="{FF2B5EF4-FFF2-40B4-BE49-F238E27FC236}">
-                  <a16:creationId xmlns:a16="http://schemas.microsoft.com/office/drawing/2014/main" id="{BA0F2B46-9A9F-41CD-AEC0-B53FC7B9121C}"/>
-                </a:ext>
-              </a:extLst>
-            </p:cNvPr>
-            <p:cNvSpPr/>
-            <p:nvPr/>
-          </p:nvSpPr>
-          <p:spPr>
-            <a:xfrm>
-              <a:off x="362065" y="4686993"/>
-              <a:ext cx="1158877" cy="462712"/>
-            </a:xfrm>
-            <a:prstGeom prst="ellipse">
-              <a:avLst/>
-            </a:prstGeom>
-          </p:spPr>
-          <p:style>
-            <a:lnRef idx="2">
-              <a:schemeClr val="accent5">
-                <a:shade val="50000"/>
-              </a:schemeClr>
-            </a:lnRef>
-            <a:fillRef idx="1">
-              <a:schemeClr val="accent5"/>
-            </a:fillRef>
-            <a:effectRef idx="0">
-              <a:schemeClr val="accent5"/>
-            </a:effectRef>
-            <a:fontRef idx="minor">
-              <a:schemeClr val="lt1"/>
-            </a:fontRef>
-          </p:style>
-          <p:txBody>
-            <a:bodyPr rtlCol="0" anchor="ctr"/>
-            <a:lstStyle/>
-            <a:p>
-              <a:pPr algn="ctr"/>
-              <a:r>
-                <a:rPr lang="zh-TW" altLang="en-US" sz="1600" dirty="0">
-                  <a:latin typeface="標楷體" panose="03000509000000000000" pitchFamily="65" charset="-120"/>
-                  <a:ea typeface="標楷體" panose="03000509000000000000" pitchFamily="65" charset="-120"/>
-                </a:rPr>
-                <a:t>縣市</a:t>
-              </a:r>
-            </a:p>
-          </p:txBody>
-        </p:sp>
-        <p:sp>
-          <p:nvSpPr>
-            <p:cNvPr id="70" name="橢圓 69">
-              <a:extLst>
-                <a:ext uri="{FF2B5EF4-FFF2-40B4-BE49-F238E27FC236}">
-                  <a16:creationId xmlns:a16="http://schemas.microsoft.com/office/drawing/2014/main" id="{151E286B-8244-4FF3-BDBD-4A3BB0B1E793}"/>
-                </a:ext>
-              </a:extLst>
-            </p:cNvPr>
-            <p:cNvSpPr/>
-            <p:nvPr/>
-          </p:nvSpPr>
-          <p:spPr>
-            <a:xfrm>
-              <a:off x="362065" y="5304290"/>
-              <a:ext cx="1158877" cy="462712"/>
-            </a:xfrm>
-            <a:prstGeom prst="ellipse">
-              <a:avLst/>
-            </a:prstGeom>
-          </p:spPr>
-          <p:style>
-            <a:lnRef idx="2">
-              <a:schemeClr val="accent5">
-                <a:shade val="50000"/>
-              </a:schemeClr>
-            </a:lnRef>
-            <a:fillRef idx="1">
-              <a:schemeClr val="accent5"/>
-            </a:fillRef>
-            <a:effectRef idx="0">
-              <a:schemeClr val="accent5"/>
-            </a:effectRef>
-            <a:fontRef idx="minor">
-              <a:schemeClr val="lt1"/>
-            </a:fontRef>
-          </p:style>
-          <p:txBody>
-            <a:bodyPr rtlCol="0" anchor="ctr"/>
-            <a:lstStyle/>
-            <a:p>
-              <a:pPr algn="ctr"/>
-              <a:r>
-                <a:rPr lang="zh-TW" altLang="en-US" sz="1250" dirty="0">
-                  <a:latin typeface="標楷體" panose="03000509000000000000" pitchFamily="65" charset="-120"/>
-                  <a:ea typeface="標楷體" panose="03000509000000000000" pitchFamily="65" charset="-120"/>
-                </a:rPr>
-                <a:t>鄉鎮市區</a:t>
-              </a:r>
-            </a:p>
-          </p:txBody>
-        </p:sp>
-        <p:sp>
-          <p:nvSpPr>
-            <p:cNvPr id="80" name="菱形 79">
-              <a:extLst>
-                <a:ext uri="{FF2B5EF4-FFF2-40B4-BE49-F238E27FC236}">
-                  <a16:creationId xmlns:a16="http://schemas.microsoft.com/office/drawing/2014/main" id="{FB441D19-8ED0-4882-93FD-8953DB39E1DA}"/>
-                </a:ext>
-              </a:extLst>
-            </p:cNvPr>
-            <p:cNvSpPr/>
-            <p:nvPr/>
-          </p:nvSpPr>
-          <p:spPr>
-            <a:xfrm>
-              <a:off x="4465508" y="2784026"/>
-              <a:ext cx="1376039" cy="745240"/>
-            </a:xfrm>
-            <a:prstGeom prst="diamond">
-              <a:avLst/>
-            </a:prstGeom>
-          </p:spPr>
-          <p:style>
-            <a:lnRef idx="2">
-              <a:schemeClr val="accent6">
-                <a:shade val="50000"/>
-              </a:schemeClr>
-            </a:lnRef>
-            <a:fillRef idx="1">
-              <a:schemeClr val="accent6"/>
-            </a:fillRef>
-            <a:effectRef idx="0">
-              <a:schemeClr val="accent6"/>
-            </a:effectRef>
-            <a:fontRef idx="minor">
-              <a:schemeClr val="lt1"/>
-            </a:fontRef>
-          </p:style>
-          <p:txBody>
-            <a:bodyPr rtlCol="0" anchor="ctr"/>
-            <a:lstStyle/>
-            <a:p>
-              <a:pPr algn="ctr"/>
-              <a:r>
-                <a:rPr lang="zh-TW" altLang="en-US" sz="1600" dirty="0">
-                  <a:latin typeface="標楷體" panose="03000509000000000000" pitchFamily="65" charset="-120"/>
-                  <a:ea typeface="標楷體" panose="03000509000000000000" pitchFamily="65" charset="-120"/>
-                </a:rPr>
-                <a:t>屬於</a:t>
-              </a:r>
-            </a:p>
-          </p:txBody>
-        </p:sp>
-        <p:cxnSp>
-          <p:nvCxnSpPr>
-            <p:cNvPr id="81" name="直線單箭頭接點 80">
-              <a:extLst>
-                <a:ext uri="{FF2B5EF4-FFF2-40B4-BE49-F238E27FC236}">
-                  <a16:creationId xmlns:a16="http://schemas.microsoft.com/office/drawing/2014/main" id="{050D4D69-687C-45C6-B4BE-1A4F8DB8B928}"/>
-                </a:ext>
-              </a:extLst>
-            </p:cNvPr>
-            <p:cNvCxnSpPr>
-              <a:stCxn id="80" idx="1"/>
-              <a:endCxn id="84" idx="3"/>
-            </p:cNvCxnSpPr>
-            <p:nvPr/>
-          </p:nvCxnSpPr>
-          <p:spPr>
-            <a:xfrm flipH="1">
-              <a:off x="3274281" y="3156646"/>
-              <a:ext cx="1191227" cy="4197"/>
-            </a:xfrm>
-            <a:prstGeom prst="straightConnector1">
-              <a:avLst/>
-            </a:prstGeom>
-            <a:ln>
-              <a:tailEnd type="triangle"/>
-            </a:ln>
-          </p:spPr>
-          <p:style>
-            <a:lnRef idx="1">
-              <a:schemeClr val="accent1"/>
-            </a:lnRef>
-            <a:fillRef idx="0">
-              <a:schemeClr val="accent1"/>
-            </a:fillRef>
-            <a:effectRef idx="0">
-              <a:schemeClr val="accent1"/>
-            </a:effectRef>
-            <a:fontRef idx="minor">
-              <a:schemeClr val="tx1"/>
-            </a:fontRef>
-          </p:style>
-        </p:cxnSp>
-        <p:sp>
-          <p:nvSpPr>
-            <p:cNvPr id="84" name="矩形 83">
-              <a:extLst>
-                <a:ext uri="{FF2B5EF4-FFF2-40B4-BE49-F238E27FC236}">
-                  <a16:creationId xmlns:a16="http://schemas.microsoft.com/office/drawing/2014/main" id="{23D22B9C-62C2-416D-9261-153FC05D45E9}"/>
-                </a:ext>
-              </a:extLst>
-            </p:cNvPr>
-            <p:cNvSpPr/>
-            <p:nvPr/>
-          </p:nvSpPr>
-          <p:spPr>
-            <a:xfrm>
-              <a:off x="1898242" y="2792419"/>
-              <a:ext cx="1376039" cy="736847"/>
-            </a:xfrm>
-            <a:prstGeom prst="rect">
-              <a:avLst/>
-            </a:prstGeom>
-          </p:spPr>
-          <p:style>
-            <a:lnRef idx="2">
-              <a:schemeClr val="accent4">
-                <a:shade val="50000"/>
-              </a:schemeClr>
-            </a:lnRef>
-            <a:fillRef idx="1">
-              <a:schemeClr val="accent4"/>
-            </a:fillRef>
-            <a:effectRef idx="0">
-              <a:schemeClr val="accent4"/>
-            </a:effectRef>
-            <a:fontRef idx="minor">
-              <a:schemeClr val="lt1"/>
-            </a:fontRef>
-          </p:style>
-          <p:txBody>
-            <a:bodyPr rtlCol="0" anchor="ctr"/>
-            <a:lstStyle/>
-            <a:p>
-              <a:pPr algn="ctr"/>
-              <a:r>
-                <a:rPr lang="zh-TW" altLang="en-US" sz="1600" dirty="0">
-                  <a:solidFill>
-                    <a:sysClr val="windowText" lastClr="000000"/>
-                  </a:solidFill>
-                  <a:latin typeface="Times New Roman" panose="02020603050405020304" pitchFamily="18" charset="0"/>
-                  <a:ea typeface="標楷體" panose="03000509000000000000" pitchFamily="65" charset="-120"/>
-                </a:rPr>
-                <a:t>職務</a:t>
-              </a:r>
-              <a:endParaRPr lang="en-US" altLang="zh-TW" sz="1600" dirty="0">
+              </a:rPr>
+              <a:t>jobinfo</a:t>
+            </a:r>
+            <a:r>
+              <a:rPr lang="zh-TW" altLang="en-US" sz="1600" dirty="0">
                 <a:solidFill>
                   <a:sysClr val="windowText" lastClr="000000"/>
                 </a:solidFill>
                 <a:latin typeface="Times New Roman" panose="02020603050405020304" pitchFamily="18" charset="0"/>
                 <a:ea typeface="標楷體" panose="03000509000000000000" pitchFamily="65" charset="-120"/>
-              </a:endParaRPr>
-            </a:p>
-            <a:p>
-              <a:pPr algn="ctr"/>
-              <a:r>
-                <a:rPr lang="zh-TW" altLang="en-US" sz="1600" dirty="0">
-                  <a:solidFill>
-                    <a:sysClr val="windowText" lastClr="000000"/>
-                  </a:solidFill>
-                  <a:latin typeface="Times New Roman" panose="02020603050405020304" pitchFamily="18" charset="0"/>
-                  <a:ea typeface="標楷體" panose="03000509000000000000" pitchFamily="65" charset="-120"/>
-                </a:rPr>
-                <a:t>（</a:t>
-              </a:r>
-              <a:r>
-                <a:rPr lang="en-US" altLang="zh-TW" sz="1600" dirty="0">
-                  <a:solidFill>
-                    <a:sysClr val="windowText" lastClr="000000"/>
-                  </a:solidFill>
-                  <a:latin typeface="Times New Roman" panose="02020603050405020304" pitchFamily="18" charset="0"/>
-                  <a:ea typeface="標楷體" panose="03000509000000000000" pitchFamily="65" charset="-120"/>
-                </a:rPr>
-                <a:t>position</a:t>
-              </a:r>
-              <a:r>
-                <a:rPr lang="zh-TW" altLang="en-US" sz="1600" dirty="0">
-                  <a:solidFill>
-                    <a:sysClr val="windowText" lastClr="000000"/>
-                  </a:solidFill>
-                  <a:latin typeface="Times New Roman" panose="02020603050405020304" pitchFamily="18" charset="0"/>
-                  <a:ea typeface="標楷體" panose="03000509000000000000" pitchFamily="65" charset="-120"/>
-                </a:rPr>
-                <a:t>）</a:t>
-              </a:r>
-            </a:p>
-          </p:txBody>
-        </p:sp>
-        <p:sp>
-          <p:nvSpPr>
-            <p:cNvPr id="85" name="橢圓 84">
-              <a:extLst>
-                <a:ext uri="{FF2B5EF4-FFF2-40B4-BE49-F238E27FC236}">
-                  <a16:creationId xmlns:a16="http://schemas.microsoft.com/office/drawing/2014/main" id="{4AD57DBD-C71A-4D7E-BDB1-C1DCD9713317}"/>
-                </a:ext>
-              </a:extLst>
-            </p:cNvPr>
-            <p:cNvSpPr/>
-            <p:nvPr/>
-          </p:nvSpPr>
-          <p:spPr>
-            <a:xfrm>
-              <a:off x="362064" y="2620838"/>
-              <a:ext cx="1158877" cy="462712"/>
-            </a:xfrm>
-            <a:prstGeom prst="ellipse">
-              <a:avLst/>
-            </a:prstGeom>
-          </p:spPr>
-          <p:style>
-            <a:lnRef idx="2">
-              <a:schemeClr val="accent5">
-                <a:shade val="50000"/>
-              </a:schemeClr>
-            </a:lnRef>
-            <a:fillRef idx="1">
-              <a:schemeClr val="accent5"/>
-            </a:fillRef>
-            <a:effectRef idx="0">
-              <a:schemeClr val="accent5"/>
-            </a:effectRef>
-            <a:fontRef idx="minor">
-              <a:schemeClr val="lt1"/>
-            </a:fontRef>
-          </p:style>
-          <p:txBody>
-            <a:bodyPr rtlCol="0" anchor="ctr"/>
-            <a:lstStyle/>
-            <a:p>
-              <a:pPr algn="ctr"/>
-              <a:r>
-                <a:rPr lang="zh-TW" altLang="en-US" sz="1600" dirty="0">
-                  <a:latin typeface="標楷體" panose="03000509000000000000" pitchFamily="65" charset="-120"/>
-                  <a:ea typeface="標楷體" panose="03000509000000000000" pitchFamily="65" charset="-120"/>
-                </a:rPr>
-                <a:t>名稱</a:t>
-              </a:r>
-            </a:p>
-          </p:txBody>
-        </p:sp>
-        <p:sp>
-          <p:nvSpPr>
-            <p:cNvPr id="86" name="橢圓 85">
-              <a:extLst>
-                <a:ext uri="{FF2B5EF4-FFF2-40B4-BE49-F238E27FC236}">
-                  <a16:creationId xmlns:a16="http://schemas.microsoft.com/office/drawing/2014/main" id="{0575EC88-D701-4F13-8806-225F40E17827}"/>
-                </a:ext>
-              </a:extLst>
-            </p:cNvPr>
-            <p:cNvSpPr/>
-            <p:nvPr/>
-          </p:nvSpPr>
-          <p:spPr>
-            <a:xfrm>
-              <a:off x="362064" y="3238135"/>
-              <a:ext cx="1158877" cy="462712"/>
-            </a:xfrm>
-            <a:prstGeom prst="ellipse">
-              <a:avLst/>
-            </a:prstGeom>
-          </p:spPr>
-          <p:style>
-            <a:lnRef idx="2">
-              <a:schemeClr val="accent5">
-                <a:shade val="50000"/>
-              </a:schemeClr>
-            </a:lnRef>
-            <a:fillRef idx="1">
-              <a:schemeClr val="accent5"/>
-            </a:fillRef>
-            <a:effectRef idx="0">
-              <a:schemeClr val="accent5"/>
-            </a:effectRef>
-            <a:fontRef idx="minor">
-              <a:schemeClr val="lt1"/>
-            </a:fontRef>
-          </p:style>
-          <p:txBody>
-            <a:bodyPr rtlCol="0" anchor="ctr"/>
-            <a:lstStyle/>
-            <a:p>
-              <a:pPr algn="ctr"/>
-              <a:r>
-                <a:rPr lang="zh-TW" altLang="en-US" sz="1600" dirty="0">
-                  <a:latin typeface="標楷體" panose="03000509000000000000" pitchFamily="65" charset="-120"/>
-                  <a:ea typeface="標楷體" panose="03000509000000000000" pitchFamily="65" charset="-120"/>
-                </a:rPr>
-                <a:t>領域</a:t>
-              </a:r>
-            </a:p>
-          </p:txBody>
-        </p:sp>
-        <p:cxnSp>
-          <p:nvCxnSpPr>
-            <p:cNvPr id="98" name="直線接點 97">
-              <a:extLst>
-                <a:ext uri="{FF2B5EF4-FFF2-40B4-BE49-F238E27FC236}">
-                  <a16:creationId xmlns:a16="http://schemas.microsoft.com/office/drawing/2014/main" id="{6B4DD95B-7EEE-4109-8986-62AF7E7055D2}"/>
-                </a:ext>
-              </a:extLst>
-            </p:cNvPr>
-            <p:cNvCxnSpPr>
-              <a:cxnSpLocks/>
-              <a:stCxn id="80" idx="3"/>
-              <a:endCxn id="25" idx="3"/>
-            </p:cNvCxnSpPr>
-            <p:nvPr/>
-          </p:nvCxnSpPr>
-          <p:spPr>
-            <a:xfrm>
-              <a:off x="5841547" y="3156646"/>
-              <a:ext cx="1735078" cy="0"/>
-            </a:xfrm>
-            <a:prstGeom prst="line">
-              <a:avLst/>
-            </a:prstGeom>
-            <a:ln w="38100"/>
-          </p:spPr>
-          <p:style>
-            <a:lnRef idx="1">
-              <a:schemeClr val="dk1"/>
-            </a:lnRef>
-            <a:fillRef idx="0">
-              <a:schemeClr val="dk1"/>
-            </a:fillRef>
-            <a:effectRef idx="0">
-              <a:schemeClr val="dk1"/>
-            </a:effectRef>
-            <a:fontRef idx="minor">
-              <a:schemeClr val="tx1"/>
-            </a:fontRef>
-          </p:style>
-        </p:cxnSp>
-        <p:sp>
-          <p:nvSpPr>
-            <p:cNvPr id="102" name="矩形 101">
-              <a:extLst>
-                <a:ext uri="{FF2B5EF4-FFF2-40B4-BE49-F238E27FC236}">
-                  <a16:creationId xmlns:a16="http://schemas.microsoft.com/office/drawing/2014/main" id="{09E755C2-3AB7-441B-BA14-B2B7CA524157}"/>
-                </a:ext>
-              </a:extLst>
-            </p:cNvPr>
-            <p:cNvSpPr/>
-            <p:nvPr/>
-          </p:nvSpPr>
-          <p:spPr>
-            <a:xfrm>
-              <a:off x="3704241" y="180975"/>
-              <a:ext cx="3260874" cy="6191250"/>
-            </a:xfrm>
-            <a:prstGeom prst="rect">
-              <a:avLst/>
-            </a:prstGeom>
-            <a:noFill/>
-            <a:ln w="76200">
-              <a:solidFill>
-                <a:srgbClr val="FF0000"/>
-              </a:solidFill>
-              <a:prstDash val="dash"/>
-            </a:ln>
-          </p:spPr>
-          <p:style>
-            <a:lnRef idx="2">
-              <a:schemeClr val="accent1">
-                <a:shade val="50000"/>
-              </a:schemeClr>
-            </a:lnRef>
-            <a:fillRef idx="1">
-              <a:schemeClr val="accent1"/>
-            </a:fillRef>
-            <a:effectRef idx="0">
-              <a:schemeClr val="accent1"/>
-            </a:effectRef>
-            <a:fontRef idx="minor">
-              <a:schemeClr val="lt1"/>
-            </a:fontRef>
-          </p:style>
-          <p:txBody>
-            <a:bodyPr rtlCol="0" anchor="ctr"/>
-            <a:lstStyle/>
-            <a:p>
-              <a:pPr algn="ctr"/>
-              <a:endParaRPr lang="zh-TW" altLang="en-US"/>
-            </a:p>
-          </p:txBody>
-        </p:sp>
-        <p:sp>
-          <p:nvSpPr>
-            <p:cNvPr id="103" name="文字方塊 102">
-              <a:extLst>
-                <a:ext uri="{FF2B5EF4-FFF2-40B4-BE49-F238E27FC236}">
-                  <a16:creationId xmlns:a16="http://schemas.microsoft.com/office/drawing/2014/main" id="{8B8F0011-3C24-41DE-B3C1-1A8A81976AC7}"/>
-                </a:ext>
-              </a:extLst>
-            </p:cNvPr>
-            <p:cNvSpPr txBox="1"/>
-            <p:nvPr/>
-          </p:nvSpPr>
-          <p:spPr>
-            <a:xfrm>
-              <a:off x="7576625" y="235426"/>
-              <a:ext cx="3743325" cy="369332"/>
-            </a:xfrm>
-            <a:prstGeom prst="rect">
-              <a:avLst/>
-            </a:prstGeom>
-            <a:noFill/>
-          </p:spPr>
-          <p:txBody>
-            <a:bodyPr wrap="square" rtlCol="0">
-              <a:spAutoFit/>
-            </a:bodyPr>
-            <a:lstStyle/>
-            <a:p>
-              <a:r>
-                <a:rPr lang="zh-TW" altLang="en-US" dirty="0">
-                  <a:latin typeface="Times New Roman" panose="02020603050405020304" pitchFamily="18" charset="0"/>
-                  <a:ea typeface="標楷體" panose="03000509000000000000" pitchFamily="65" charset="-120"/>
-                </a:rPr>
-                <a:t>這三個</a:t>
-              </a:r>
-              <a:r>
-                <a:rPr lang="en-US" altLang="zh-TW" dirty="0">
-                  <a:latin typeface="Times New Roman" panose="02020603050405020304" pitchFamily="18" charset="0"/>
-                  <a:ea typeface="標楷體" panose="03000509000000000000" pitchFamily="65" charset="-120"/>
-                </a:rPr>
-                <a:t>relationship</a:t>
-              </a:r>
-              <a:r>
-                <a:rPr lang="zh-TW" altLang="en-US" dirty="0">
-                  <a:latin typeface="Times New Roman" panose="02020603050405020304" pitchFamily="18" charset="0"/>
-                  <a:ea typeface="標楷體" panose="03000509000000000000" pitchFamily="65" charset="-120"/>
-                </a:rPr>
-                <a:t>被實作為</a:t>
-              </a:r>
-              <a:r>
-                <a:rPr lang="en-US" altLang="zh-TW" dirty="0">
-                  <a:latin typeface="Times New Roman" panose="02020603050405020304" pitchFamily="18" charset="0"/>
-                  <a:ea typeface="標楷體" panose="03000509000000000000" pitchFamily="65" charset="-120"/>
-                </a:rPr>
-                <a:t>job table</a:t>
-              </a:r>
-              <a:endParaRPr lang="zh-TW" altLang="en-US" dirty="0">
-                <a:latin typeface="Times New Roman" panose="02020603050405020304" pitchFamily="18" charset="0"/>
+              </a:rPr>
+              <a:t>）</a:t>
+            </a:r>
+          </a:p>
+        </p:txBody>
+      </p:sp>
+      <p:cxnSp>
+        <p:nvCxnSpPr>
+          <p:cNvPr id="41" name="直線接點 40">
+            <a:extLst>
+              <a:ext uri="{FF2B5EF4-FFF2-40B4-BE49-F238E27FC236}">
+                <a16:creationId xmlns:a16="http://schemas.microsoft.com/office/drawing/2014/main" id="{3B0522DE-9DD8-4FEB-9B54-AC903EF75B22}"/>
+              </a:ext>
+            </a:extLst>
+          </p:cNvPr>
+          <p:cNvCxnSpPr>
+            <a:cxnSpLocks/>
+            <a:stCxn id="22" idx="3"/>
+            <a:endCxn id="25" idx="3"/>
+          </p:cNvCxnSpPr>
+          <p:nvPr/>
+        </p:nvCxnSpPr>
+        <p:spPr>
+          <a:xfrm>
+            <a:off x="5841548" y="1154457"/>
+            <a:ext cx="1735077" cy="1975556"/>
+          </a:xfrm>
+          <a:prstGeom prst="line">
+            <a:avLst/>
+          </a:prstGeom>
+          <a:ln w="38100"/>
+        </p:spPr>
+        <p:style>
+          <a:lnRef idx="1">
+            <a:schemeClr val="dk1"/>
+          </a:lnRef>
+          <a:fillRef idx="0">
+            <a:schemeClr val="dk1"/>
+          </a:fillRef>
+          <a:effectRef idx="0">
+            <a:schemeClr val="dk1"/>
+          </a:effectRef>
+          <a:fontRef idx="minor">
+            <a:schemeClr val="tx1"/>
+          </a:fontRef>
+        </p:style>
+      </p:cxnSp>
+      <p:sp>
+        <p:nvSpPr>
+          <p:cNvPr id="5" name="橢圓 4">
+            <a:extLst>
+              <a:ext uri="{FF2B5EF4-FFF2-40B4-BE49-F238E27FC236}">
+                <a16:creationId xmlns:a16="http://schemas.microsoft.com/office/drawing/2014/main" id="{FAAFE717-12EA-4D05-AA19-003894862EF0}"/>
+              </a:ext>
+            </a:extLst>
+          </p:cNvPr>
+          <p:cNvSpPr/>
+          <p:nvPr/>
+        </p:nvSpPr>
+        <p:spPr>
+          <a:xfrm>
+            <a:off x="734343" y="40042"/>
+            <a:ext cx="1158877" cy="462712"/>
+          </a:xfrm>
+          <a:prstGeom prst="ellipse">
+            <a:avLst/>
+          </a:prstGeom>
+        </p:spPr>
+        <p:style>
+          <a:lnRef idx="2">
+            <a:schemeClr val="accent5">
+              <a:shade val="50000"/>
+            </a:schemeClr>
+          </a:lnRef>
+          <a:fillRef idx="1">
+            <a:schemeClr val="accent5"/>
+          </a:fillRef>
+          <a:effectRef idx="0">
+            <a:schemeClr val="accent5"/>
+          </a:effectRef>
+          <a:fontRef idx="minor">
+            <a:schemeClr val="lt1"/>
+          </a:fontRef>
+        </p:style>
+        <p:txBody>
+          <a:bodyPr rtlCol="0" anchor="ctr"/>
+          <a:lstStyle/>
+          <a:p>
+            <a:pPr algn="ctr"/>
+            <a:r>
+              <a:rPr lang="zh-TW" altLang="en-US" sz="1600" dirty="0">
+                <a:latin typeface="標楷體" panose="03000509000000000000" pitchFamily="65" charset="-120"/>
                 <a:ea typeface="標楷體" panose="03000509000000000000" pitchFamily="65" charset="-120"/>
-              </a:endParaRPr>
-            </a:p>
-          </p:txBody>
-        </p:sp>
-        <p:cxnSp>
-          <p:nvCxnSpPr>
-            <p:cNvPr id="105" name="直線接點 104">
-              <a:extLst>
-                <a:ext uri="{FF2B5EF4-FFF2-40B4-BE49-F238E27FC236}">
-                  <a16:creationId xmlns:a16="http://schemas.microsoft.com/office/drawing/2014/main" id="{4F0B9508-3564-4346-9406-819B4C3F53A2}"/>
-                </a:ext>
-              </a:extLst>
-            </p:cNvPr>
-            <p:cNvCxnSpPr>
-              <a:cxnSpLocks/>
-            </p:cNvCxnSpPr>
-            <p:nvPr/>
-          </p:nvCxnSpPr>
-          <p:spPr>
-            <a:xfrm flipV="1">
-              <a:off x="7108998" y="662500"/>
-              <a:ext cx="617385" cy="950538"/>
-            </a:xfrm>
-            <a:prstGeom prst="line">
-              <a:avLst/>
-            </a:prstGeom>
-            <a:ln w="57150">
-              <a:solidFill>
-                <a:srgbClr val="FF0000"/>
-              </a:solidFill>
-            </a:ln>
-          </p:spPr>
-          <p:style>
-            <a:lnRef idx="1">
-              <a:schemeClr val="accent1"/>
-            </a:lnRef>
-            <a:fillRef idx="0">
-              <a:schemeClr val="accent1"/>
-            </a:fillRef>
-            <a:effectRef idx="0">
-              <a:schemeClr val="accent1"/>
-            </a:effectRef>
-            <a:fontRef idx="minor">
-              <a:schemeClr val="tx1"/>
-            </a:fontRef>
-          </p:style>
-        </p:cxnSp>
-        <p:cxnSp>
-          <p:nvCxnSpPr>
-            <p:cNvPr id="110" name="直線接點 109">
-              <a:extLst>
-                <a:ext uri="{FF2B5EF4-FFF2-40B4-BE49-F238E27FC236}">
-                  <a16:creationId xmlns:a16="http://schemas.microsoft.com/office/drawing/2014/main" id="{B7F455DC-EEF1-4293-A551-77A87907BE39}"/>
-                </a:ext>
-              </a:extLst>
-            </p:cNvPr>
-            <p:cNvCxnSpPr>
-              <a:cxnSpLocks/>
-              <a:stCxn id="5" idx="5"/>
-              <a:endCxn id="4" idx="1"/>
-            </p:cNvCxnSpPr>
-            <p:nvPr/>
-          </p:nvCxnSpPr>
-          <p:spPr>
-            <a:xfrm>
-              <a:off x="1723506" y="461624"/>
-              <a:ext cx="174737" cy="723663"/>
-            </a:xfrm>
-            <a:prstGeom prst="line">
-              <a:avLst/>
-            </a:prstGeom>
-          </p:spPr>
-          <p:style>
-            <a:lnRef idx="1">
-              <a:schemeClr val="accent1"/>
-            </a:lnRef>
-            <a:fillRef idx="0">
-              <a:schemeClr val="accent1"/>
-            </a:fillRef>
-            <a:effectRef idx="0">
-              <a:schemeClr val="accent1"/>
-            </a:effectRef>
-            <a:fontRef idx="minor">
-              <a:schemeClr val="tx1"/>
-            </a:fontRef>
-          </p:style>
-        </p:cxnSp>
-        <p:cxnSp>
-          <p:nvCxnSpPr>
-            <p:cNvPr id="112" name="直線接點 111">
-              <a:extLst>
-                <a:ext uri="{FF2B5EF4-FFF2-40B4-BE49-F238E27FC236}">
-                  <a16:creationId xmlns:a16="http://schemas.microsoft.com/office/drawing/2014/main" id="{24561EDC-92E8-412A-B508-4A2514D2413A}"/>
-                </a:ext>
-              </a:extLst>
-            </p:cNvPr>
-            <p:cNvCxnSpPr>
-              <a:cxnSpLocks/>
-              <a:stCxn id="38" idx="6"/>
-              <a:endCxn id="4" idx="1"/>
-            </p:cNvCxnSpPr>
-            <p:nvPr/>
-          </p:nvCxnSpPr>
-          <p:spPr>
-            <a:xfrm>
-              <a:off x="1520942" y="876638"/>
-              <a:ext cx="377301" cy="308649"/>
-            </a:xfrm>
-            <a:prstGeom prst="line">
-              <a:avLst/>
-            </a:prstGeom>
-          </p:spPr>
-          <p:style>
-            <a:lnRef idx="1">
-              <a:schemeClr val="accent1"/>
-            </a:lnRef>
-            <a:fillRef idx="0">
-              <a:schemeClr val="accent1"/>
-            </a:fillRef>
-            <a:effectRef idx="0">
-              <a:schemeClr val="accent1"/>
-            </a:effectRef>
-            <a:fontRef idx="minor">
-              <a:schemeClr val="tx1"/>
-            </a:fontRef>
-          </p:style>
-        </p:cxnSp>
-        <p:cxnSp>
-          <p:nvCxnSpPr>
-            <p:cNvPr id="115" name="直線接點 114">
-              <a:extLst>
-                <a:ext uri="{FF2B5EF4-FFF2-40B4-BE49-F238E27FC236}">
-                  <a16:creationId xmlns:a16="http://schemas.microsoft.com/office/drawing/2014/main" id="{A1694D64-C19B-4435-BB91-D5575F671BB9}"/>
-                </a:ext>
-              </a:extLst>
-            </p:cNvPr>
-            <p:cNvCxnSpPr>
-              <a:cxnSpLocks/>
-              <a:stCxn id="39" idx="6"/>
-              <a:endCxn id="4" idx="1"/>
-            </p:cNvCxnSpPr>
-            <p:nvPr/>
-          </p:nvCxnSpPr>
-          <p:spPr>
-            <a:xfrm flipV="1">
-              <a:off x="1520942" y="1185287"/>
-              <a:ext cx="377301" cy="308648"/>
-            </a:xfrm>
-            <a:prstGeom prst="line">
-              <a:avLst/>
-            </a:prstGeom>
-          </p:spPr>
-          <p:style>
-            <a:lnRef idx="1">
-              <a:schemeClr val="accent1"/>
-            </a:lnRef>
-            <a:fillRef idx="0">
-              <a:schemeClr val="accent1"/>
-            </a:fillRef>
-            <a:effectRef idx="0">
-              <a:schemeClr val="accent1"/>
-            </a:effectRef>
-            <a:fontRef idx="minor">
-              <a:schemeClr val="tx1"/>
-            </a:fontRef>
-          </p:style>
-        </p:cxnSp>
-        <p:cxnSp>
-          <p:nvCxnSpPr>
-            <p:cNvPr id="118" name="直線接點 117">
-              <a:extLst>
-                <a:ext uri="{FF2B5EF4-FFF2-40B4-BE49-F238E27FC236}">
-                  <a16:creationId xmlns:a16="http://schemas.microsoft.com/office/drawing/2014/main" id="{58A7B990-ABD7-4CB0-AD3B-0AA74E947405}"/>
-                </a:ext>
-              </a:extLst>
-            </p:cNvPr>
-            <p:cNvCxnSpPr>
-              <a:cxnSpLocks/>
-              <a:stCxn id="4" idx="1"/>
-              <a:endCxn id="40" idx="7"/>
-            </p:cNvCxnSpPr>
-            <p:nvPr/>
-          </p:nvCxnSpPr>
-          <p:spPr>
-            <a:xfrm flipH="1">
-              <a:off x="1723507" y="1185287"/>
-              <a:ext cx="174736" cy="723662"/>
-            </a:xfrm>
-            <a:prstGeom prst="line">
-              <a:avLst/>
-            </a:prstGeom>
-          </p:spPr>
-          <p:style>
-            <a:lnRef idx="1">
-              <a:schemeClr val="accent1"/>
-            </a:lnRef>
-            <a:fillRef idx="0">
-              <a:schemeClr val="accent1"/>
-            </a:fillRef>
-            <a:effectRef idx="0">
-              <a:schemeClr val="accent1"/>
-            </a:effectRef>
-            <a:fontRef idx="minor">
-              <a:schemeClr val="tx1"/>
-            </a:fontRef>
-          </p:style>
-        </p:cxnSp>
-        <p:cxnSp>
-          <p:nvCxnSpPr>
-            <p:cNvPr id="121" name="直線接點 120">
-              <a:extLst>
-                <a:ext uri="{FF2B5EF4-FFF2-40B4-BE49-F238E27FC236}">
-                  <a16:creationId xmlns:a16="http://schemas.microsoft.com/office/drawing/2014/main" id="{8FF08630-E1E0-4B4B-8C12-423C43121D5F}"/>
-                </a:ext>
-              </a:extLst>
-            </p:cNvPr>
-            <p:cNvCxnSpPr>
-              <a:cxnSpLocks/>
-              <a:stCxn id="85" idx="6"/>
-              <a:endCxn id="84" idx="1"/>
-            </p:cNvCxnSpPr>
-            <p:nvPr/>
-          </p:nvCxnSpPr>
-          <p:spPr>
-            <a:xfrm>
-              <a:off x="1520941" y="2852194"/>
-              <a:ext cx="377301" cy="308649"/>
-            </a:xfrm>
-            <a:prstGeom prst="line">
-              <a:avLst/>
-            </a:prstGeom>
-          </p:spPr>
-          <p:style>
-            <a:lnRef idx="1">
-              <a:schemeClr val="accent1"/>
-            </a:lnRef>
-            <a:fillRef idx="0">
-              <a:schemeClr val="accent1"/>
-            </a:fillRef>
-            <a:effectRef idx="0">
-              <a:schemeClr val="accent1"/>
-            </a:effectRef>
-            <a:fontRef idx="minor">
-              <a:schemeClr val="tx1"/>
-            </a:fontRef>
-          </p:style>
-        </p:cxnSp>
-        <p:cxnSp>
-          <p:nvCxnSpPr>
-            <p:cNvPr id="124" name="直線接點 123">
-              <a:extLst>
-                <a:ext uri="{FF2B5EF4-FFF2-40B4-BE49-F238E27FC236}">
-                  <a16:creationId xmlns:a16="http://schemas.microsoft.com/office/drawing/2014/main" id="{F17B30F4-3834-4C91-B04D-BC52BC3F06BD}"/>
-                </a:ext>
-              </a:extLst>
-            </p:cNvPr>
-            <p:cNvCxnSpPr>
-              <a:cxnSpLocks/>
-              <a:stCxn id="86" idx="6"/>
-              <a:endCxn id="84" idx="1"/>
-            </p:cNvCxnSpPr>
-            <p:nvPr/>
-          </p:nvCxnSpPr>
-          <p:spPr>
-            <a:xfrm flipV="1">
-              <a:off x="1520941" y="3160843"/>
-              <a:ext cx="377301" cy="308648"/>
-            </a:xfrm>
-            <a:prstGeom prst="line">
-              <a:avLst/>
-            </a:prstGeom>
-          </p:spPr>
-          <p:style>
-            <a:lnRef idx="1">
-              <a:schemeClr val="accent1"/>
-            </a:lnRef>
-            <a:fillRef idx="0">
-              <a:schemeClr val="accent1"/>
-            </a:fillRef>
-            <a:effectRef idx="0">
-              <a:schemeClr val="accent1"/>
-            </a:effectRef>
-            <a:fontRef idx="minor">
-              <a:schemeClr val="tx1"/>
-            </a:fontRef>
-          </p:style>
-        </p:cxnSp>
-        <p:cxnSp>
-          <p:nvCxnSpPr>
-            <p:cNvPr id="127" name="直線接點 126">
-              <a:extLst>
-                <a:ext uri="{FF2B5EF4-FFF2-40B4-BE49-F238E27FC236}">
-                  <a16:creationId xmlns:a16="http://schemas.microsoft.com/office/drawing/2014/main" id="{44D0FB87-504C-4ECC-B100-26746E1E77B6}"/>
-                </a:ext>
-              </a:extLst>
-            </p:cNvPr>
-            <p:cNvCxnSpPr>
-              <a:cxnSpLocks/>
-              <a:stCxn id="69" idx="6"/>
-              <a:endCxn id="68" idx="1"/>
-            </p:cNvCxnSpPr>
-            <p:nvPr/>
-          </p:nvCxnSpPr>
-          <p:spPr>
-            <a:xfrm>
-              <a:off x="1520942" y="4918349"/>
-              <a:ext cx="377301" cy="308649"/>
-            </a:xfrm>
-            <a:prstGeom prst="line">
-              <a:avLst/>
-            </a:prstGeom>
-          </p:spPr>
-          <p:style>
-            <a:lnRef idx="1">
-              <a:schemeClr val="accent1"/>
-            </a:lnRef>
-            <a:fillRef idx="0">
-              <a:schemeClr val="accent1"/>
-            </a:fillRef>
-            <a:effectRef idx="0">
-              <a:schemeClr val="accent1"/>
-            </a:effectRef>
-            <a:fontRef idx="minor">
-              <a:schemeClr val="tx1"/>
-            </a:fontRef>
-          </p:style>
-        </p:cxnSp>
-        <p:cxnSp>
-          <p:nvCxnSpPr>
-            <p:cNvPr id="130" name="直線接點 129">
-              <a:extLst>
-                <a:ext uri="{FF2B5EF4-FFF2-40B4-BE49-F238E27FC236}">
-                  <a16:creationId xmlns:a16="http://schemas.microsoft.com/office/drawing/2014/main" id="{18BAA586-3AFD-4DA7-8299-DCDFFB4B87AF}"/>
-                </a:ext>
-              </a:extLst>
-            </p:cNvPr>
-            <p:cNvCxnSpPr>
-              <a:cxnSpLocks/>
-              <a:stCxn id="70" idx="6"/>
-              <a:endCxn id="68" idx="1"/>
-            </p:cNvCxnSpPr>
-            <p:nvPr/>
-          </p:nvCxnSpPr>
-          <p:spPr>
-            <a:xfrm flipV="1">
-              <a:off x="1520942" y="5226998"/>
-              <a:ext cx="377301" cy="308648"/>
-            </a:xfrm>
-            <a:prstGeom prst="line">
-              <a:avLst/>
-            </a:prstGeom>
-          </p:spPr>
-          <p:style>
-            <a:lnRef idx="1">
-              <a:schemeClr val="accent1"/>
-            </a:lnRef>
-            <a:fillRef idx="0">
-              <a:schemeClr val="accent1"/>
-            </a:fillRef>
-            <a:effectRef idx="0">
-              <a:schemeClr val="accent1"/>
-            </a:effectRef>
-            <a:fontRef idx="minor">
-              <a:schemeClr val="tx1"/>
-            </a:fontRef>
-          </p:style>
-        </p:cxnSp>
-        <p:cxnSp>
-          <p:nvCxnSpPr>
-            <p:cNvPr id="133" name="直線接點 132">
-              <a:extLst>
-                <a:ext uri="{FF2B5EF4-FFF2-40B4-BE49-F238E27FC236}">
-                  <a16:creationId xmlns:a16="http://schemas.microsoft.com/office/drawing/2014/main" id="{B4D3AAD5-C1EE-4570-81F4-822EE98ED694}"/>
-                </a:ext>
-              </a:extLst>
-            </p:cNvPr>
-            <p:cNvCxnSpPr>
-              <a:cxnSpLocks/>
-              <a:stCxn id="59" idx="2"/>
-              <a:endCxn id="25" idx="1"/>
-            </p:cNvCxnSpPr>
-            <p:nvPr/>
-          </p:nvCxnSpPr>
-          <p:spPr>
-            <a:xfrm flipH="1">
-              <a:off x="8952664" y="1532606"/>
-              <a:ext cx="377295" cy="1624040"/>
-            </a:xfrm>
-            <a:prstGeom prst="line">
-              <a:avLst/>
-            </a:prstGeom>
-          </p:spPr>
-          <p:style>
-            <a:lnRef idx="1">
-              <a:schemeClr val="accent1"/>
-            </a:lnRef>
-            <a:fillRef idx="0">
-              <a:schemeClr val="accent1"/>
-            </a:fillRef>
-            <a:effectRef idx="0">
-              <a:schemeClr val="accent1"/>
-            </a:effectRef>
-            <a:fontRef idx="minor">
-              <a:schemeClr val="tx1"/>
-            </a:fontRef>
-          </p:style>
-        </p:cxnSp>
-        <p:cxnSp>
-          <p:nvCxnSpPr>
-            <p:cNvPr id="136" name="直線接點 135">
-              <a:extLst>
-                <a:ext uri="{FF2B5EF4-FFF2-40B4-BE49-F238E27FC236}">
-                  <a16:creationId xmlns:a16="http://schemas.microsoft.com/office/drawing/2014/main" id="{046E40E4-9016-4DA2-9C16-A493098964C8}"/>
-                </a:ext>
-              </a:extLst>
-            </p:cNvPr>
-            <p:cNvCxnSpPr>
-              <a:cxnSpLocks/>
-              <a:stCxn id="57" idx="2"/>
-              <a:endCxn id="25" idx="1"/>
-            </p:cNvCxnSpPr>
-            <p:nvPr/>
-          </p:nvCxnSpPr>
-          <p:spPr>
-            <a:xfrm flipH="1" flipV="1">
-              <a:off x="8952664" y="3156646"/>
-              <a:ext cx="377298" cy="1636628"/>
-            </a:xfrm>
-            <a:prstGeom prst="line">
-              <a:avLst/>
-            </a:prstGeom>
-          </p:spPr>
-          <p:style>
-            <a:lnRef idx="1">
-              <a:schemeClr val="accent1"/>
-            </a:lnRef>
-            <a:fillRef idx="0">
-              <a:schemeClr val="accent1"/>
-            </a:fillRef>
-            <a:effectRef idx="0">
-              <a:schemeClr val="accent1"/>
-            </a:effectRef>
-            <a:fontRef idx="minor">
-              <a:schemeClr val="tx1"/>
-            </a:fontRef>
-          </p:style>
-        </p:cxnSp>
-        <p:cxnSp>
-          <p:nvCxnSpPr>
-            <p:cNvPr id="139" name="直線接點 138">
-              <a:extLst>
-                <a:ext uri="{FF2B5EF4-FFF2-40B4-BE49-F238E27FC236}">
-                  <a16:creationId xmlns:a16="http://schemas.microsoft.com/office/drawing/2014/main" id="{CD774032-8497-4387-9580-7BF91A5132A0}"/>
-                </a:ext>
-              </a:extLst>
-            </p:cNvPr>
-            <p:cNvCxnSpPr>
-              <a:cxnSpLocks/>
-              <a:stCxn id="50" idx="2"/>
-              <a:endCxn id="25" idx="1"/>
-            </p:cNvCxnSpPr>
-            <p:nvPr/>
-          </p:nvCxnSpPr>
-          <p:spPr>
-            <a:xfrm flipH="1">
-              <a:off x="8952664" y="1999514"/>
-              <a:ext cx="377298" cy="1157132"/>
-            </a:xfrm>
-            <a:prstGeom prst="line">
-              <a:avLst/>
-            </a:prstGeom>
-          </p:spPr>
-          <p:style>
-            <a:lnRef idx="1">
-              <a:schemeClr val="accent1"/>
-            </a:lnRef>
-            <a:fillRef idx="0">
-              <a:schemeClr val="accent1"/>
-            </a:fillRef>
-            <a:effectRef idx="0">
-              <a:schemeClr val="accent1"/>
-            </a:effectRef>
-            <a:fontRef idx="minor">
-              <a:schemeClr val="tx1"/>
-            </a:fontRef>
-          </p:style>
-        </p:cxnSp>
-        <p:cxnSp>
-          <p:nvCxnSpPr>
-            <p:cNvPr id="142" name="直線接點 141">
-              <a:extLst>
-                <a:ext uri="{FF2B5EF4-FFF2-40B4-BE49-F238E27FC236}">
-                  <a16:creationId xmlns:a16="http://schemas.microsoft.com/office/drawing/2014/main" id="{89AB42ED-59C4-4FCE-8B43-93ADD31CB9C3}"/>
-                </a:ext>
-              </a:extLst>
-            </p:cNvPr>
-            <p:cNvCxnSpPr>
-              <a:cxnSpLocks/>
-              <a:stCxn id="54" idx="2"/>
-              <a:endCxn id="25" idx="1"/>
-            </p:cNvCxnSpPr>
-            <p:nvPr/>
-          </p:nvCxnSpPr>
-          <p:spPr>
-            <a:xfrm flipH="1">
-              <a:off x="8952664" y="2454184"/>
-              <a:ext cx="377299" cy="702462"/>
-            </a:xfrm>
-            <a:prstGeom prst="line">
-              <a:avLst/>
-            </a:prstGeom>
-          </p:spPr>
-          <p:style>
-            <a:lnRef idx="1">
-              <a:schemeClr val="accent1"/>
-            </a:lnRef>
-            <a:fillRef idx="0">
-              <a:schemeClr val="accent1"/>
-            </a:fillRef>
-            <a:effectRef idx="0">
-              <a:schemeClr val="accent1"/>
-            </a:effectRef>
-            <a:fontRef idx="minor">
-              <a:schemeClr val="tx1"/>
-            </a:fontRef>
-          </p:style>
-        </p:cxnSp>
-        <p:cxnSp>
-          <p:nvCxnSpPr>
-            <p:cNvPr id="145" name="直線接點 144">
-              <a:extLst>
-                <a:ext uri="{FF2B5EF4-FFF2-40B4-BE49-F238E27FC236}">
-                  <a16:creationId xmlns:a16="http://schemas.microsoft.com/office/drawing/2014/main" id="{88F2D826-0834-43DA-A82D-A097CF20B9B7}"/>
-                </a:ext>
-              </a:extLst>
-            </p:cNvPr>
-            <p:cNvCxnSpPr>
-              <a:cxnSpLocks/>
-              <a:stCxn id="53" idx="2"/>
-              <a:endCxn id="25" idx="1"/>
-            </p:cNvCxnSpPr>
-            <p:nvPr/>
-          </p:nvCxnSpPr>
-          <p:spPr>
-            <a:xfrm flipH="1">
-              <a:off x="8952664" y="2925289"/>
-              <a:ext cx="377301" cy="231357"/>
-            </a:xfrm>
-            <a:prstGeom prst="line">
-              <a:avLst/>
-            </a:prstGeom>
-          </p:spPr>
-          <p:style>
-            <a:lnRef idx="1">
-              <a:schemeClr val="accent1"/>
-            </a:lnRef>
-            <a:fillRef idx="0">
-              <a:schemeClr val="accent1"/>
-            </a:fillRef>
-            <a:effectRef idx="0">
-              <a:schemeClr val="accent1"/>
-            </a:effectRef>
-            <a:fontRef idx="minor">
-              <a:schemeClr val="tx1"/>
-            </a:fontRef>
-          </p:style>
-        </p:cxnSp>
-        <p:cxnSp>
-          <p:nvCxnSpPr>
-            <p:cNvPr id="148" name="直線接點 147">
-              <a:extLst>
-                <a:ext uri="{FF2B5EF4-FFF2-40B4-BE49-F238E27FC236}">
-                  <a16:creationId xmlns:a16="http://schemas.microsoft.com/office/drawing/2014/main" id="{3090C170-E178-42DA-B920-34BDB882AD35}"/>
-                </a:ext>
-              </a:extLst>
-            </p:cNvPr>
-            <p:cNvCxnSpPr>
-              <a:cxnSpLocks/>
-              <a:stCxn id="55" idx="2"/>
-              <a:endCxn id="25" idx="1"/>
-            </p:cNvCxnSpPr>
-            <p:nvPr/>
-          </p:nvCxnSpPr>
-          <p:spPr>
-            <a:xfrm flipH="1" flipV="1">
-              <a:off x="8952664" y="3156646"/>
-              <a:ext cx="377300" cy="239748"/>
-            </a:xfrm>
-            <a:prstGeom prst="line">
-              <a:avLst/>
-            </a:prstGeom>
-          </p:spPr>
-          <p:style>
-            <a:lnRef idx="1">
-              <a:schemeClr val="accent1"/>
-            </a:lnRef>
-            <a:fillRef idx="0">
-              <a:schemeClr val="accent1"/>
-            </a:fillRef>
-            <a:effectRef idx="0">
-              <a:schemeClr val="accent1"/>
-            </a:effectRef>
-            <a:fontRef idx="minor">
-              <a:schemeClr val="tx1"/>
-            </a:fontRef>
-          </p:style>
-        </p:cxnSp>
-        <p:cxnSp>
-          <p:nvCxnSpPr>
-            <p:cNvPr id="151" name="直線接點 150">
-              <a:extLst>
-                <a:ext uri="{FF2B5EF4-FFF2-40B4-BE49-F238E27FC236}">
-                  <a16:creationId xmlns:a16="http://schemas.microsoft.com/office/drawing/2014/main" id="{96D82371-BD5A-4000-A0B6-C9E10C46572D}"/>
-                </a:ext>
-              </a:extLst>
-            </p:cNvPr>
-            <p:cNvCxnSpPr>
-              <a:cxnSpLocks/>
-              <a:stCxn id="56" idx="2"/>
-              <a:endCxn id="25" idx="1"/>
-            </p:cNvCxnSpPr>
-            <p:nvPr/>
-          </p:nvCxnSpPr>
-          <p:spPr>
-            <a:xfrm flipH="1" flipV="1">
-              <a:off x="8952664" y="3156646"/>
-              <a:ext cx="377295" cy="710853"/>
-            </a:xfrm>
-            <a:prstGeom prst="line">
-              <a:avLst/>
-            </a:prstGeom>
-          </p:spPr>
-          <p:style>
-            <a:lnRef idx="1">
-              <a:schemeClr val="accent1"/>
-            </a:lnRef>
-            <a:fillRef idx="0">
-              <a:schemeClr val="accent1"/>
-            </a:fillRef>
-            <a:effectRef idx="0">
-              <a:schemeClr val="accent1"/>
-            </a:effectRef>
-            <a:fontRef idx="minor">
-              <a:schemeClr val="tx1"/>
-            </a:fontRef>
-          </p:style>
-        </p:cxnSp>
-        <p:cxnSp>
-          <p:nvCxnSpPr>
-            <p:cNvPr id="154" name="直線接點 153">
-              <a:extLst>
-                <a:ext uri="{FF2B5EF4-FFF2-40B4-BE49-F238E27FC236}">
-                  <a16:creationId xmlns:a16="http://schemas.microsoft.com/office/drawing/2014/main" id="{8696BC5F-2E08-4442-9965-BD0BE3DB1FC4}"/>
-                </a:ext>
-              </a:extLst>
-            </p:cNvPr>
-            <p:cNvCxnSpPr>
-              <a:cxnSpLocks/>
-              <a:stCxn id="58" idx="2"/>
-              <a:endCxn id="25" idx="1"/>
-            </p:cNvCxnSpPr>
-            <p:nvPr/>
-          </p:nvCxnSpPr>
-          <p:spPr>
-            <a:xfrm flipH="1" flipV="1">
-              <a:off x="8952664" y="3156646"/>
-              <a:ext cx="377296" cy="1165523"/>
-            </a:xfrm>
-            <a:prstGeom prst="line">
-              <a:avLst/>
-            </a:prstGeom>
-          </p:spPr>
-          <p:style>
-            <a:lnRef idx="1">
-              <a:schemeClr val="accent1"/>
-            </a:lnRef>
-            <a:fillRef idx="0">
-              <a:schemeClr val="accent1"/>
-            </a:fillRef>
-            <a:effectRef idx="0">
-              <a:schemeClr val="accent1"/>
-            </a:effectRef>
-            <a:fontRef idx="minor">
-              <a:schemeClr val="tx1"/>
-            </a:fontRef>
-          </p:style>
-        </p:cxnSp>
-        <p:sp>
-          <p:nvSpPr>
-            <p:cNvPr id="158" name="菱形 157">
-              <a:extLst>
-                <a:ext uri="{FF2B5EF4-FFF2-40B4-BE49-F238E27FC236}">
-                  <a16:creationId xmlns:a16="http://schemas.microsoft.com/office/drawing/2014/main" id="{4143B8A8-410F-4A38-BB32-5DD7E2726B9E}"/>
-                </a:ext>
-              </a:extLst>
-            </p:cNvPr>
-            <p:cNvSpPr/>
-            <p:nvPr/>
-          </p:nvSpPr>
-          <p:spPr>
-            <a:xfrm>
-              <a:off x="7576625" y="5072144"/>
-              <a:ext cx="1640519" cy="745240"/>
-            </a:xfrm>
-            <a:prstGeom prst="diamond">
-              <a:avLst/>
-            </a:prstGeom>
-          </p:spPr>
-          <p:style>
-            <a:lnRef idx="2">
-              <a:schemeClr val="accent6">
-                <a:shade val="50000"/>
-              </a:schemeClr>
-            </a:lnRef>
-            <a:fillRef idx="1">
-              <a:schemeClr val="accent6"/>
-            </a:fillRef>
-            <a:effectRef idx="0">
-              <a:schemeClr val="accent6"/>
-            </a:effectRef>
-            <a:fontRef idx="minor">
-              <a:schemeClr val="lt1"/>
-            </a:fontRef>
-          </p:style>
-          <p:txBody>
-            <a:bodyPr rtlCol="0" anchor="ctr"/>
-            <a:lstStyle/>
-            <a:p>
-              <a:pPr algn="ctr"/>
-              <a:r>
-                <a:rPr lang="zh-TW" altLang="en-US" sz="1200" dirty="0">
-                  <a:latin typeface="Times New Roman" panose="02020603050405020304" pitchFamily="18" charset="0"/>
-                  <a:ea typeface="標楷體" panose="03000509000000000000" pitchFamily="65" charset="-120"/>
-                </a:rPr>
-                <a:t>　</a:t>
-              </a:r>
-              <a:r>
-                <a:rPr lang="zh-TW" altLang="en-US" sz="1600" dirty="0">
-                  <a:latin typeface="Times New Roman" panose="02020603050405020304" pitchFamily="18" charset="0"/>
-                  <a:ea typeface="標楷體" panose="03000509000000000000" pitchFamily="65" charset="-120"/>
-                </a:rPr>
-                <a:t>最愛</a:t>
-              </a:r>
-              <a:r>
-                <a:rPr lang="zh-TW" altLang="en-US" sz="1200" dirty="0">
-                  <a:latin typeface="Times New Roman" panose="02020603050405020304" pitchFamily="18" charset="0"/>
-                  <a:ea typeface="標楷體" panose="03000509000000000000" pitchFamily="65" charset="-120"/>
-                </a:rPr>
-                <a:t>（</a:t>
-              </a:r>
-              <a:r>
-                <a:rPr lang="en-US" altLang="zh-TW" sz="1200" dirty="0">
-                  <a:latin typeface="Times New Roman" panose="02020603050405020304" pitchFamily="18" charset="0"/>
-                  <a:ea typeface="標楷體" panose="03000509000000000000" pitchFamily="65" charset="-120"/>
-                </a:rPr>
-                <a:t>favorite</a:t>
-              </a:r>
-              <a:r>
-                <a:rPr lang="zh-TW" altLang="en-US" sz="1200" dirty="0">
-                  <a:latin typeface="Times New Roman" panose="02020603050405020304" pitchFamily="18" charset="0"/>
-                  <a:ea typeface="標楷體" panose="03000509000000000000" pitchFamily="65" charset="-120"/>
-                </a:rPr>
-                <a:t>）</a:t>
-              </a:r>
-            </a:p>
-          </p:txBody>
-        </p:sp>
-        <p:cxnSp>
-          <p:nvCxnSpPr>
-            <p:cNvPr id="159" name="直線接點 158">
-              <a:extLst>
-                <a:ext uri="{FF2B5EF4-FFF2-40B4-BE49-F238E27FC236}">
-                  <a16:creationId xmlns:a16="http://schemas.microsoft.com/office/drawing/2014/main" id="{85B76FDE-8BA6-4DF7-B4A5-6C07C3B32221}"/>
-                </a:ext>
-              </a:extLst>
-            </p:cNvPr>
-            <p:cNvCxnSpPr>
-              <a:cxnSpLocks/>
-              <a:stCxn id="158" idx="0"/>
-              <a:endCxn id="25" idx="2"/>
-            </p:cNvCxnSpPr>
-            <p:nvPr/>
-          </p:nvCxnSpPr>
-          <p:spPr>
-            <a:xfrm flipH="1" flipV="1">
-              <a:off x="8264644" y="3525069"/>
-              <a:ext cx="132241" cy="1547075"/>
-            </a:xfrm>
-            <a:prstGeom prst="line">
-              <a:avLst/>
-            </a:prstGeom>
-            <a:ln w="38100"/>
-          </p:spPr>
-          <p:style>
-            <a:lnRef idx="1">
-              <a:schemeClr val="dk1"/>
-            </a:lnRef>
-            <a:fillRef idx="0">
-              <a:schemeClr val="dk1"/>
-            </a:fillRef>
-            <a:effectRef idx="0">
-              <a:schemeClr val="dk1"/>
-            </a:effectRef>
-            <a:fontRef idx="minor">
-              <a:schemeClr val="tx1"/>
-            </a:fontRef>
-          </p:style>
-        </p:cxnSp>
-        <p:sp>
-          <p:nvSpPr>
-            <p:cNvPr id="160" name="矩形 159">
-              <a:extLst>
-                <a:ext uri="{FF2B5EF4-FFF2-40B4-BE49-F238E27FC236}">
-                  <a16:creationId xmlns:a16="http://schemas.microsoft.com/office/drawing/2014/main" id="{C2E12020-3FBD-4458-9AF8-6ED10DFA9791}"/>
-                </a:ext>
-              </a:extLst>
-            </p:cNvPr>
-            <p:cNvSpPr/>
-            <p:nvPr/>
-          </p:nvSpPr>
-          <p:spPr>
-            <a:xfrm>
-              <a:off x="9353621" y="5767002"/>
-              <a:ext cx="1376039" cy="736847"/>
-            </a:xfrm>
-            <a:prstGeom prst="rect">
-              <a:avLst/>
-            </a:prstGeom>
-          </p:spPr>
-          <p:style>
-            <a:lnRef idx="2">
-              <a:schemeClr val="accent4">
-                <a:shade val="50000"/>
-              </a:schemeClr>
-            </a:lnRef>
-            <a:fillRef idx="1">
-              <a:schemeClr val="accent4"/>
-            </a:fillRef>
-            <a:effectRef idx="0">
-              <a:schemeClr val="accent4"/>
-            </a:effectRef>
-            <a:fontRef idx="minor">
-              <a:schemeClr val="lt1"/>
-            </a:fontRef>
-          </p:style>
-          <p:txBody>
-            <a:bodyPr rtlCol="0" anchor="ctr"/>
-            <a:lstStyle/>
-            <a:p>
-              <a:pPr algn="ctr"/>
-              <a:r>
-                <a:rPr lang="zh-TW" altLang="en-US" sz="1600" dirty="0">
-                  <a:solidFill>
-                    <a:sysClr val="windowText" lastClr="000000"/>
-                  </a:solidFill>
-                  <a:latin typeface="Times New Roman" panose="02020603050405020304" pitchFamily="18" charset="0"/>
-                  <a:ea typeface="標楷體" panose="03000509000000000000" pitchFamily="65" charset="-120"/>
-                </a:rPr>
-                <a:t>使用者</a:t>
-              </a:r>
-              <a:endParaRPr lang="en-US" altLang="zh-TW" sz="1600" dirty="0">
+              </a:rPr>
+              <a:t>名稱</a:t>
+            </a:r>
+          </a:p>
+        </p:txBody>
+      </p:sp>
+      <p:sp>
+        <p:nvSpPr>
+          <p:cNvPr id="4" name="矩形 3">
+            <a:extLst>
+              <a:ext uri="{FF2B5EF4-FFF2-40B4-BE49-F238E27FC236}">
+                <a16:creationId xmlns:a16="http://schemas.microsoft.com/office/drawing/2014/main" id="{DE783A1C-1E26-43D8-9B50-A6F79EAD2A79}"/>
+              </a:ext>
+            </a:extLst>
+          </p:cNvPr>
+          <p:cNvSpPr/>
+          <p:nvPr/>
+        </p:nvSpPr>
+        <p:spPr>
+          <a:xfrm>
+            <a:off x="1898243" y="790230"/>
+            <a:ext cx="1376039" cy="736847"/>
+          </a:xfrm>
+          <a:prstGeom prst="rect">
+            <a:avLst/>
+          </a:prstGeom>
+        </p:spPr>
+        <p:style>
+          <a:lnRef idx="2">
+            <a:schemeClr val="accent4">
+              <a:shade val="50000"/>
+            </a:schemeClr>
+          </a:lnRef>
+          <a:fillRef idx="1">
+            <a:schemeClr val="accent4"/>
+          </a:fillRef>
+          <a:effectRef idx="0">
+            <a:schemeClr val="accent4"/>
+          </a:effectRef>
+          <a:fontRef idx="minor">
+            <a:schemeClr val="lt1"/>
+          </a:fontRef>
+        </p:style>
+        <p:txBody>
+          <a:bodyPr rtlCol="0" anchor="ctr"/>
+          <a:lstStyle/>
+          <a:p>
+            <a:pPr algn="ctr"/>
+            <a:r>
+              <a:rPr lang="zh-TW" altLang="en-US" sz="1600" dirty="0">
                 <a:solidFill>
                   <a:sysClr val="windowText" lastClr="000000"/>
                 </a:solidFill>
                 <a:latin typeface="Times New Roman" panose="02020603050405020304" pitchFamily="18" charset="0"/>
                 <a:ea typeface="標楷體" panose="03000509000000000000" pitchFamily="65" charset="-120"/>
-              </a:endParaRPr>
-            </a:p>
-            <a:p>
-              <a:pPr algn="ctr"/>
-              <a:r>
-                <a:rPr lang="zh-TW" altLang="en-US" sz="1600" dirty="0">
-                  <a:solidFill>
-                    <a:sysClr val="windowText" lastClr="000000"/>
-                  </a:solidFill>
-                  <a:latin typeface="Times New Roman" panose="02020603050405020304" pitchFamily="18" charset="0"/>
-                  <a:ea typeface="標楷體" panose="03000509000000000000" pitchFamily="65" charset="-120"/>
-                </a:rPr>
-                <a:t>（</a:t>
-              </a:r>
-              <a:r>
-                <a:rPr lang="en-US" altLang="zh-TW" sz="1600" dirty="0">
-                  <a:solidFill>
-                    <a:sysClr val="windowText" lastClr="000000"/>
-                  </a:solidFill>
-                  <a:latin typeface="Times New Roman" panose="02020603050405020304" pitchFamily="18" charset="0"/>
-                  <a:ea typeface="標楷體" panose="03000509000000000000" pitchFamily="65" charset="-120"/>
-                </a:rPr>
-                <a:t>user</a:t>
-              </a:r>
-              <a:r>
-                <a:rPr lang="zh-TW" altLang="en-US" sz="1600" dirty="0">
-                  <a:solidFill>
-                    <a:sysClr val="windowText" lastClr="000000"/>
-                  </a:solidFill>
-                  <a:latin typeface="Times New Roman" panose="02020603050405020304" pitchFamily="18" charset="0"/>
-                  <a:ea typeface="標楷體" panose="03000509000000000000" pitchFamily="65" charset="-120"/>
-                </a:rPr>
-                <a:t>）</a:t>
-              </a:r>
-            </a:p>
-          </p:txBody>
-        </p:sp>
-        <p:sp>
-          <p:nvSpPr>
-            <p:cNvPr id="161" name="橢圓 160">
-              <a:extLst>
-                <a:ext uri="{FF2B5EF4-FFF2-40B4-BE49-F238E27FC236}">
-                  <a16:creationId xmlns:a16="http://schemas.microsoft.com/office/drawing/2014/main" id="{80D9A839-2159-482E-AF45-0CE69D70876A}"/>
-                </a:ext>
-              </a:extLst>
-            </p:cNvPr>
-            <p:cNvSpPr/>
-            <p:nvPr/>
-          </p:nvSpPr>
-          <p:spPr>
-            <a:xfrm>
-              <a:off x="10866137" y="4991445"/>
-              <a:ext cx="1158877" cy="462712"/>
-            </a:xfrm>
-            <a:prstGeom prst="ellipse">
-              <a:avLst/>
-            </a:prstGeom>
-          </p:spPr>
-          <p:style>
-            <a:lnRef idx="2">
-              <a:schemeClr val="accent5">
-                <a:shade val="50000"/>
-              </a:schemeClr>
-            </a:lnRef>
-            <a:fillRef idx="1">
-              <a:schemeClr val="accent5"/>
-            </a:fillRef>
-            <a:effectRef idx="0">
-              <a:schemeClr val="accent5"/>
-            </a:effectRef>
-            <a:fontRef idx="minor">
-              <a:schemeClr val="lt1"/>
-            </a:fontRef>
-          </p:style>
-          <p:txBody>
-            <a:bodyPr rtlCol="0" anchor="ctr"/>
-            <a:lstStyle/>
-            <a:p>
-              <a:pPr algn="ctr"/>
-              <a:r>
-                <a:rPr lang="en-US" altLang="zh-TW" sz="1250" dirty="0">
-                  <a:latin typeface="標楷體" panose="03000509000000000000" pitchFamily="65" charset="-120"/>
-                  <a:ea typeface="標楷體" panose="03000509000000000000" pitchFamily="65" charset="-120"/>
-                </a:rPr>
-                <a:t>username</a:t>
-              </a:r>
-              <a:endParaRPr lang="zh-TW" altLang="en-US" sz="1250" dirty="0">
+              </a:rPr>
+              <a:t>公司</a:t>
+            </a:r>
+            <a:endParaRPr lang="en-US" altLang="zh-TW" sz="1600" dirty="0">
+              <a:solidFill>
+                <a:sysClr val="windowText" lastClr="000000"/>
+              </a:solidFill>
+              <a:latin typeface="Times New Roman" panose="02020603050405020304" pitchFamily="18" charset="0"/>
+              <a:ea typeface="標楷體" panose="03000509000000000000" pitchFamily="65" charset="-120"/>
+            </a:endParaRPr>
+          </a:p>
+          <a:p>
+            <a:pPr algn="ctr"/>
+            <a:r>
+              <a:rPr lang="zh-TW" altLang="en-US" sz="1600" dirty="0">
+                <a:solidFill>
+                  <a:sysClr val="windowText" lastClr="000000"/>
+                </a:solidFill>
+                <a:latin typeface="Times New Roman" panose="02020603050405020304" pitchFamily="18" charset="0"/>
+                <a:ea typeface="標楷體" panose="03000509000000000000" pitchFamily="65" charset="-120"/>
+              </a:rPr>
+              <a:t>（</a:t>
+            </a:r>
+            <a:r>
+              <a:rPr lang="en-US" altLang="zh-TW" sz="1600" dirty="0">
+                <a:solidFill>
+                  <a:sysClr val="windowText" lastClr="000000"/>
+                </a:solidFill>
+                <a:latin typeface="Times New Roman" panose="02020603050405020304" pitchFamily="18" charset="0"/>
+                <a:ea typeface="標楷體" panose="03000509000000000000" pitchFamily="65" charset="-120"/>
+              </a:rPr>
+              <a:t>company</a:t>
+            </a:r>
+            <a:r>
+              <a:rPr lang="zh-TW" altLang="en-US" sz="1600" dirty="0">
+                <a:solidFill>
+                  <a:sysClr val="windowText" lastClr="000000"/>
+                </a:solidFill>
+                <a:latin typeface="Times New Roman" panose="02020603050405020304" pitchFamily="18" charset="0"/>
+                <a:ea typeface="標楷體" panose="03000509000000000000" pitchFamily="65" charset="-120"/>
+              </a:rPr>
+              <a:t>）</a:t>
+            </a:r>
+          </a:p>
+        </p:txBody>
+      </p:sp>
+      <p:sp>
+        <p:nvSpPr>
+          <p:cNvPr id="38" name="橢圓 37">
+            <a:extLst>
+              <a:ext uri="{FF2B5EF4-FFF2-40B4-BE49-F238E27FC236}">
+                <a16:creationId xmlns:a16="http://schemas.microsoft.com/office/drawing/2014/main" id="{4FC5489F-50A4-4DA0-8BB5-01B945356E04}"/>
+              </a:ext>
+            </a:extLst>
+          </p:cNvPr>
+          <p:cNvSpPr/>
+          <p:nvPr/>
+        </p:nvSpPr>
+        <p:spPr>
+          <a:xfrm>
+            <a:off x="362065" y="618649"/>
+            <a:ext cx="1158877" cy="462712"/>
+          </a:xfrm>
+          <a:prstGeom prst="ellipse">
+            <a:avLst/>
+          </a:prstGeom>
+        </p:spPr>
+        <p:style>
+          <a:lnRef idx="2">
+            <a:schemeClr val="accent5">
+              <a:shade val="50000"/>
+            </a:schemeClr>
+          </a:lnRef>
+          <a:fillRef idx="1">
+            <a:schemeClr val="accent5"/>
+          </a:fillRef>
+          <a:effectRef idx="0">
+            <a:schemeClr val="accent5"/>
+          </a:effectRef>
+          <a:fontRef idx="minor">
+            <a:schemeClr val="lt1"/>
+          </a:fontRef>
+        </p:style>
+        <p:txBody>
+          <a:bodyPr rtlCol="0" anchor="ctr"/>
+          <a:lstStyle/>
+          <a:p>
+            <a:pPr algn="ctr"/>
+            <a:r>
+              <a:rPr lang="zh-TW" altLang="en-US" sz="1600" dirty="0">
                 <a:latin typeface="標楷體" panose="03000509000000000000" pitchFamily="65" charset="-120"/>
                 <a:ea typeface="標楷體" panose="03000509000000000000" pitchFamily="65" charset="-120"/>
-              </a:endParaRPr>
-            </a:p>
-          </p:txBody>
-        </p:sp>
-        <p:sp>
-          <p:nvSpPr>
-            <p:cNvPr id="162" name="橢圓 161">
-              <a:extLst>
-                <a:ext uri="{FF2B5EF4-FFF2-40B4-BE49-F238E27FC236}">
-                  <a16:creationId xmlns:a16="http://schemas.microsoft.com/office/drawing/2014/main" id="{03672B2A-0142-40A4-9A1C-E2C8E6115F2A}"/>
-                </a:ext>
-              </a:extLst>
-            </p:cNvPr>
-            <p:cNvSpPr/>
-            <p:nvPr/>
-          </p:nvSpPr>
-          <p:spPr>
-            <a:xfrm>
-              <a:off x="11033123" y="6039537"/>
-              <a:ext cx="1158877" cy="462712"/>
-            </a:xfrm>
-            <a:prstGeom prst="ellipse">
-              <a:avLst/>
-            </a:prstGeom>
-          </p:spPr>
-          <p:style>
-            <a:lnRef idx="2">
-              <a:schemeClr val="accent5">
-                <a:shade val="50000"/>
-              </a:schemeClr>
-            </a:lnRef>
-            <a:fillRef idx="1">
-              <a:schemeClr val="accent5"/>
-            </a:fillRef>
-            <a:effectRef idx="0">
-              <a:schemeClr val="accent5"/>
-            </a:effectRef>
-            <a:fontRef idx="minor">
-              <a:schemeClr val="lt1"/>
-            </a:fontRef>
-          </p:style>
-          <p:txBody>
-            <a:bodyPr rtlCol="0" anchor="ctr"/>
-            <a:lstStyle/>
-            <a:p>
-              <a:pPr algn="ctr"/>
-              <a:r>
-                <a:rPr lang="en-US" altLang="zh-TW" sz="1600" dirty="0">
-                  <a:latin typeface="標楷體" panose="03000509000000000000" pitchFamily="65" charset="-120"/>
-                  <a:ea typeface="標楷體" panose="03000509000000000000" pitchFamily="65" charset="-120"/>
-                </a:rPr>
-                <a:t>passwd</a:t>
-              </a:r>
-              <a:endParaRPr lang="zh-TW" altLang="en-US" sz="1600" dirty="0">
+              </a:rPr>
+              <a:t>資本額</a:t>
+            </a:r>
+          </a:p>
+        </p:txBody>
+      </p:sp>
+      <p:sp>
+        <p:nvSpPr>
+          <p:cNvPr id="39" name="橢圓 38">
+            <a:extLst>
+              <a:ext uri="{FF2B5EF4-FFF2-40B4-BE49-F238E27FC236}">
+                <a16:creationId xmlns:a16="http://schemas.microsoft.com/office/drawing/2014/main" id="{4DB5CA4B-10DD-4376-A3D8-DBA897FAA14B}"/>
+              </a:ext>
+            </a:extLst>
+          </p:cNvPr>
+          <p:cNvSpPr/>
+          <p:nvPr/>
+        </p:nvSpPr>
+        <p:spPr>
+          <a:xfrm>
+            <a:off x="362065" y="1235946"/>
+            <a:ext cx="1158877" cy="462712"/>
+          </a:xfrm>
+          <a:prstGeom prst="ellipse">
+            <a:avLst/>
+          </a:prstGeom>
+        </p:spPr>
+        <p:style>
+          <a:lnRef idx="2">
+            <a:schemeClr val="accent5">
+              <a:shade val="50000"/>
+            </a:schemeClr>
+          </a:lnRef>
+          <a:fillRef idx="1">
+            <a:schemeClr val="accent5"/>
+          </a:fillRef>
+          <a:effectRef idx="0">
+            <a:schemeClr val="accent5"/>
+          </a:effectRef>
+          <a:fontRef idx="minor">
+            <a:schemeClr val="lt1"/>
+          </a:fontRef>
+        </p:style>
+        <p:txBody>
+          <a:bodyPr rtlCol="0" anchor="ctr"/>
+          <a:lstStyle/>
+          <a:p>
+            <a:pPr algn="ctr"/>
+            <a:r>
+              <a:rPr lang="zh-TW" altLang="en-US" sz="1600" dirty="0">
                 <a:latin typeface="標楷體" panose="03000509000000000000" pitchFamily="65" charset="-120"/>
                 <a:ea typeface="標楷體" panose="03000509000000000000" pitchFamily="65" charset="-120"/>
-              </a:endParaRPr>
-            </a:p>
-          </p:txBody>
-        </p:sp>
-        <p:cxnSp>
-          <p:nvCxnSpPr>
-            <p:cNvPr id="163" name="直線接點 162">
-              <a:extLst>
-                <a:ext uri="{FF2B5EF4-FFF2-40B4-BE49-F238E27FC236}">
-                  <a16:creationId xmlns:a16="http://schemas.microsoft.com/office/drawing/2014/main" id="{C1DFFCE1-F8E0-487F-BDEA-BE7EF631171E}"/>
-                </a:ext>
-              </a:extLst>
-            </p:cNvPr>
-            <p:cNvCxnSpPr>
-              <a:cxnSpLocks/>
-              <a:stCxn id="161" idx="4"/>
-              <a:endCxn id="160" idx="3"/>
-            </p:cNvCxnSpPr>
-            <p:nvPr/>
-          </p:nvCxnSpPr>
-          <p:spPr>
-            <a:xfrm flipH="1">
-              <a:off x="10729660" y="5454157"/>
-              <a:ext cx="715916" cy="681269"/>
-            </a:xfrm>
-            <a:prstGeom prst="line">
-              <a:avLst/>
-            </a:prstGeom>
-          </p:spPr>
-          <p:style>
-            <a:lnRef idx="1">
-              <a:schemeClr val="accent1"/>
-            </a:lnRef>
-            <a:fillRef idx="0">
-              <a:schemeClr val="accent1"/>
-            </a:fillRef>
-            <a:effectRef idx="0">
-              <a:schemeClr val="accent1"/>
-            </a:effectRef>
-            <a:fontRef idx="minor">
-              <a:schemeClr val="tx1"/>
-            </a:fontRef>
-          </p:style>
-        </p:cxnSp>
-        <p:cxnSp>
-          <p:nvCxnSpPr>
-            <p:cNvPr id="164" name="直線接點 163">
-              <a:extLst>
-                <a:ext uri="{FF2B5EF4-FFF2-40B4-BE49-F238E27FC236}">
-                  <a16:creationId xmlns:a16="http://schemas.microsoft.com/office/drawing/2014/main" id="{1C210BDA-EAFE-435C-9D4E-185F6A76715A}"/>
-                </a:ext>
-              </a:extLst>
-            </p:cNvPr>
-            <p:cNvCxnSpPr>
-              <a:cxnSpLocks/>
-              <a:stCxn id="162" idx="2"/>
-              <a:endCxn id="160" idx="3"/>
-            </p:cNvCxnSpPr>
-            <p:nvPr/>
-          </p:nvCxnSpPr>
-          <p:spPr>
-            <a:xfrm flipH="1" flipV="1">
-              <a:off x="10729660" y="6135426"/>
-              <a:ext cx="303463" cy="135467"/>
-            </a:xfrm>
-            <a:prstGeom prst="line">
-              <a:avLst/>
-            </a:prstGeom>
-          </p:spPr>
-          <p:style>
-            <a:lnRef idx="1">
-              <a:schemeClr val="accent1"/>
-            </a:lnRef>
-            <a:fillRef idx="0">
-              <a:schemeClr val="accent1"/>
-            </a:fillRef>
-            <a:effectRef idx="0">
-              <a:schemeClr val="accent1"/>
-            </a:effectRef>
-            <a:fontRef idx="minor">
-              <a:schemeClr val="tx1"/>
-            </a:fontRef>
-          </p:style>
-        </p:cxnSp>
-        <p:cxnSp>
-          <p:nvCxnSpPr>
-            <p:cNvPr id="165" name="直線接點 164">
-              <a:extLst>
-                <a:ext uri="{FF2B5EF4-FFF2-40B4-BE49-F238E27FC236}">
-                  <a16:creationId xmlns:a16="http://schemas.microsoft.com/office/drawing/2014/main" id="{64E38CA5-9EDF-41C2-B861-1E26770D3154}"/>
-                </a:ext>
-              </a:extLst>
-            </p:cNvPr>
-            <p:cNvCxnSpPr>
-              <a:cxnSpLocks/>
-              <a:stCxn id="158" idx="2"/>
-              <a:endCxn id="160" idx="1"/>
-            </p:cNvCxnSpPr>
-            <p:nvPr/>
-          </p:nvCxnSpPr>
-          <p:spPr>
-            <a:xfrm>
-              <a:off x="8396885" y="5817384"/>
-              <a:ext cx="956736" cy="318042"/>
-            </a:xfrm>
-            <a:prstGeom prst="line">
-              <a:avLst/>
-            </a:prstGeom>
-            <a:ln w="38100"/>
-          </p:spPr>
-          <p:style>
-            <a:lnRef idx="1">
-              <a:schemeClr val="dk1"/>
-            </a:lnRef>
-            <a:fillRef idx="0">
-              <a:schemeClr val="dk1"/>
-            </a:fillRef>
-            <a:effectRef idx="0">
-              <a:schemeClr val="dk1"/>
-            </a:effectRef>
-            <a:fontRef idx="minor">
-              <a:schemeClr val="tx1"/>
-            </a:fontRef>
-          </p:style>
-        </p:cxnSp>
-      </p:grpSp>
+              </a:rPr>
+              <a:t>員工數</a:t>
+            </a:r>
+          </a:p>
+        </p:txBody>
+      </p:sp>
+      <p:sp>
+        <p:nvSpPr>
+          <p:cNvPr id="40" name="橢圓 39">
+            <a:extLst>
+              <a:ext uri="{FF2B5EF4-FFF2-40B4-BE49-F238E27FC236}">
+                <a16:creationId xmlns:a16="http://schemas.microsoft.com/office/drawing/2014/main" id="{7F257DCE-4A1D-4D3F-8A66-99EC7C9C5281}"/>
+              </a:ext>
+            </a:extLst>
+          </p:cNvPr>
+          <p:cNvSpPr/>
+          <p:nvPr/>
+        </p:nvSpPr>
+        <p:spPr>
+          <a:xfrm>
+            <a:off x="734344" y="1814553"/>
+            <a:ext cx="1158877" cy="462712"/>
+          </a:xfrm>
+          <a:prstGeom prst="ellipse">
+            <a:avLst/>
+          </a:prstGeom>
+        </p:spPr>
+        <p:style>
+          <a:lnRef idx="2">
+            <a:schemeClr val="accent5">
+              <a:shade val="50000"/>
+            </a:schemeClr>
+          </a:lnRef>
+          <a:fillRef idx="1">
+            <a:schemeClr val="accent5"/>
+          </a:fillRef>
+          <a:effectRef idx="0">
+            <a:schemeClr val="accent5"/>
+          </a:effectRef>
+          <a:fontRef idx="minor">
+            <a:schemeClr val="lt1"/>
+          </a:fontRef>
+        </p:style>
+        <p:txBody>
+          <a:bodyPr rtlCol="0" anchor="ctr"/>
+          <a:lstStyle/>
+          <a:p>
+            <a:pPr algn="ctr"/>
+            <a:r>
+              <a:rPr lang="zh-TW" altLang="en-US" sz="1600" dirty="0">
+                <a:latin typeface="標楷體" panose="03000509000000000000" pitchFamily="65" charset="-120"/>
+                <a:ea typeface="標楷體" panose="03000509000000000000" pitchFamily="65" charset="-120"/>
+              </a:rPr>
+              <a:t>地址</a:t>
+            </a:r>
+          </a:p>
+        </p:txBody>
+      </p:sp>
+      <p:sp>
+        <p:nvSpPr>
+          <p:cNvPr id="50" name="橢圓 49">
+            <a:extLst>
+              <a:ext uri="{FF2B5EF4-FFF2-40B4-BE49-F238E27FC236}">
+                <a16:creationId xmlns:a16="http://schemas.microsoft.com/office/drawing/2014/main" id="{3E7E5026-4695-4E52-BC9E-F9177CC20E9C}"/>
+              </a:ext>
+            </a:extLst>
+          </p:cNvPr>
+          <p:cNvSpPr/>
+          <p:nvPr/>
+        </p:nvSpPr>
+        <p:spPr>
+          <a:xfrm>
+            <a:off x="9329962" y="1741525"/>
+            <a:ext cx="1158877" cy="462712"/>
+          </a:xfrm>
+          <a:prstGeom prst="ellipse">
+            <a:avLst/>
+          </a:prstGeom>
+        </p:spPr>
+        <p:style>
+          <a:lnRef idx="2">
+            <a:schemeClr val="accent5">
+              <a:shade val="50000"/>
+            </a:schemeClr>
+          </a:lnRef>
+          <a:fillRef idx="1">
+            <a:schemeClr val="accent5"/>
+          </a:fillRef>
+          <a:effectRef idx="0">
+            <a:schemeClr val="accent5"/>
+          </a:effectRef>
+          <a:fontRef idx="minor">
+            <a:schemeClr val="lt1"/>
+          </a:fontRef>
+        </p:style>
+        <p:txBody>
+          <a:bodyPr rtlCol="0" anchor="ctr"/>
+          <a:lstStyle/>
+          <a:p>
+            <a:pPr algn="ctr"/>
+            <a:r>
+              <a:rPr lang="zh-TW" altLang="en-US" sz="1600" dirty="0">
+                <a:latin typeface="標楷體" panose="03000509000000000000" pitchFamily="65" charset="-120"/>
+                <a:ea typeface="標楷體" panose="03000509000000000000" pitchFamily="65" charset="-120"/>
+              </a:rPr>
+              <a:t>學歷</a:t>
+            </a:r>
+          </a:p>
+        </p:txBody>
+      </p:sp>
+      <p:sp>
+        <p:nvSpPr>
+          <p:cNvPr id="53" name="橢圓 52">
+            <a:extLst>
+              <a:ext uri="{FF2B5EF4-FFF2-40B4-BE49-F238E27FC236}">
+                <a16:creationId xmlns:a16="http://schemas.microsoft.com/office/drawing/2014/main" id="{13241945-4C0B-49CB-A461-284A2FA9D851}"/>
+              </a:ext>
+            </a:extLst>
+          </p:cNvPr>
+          <p:cNvSpPr/>
+          <p:nvPr/>
+        </p:nvSpPr>
+        <p:spPr>
+          <a:xfrm>
+            <a:off x="9329965" y="2667300"/>
+            <a:ext cx="1158877" cy="462712"/>
+          </a:xfrm>
+          <a:prstGeom prst="ellipse">
+            <a:avLst/>
+          </a:prstGeom>
+        </p:spPr>
+        <p:style>
+          <a:lnRef idx="2">
+            <a:schemeClr val="accent5">
+              <a:shade val="50000"/>
+            </a:schemeClr>
+          </a:lnRef>
+          <a:fillRef idx="1">
+            <a:schemeClr val="accent5"/>
+          </a:fillRef>
+          <a:effectRef idx="0">
+            <a:schemeClr val="accent5"/>
+          </a:effectRef>
+          <a:fontRef idx="minor">
+            <a:schemeClr val="lt1"/>
+          </a:fontRef>
+        </p:style>
+        <p:txBody>
+          <a:bodyPr rtlCol="0" anchor="ctr"/>
+          <a:lstStyle/>
+          <a:p>
+            <a:pPr algn="ctr"/>
+            <a:r>
+              <a:rPr lang="zh-TW" altLang="en-US" sz="1250" dirty="0">
+                <a:latin typeface="標楷體" panose="03000509000000000000" pitchFamily="65" charset="-120"/>
+                <a:ea typeface="標楷體" panose="03000509000000000000" pitchFamily="65" charset="-120"/>
+              </a:rPr>
+              <a:t>年資要求</a:t>
+            </a:r>
+          </a:p>
+        </p:txBody>
+      </p:sp>
+      <p:sp>
+        <p:nvSpPr>
+          <p:cNvPr id="54" name="橢圓 53">
+            <a:extLst>
+              <a:ext uri="{FF2B5EF4-FFF2-40B4-BE49-F238E27FC236}">
+                <a16:creationId xmlns:a16="http://schemas.microsoft.com/office/drawing/2014/main" id="{3B24C222-5EFE-46FD-8C09-EBF354D0EC68}"/>
+              </a:ext>
+            </a:extLst>
+          </p:cNvPr>
+          <p:cNvSpPr/>
+          <p:nvPr/>
+        </p:nvSpPr>
+        <p:spPr>
+          <a:xfrm>
+            <a:off x="9329963" y="2196195"/>
+            <a:ext cx="1158877" cy="462712"/>
+          </a:xfrm>
+          <a:prstGeom prst="ellipse">
+            <a:avLst/>
+          </a:prstGeom>
+        </p:spPr>
+        <p:style>
+          <a:lnRef idx="2">
+            <a:schemeClr val="accent5">
+              <a:shade val="50000"/>
+            </a:schemeClr>
+          </a:lnRef>
+          <a:fillRef idx="1">
+            <a:schemeClr val="accent5"/>
+          </a:fillRef>
+          <a:effectRef idx="0">
+            <a:schemeClr val="accent5"/>
+          </a:effectRef>
+          <a:fontRef idx="minor">
+            <a:schemeClr val="lt1"/>
+          </a:fontRef>
+        </p:style>
+        <p:txBody>
+          <a:bodyPr rtlCol="0" anchor="ctr"/>
+          <a:lstStyle/>
+          <a:p>
+            <a:pPr algn="ctr"/>
+            <a:r>
+              <a:rPr lang="zh-TW" altLang="en-US" sz="1600" dirty="0">
+                <a:latin typeface="標楷體" panose="03000509000000000000" pitchFamily="65" charset="-120"/>
+                <a:ea typeface="標楷體" panose="03000509000000000000" pitchFamily="65" charset="-120"/>
+              </a:rPr>
+              <a:t>薪資</a:t>
+            </a:r>
+          </a:p>
+        </p:txBody>
+      </p:sp>
+      <p:sp>
+        <p:nvSpPr>
+          <p:cNvPr id="55" name="橢圓 54">
+            <a:extLst>
+              <a:ext uri="{FF2B5EF4-FFF2-40B4-BE49-F238E27FC236}">
+                <a16:creationId xmlns:a16="http://schemas.microsoft.com/office/drawing/2014/main" id="{374D129F-D781-471B-B489-98674C9B8952}"/>
+              </a:ext>
+            </a:extLst>
+          </p:cNvPr>
+          <p:cNvSpPr/>
+          <p:nvPr/>
+        </p:nvSpPr>
+        <p:spPr>
+          <a:xfrm>
+            <a:off x="9329964" y="3138405"/>
+            <a:ext cx="1158877" cy="462712"/>
+          </a:xfrm>
+          <a:prstGeom prst="ellipse">
+            <a:avLst/>
+          </a:prstGeom>
+        </p:spPr>
+        <p:style>
+          <a:lnRef idx="2">
+            <a:schemeClr val="accent5">
+              <a:shade val="50000"/>
+            </a:schemeClr>
+          </a:lnRef>
+          <a:fillRef idx="1">
+            <a:schemeClr val="accent5"/>
+          </a:fillRef>
+          <a:effectRef idx="0">
+            <a:schemeClr val="accent5"/>
+          </a:effectRef>
+          <a:fontRef idx="minor">
+            <a:schemeClr val="lt1"/>
+          </a:fontRef>
+        </p:style>
+        <p:txBody>
+          <a:bodyPr rtlCol="0" anchor="ctr"/>
+          <a:lstStyle/>
+          <a:p>
+            <a:pPr algn="ctr"/>
+            <a:r>
+              <a:rPr lang="zh-TW" altLang="en-US" sz="1250" dirty="0">
+                <a:latin typeface="標楷體" panose="03000509000000000000" pitchFamily="65" charset="-120"/>
+                <a:ea typeface="標楷體" panose="03000509000000000000" pitchFamily="65" charset="-120"/>
+              </a:rPr>
+              <a:t>工作型態</a:t>
+            </a:r>
+          </a:p>
+        </p:txBody>
+      </p:sp>
+      <p:sp>
+        <p:nvSpPr>
+          <p:cNvPr id="56" name="橢圓 55">
+            <a:extLst>
+              <a:ext uri="{FF2B5EF4-FFF2-40B4-BE49-F238E27FC236}">
+                <a16:creationId xmlns:a16="http://schemas.microsoft.com/office/drawing/2014/main" id="{1D69EFC4-EF92-411D-8CEE-C57796FB1E5B}"/>
+              </a:ext>
+            </a:extLst>
+          </p:cNvPr>
+          <p:cNvSpPr/>
+          <p:nvPr/>
+        </p:nvSpPr>
+        <p:spPr>
+          <a:xfrm>
+            <a:off x="9329959" y="3609510"/>
+            <a:ext cx="1158877" cy="462712"/>
+          </a:xfrm>
+          <a:prstGeom prst="ellipse">
+            <a:avLst/>
+          </a:prstGeom>
+        </p:spPr>
+        <p:style>
+          <a:lnRef idx="2">
+            <a:schemeClr val="accent5">
+              <a:shade val="50000"/>
+            </a:schemeClr>
+          </a:lnRef>
+          <a:fillRef idx="1">
+            <a:schemeClr val="accent5"/>
+          </a:fillRef>
+          <a:effectRef idx="0">
+            <a:schemeClr val="accent5"/>
+          </a:effectRef>
+          <a:fontRef idx="minor">
+            <a:schemeClr val="lt1"/>
+          </a:fontRef>
+        </p:style>
+        <p:txBody>
+          <a:bodyPr rtlCol="0" anchor="ctr"/>
+          <a:lstStyle/>
+          <a:p>
+            <a:pPr algn="ctr"/>
+            <a:r>
+              <a:rPr lang="zh-TW" altLang="en-US" sz="1600" dirty="0">
+                <a:latin typeface="標楷體" panose="03000509000000000000" pitchFamily="65" charset="-120"/>
+                <a:ea typeface="標楷體" panose="03000509000000000000" pitchFamily="65" charset="-120"/>
+              </a:rPr>
+              <a:t>工時</a:t>
+            </a:r>
+          </a:p>
+        </p:txBody>
+      </p:sp>
+      <p:sp>
+        <p:nvSpPr>
+          <p:cNvPr id="57" name="橢圓 56">
+            <a:extLst>
+              <a:ext uri="{FF2B5EF4-FFF2-40B4-BE49-F238E27FC236}">
+                <a16:creationId xmlns:a16="http://schemas.microsoft.com/office/drawing/2014/main" id="{304E7791-C1BB-4DF6-ABCD-E9256F6A27BF}"/>
+              </a:ext>
+            </a:extLst>
+          </p:cNvPr>
+          <p:cNvSpPr/>
+          <p:nvPr/>
+        </p:nvSpPr>
+        <p:spPr>
+          <a:xfrm>
+            <a:off x="9329962" y="4535285"/>
+            <a:ext cx="1158877" cy="462712"/>
+          </a:xfrm>
+          <a:prstGeom prst="ellipse">
+            <a:avLst/>
+          </a:prstGeom>
+        </p:spPr>
+        <p:style>
+          <a:lnRef idx="2">
+            <a:schemeClr val="accent5">
+              <a:shade val="50000"/>
+            </a:schemeClr>
+          </a:lnRef>
+          <a:fillRef idx="1">
+            <a:schemeClr val="accent5"/>
+          </a:fillRef>
+          <a:effectRef idx="0">
+            <a:schemeClr val="accent5"/>
+          </a:effectRef>
+          <a:fontRef idx="minor">
+            <a:schemeClr val="lt1"/>
+          </a:fontRef>
+        </p:style>
+        <p:txBody>
+          <a:bodyPr rtlCol="0" anchor="ctr"/>
+          <a:lstStyle/>
+          <a:p>
+            <a:pPr algn="ctr"/>
+            <a:r>
+              <a:rPr lang="zh-TW" altLang="en-US" sz="1250" dirty="0">
+                <a:latin typeface="標楷體" panose="03000509000000000000" pitchFamily="65" charset="-120"/>
+                <a:ea typeface="標楷體" panose="03000509000000000000" pitchFamily="65" charset="-120"/>
+              </a:rPr>
+              <a:t>需求人數</a:t>
+            </a:r>
+          </a:p>
+        </p:txBody>
+      </p:sp>
+      <p:sp>
+        <p:nvSpPr>
+          <p:cNvPr id="58" name="橢圓 57">
+            <a:extLst>
+              <a:ext uri="{FF2B5EF4-FFF2-40B4-BE49-F238E27FC236}">
+                <a16:creationId xmlns:a16="http://schemas.microsoft.com/office/drawing/2014/main" id="{A88B9EE5-2953-4CCB-8793-C35B9742F43C}"/>
+              </a:ext>
+            </a:extLst>
+          </p:cNvPr>
+          <p:cNvSpPr/>
+          <p:nvPr/>
+        </p:nvSpPr>
+        <p:spPr>
+          <a:xfrm>
+            <a:off x="9329960" y="4064180"/>
+            <a:ext cx="1158877" cy="462712"/>
+          </a:xfrm>
+          <a:prstGeom prst="ellipse">
+            <a:avLst/>
+          </a:prstGeom>
+        </p:spPr>
+        <p:style>
+          <a:lnRef idx="2">
+            <a:schemeClr val="accent5">
+              <a:shade val="50000"/>
+            </a:schemeClr>
+          </a:lnRef>
+          <a:fillRef idx="1">
+            <a:schemeClr val="accent5"/>
+          </a:fillRef>
+          <a:effectRef idx="0">
+            <a:schemeClr val="accent5"/>
+          </a:effectRef>
+          <a:fontRef idx="minor">
+            <a:schemeClr val="lt1"/>
+          </a:fontRef>
+        </p:style>
+        <p:txBody>
+          <a:bodyPr rtlCol="0" anchor="ctr"/>
+          <a:lstStyle/>
+          <a:p>
+            <a:pPr algn="ctr"/>
+            <a:r>
+              <a:rPr lang="zh-TW" altLang="en-US" sz="1250" dirty="0">
+                <a:latin typeface="標楷體" panose="03000509000000000000" pitchFamily="65" charset="-120"/>
+                <a:ea typeface="標楷體" panose="03000509000000000000" pitchFamily="65" charset="-120"/>
+              </a:rPr>
+              <a:t>上班時段</a:t>
+            </a:r>
+          </a:p>
+        </p:txBody>
+      </p:sp>
+      <p:sp>
+        <p:nvSpPr>
+          <p:cNvPr id="59" name="橢圓 58">
+            <a:extLst>
+              <a:ext uri="{FF2B5EF4-FFF2-40B4-BE49-F238E27FC236}">
+                <a16:creationId xmlns:a16="http://schemas.microsoft.com/office/drawing/2014/main" id="{972C3DA7-1F65-438D-A245-4DAD0ECEA16F}"/>
+              </a:ext>
+            </a:extLst>
+          </p:cNvPr>
+          <p:cNvSpPr/>
+          <p:nvPr/>
+        </p:nvSpPr>
+        <p:spPr>
+          <a:xfrm>
+            <a:off x="9329959" y="1274617"/>
+            <a:ext cx="1158877" cy="462712"/>
+          </a:xfrm>
+          <a:prstGeom prst="ellipse">
+            <a:avLst/>
+          </a:prstGeom>
+        </p:spPr>
+        <p:style>
+          <a:lnRef idx="2">
+            <a:schemeClr val="accent5">
+              <a:shade val="50000"/>
+            </a:schemeClr>
+          </a:lnRef>
+          <a:fillRef idx="1">
+            <a:schemeClr val="accent5"/>
+          </a:fillRef>
+          <a:effectRef idx="0">
+            <a:schemeClr val="accent5"/>
+          </a:effectRef>
+          <a:fontRef idx="minor">
+            <a:schemeClr val="lt1"/>
+          </a:fontRef>
+        </p:style>
+        <p:txBody>
+          <a:bodyPr rtlCol="0" anchor="ctr"/>
+          <a:lstStyle/>
+          <a:p>
+            <a:pPr algn="ctr"/>
+            <a:r>
+              <a:rPr lang="zh-TW" altLang="en-US" sz="1600" dirty="0">
+                <a:latin typeface="標楷體" panose="03000509000000000000" pitchFamily="65" charset="-120"/>
+                <a:ea typeface="標楷體" panose="03000509000000000000" pitchFamily="65" charset="-120"/>
+              </a:rPr>
+              <a:t>名稱</a:t>
+            </a:r>
+          </a:p>
+        </p:txBody>
+      </p:sp>
+      <p:sp>
+        <p:nvSpPr>
+          <p:cNvPr id="64" name="菱形 63">
+            <a:extLst>
+              <a:ext uri="{FF2B5EF4-FFF2-40B4-BE49-F238E27FC236}">
+                <a16:creationId xmlns:a16="http://schemas.microsoft.com/office/drawing/2014/main" id="{C92183E7-A9F6-4CC9-805B-689F120943AE}"/>
+              </a:ext>
+            </a:extLst>
+          </p:cNvPr>
+          <p:cNvSpPr/>
+          <p:nvPr/>
+        </p:nvSpPr>
+        <p:spPr>
+          <a:xfrm>
+            <a:off x="4465509" y="4823548"/>
+            <a:ext cx="1376039" cy="745240"/>
+          </a:xfrm>
+          <a:prstGeom prst="diamond">
+            <a:avLst/>
+          </a:prstGeom>
+        </p:spPr>
+        <p:style>
+          <a:lnRef idx="2">
+            <a:schemeClr val="accent6">
+              <a:shade val="50000"/>
+            </a:schemeClr>
+          </a:lnRef>
+          <a:fillRef idx="1">
+            <a:schemeClr val="accent6"/>
+          </a:fillRef>
+          <a:effectRef idx="0">
+            <a:schemeClr val="accent6"/>
+          </a:effectRef>
+          <a:fontRef idx="minor">
+            <a:schemeClr val="lt1"/>
+          </a:fontRef>
+        </p:style>
+        <p:txBody>
+          <a:bodyPr rtlCol="0" anchor="ctr"/>
+          <a:lstStyle/>
+          <a:p>
+            <a:pPr algn="ctr"/>
+            <a:r>
+              <a:rPr lang="zh-TW" altLang="en-US" sz="1600" dirty="0">
+                <a:latin typeface="標楷體" panose="03000509000000000000" pitchFamily="65" charset="-120"/>
+                <a:ea typeface="標楷體" panose="03000509000000000000" pitchFamily="65" charset="-120"/>
+              </a:rPr>
+              <a:t>位於</a:t>
+            </a:r>
+          </a:p>
+        </p:txBody>
+      </p:sp>
+      <p:cxnSp>
+        <p:nvCxnSpPr>
+          <p:cNvPr id="65" name="直線單箭頭接點 64">
+            <a:extLst>
+              <a:ext uri="{FF2B5EF4-FFF2-40B4-BE49-F238E27FC236}">
+                <a16:creationId xmlns:a16="http://schemas.microsoft.com/office/drawing/2014/main" id="{BCAF43C8-9294-4FFC-B0AF-BFE59DE7812A}"/>
+              </a:ext>
+            </a:extLst>
+          </p:cNvPr>
+          <p:cNvCxnSpPr>
+            <a:cxnSpLocks/>
+            <a:stCxn id="64" idx="1"/>
+            <a:endCxn id="68" idx="3"/>
+          </p:cNvCxnSpPr>
+          <p:nvPr/>
+        </p:nvCxnSpPr>
+        <p:spPr>
+          <a:xfrm flipH="1">
+            <a:off x="3274282" y="5196168"/>
+            <a:ext cx="1191227" cy="4197"/>
+          </a:xfrm>
+          <a:prstGeom prst="straightConnector1">
+            <a:avLst/>
+          </a:prstGeom>
+          <a:ln>
+            <a:tailEnd type="triangle"/>
+          </a:ln>
+        </p:spPr>
+        <p:style>
+          <a:lnRef idx="1">
+            <a:schemeClr val="accent1"/>
+          </a:lnRef>
+          <a:fillRef idx="0">
+            <a:schemeClr val="accent1"/>
+          </a:fillRef>
+          <a:effectRef idx="0">
+            <a:schemeClr val="accent1"/>
+          </a:effectRef>
+          <a:fontRef idx="minor">
+            <a:schemeClr val="tx1"/>
+          </a:fontRef>
+        </p:style>
+      </p:cxnSp>
+      <p:cxnSp>
+        <p:nvCxnSpPr>
+          <p:cNvPr id="66" name="直線接點 65">
+            <a:extLst>
+              <a:ext uri="{FF2B5EF4-FFF2-40B4-BE49-F238E27FC236}">
+                <a16:creationId xmlns:a16="http://schemas.microsoft.com/office/drawing/2014/main" id="{ED3E93D9-1CDC-4F02-953F-30CF5A0A0A5D}"/>
+              </a:ext>
+            </a:extLst>
+          </p:cNvPr>
+          <p:cNvCxnSpPr>
+            <a:cxnSpLocks/>
+            <a:stCxn id="25" idx="3"/>
+            <a:endCxn id="64" idx="3"/>
+          </p:cNvCxnSpPr>
+          <p:nvPr/>
+        </p:nvCxnSpPr>
+        <p:spPr>
+          <a:xfrm flipH="1">
+            <a:off x="5841548" y="3130013"/>
+            <a:ext cx="1735077" cy="2066155"/>
+          </a:xfrm>
+          <a:prstGeom prst="line">
+            <a:avLst/>
+          </a:prstGeom>
+          <a:ln w="38100"/>
+        </p:spPr>
+        <p:style>
+          <a:lnRef idx="1">
+            <a:schemeClr val="dk1"/>
+          </a:lnRef>
+          <a:fillRef idx="0">
+            <a:schemeClr val="dk1"/>
+          </a:fillRef>
+          <a:effectRef idx="0">
+            <a:schemeClr val="dk1"/>
+          </a:effectRef>
+          <a:fontRef idx="minor">
+            <a:schemeClr val="tx1"/>
+          </a:fontRef>
+        </p:style>
+      </p:cxnSp>
+      <p:sp>
+        <p:nvSpPr>
+          <p:cNvPr id="68" name="矩形 67">
+            <a:extLst>
+              <a:ext uri="{FF2B5EF4-FFF2-40B4-BE49-F238E27FC236}">
+                <a16:creationId xmlns:a16="http://schemas.microsoft.com/office/drawing/2014/main" id="{75B22F18-FB23-4F93-9FEC-3FC680A0DB4E}"/>
+              </a:ext>
+            </a:extLst>
+          </p:cNvPr>
+          <p:cNvSpPr/>
+          <p:nvPr/>
+        </p:nvSpPr>
+        <p:spPr>
+          <a:xfrm>
+            <a:off x="1898243" y="4831941"/>
+            <a:ext cx="1376039" cy="736847"/>
+          </a:xfrm>
+          <a:prstGeom prst="rect">
+            <a:avLst/>
+          </a:prstGeom>
+        </p:spPr>
+        <p:style>
+          <a:lnRef idx="2">
+            <a:schemeClr val="accent4">
+              <a:shade val="50000"/>
+            </a:schemeClr>
+          </a:lnRef>
+          <a:fillRef idx="1">
+            <a:schemeClr val="accent4"/>
+          </a:fillRef>
+          <a:effectRef idx="0">
+            <a:schemeClr val="accent4"/>
+          </a:effectRef>
+          <a:fontRef idx="minor">
+            <a:schemeClr val="lt1"/>
+          </a:fontRef>
+        </p:style>
+        <p:txBody>
+          <a:bodyPr rtlCol="0" anchor="ctr"/>
+          <a:lstStyle/>
+          <a:p>
+            <a:pPr algn="ctr"/>
+            <a:r>
+              <a:rPr lang="zh-TW" altLang="en-US" sz="1600" dirty="0">
+                <a:solidFill>
+                  <a:sysClr val="windowText" lastClr="000000"/>
+                </a:solidFill>
+                <a:latin typeface="Times New Roman" panose="02020603050405020304" pitchFamily="18" charset="0"/>
+                <a:ea typeface="標楷體" panose="03000509000000000000" pitchFamily="65" charset="-120"/>
+              </a:rPr>
+              <a:t>地域</a:t>
+            </a:r>
+            <a:endParaRPr lang="en-US" altLang="zh-TW" sz="1600" dirty="0">
+              <a:solidFill>
+                <a:sysClr val="windowText" lastClr="000000"/>
+              </a:solidFill>
+              <a:latin typeface="Times New Roman" panose="02020603050405020304" pitchFamily="18" charset="0"/>
+              <a:ea typeface="標楷體" panose="03000509000000000000" pitchFamily="65" charset="-120"/>
+            </a:endParaRPr>
+          </a:p>
+          <a:p>
+            <a:pPr algn="ctr"/>
+            <a:r>
+              <a:rPr lang="zh-TW" altLang="en-US" sz="1600" dirty="0">
+                <a:solidFill>
+                  <a:sysClr val="windowText" lastClr="000000"/>
+                </a:solidFill>
+                <a:latin typeface="Times New Roman" panose="02020603050405020304" pitchFamily="18" charset="0"/>
+                <a:ea typeface="標楷體" panose="03000509000000000000" pitchFamily="65" charset="-120"/>
+              </a:rPr>
+              <a:t>（</a:t>
+            </a:r>
+            <a:r>
+              <a:rPr lang="en-US" altLang="zh-TW" sz="1600" dirty="0" err="1">
+                <a:solidFill>
+                  <a:sysClr val="windowText" lastClr="000000"/>
+                </a:solidFill>
+                <a:latin typeface="Times New Roman" panose="02020603050405020304" pitchFamily="18" charset="0"/>
+                <a:ea typeface="標楷體" panose="03000509000000000000" pitchFamily="65" charset="-120"/>
+              </a:rPr>
+              <a:t>localarea</a:t>
+            </a:r>
+            <a:r>
+              <a:rPr lang="zh-TW" altLang="en-US" sz="1600" dirty="0">
+                <a:solidFill>
+                  <a:sysClr val="windowText" lastClr="000000"/>
+                </a:solidFill>
+                <a:latin typeface="Times New Roman" panose="02020603050405020304" pitchFamily="18" charset="0"/>
+                <a:ea typeface="標楷體" panose="03000509000000000000" pitchFamily="65" charset="-120"/>
+              </a:rPr>
+              <a:t>）</a:t>
+            </a:r>
+          </a:p>
+        </p:txBody>
+      </p:sp>
+      <p:sp>
+        <p:nvSpPr>
+          <p:cNvPr id="69" name="橢圓 68">
+            <a:extLst>
+              <a:ext uri="{FF2B5EF4-FFF2-40B4-BE49-F238E27FC236}">
+                <a16:creationId xmlns:a16="http://schemas.microsoft.com/office/drawing/2014/main" id="{BA0F2B46-9A9F-41CD-AEC0-B53FC7B9121C}"/>
+              </a:ext>
+            </a:extLst>
+          </p:cNvPr>
+          <p:cNvSpPr/>
+          <p:nvPr/>
+        </p:nvSpPr>
+        <p:spPr>
+          <a:xfrm>
+            <a:off x="362065" y="4660360"/>
+            <a:ext cx="1158877" cy="462712"/>
+          </a:xfrm>
+          <a:prstGeom prst="ellipse">
+            <a:avLst/>
+          </a:prstGeom>
+        </p:spPr>
+        <p:style>
+          <a:lnRef idx="2">
+            <a:schemeClr val="accent5">
+              <a:shade val="50000"/>
+            </a:schemeClr>
+          </a:lnRef>
+          <a:fillRef idx="1">
+            <a:schemeClr val="accent5"/>
+          </a:fillRef>
+          <a:effectRef idx="0">
+            <a:schemeClr val="accent5"/>
+          </a:effectRef>
+          <a:fontRef idx="minor">
+            <a:schemeClr val="lt1"/>
+          </a:fontRef>
+        </p:style>
+        <p:txBody>
+          <a:bodyPr rtlCol="0" anchor="ctr"/>
+          <a:lstStyle/>
+          <a:p>
+            <a:pPr algn="ctr"/>
+            <a:r>
+              <a:rPr lang="zh-TW" altLang="en-US" sz="1600" dirty="0">
+                <a:latin typeface="標楷體" panose="03000509000000000000" pitchFamily="65" charset="-120"/>
+                <a:ea typeface="標楷體" panose="03000509000000000000" pitchFamily="65" charset="-120"/>
+              </a:rPr>
+              <a:t>縣市</a:t>
+            </a:r>
+          </a:p>
+        </p:txBody>
+      </p:sp>
+      <p:sp>
+        <p:nvSpPr>
+          <p:cNvPr id="70" name="橢圓 69">
+            <a:extLst>
+              <a:ext uri="{FF2B5EF4-FFF2-40B4-BE49-F238E27FC236}">
+                <a16:creationId xmlns:a16="http://schemas.microsoft.com/office/drawing/2014/main" id="{151E286B-8244-4FF3-BDBD-4A3BB0B1E793}"/>
+              </a:ext>
+            </a:extLst>
+          </p:cNvPr>
+          <p:cNvSpPr/>
+          <p:nvPr/>
+        </p:nvSpPr>
+        <p:spPr>
+          <a:xfrm>
+            <a:off x="362065" y="5277657"/>
+            <a:ext cx="1158877" cy="462712"/>
+          </a:xfrm>
+          <a:prstGeom prst="ellipse">
+            <a:avLst/>
+          </a:prstGeom>
+        </p:spPr>
+        <p:style>
+          <a:lnRef idx="2">
+            <a:schemeClr val="accent5">
+              <a:shade val="50000"/>
+            </a:schemeClr>
+          </a:lnRef>
+          <a:fillRef idx="1">
+            <a:schemeClr val="accent5"/>
+          </a:fillRef>
+          <a:effectRef idx="0">
+            <a:schemeClr val="accent5"/>
+          </a:effectRef>
+          <a:fontRef idx="minor">
+            <a:schemeClr val="lt1"/>
+          </a:fontRef>
+        </p:style>
+        <p:txBody>
+          <a:bodyPr rtlCol="0" anchor="ctr"/>
+          <a:lstStyle/>
+          <a:p>
+            <a:pPr algn="ctr"/>
+            <a:r>
+              <a:rPr lang="zh-TW" altLang="en-US" sz="1250" dirty="0">
+                <a:latin typeface="標楷體" panose="03000509000000000000" pitchFamily="65" charset="-120"/>
+                <a:ea typeface="標楷體" panose="03000509000000000000" pitchFamily="65" charset="-120"/>
+              </a:rPr>
+              <a:t>鄉鎮市區</a:t>
+            </a:r>
+          </a:p>
+        </p:txBody>
+      </p:sp>
+      <p:sp>
+        <p:nvSpPr>
+          <p:cNvPr id="80" name="菱形 79">
+            <a:extLst>
+              <a:ext uri="{FF2B5EF4-FFF2-40B4-BE49-F238E27FC236}">
+                <a16:creationId xmlns:a16="http://schemas.microsoft.com/office/drawing/2014/main" id="{FB441D19-8ED0-4882-93FD-8953DB39E1DA}"/>
+              </a:ext>
+            </a:extLst>
+          </p:cNvPr>
+          <p:cNvSpPr/>
+          <p:nvPr/>
+        </p:nvSpPr>
+        <p:spPr>
+          <a:xfrm>
+            <a:off x="4465508" y="2757393"/>
+            <a:ext cx="1376039" cy="745240"/>
+          </a:xfrm>
+          <a:prstGeom prst="diamond">
+            <a:avLst/>
+          </a:prstGeom>
+        </p:spPr>
+        <p:style>
+          <a:lnRef idx="2">
+            <a:schemeClr val="accent6">
+              <a:shade val="50000"/>
+            </a:schemeClr>
+          </a:lnRef>
+          <a:fillRef idx="1">
+            <a:schemeClr val="accent6"/>
+          </a:fillRef>
+          <a:effectRef idx="0">
+            <a:schemeClr val="accent6"/>
+          </a:effectRef>
+          <a:fontRef idx="minor">
+            <a:schemeClr val="lt1"/>
+          </a:fontRef>
+        </p:style>
+        <p:txBody>
+          <a:bodyPr rtlCol="0" anchor="ctr"/>
+          <a:lstStyle/>
+          <a:p>
+            <a:pPr algn="ctr"/>
+            <a:r>
+              <a:rPr lang="zh-TW" altLang="en-US" sz="1600" dirty="0">
+                <a:latin typeface="標楷體" panose="03000509000000000000" pitchFamily="65" charset="-120"/>
+                <a:ea typeface="標楷體" panose="03000509000000000000" pitchFamily="65" charset="-120"/>
+              </a:rPr>
+              <a:t>屬於</a:t>
+            </a:r>
+          </a:p>
+        </p:txBody>
+      </p:sp>
+      <p:cxnSp>
+        <p:nvCxnSpPr>
+          <p:cNvPr id="81" name="直線單箭頭接點 80">
+            <a:extLst>
+              <a:ext uri="{FF2B5EF4-FFF2-40B4-BE49-F238E27FC236}">
+                <a16:creationId xmlns:a16="http://schemas.microsoft.com/office/drawing/2014/main" id="{050D4D69-687C-45C6-B4BE-1A4F8DB8B928}"/>
+              </a:ext>
+            </a:extLst>
+          </p:cNvPr>
+          <p:cNvCxnSpPr>
+            <a:stCxn id="80" idx="1"/>
+            <a:endCxn id="84" idx="3"/>
+          </p:cNvCxnSpPr>
+          <p:nvPr/>
+        </p:nvCxnSpPr>
+        <p:spPr>
+          <a:xfrm flipH="1">
+            <a:off x="3274281" y="3130013"/>
+            <a:ext cx="1191227" cy="4197"/>
+          </a:xfrm>
+          <a:prstGeom prst="straightConnector1">
+            <a:avLst/>
+          </a:prstGeom>
+          <a:ln>
+            <a:tailEnd type="triangle"/>
+          </a:ln>
+        </p:spPr>
+        <p:style>
+          <a:lnRef idx="1">
+            <a:schemeClr val="accent1"/>
+          </a:lnRef>
+          <a:fillRef idx="0">
+            <a:schemeClr val="accent1"/>
+          </a:fillRef>
+          <a:effectRef idx="0">
+            <a:schemeClr val="accent1"/>
+          </a:effectRef>
+          <a:fontRef idx="minor">
+            <a:schemeClr val="tx1"/>
+          </a:fontRef>
+        </p:style>
+      </p:cxnSp>
+      <p:sp>
+        <p:nvSpPr>
+          <p:cNvPr id="84" name="矩形 83">
+            <a:extLst>
+              <a:ext uri="{FF2B5EF4-FFF2-40B4-BE49-F238E27FC236}">
+                <a16:creationId xmlns:a16="http://schemas.microsoft.com/office/drawing/2014/main" id="{23D22B9C-62C2-416D-9261-153FC05D45E9}"/>
+              </a:ext>
+            </a:extLst>
+          </p:cNvPr>
+          <p:cNvSpPr/>
+          <p:nvPr/>
+        </p:nvSpPr>
+        <p:spPr>
+          <a:xfrm>
+            <a:off x="1898242" y="2765786"/>
+            <a:ext cx="1376039" cy="736847"/>
+          </a:xfrm>
+          <a:prstGeom prst="rect">
+            <a:avLst/>
+          </a:prstGeom>
+        </p:spPr>
+        <p:style>
+          <a:lnRef idx="2">
+            <a:schemeClr val="accent4">
+              <a:shade val="50000"/>
+            </a:schemeClr>
+          </a:lnRef>
+          <a:fillRef idx="1">
+            <a:schemeClr val="accent4"/>
+          </a:fillRef>
+          <a:effectRef idx="0">
+            <a:schemeClr val="accent4"/>
+          </a:effectRef>
+          <a:fontRef idx="minor">
+            <a:schemeClr val="lt1"/>
+          </a:fontRef>
+        </p:style>
+        <p:txBody>
+          <a:bodyPr rtlCol="0" anchor="ctr"/>
+          <a:lstStyle/>
+          <a:p>
+            <a:pPr algn="ctr"/>
+            <a:r>
+              <a:rPr lang="zh-TW" altLang="en-US" sz="1600" dirty="0">
+                <a:solidFill>
+                  <a:sysClr val="windowText" lastClr="000000"/>
+                </a:solidFill>
+                <a:latin typeface="Times New Roman" panose="02020603050405020304" pitchFamily="18" charset="0"/>
+                <a:ea typeface="標楷體" panose="03000509000000000000" pitchFamily="65" charset="-120"/>
+              </a:rPr>
+              <a:t>職務</a:t>
+            </a:r>
+            <a:endParaRPr lang="en-US" altLang="zh-TW" sz="1600" dirty="0">
+              <a:solidFill>
+                <a:sysClr val="windowText" lastClr="000000"/>
+              </a:solidFill>
+              <a:latin typeface="Times New Roman" panose="02020603050405020304" pitchFamily="18" charset="0"/>
+              <a:ea typeface="標楷體" panose="03000509000000000000" pitchFamily="65" charset="-120"/>
+            </a:endParaRPr>
+          </a:p>
+          <a:p>
+            <a:pPr algn="ctr"/>
+            <a:r>
+              <a:rPr lang="zh-TW" altLang="en-US" sz="1600" dirty="0">
+                <a:solidFill>
+                  <a:sysClr val="windowText" lastClr="000000"/>
+                </a:solidFill>
+                <a:latin typeface="Times New Roman" panose="02020603050405020304" pitchFamily="18" charset="0"/>
+                <a:ea typeface="標楷體" panose="03000509000000000000" pitchFamily="65" charset="-120"/>
+              </a:rPr>
+              <a:t>（</a:t>
+            </a:r>
+            <a:r>
+              <a:rPr lang="en-US" altLang="zh-TW" sz="1600" dirty="0">
+                <a:solidFill>
+                  <a:sysClr val="windowText" lastClr="000000"/>
+                </a:solidFill>
+                <a:latin typeface="Times New Roman" panose="02020603050405020304" pitchFamily="18" charset="0"/>
+                <a:ea typeface="標楷體" panose="03000509000000000000" pitchFamily="65" charset="-120"/>
+              </a:rPr>
+              <a:t>position</a:t>
+            </a:r>
+            <a:r>
+              <a:rPr lang="zh-TW" altLang="en-US" sz="1600" dirty="0">
+                <a:solidFill>
+                  <a:sysClr val="windowText" lastClr="000000"/>
+                </a:solidFill>
+                <a:latin typeface="Times New Roman" panose="02020603050405020304" pitchFamily="18" charset="0"/>
+                <a:ea typeface="標楷體" panose="03000509000000000000" pitchFamily="65" charset="-120"/>
+              </a:rPr>
+              <a:t>）</a:t>
+            </a:r>
+          </a:p>
+        </p:txBody>
+      </p:sp>
+      <p:sp>
+        <p:nvSpPr>
+          <p:cNvPr id="85" name="橢圓 84">
+            <a:extLst>
+              <a:ext uri="{FF2B5EF4-FFF2-40B4-BE49-F238E27FC236}">
+                <a16:creationId xmlns:a16="http://schemas.microsoft.com/office/drawing/2014/main" id="{4AD57DBD-C71A-4D7E-BDB1-C1DCD9713317}"/>
+              </a:ext>
+            </a:extLst>
+          </p:cNvPr>
+          <p:cNvSpPr/>
+          <p:nvPr/>
+        </p:nvSpPr>
+        <p:spPr>
+          <a:xfrm>
+            <a:off x="362064" y="2594205"/>
+            <a:ext cx="1158877" cy="462712"/>
+          </a:xfrm>
+          <a:prstGeom prst="ellipse">
+            <a:avLst/>
+          </a:prstGeom>
+        </p:spPr>
+        <p:style>
+          <a:lnRef idx="2">
+            <a:schemeClr val="accent5">
+              <a:shade val="50000"/>
+            </a:schemeClr>
+          </a:lnRef>
+          <a:fillRef idx="1">
+            <a:schemeClr val="accent5"/>
+          </a:fillRef>
+          <a:effectRef idx="0">
+            <a:schemeClr val="accent5"/>
+          </a:effectRef>
+          <a:fontRef idx="minor">
+            <a:schemeClr val="lt1"/>
+          </a:fontRef>
+        </p:style>
+        <p:txBody>
+          <a:bodyPr rtlCol="0" anchor="ctr"/>
+          <a:lstStyle/>
+          <a:p>
+            <a:pPr algn="ctr"/>
+            <a:r>
+              <a:rPr lang="zh-TW" altLang="en-US" sz="1600" dirty="0">
+                <a:latin typeface="標楷體" panose="03000509000000000000" pitchFamily="65" charset="-120"/>
+                <a:ea typeface="標楷體" panose="03000509000000000000" pitchFamily="65" charset="-120"/>
+              </a:rPr>
+              <a:t>名稱</a:t>
+            </a:r>
+          </a:p>
+        </p:txBody>
+      </p:sp>
+      <p:sp>
+        <p:nvSpPr>
+          <p:cNvPr id="86" name="橢圓 85">
+            <a:extLst>
+              <a:ext uri="{FF2B5EF4-FFF2-40B4-BE49-F238E27FC236}">
+                <a16:creationId xmlns:a16="http://schemas.microsoft.com/office/drawing/2014/main" id="{0575EC88-D701-4F13-8806-225F40E17827}"/>
+              </a:ext>
+            </a:extLst>
+          </p:cNvPr>
+          <p:cNvSpPr/>
+          <p:nvPr/>
+        </p:nvSpPr>
+        <p:spPr>
+          <a:xfrm>
+            <a:off x="362064" y="3211502"/>
+            <a:ext cx="1158877" cy="462712"/>
+          </a:xfrm>
+          <a:prstGeom prst="ellipse">
+            <a:avLst/>
+          </a:prstGeom>
+        </p:spPr>
+        <p:style>
+          <a:lnRef idx="2">
+            <a:schemeClr val="accent5">
+              <a:shade val="50000"/>
+            </a:schemeClr>
+          </a:lnRef>
+          <a:fillRef idx="1">
+            <a:schemeClr val="accent5"/>
+          </a:fillRef>
+          <a:effectRef idx="0">
+            <a:schemeClr val="accent5"/>
+          </a:effectRef>
+          <a:fontRef idx="minor">
+            <a:schemeClr val="lt1"/>
+          </a:fontRef>
+        </p:style>
+        <p:txBody>
+          <a:bodyPr rtlCol="0" anchor="ctr"/>
+          <a:lstStyle/>
+          <a:p>
+            <a:pPr algn="ctr"/>
+            <a:r>
+              <a:rPr lang="zh-TW" altLang="en-US" sz="1600" dirty="0">
+                <a:latin typeface="標楷體" panose="03000509000000000000" pitchFamily="65" charset="-120"/>
+                <a:ea typeface="標楷體" panose="03000509000000000000" pitchFamily="65" charset="-120"/>
+              </a:rPr>
+              <a:t>領域</a:t>
+            </a:r>
+          </a:p>
+        </p:txBody>
+      </p:sp>
+      <p:cxnSp>
+        <p:nvCxnSpPr>
+          <p:cNvPr id="98" name="直線接點 97">
+            <a:extLst>
+              <a:ext uri="{FF2B5EF4-FFF2-40B4-BE49-F238E27FC236}">
+                <a16:creationId xmlns:a16="http://schemas.microsoft.com/office/drawing/2014/main" id="{6B4DD95B-7EEE-4109-8986-62AF7E7055D2}"/>
+              </a:ext>
+            </a:extLst>
+          </p:cNvPr>
+          <p:cNvCxnSpPr>
+            <a:cxnSpLocks/>
+            <a:stCxn id="80" idx="3"/>
+            <a:endCxn id="25" idx="3"/>
+          </p:cNvCxnSpPr>
+          <p:nvPr/>
+        </p:nvCxnSpPr>
+        <p:spPr>
+          <a:xfrm>
+            <a:off x="5841547" y="3130013"/>
+            <a:ext cx="1735078" cy="0"/>
+          </a:xfrm>
+          <a:prstGeom prst="line">
+            <a:avLst/>
+          </a:prstGeom>
+          <a:ln w="38100"/>
+        </p:spPr>
+        <p:style>
+          <a:lnRef idx="1">
+            <a:schemeClr val="dk1"/>
+          </a:lnRef>
+          <a:fillRef idx="0">
+            <a:schemeClr val="dk1"/>
+          </a:fillRef>
+          <a:effectRef idx="0">
+            <a:schemeClr val="dk1"/>
+          </a:effectRef>
+          <a:fontRef idx="minor">
+            <a:schemeClr val="tx1"/>
+          </a:fontRef>
+        </p:style>
+      </p:cxnSp>
+      <p:sp>
+        <p:nvSpPr>
+          <p:cNvPr id="102" name="矩形 101">
+            <a:extLst>
+              <a:ext uri="{FF2B5EF4-FFF2-40B4-BE49-F238E27FC236}">
+                <a16:creationId xmlns:a16="http://schemas.microsoft.com/office/drawing/2014/main" id="{09E755C2-3AB7-441B-BA14-B2B7CA524157}"/>
+              </a:ext>
+            </a:extLst>
+          </p:cNvPr>
+          <p:cNvSpPr/>
+          <p:nvPr/>
+        </p:nvSpPr>
+        <p:spPr>
+          <a:xfrm>
+            <a:off x="3704241" y="154342"/>
+            <a:ext cx="3260874" cy="6191250"/>
+          </a:xfrm>
+          <a:prstGeom prst="rect">
+            <a:avLst/>
+          </a:prstGeom>
+          <a:noFill/>
+          <a:ln w="76200">
+            <a:solidFill>
+              <a:srgbClr val="FF0000"/>
+            </a:solidFill>
+            <a:prstDash val="dash"/>
+          </a:ln>
+        </p:spPr>
+        <p:style>
+          <a:lnRef idx="2">
+            <a:schemeClr val="accent1">
+              <a:shade val="50000"/>
+            </a:schemeClr>
+          </a:lnRef>
+          <a:fillRef idx="1">
+            <a:schemeClr val="accent1"/>
+          </a:fillRef>
+          <a:effectRef idx="0">
+            <a:schemeClr val="accent1"/>
+          </a:effectRef>
+          <a:fontRef idx="minor">
+            <a:schemeClr val="lt1"/>
+          </a:fontRef>
+        </p:style>
+        <p:txBody>
+          <a:bodyPr rtlCol="0" anchor="ctr"/>
+          <a:lstStyle/>
+          <a:p>
+            <a:pPr algn="ctr"/>
+            <a:endParaRPr lang="zh-TW" altLang="en-US"/>
+          </a:p>
+        </p:txBody>
+      </p:sp>
+      <p:sp>
+        <p:nvSpPr>
+          <p:cNvPr id="103" name="文字方塊 102">
+            <a:extLst>
+              <a:ext uri="{FF2B5EF4-FFF2-40B4-BE49-F238E27FC236}">
+                <a16:creationId xmlns:a16="http://schemas.microsoft.com/office/drawing/2014/main" id="{8B8F0011-3C24-41DE-B3C1-1A8A81976AC7}"/>
+              </a:ext>
+            </a:extLst>
+          </p:cNvPr>
+          <p:cNvSpPr txBox="1"/>
+          <p:nvPr/>
+        </p:nvSpPr>
+        <p:spPr>
+          <a:xfrm>
+            <a:off x="7576625" y="208793"/>
+            <a:ext cx="3743325" cy="369332"/>
+          </a:xfrm>
+          <a:prstGeom prst="rect">
+            <a:avLst/>
+          </a:prstGeom>
+          <a:noFill/>
+        </p:spPr>
+        <p:txBody>
+          <a:bodyPr wrap="square" rtlCol="0">
+            <a:spAutoFit/>
+          </a:bodyPr>
+          <a:lstStyle/>
+          <a:p>
+            <a:r>
+              <a:rPr lang="zh-TW" altLang="en-US" dirty="0">
+                <a:latin typeface="Times New Roman" panose="02020603050405020304" pitchFamily="18" charset="0"/>
+                <a:ea typeface="標楷體" panose="03000509000000000000" pitchFamily="65" charset="-120"/>
+              </a:rPr>
+              <a:t>這三個</a:t>
+            </a:r>
+            <a:r>
+              <a:rPr lang="en-US" altLang="zh-TW" dirty="0">
+                <a:latin typeface="Times New Roman" panose="02020603050405020304" pitchFamily="18" charset="0"/>
+                <a:ea typeface="標楷體" panose="03000509000000000000" pitchFamily="65" charset="-120"/>
+              </a:rPr>
+              <a:t>relationship</a:t>
+            </a:r>
+            <a:r>
+              <a:rPr lang="zh-TW" altLang="en-US" dirty="0">
+                <a:latin typeface="Times New Roman" panose="02020603050405020304" pitchFamily="18" charset="0"/>
+                <a:ea typeface="標楷體" panose="03000509000000000000" pitchFamily="65" charset="-120"/>
+              </a:rPr>
+              <a:t>被實作為</a:t>
+            </a:r>
+            <a:r>
+              <a:rPr lang="en-US" altLang="zh-TW" dirty="0">
+                <a:latin typeface="Times New Roman" panose="02020603050405020304" pitchFamily="18" charset="0"/>
+                <a:ea typeface="標楷體" panose="03000509000000000000" pitchFamily="65" charset="-120"/>
+              </a:rPr>
+              <a:t>job table</a:t>
+            </a:r>
+            <a:endParaRPr lang="zh-TW" altLang="en-US" dirty="0">
+              <a:latin typeface="Times New Roman" panose="02020603050405020304" pitchFamily="18" charset="0"/>
+              <a:ea typeface="標楷體" panose="03000509000000000000" pitchFamily="65" charset="-120"/>
+            </a:endParaRPr>
+          </a:p>
+        </p:txBody>
+      </p:sp>
+      <p:cxnSp>
+        <p:nvCxnSpPr>
+          <p:cNvPr id="105" name="直線接點 104">
+            <a:extLst>
+              <a:ext uri="{FF2B5EF4-FFF2-40B4-BE49-F238E27FC236}">
+                <a16:creationId xmlns:a16="http://schemas.microsoft.com/office/drawing/2014/main" id="{4F0B9508-3564-4346-9406-819B4C3F53A2}"/>
+              </a:ext>
+            </a:extLst>
+          </p:cNvPr>
+          <p:cNvCxnSpPr>
+            <a:cxnSpLocks/>
+          </p:cNvCxnSpPr>
+          <p:nvPr/>
+        </p:nvCxnSpPr>
+        <p:spPr>
+          <a:xfrm flipV="1">
+            <a:off x="7108998" y="635867"/>
+            <a:ext cx="617385" cy="950538"/>
+          </a:xfrm>
+          <a:prstGeom prst="line">
+            <a:avLst/>
+          </a:prstGeom>
+          <a:ln w="57150">
+            <a:solidFill>
+              <a:srgbClr val="FF0000"/>
+            </a:solidFill>
+          </a:ln>
+        </p:spPr>
+        <p:style>
+          <a:lnRef idx="1">
+            <a:schemeClr val="accent1"/>
+          </a:lnRef>
+          <a:fillRef idx="0">
+            <a:schemeClr val="accent1"/>
+          </a:fillRef>
+          <a:effectRef idx="0">
+            <a:schemeClr val="accent1"/>
+          </a:effectRef>
+          <a:fontRef idx="minor">
+            <a:schemeClr val="tx1"/>
+          </a:fontRef>
+        </p:style>
+      </p:cxnSp>
+      <p:cxnSp>
+        <p:nvCxnSpPr>
+          <p:cNvPr id="110" name="直線接點 109">
+            <a:extLst>
+              <a:ext uri="{FF2B5EF4-FFF2-40B4-BE49-F238E27FC236}">
+                <a16:creationId xmlns:a16="http://schemas.microsoft.com/office/drawing/2014/main" id="{B7F455DC-EEF1-4293-A551-77A87907BE39}"/>
+              </a:ext>
+            </a:extLst>
+          </p:cNvPr>
+          <p:cNvCxnSpPr>
+            <a:cxnSpLocks/>
+            <a:stCxn id="5" idx="5"/>
+            <a:endCxn id="4" idx="1"/>
+          </p:cNvCxnSpPr>
+          <p:nvPr/>
+        </p:nvCxnSpPr>
+        <p:spPr>
+          <a:xfrm>
+            <a:off x="1723506" y="434991"/>
+            <a:ext cx="174737" cy="723663"/>
+          </a:xfrm>
+          <a:prstGeom prst="line">
+            <a:avLst/>
+          </a:prstGeom>
+        </p:spPr>
+        <p:style>
+          <a:lnRef idx="1">
+            <a:schemeClr val="accent1"/>
+          </a:lnRef>
+          <a:fillRef idx="0">
+            <a:schemeClr val="accent1"/>
+          </a:fillRef>
+          <a:effectRef idx="0">
+            <a:schemeClr val="accent1"/>
+          </a:effectRef>
+          <a:fontRef idx="minor">
+            <a:schemeClr val="tx1"/>
+          </a:fontRef>
+        </p:style>
+      </p:cxnSp>
+      <p:cxnSp>
+        <p:nvCxnSpPr>
+          <p:cNvPr id="112" name="直線接點 111">
+            <a:extLst>
+              <a:ext uri="{FF2B5EF4-FFF2-40B4-BE49-F238E27FC236}">
+                <a16:creationId xmlns:a16="http://schemas.microsoft.com/office/drawing/2014/main" id="{24561EDC-92E8-412A-B508-4A2514D2413A}"/>
+              </a:ext>
+            </a:extLst>
+          </p:cNvPr>
+          <p:cNvCxnSpPr>
+            <a:cxnSpLocks/>
+            <a:stCxn id="38" idx="6"/>
+            <a:endCxn id="4" idx="1"/>
+          </p:cNvCxnSpPr>
+          <p:nvPr/>
+        </p:nvCxnSpPr>
+        <p:spPr>
+          <a:xfrm>
+            <a:off x="1520942" y="850005"/>
+            <a:ext cx="377301" cy="308649"/>
+          </a:xfrm>
+          <a:prstGeom prst="line">
+            <a:avLst/>
+          </a:prstGeom>
+        </p:spPr>
+        <p:style>
+          <a:lnRef idx="1">
+            <a:schemeClr val="accent1"/>
+          </a:lnRef>
+          <a:fillRef idx="0">
+            <a:schemeClr val="accent1"/>
+          </a:fillRef>
+          <a:effectRef idx="0">
+            <a:schemeClr val="accent1"/>
+          </a:effectRef>
+          <a:fontRef idx="minor">
+            <a:schemeClr val="tx1"/>
+          </a:fontRef>
+        </p:style>
+      </p:cxnSp>
+      <p:cxnSp>
+        <p:nvCxnSpPr>
+          <p:cNvPr id="115" name="直線接點 114">
+            <a:extLst>
+              <a:ext uri="{FF2B5EF4-FFF2-40B4-BE49-F238E27FC236}">
+                <a16:creationId xmlns:a16="http://schemas.microsoft.com/office/drawing/2014/main" id="{A1694D64-C19B-4435-BB91-D5575F671BB9}"/>
+              </a:ext>
+            </a:extLst>
+          </p:cNvPr>
+          <p:cNvCxnSpPr>
+            <a:cxnSpLocks/>
+            <a:stCxn id="39" idx="6"/>
+            <a:endCxn id="4" idx="1"/>
+          </p:cNvCxnSpPr>
+          <p:nvPr/>
+        </p:nvCxnSpPr>
+        <p:spPr>
+          <a:xfrm flipV="1">
+            <a:off x="1520942" y="1158654"/>
+            <a:ext cx="377301" cy="308648"/>
+          </a:xfrm>
+          <a:prstGeom prst="line">
+            <a:avLst/>
+          </a:prstGeom>
+        </p:spPr>
+        <p:style>
+          <a:lnRef idx="1">
+            <a:schemeClr val="accent1"/>
+          </a:lnRef>
+          <a:fillRef idx="0">
+            <a:schemeClr val="accent1"/>
+          </a:fillRef>
+          <a:effectRef idx="0">
+            <a:schemeClr val="accent1"/>
+          </a:effectRef>
+          <a:fontRef idx="minor">
+            <a:schemeClr val="tx1"/>
+          </a:fontRef>
+        </p:style>
+      </p:cxnSp>
+      <p:cxnSp>
+        <p:nvCxnSpPr>
+          <p:cNvPr id="118" name="直線接點 117">
+            <a:extLst>
+              <a:ext uri="{FF2B5EF4-FFF2-40B4-BE49-F238E27FC236}">
+                <a16:creationId xmlns:a16="http://schemas.microsoft.com/office/drawing/2014/main" id="{58A7B990-ABD7-4CB0-AD3B-0AA74E947405}"/>
+              </a:ext>
+            </a:extLst>
+          </p:cNvPr>
+          <p:cNvCxnSpPr>
+            <a:cxnSpLocks/>
+            <a:stCxn id="4" idx="1"/>
+            <a:endCxn id="40" idx="7"/>
+          </p:cNvCxnSpPr>
+          <p:nvPr/>
+        </p:nvCxnSpPr>
+        <p:spPr>
+          <a:xfrm flipH="1">
+            <a:off x="1723507" y="1158654"/>
+            <a:ext cx="174736" cy="723662"/>
+          </a:xfrm>
+          <a:prstGeom prst="line">
+            <a:avLst/>
+          </a:prstGeom>
+        </p:spPr>
+        <p:style>
+          <a:lnRef idx="1">
+            <a:schemeClr val="accent1"/>
+          </a:lnRef>
+          <a:fillRef idx="0">
+            <a:schemeClr val="accent1"/>
+          </a:fillRef>
+          <a:effectRef idx="0">
+            <a:schemeClr val="accent1"/>
+          </a:effectRef>
+          <a:fontRef idx="minor">
+            <a:schemeClr val="tx1"/>
+          </a:fontRef>
+        </p:style>
+      </p:cxnSp>
+      <p:cxnSp>
+        <p:nvCxnSpPr>
+          <p:cNvPr id="121" name="直線接點 120">
+            <a:extLst>
+              <a:ext uri="{FF2B5EF4-FFF2-40B4-BE49-F238E27FC236}">
+                <a16:creationId xmlns:a16="http://schemas.microsoft.com/office/drawing/2014/main" id="{8FF08630-E1E0-4B4B-8C12-423C43121D5F}"/>
+              </a:ext>
+            </a:extLst>
+          </p:cNvPr>
+          <p:cNvCxnSpPr>
+            <a:cxnSpLocks/>
+            <a:stCxn id="85" idx="6"/>
+            <a:endCxn id="84" idx="1"/>
+          </p:cNvCxnSpPr>
+          <p:nvPr/>
+        </p:nvCxnSpPr>
+        <p:spPr>
+          <a:xfrm>
+            <a:off x="1520941" y="2825561"/>
+            <a:ext cx="377301" cy="308649"/>
+          </a:xfrm>
+          <a:prstGeom prst="line">
+            <a:avLst/>
+          </a:prstGeom>
+        </p:spPr>
+        <p:style>
+          <a:lnRef idx="1">
+            <a:schemeClr val="accent1"/>
+          </a:lnRef>
+          <a:fillRef idx="0">
+            <a:schemeClr val="accent1"/>
+          </a:fillRef>
+          <a:effectRef idx="0">
+            <a:schemeClr val="accent1"/>
+          </a:effectRef>
+          <a:fontRef idx="minor">
+            <a:schemeClr val="tx1"/>
+          </a:fontRef>
+        </p:style>
+      </p:cxnSp>
+      <p:cxnSp>
+        <p:nvCxnSpPr>
+          <p:cNvPr id="124" name="直線接點 123">
+            <a:extLst>
+              <a:ext uri="{FF2B5EF4-FFF2-40B4-BE49-F238E27FC236}">
+                <a16:creationId xmlns:a16="http://schemas.microsoft.com/office/drawing/2014/main" id="{F17B30F4-3834-4C91-B04D-BC52BC3F06BD}"/>
+              </a:ext>
+            </a:extLst>
+          </p:cNvPr>
+          <p:cNvCxnSpPr>
+            <a:cxnSpLocks/>
+            <a:stCxn id="86" idx="6"/>
+            <a:endCxn id="84" idx="1"/>
+          </p:cNvCxnSpPr>
+          <p:nvPr/>
+        </p:nvCxnSpPr>
+        <p:spPr>
+          <a:xfrm flipV="1">
+            <a:off x="1520941" y="3134210"/>
+            <a:ext cx="377301" cy="308648"/>
+          </a:xfrm>
+          <a:prstGeom prst="line">
+            <a:avLst/>
+          </a:prstGeom>
+        </p:spPr>
+        <p:style>
+          <a:lnRef idx="1">
+            <a:schemeClr val="accent1"/>
+          </a:lnRef>
+          <a:fillRef idx="0">
+            <a:schemeClr val="accent1"/>
+          </a:fillRef>
+          <a:effectRef idx="0">
+            <a:schemeClr val="accent1"/>
+          </a:effectRef>
+          <a:fontRef idx="minor">
+            <a:schemeClr val="tx1"/>
+          </a:fontRef>
+        </p:style>
+      </p:cxnSp>
+      <p:cxnSp>
+        <p:nvCxnSpPr>
+          <p:cNvPr id="127" name="直線接點 126">
+            <a:extLst>
+              <a:ext uri="{FF2B5EF4-FFF2-40B4-BE49-F238E27FC236}">
+                <a16:creationId xmlns:a16="http://schemas.microsoft.com/office/drawing/2014/main" id="{44D0FB87-504C-4ECC-B100-26746E1E77B6}"/>
+              </a:ext>
+            </a:extLst>
+          </p:cNvPr>
+          <p:cNvCxnSpPr>
+            <a:cxnSpLocks/>
+            <a:stCxn id="69" idx="6"/>
+            <a:endCxn id="68" idx="1"/>
+          </p:cNvCxnSpPr>
+          <p:nvPr/>
+        </p:nvCxnSpPr>
+        <p:spPr>
+          <a:xfrm>
+            <a:off x="1520942" y="4891716"/>
+            <a:ext cx="377301" cy="308649"/>
+          </a:xfrm>
+          <a:prstGeom prst="line">
+            <a:avLst/>
+          </a:prstGeom>
+        </p:spPr>
+        <p:style>
+          <a:lnRef idx="1">
+            <a:schemeClr val="accent1"/>
+          </a:lnRef>
+          <a:fillRef idx="0">
+            <a:schemeClr val="accent1"/>
+          </a:fillRef>
+          <a:effectRef idx="0">
+            <a:schemeClr val="accent1"/>
+          </a:effectRef>
+          <a:fontRef idx="minor">
+            <a:schemeClr val="tx1"/>
+          </a:fontRef>
+        </p:style>
+      </p:cxnSp>
+      <p:cxnSp>
+        <p:nvCxnSpPr>
+          <p:cNvPr id="130" name="直線接點 129">
+            <a:extLst>
+              <a:ext uri="{FF2B5EF4-FFF2-40B4-BE49-F238E27FC236}">
+                <a16:creationId xmlns:a16="http://schemas.microsoft.com/office/drawing/2014/main" id="{18BAA586-3AFD-4DA7-8299-DCDFFB4B87AF}"/>
+              </a:ext>
+            </a:extLst>
+          </p:cNvPr>
+          <p:cNvCxnSpPr>
+            <a:cxnSpLocks/>
+            <a:stCxn id="70" idx="6"/>
+            <a:endCxn id="68" idx="1"/>
+          </p:cNvCxnSpPr>
+          <p:nvPr/>
+        </p:nvCxnSpPr>
+        <p:spPr>
+          <a:xfrm flipV="1">
+            <a:off x="1520942" y="5200365"/>
+            <a:ext cx="377301" cy="308648"/>
+          </a:xfrm>
+          <a:prstGeom prst="line">
+            <a:avLst/>
+          </a:prstGeom>
+        </p:spPr>
+        <p:style>
+          <a:lnRef idx="1">
+            <a:schemeClr val="accent1"/>
+          </a:lnRef>
+          <a:fillRef idx="0">
+            <a:schemeClr val="accent1"/>
+          </a:fillRef>
+          <a:effectRef idx="0">
+            <a:schemeClr val="accent1"/>
+          </a:effectRef>
+          <a:fontRef idx="minor">
+            <a:schemeClr val="tx1"/>
+          </a:fontRef>
+        </p:style>
+      </p:cxnSp>
+      <p:cxnSp>
+        <p:nvCxnSpPr>
+          <p:cNvPr id="133" name="直線接點 132">
+            <a:extLst>
+              <a:ext uri="{FF2B5EF4-FFF2-40B4-BE49-F238E27FC236}">
+                <a16:creationId xmlns:a16="http://schemas.microsoft.com/office/drawing/2014/main" id="{B4D3AAD5-C1EE-4570-81F4-822EE98ED694}"/>
+              </a:ext>
+            </a:extLst>
+          </p:cNvPr>
+          <p:cNvCxnSpPr>
+            <a:cxnSpLocks/>
+            <a:stCxn id="59" idx="2"/>
+            <a:endCxn id="25" idx="1"/>
+          </p:cNvCxnSpPr>
+          <p:nvPr/>
+        </p:nvCxnSpPr>
+        <p:spPr>
+          <a:xfrm flipH="1">
+            <a:off x="8952664" y="1505973"/>
+            <a:ext cx="377295" cy="1624040"/>
+          </a:xfrm>
+          <a:prstGeom prst="line">
+            <a:avLst/>
+          </a:prstGeom>
+        </p:spPr>
+        <p:style>
+          <a:lnRef idx="1">
+            <a:schemeClr val="accent1"/>
+          </a:lnRef>
+          <a:fillRef idx="0">
+            <a:schemeClr val="accent1"/>
+          </a:fillRef>
+          <a:effectRef idx="0">
+            <a:schemeClr val="accent1"/>
+          </a:effectRef>
+          <a:fontRef idx="minor">
+            <a:schemeClr val="tx1"/>
+          </a:fontRef>
+        </p:style>
+      </p:cxnSp>
+      <p:cxnSp>
+        <p:nvCxnSpPr>
+          <p:cNvPr id="136" name="直線接點 135">
+            <a:extLst>
+              <a:ext uri="{FF2B5EF4-FFF2-40B4-BE49-F238E27FC236}">
+                <a16:creationId xmlns:a16="http://schemas.microsoft.com/office/drawing/2014/main" id="{046E40E4-9016-4DA2-9C16-A493098964C8}"/>
+              </a:ext>
+            </a:extLst>
+          </p:cNvPr>
+          <p:cNvCxnSpPr>
+            <a:cxnSpLocks/>
+            <a:stCxn id="57" idx="2"/>
+            <a:endCxn id="25" idx="1"/>
+          </p:cNvCxnSpPr>
+          <p:nvPr/>
+        </p:nvCxnSpPr>
+        <p:spPr>
+          <a:xfrm flipH="1" flipV="1">
+            <a:off x="8952664" y="3130013"/>
+            <a:ext cx="377298" cy="1636628"/>
+          </a:xfrm>
+          <a:prstGeom prst="line">
+            <a:avLst/>
+          </a:prstGeom>
+        </p:spPr>
+        <p:style>
+          <a:lnRef idx="1">
+            <a:schemeClr val="accent1"/>
+          </a:lnRef>
+          <a:fillRef idx="0">
+            <a:schemeClr val="accent1"/>
+          </a:fillRef>
+          <a:effectRef idx="0">
+            <a:schemeClr val="accent1"/>
+          </a:effectRef>
+          <a:fontRef idx="minor">
+            <a:schemeClr val="tx1"/>
+          </a:fontRef>
+        </p:style>
+      </p:cxnSp>
+      <p:cxnSp>
+        <p:nvCxnSpPr>
+          <p:cNvPr id="139" name="直線接點 138">
+            <a:extLst>
+              <a:ext uri="{FF2B5EF4-FFF2-40B4-BE49-F238E27FC236}">
+                <a16:creationId xmlns:a16="http://schemas.microsoft.com/office/drawing/2014/main" id="{CD774032-8497-4387-9580-7BF91A5132A0}"/>
+              </a:ext>
+            </a:extLst>
+          </p:cNvPr>
+          <p:cNvCxnSpPr>
+            <a:cxnSpLocks/>
+            <a:stCxn id="50" idx="2"/>
+            <a:endCxn id="25" idx="1"/>
+          </p:cNvCxnSpPr>
+          <p:nvPr/>
+        </p:nvCxnSpPr>
+        <p:spPr>
+          <a:xfrm flipH="1">
+            <a:off x="8952664" y="1972881"/>
+            <a:ext cx="377298" cy="1157132"/>
+          </a:xfrm>
+          <a:prstGeom prst="line">
+            <a:avLst/>
+          </a:prstGeom>
+        </p:spPr>
+        <p:style>
+          <a:lnRef idx="1">
+            <a:schemeClr val="accent1"/>
+          </a:lnRef>
+          <a:fillRef idx="0">
+            <a:schemeClr val="accent1"/>
+          </a:fillRef>
+          <a:effectRef idx="0">
+            <a:schemeClr val="accent1"/>
+          </a:effectRef>
+          <a:fontRef idx="minor">
+            <a:schemeClr val="tx1"/>
+          </a:fontRef>
+        </p:style>
+      </p:cxnSp>
+      <p:cxnSp>
+        <p:nvCxnSpPr>
+          <p:cNvPr id="142" name="直線接點 141">
+            <a:extLst>
+              <a:ext uri="{FF2B5EF4-FFF2-40B4-BE49-F238E27FC236}">
+                <a16:creationId xmlns:a16="http://schemas.microsoft.com/office/drawing/2014/main" id="{89AB42ED-59C4-4FCE-8B43-93ADD31CB9C3}"/>
+              </a:ext>
+            </a:extLst>
+          </p:cNvPr>
+          <p:cNvCxnSpPr>
+            <a:cxnSpLocks/>
+            <a:stCxn id="54" idx="2"/>
+            <a:endCxn id="25" idx="1"/>
+          </p:cNvCxnSpPr>
+          <p:nvPr/>
+        </p:nvCxnSpPr>
+        <p:spPr>
+          <a:xfrm flipH="1">
+            <a:off x="8952664" y="2427551"/>
+            <a:ext cx="377299" cy="702462"/>
+          </a:xfrm>
+          <a:prstGeom prst="line">
+            <a:avLst/>
+          </a:prstGeom>
+        </p:spPr>
+        <p:style>
+          <a:lnRef idx="1">
+            <a:schemeClr val="accent1"/>
+          </a:lnRef>
+          <a:fillRef idx="0">
+            <a:schemeClr val="accent1"/>
+          </a:fillRef>
+          <a:effectRef idx="0">
+            <a:schemeClr val="accent1"/>
+          </a:effectRef>
+          <a:fontRef idx="minor">
+            <a:schemeClr val="tx1"/>
+          </a:fontRef>
+        </p:style>
+      </p:cxnSp>
+      <p:cxnSp>
+        <p:nvCxnSpPr>
+          <p:cNvPr id="145" name="直線接點 144">
+            <a:extLst>
+              <a:ext uri="{FF2B5EF4-FFF2-40B4-BE49-F238E27FC236}">
+                <a16:creationId xmlns:a16="http://schemas.microsoft.com/office/drawing/2014/main" id="{88F2D826-0834-43DA-A82D-A097CF20B9B7}"/>
+              </a:ext>
+            </a:extLst>
+          </p:cNvPr>
+          <p:cNvCxnSpPr>
+            <a:cxnSpLocks/>
+            <a:stCxn id="53" idx="2"/>
+            <a:endCxn id="25" idx="1"/>
+          </p:cNvCxnSpPr>
+          <p:nvPr/>
+        </p:nvCxnSpPr>
+        <p:spPr>
+          <a:xfrm flipH="1">
+            <a:off x="8952664" y="2898656"/>
+            <a:ext cx="377301" cy="231357"/>
+          </a:xfrm>
+          <a:prstGeom prst="line">
+            <a:avLst/>
+          </a:prstGeom>
+        </p:spPr>
+        <p:style>
+          <a:lnRef idx="1">
+            <a:schemeClr val="accent1"/>
+          </a:lnRef>
+          <a:fillRef idx="0">
+            <a:schemeClr val="accent1"/>
+          </a:fillRef>
+          <a:effectRef idx="0">
+            <a:schemeClr val="accent1"/>
+          </a:effectRef>
+          <a:fontRef idx="minor">
+            <a:schemeClr val="tx1"/>
+          </a:fontRef>
+        </p:style>
+      </p:cxnSp>
+      <p:cxnSp>
+        <p:nvCxnSpPr>
+          <p:cNvPr id="148" name="直線接點 147">
+            <a:extLst>
+              <a:ext uri="{FF2B5EF4-FFF2-40B4-BE49-F238E27FC236}">
+                <a16:creationId xmlns:a16="http://schemas.microsoft.com/office/drawing/2014/main" id="{3090C170-E178-42DA-B920-34BDB882AD35}"/>
+              </a:ext>
+            </a:extLst>
+          </p:cNvPr>
+          <p:cNvCxnSpPr>
+            <a:cxnSpLocks/>
+            <a:stCxn id="55" idx="2"/>
+            <a:endCxn id="25" idx="1"/>
+          </p:cNvCxnSpPr>
+          <p:nvPr/>
+        </p:nvCxnSpPr>
+        <p:spPr>
+          <a:xfrm flipH="1" flipV="1">
+            <a:off x="8952664" y="3130013"/>
+            <a:ext cx="377300" cy="239748"/>
+          </a:xfrm>
+          <a:prstGeom prst="line">
+            <a:avLst/>
+          </a:prstGeom>
+        </p:spPr>
+        <p:style>
+          <a:lnRef idx="1">
+            <a:schemeClr val="accent1"/>
+          </a:lnRef>
+          <a:fillRef idx="0">
+            <a:schemeClr val="accent1"/>
+          </a:fillRef>
+          <a:effectRef idx="0">
+            <a:schemeClr val="accent1"/>
+          </a:effectRef>
+          <a:fontRef idx="minor">
+            <a:schemeClr val="tx1"/>
+          </a:fontRef>
+        </p:style>
+      </p:cxnSp>
+      <p:cxnSp>
+        <p:nvCxnSpPr>
+          <p:cNvPr id="151" name="直線接點 150">
+            <a:extLst>
+              <a:ext uri="{FF2B5EF4-FFF2-40B4-BE49-F238E27FC236}">
+                <a16:creationId xmlns:a16="http://schemas.microsoft.com/office/drawing/2014/main" id="{96D82371-BD5A-4000-A0B6-C9E10C46572D}"/>
+              </a:ext>
+            </a:extLst>
+          </p:cNvPr>
+          <p:cNvCxnSpPr>
+            <a:cxnSpLocks/>
+            <a:stCxn id="56" idx="2"/>
+            <a:endCxn id="25" idx="1"/>
+          </p:cNvCxnSpPr>
+          <p:nvPr/>
+        </p:nvCxnSpPr>
+        <p:spPr>
+          <a:xfrm flipH="1" flipV="1">
+            <a:off x="8952664" y="3130013"/>
+            <a:ext cx="377295" cy="710853"/>
+          </a:xfrm>
+          <a:prstGeom prst="line">
+            <a:avLst/>
+          </a:prstGeom>
+        </p:spPr>
+        <p:style>
+          <a:lnRef idx="1">
+            <a:schemeClr val="accent1"/>
+          </a:lnRef>
+          <a:fillRef idx="0">
+            <a:schemeClr val="accent1"/>
+          </a:fillRef>
+          <a:effectRef idx="0">
+            <a:schemeClr val="accent1"/>
+          </a:effectRef>
+          <a:fontRef idx="minor">
+            <a:schemeClr val="tx1"/>
+          </a:fontRef>
+        </p:style>
+      </p:cxnSp>
+      <p:cxnSp>
+        <p:nvCxnSpPr>
+          <p:cNvPr id="154" name="直線接點 153">
+            <a:extLst>
+              <a:ext uri="{FF2B5EF4-FFF2-40B4-BE49-F238E27FC236}">
+                <a16:creationId xmlns:a16="http://schemas.microsoft.com/office/drawing/2014/main" id="{8696BC5F-2E08-4442-9965-BD0BE3DB1FC4}"/>
+              </a:ext>
+            </a:extLst>
+          </p:cNvPr>
+          <p:cNvCxnSpPr>
+            <a:cxnSpLocks/>
+            <a:stCxn id="58" idx="2"/>
+            <a:endCxn id="25" idx="1"/>
+          </p:cNvCxnSpPr>
+          <p:nvPr/>
+        </p:nvCxnSpPr>
+        <p:spPr>
+          <a:xfrm flipH="1" flipV="1">
+            <a:off x="8952664" y="3130013"/>
+            <a:ext cx="377296" cy="1165523"/>
+          </a:xfrm>
+          <a:prstGeom prst="line">
+            <a:avLst/>
+          </a:prstGeom>
+        </p:spPr>
+        <p:style>
+          <a:lnRef idx="1">
+            <a:schemeClr val="accent1"/>
+          </a:lnRef>
+          <a:fillRef idx="0">
+            <a:schemeClr val="accent1"/>
+          </a:fillRef>
+          <a:effectRef idx="0">
+            <a:schemeClr val="accent1"/>
+          </a:effectRef>
+          <a:fontRef idx="minor">
+            <a:schemeClr val="tx1"/>
+          </a:fontRef>
+        </p:style>
+      </p:cxnSp>
+      <p:sp>
+        <p:nvSpPr>
+          <p:cNvPr id="158" name="菱形 157">
+            <a:extLst>
+              <a:ext uri="{FF2B5EF4-FFF2-40B4-BE49-F238E27FC236}">
+                <a16:creationId xmlns:a16="http://schemas.microsoft.com/office/drawing/2014/main" id="{4143B8A8-410F-4A38-BB32-5DD7E2726B9E}"/>
+              </a:ext>
+            </a:extLst>
+          </p:cNvPr>
+          <p:cNvSpPr/>
+          <p:nvPr/>
+        </p:nvSpPr>
+        <p:spPr>
+          <a:xfrm>
+            <a:off x="7576625" y="5045511"/>
+            <a:ext cx="1640519" cy="745240"/>
+          </a:xfrm>
+          <a:prstGeom prst="diamond">
+            <a:avLst/>
+          </a:prstGeom>
+        </p:spPr>
+        <p:style>
+          <a:lnRef idx="2">
+            <a:schemeClr val="accent6">
+              <a:shade val="50000"/>
+            </a:schemeClr>
+          </a:lnRef>
+          <a:fillRef idx="1">
+            <a:schemeClr val="accent6"/>
+          </a:fillRef>
+          <a:effectRef idx="0">
+            <a:schemeClr val="accent6"/>
+          </a:effectRef>
+          <a:fontRef idx="minor">
+            <a:schemeClr val="lt1"/>
+          </a:fontRef>
+        </p:style>
+        <p:txBody>
+          <a:bodyPr rtlCol="0" anchor="ctr"/>
+          <a:lstStyle/>
+          <a:p>
+            <a:pPr algn="ctr"/>
+            <a:r>
+              <a:rPr lang="zh-TW" altLang="en-US" sz="1200" dirty="0">
+                <a:latin typeface="Times New Roman" panose="02020603050405020304" pitchFamily="18" charset="0"/>
+                <a:ea typeface="標楷體" panose="03000509000000000000" pitchFamily="65" charset="-120"/>
+              </a:rPr>
+              <a:t>　</a:t>
+            </a:r>
+            <a:r>
+              <a:rPr lang="zh-TW" altLang="en-US" sz="1600" dirty="0">
+                <a:latin typeface="Times New Roman" panose="02020603050405020304" pitchFamily="18" charset="0"/>
+                <a:ea typeface="標楷體" panose="03000509000000000000" pitchFamily="65" charset="-120"/>
+              </a:rPr>
+              <a:t>最愛</a:t>
+            </a:r>
+            <a:r>
+              <a:rPr lang="zh-TW" altLang="en-US" sz="1200" dirty="0">
+                <a:latin typeface="Times New Roman" panose="02020603050405020304" pitchFamily="18" charset="0"/>
+                <a:ea typeface="標楷體" panose="03000509000000000000" pitchFamily="65" charset="-120"/>
+              </a:rPr>
+              <a:t>（</a:t>
+            </a:r>
+            <a:r>
+              <a:rPr lang="en-US" altLang="zh-TW" sz="1200" dirty="0">
+                <a:latin typeface="Times New Roman" panose="02020603050405020304" pitchFamily="18" charset="0"/>
+                <a:ea typeface="標楷體" panose="03000509000000000000" pitchFamily="65" charset="-120"/>
+              </a:rPr>
+              <a:t>favorite</a:t>
+            </a:r>
+            <a:r>
+              <a:rPr lang="zh-TW" altLang="en-US" sz="1200" dirty="0">
+                <a:latin typeface="Times New Roman" panose="02020603050405020304" pitchFamily="18" charset="0"/>
+                <a:ea typeface="標楷體" panose="03000509000000000000" pitchFamily="65" charset="-120"/>
+              </a:rPr>
+              <a:t>）</a:t>
+            </a:r>
+          </a:p>
+        </p:txBody>
+      </p:sp>
+      <p:cxnSp>
+        <p:nvCxnSpPr>
+          <p:cNvPr id="159" name="直線接點 158">
+            <a:extLst>
+              <a:ext uri="{FF2B5EF4-FFF2-40B4-BE49-F238E27FC236}">
+                <a16:creationId xmlns:a16="http://schemas.microsoft.com/office/drawing/2014/main" id="{85B76FDE-8BA6-4DF7-B4A5-6C07C3B32221}"/>
+              </a:ext>
+            </a:extLst>
+          </p:cNvPr>
+          <p:cNvCxnSpPr>
+            <a:cxnSpLocks/>
+            <a:stCxn id="158" idx="0"/>
+            <a:endCxn id="25" idx="2"/>
+          </p:cNvCxnSpPr>
+          <p:nvPr/>
+        </p:nvCxnSpPr>
+        <p:spPr>
+          <a:xfrm flipH="1" flipV="1">
+            <a:off x="8264644" y="3498436"/>
+            <a:ext cx="132241" cy="1547075"/>
+          </a:xfrm>
+          <a:prstGeom prst="line">
+            <a:avLst/>
+          </a:prstGeom>
+          <a:ln w="38100"/>
+        </p:spPr>
+        <p:style>
+          <a:lnRef idx="1">
+            <a:schemeClr val="dk1"/>
+          </a:lnRef>
+          <a:fillRef idx="0">
+            <a:schemeClr val="dk1"/>
+          </a:fillRef>
+          <a:effectRef idx="0">
+            <a:schemeClr val="dk1"/>
+          </a:effectRef>
+          <a:fontRef idx="minor">
+            <a:schemeClr val="tx1"/>
+          </a:fontRef>
+        </p:style>
+      </p:cxnSp>
+      <p:sp>
+        <p:nvSpPr>
+          <p:cNvPr id="160" name="矩形 159">
+            <a:extLst>
+              <a:ext uri="{FF2B5EF4-FFF2-40B4-BE49-F238E27FC236}">
+                <a16:creationId xmlns:a16="http://schemas.microsoft.com/office/drawing/2014/main" id="{C2E12020-3FBD-4458-9AF8-6ED10DFA9791}"/>
+              </a:ext>
+            </a:extLst>
+          </p:cNvPr>
+          <p:cNvSpPr/>
+          <p:nvPr/>
+        </p:nvSpPr>
+        <p:spPr>
+          <a:xfrm>
+            <a:off x="9353621" y="5740369"/>
+            <a:ext cx="1376039" cy="736847"/>
+          </a:xfrm>
+          <a:prstGeom prst="rect">
+            <a:avLst/>
+          </a:prstGeom>
+        </p:spPr>
+        <p:style>
+          <a:lnRef idx="2">
+            <a:schemeClr val="accent4">
+              <a:shade val="50000"/>
+            </a:schemeClr>
+          </a:lnRef>
+          <a:fillRef idx="1">
+            <a:schemeClr val="accent4"/>
+          </a:fillRef>
+          <a:effectRef idx="0">
+            <a:schemeClr val="accent4"/>
+          </a:effectRef>
+          <a:fontRef idx="minor">
+            <a:schemeClr val="lt1"/>
+          </a:fontRef>
+        </p:style>
+        <p:txBody>
+          <a:bodyPr rtlCol="0" anchor="ctr"/>
+          <a:lstStyle/>
+          <a:p>
+            <a:pPr algn="ctr"/>
+            <a:r>
+              <a:rPr lang="zh-TW" altLang="en-US" sz="1600" dirty="0">
+                <a:solidFill>
+                  <a:sysClr val="windowText" lastClr="000000"/>
+                </a:solidFill>
+                <a:latin typeface="Times New Roman" panose="02020603050405020304" pitchFamily="18" charset="0"/>
+                <a:ea typeface="標楷體" panose="03000509000000000000" pitchFamily="65" charset="-120"/>
+              </a:rPr>
+              <a:t>使用者</a:t>
+            </a:r>
+            <a:endParaRPr lang="en-US" altLang="zh-TW" sz="1600" dirty="0">
+              <a:solidFill>
+                <a:sysClr val="windowText" lastClr="000000"/>
+              </a:solidFill>
+              <a:latin typeface="Times New Roman" panose="02020603050405020304" pitchFamily="18" charset="0"/>
+              <a:ea typeface="標楷體" panose="03000509000000000000" pitchFamily="65" charset="-120"/>
+            </a:endParaRPr>
+          </a:p>
+          <a:p>
+            <a:pPr algn="ctr"/>
+            <a:r>
+              <a:rPr lang="zh-TW" altLang="en-US" sz="1600" dirty="0">
+                <a:solidFill>
+                  <a:sysClr val="windowText" lastClr="000000"/>
+                </a:solidFill>
+                <a:latin typeface="Times New Roman" panose="02020603050405020304" pitchFamily="18" charset="0"/>
+                <a:ea typeface="標楷體" panose="03000509000000000000" pitchFamily="65" charset="-120"/>
+              </a:rPr>
+              <a:t>（</a:t>
+            </a:r>
+            <a:r>
+              <a:rPr lang="en-US" altLang="zh-TW" sz="1600" dirty="0">
+                <a:solidFill>
+                  <a:sysClr val="windowText" lastClr="000000"/>
+                </a:solidFill>
+                <a:latin typeface="Times New Roman" panose="02020603050405020304" pitchFamily="18" charset="0"/>
+                <a:ea typeface="標楷體" panose="03000509000000000000" pitchFamily="65" charset="-120"/>
+              </a:rPr>
+              <a:t>user</a:t>
+            </a:r>
+            <a:r>
+              <a:rPr lang="zh-TW" altLang="en-US" sz="1600" dirty="0">
+                <a:solidFill>
+                  <a:sysClr val="windowText" lastClr="000000"/>
+                </a:solidFill>
+                <a:latin typeface="Times New Roman" panose="02020603050405020304" pitchFamily="18" charset="0"/>
+                <a:ea typeface="標楷體" panose="03000509000000000000" pitchFamily="65" charset="-120"/>
+              </a:rPr>
+              <a:t>）</a:t>
+            </a:r>
+          </a:p>
+        </p:txBody>
+      </p:sp>
+      <p:sp>
+        <p:nvSpPr>
+          <p:cNvPr id="161" name="橢圓 160">
+            <a:extLst>
+              <a:ext uri="{FF2B5EF4-FFF2-40B4-BE49-F238E27FC236}">
+                <a16:creationId xmlns:a16="http://schemas.microsoft.com/office/drawing/2014/main" id="{80D9A839-2159-482E-AF45-0CE69D70876A}"/>
+              </a:ext>
+            </a:extLst>
+          </p:cNvPr>
+          <p:cNvSpPr/>
+          <p:nvPr/>
+        </p:nvSpPr>
+        <p:spPr>
+          <a:xfrm>
+            <a:off x="10866137" y="4964812"/>
+            <a:ext cx="1158877" cy="462712"/>
+          </a:xfrm>
+          <a:prstGeom prst="ellipse">
+            <a:avLst/>
+          </a:prstGeom>
+        </p:spPr>
+        <p:style>
+          <a:lnRef idx="2">
+            <a:schemeClr val="accent5">
+              <a:shade val="50000"/>
+            </a:schemeClr>
+          </a:lnRef>
+          <a:fillRef idx="1">
+            <a:schemeClr val="accent5"/>
+          </a:fillRef>
+          <a:effectRef idx="0">
+            <a:schemeClr val="accent5"/>
+          </a:effectRef>
+          <a:fontRef idx="minor">
+            <a:schemeClr val="lt1"/>
+          </a:fontRef>
+        </p:style>
+        <p:txBody>
+          <a:bodyPr rtlCol="0" anchor="ctr"/>
+          <a:lstStyle/>
+          <a:p>
+            <a:pPr algn="ctr"/>
+            <a:r>
+              <a:rPr lang="en-US" altLang="zh-TW" sz="1250" dirty="0">
+                <a:latin typeface="標楷體" panose="03000509000000000000" pitchFamily="65" charset="-120"/>
+                <a:ea typeface="標楷體" panose="03000509000000000000" pitchFamily="65" charset="-120"/>
+              </a:rPr>
+              <a:t>username</a:t>
+            </a:r>
+            <a:endParaRPr lang="zh-TW" altLang="en-US" sz="1250" dirty="0">
+              <a:latin typeface="標楷體" panose="03000509000000000000" pitchFamily="65" charset="-120"/>
+              <a:ea typeface="標楷體" panose="03000509000000000000" pitchFamily="65" charset="-120"/>
+            </a:endParaRPr>
+          </a:p>
+        </p:txBody>
+      </p:sp>
+      <p:sp>
+        <p:nvSpPr>
+          <p:cNvPr id="162" name="橢圓 161">
+            <a:extLst>
+              <a:ext uri="{FF2B5EF4-FFF2-40B4-BE49-F238E27FC236}">
+                <a16:creationId xmlns:a16="http://schemas.microsoft.com/office/drawing/2014/main" id="{03672B2A-0142-40A4-9A1C-E2C8E6115F2A}"/>
+              </a:ext>
+            </a:extLst>
+          </p:cNvPr>
+          <p:cNvSpPr/>
+          <p:nvPr/>
+        </p:nvSpPr>
+        <p:spPr>
+          <a:xfrm>
+            <a:off x="11033123" y="6012904"/>
+            <a:ext cx="1158877" cy="462712"/>
+          </a:xfrm>
+          <a:prstGeom prst="ellipse">
+            <a:avLst/>
+          </a:prstGeom>
+        </p:spPr>
+        <p:style>
+          <a:lnRef idx="2">
+            <a:schemeClr val="accent5">
+              <a:shade val="50000"/>
+            </a:schemeClr>
+          </a:lnRef>
+          <a:fillRef idx="1">
+            <a:schemeClr val="accent5"/>
+          </a:fillRef>
+          <a:effectRef idx="0">
+            <a:schemeClr val="accent5"/>
+          </a:effectRef>
+          <a:fontRef idx="minor">
+            <a:schemeClr val="lt1"/>
+          </a:fontRef>
+        </p:style>
+        <p:txBody>
+          <a:bodyPr rtlCol="0" anchor="ctr"/>
+          <a:lstStyle/>
+          <a:p>
+            <a:pPr algn="ctr"/>
+            <a:r>
+              <a:rPr lang="en-US" altLang="zh-TW" sz="1600" dirty="0">
+                <a:latin typeface="標楷體" panose="03000509000000000000" pitchFamily="65" charset="-120"/>
+                <a:ea typeface="標楷體" panose="03000509000000000000" pitchFamily="65" charset="-120"/>
+              </a:rPr>
+              <a:t>passwd</a:t>
+            </a:r>
+            <a:endParaRPr lang="zh-TW" altLang="en-US" sz="1600" dirty="0">
+              <a:latin typeface="標楷體" panose="03000509000000000000" pitchFamily="65" charset="-120"/>
+              <a:ea typeface="標楷體" panose="03000509000000000000" pitchFamily="65" charset="-120"/>
+            </a:endParaRPr>
+          </a:p>
+        </p:txBody>
+      </p:sp>
+      <p:cxnSp>
+        <p:nvCxnSpPr>
+          <p:cNvPr id="163" name="直線接點 162">
+            <a:extLst>
+              <a:ext uri="{FF2B5EF4-FFF2-40B4-BE49-F238E27FC236}">
+                <a16:creationId xmlns:a16="http://schemas.microsoft.com/office/drawing/2014/main" id="{C1DFFCE1-F8E0-487F-BDEA-BE7EF631171E}"/>
+              </a:ext>
+            </a:extLst>
+          </p:cNvPr>
+          <p:cNvCxnSpPr>
+            <a:cxnSpLocks/>
+            <a:stCxn id="161" idx="4"/>
+            <a:endCxn id="160" idx="3"/>
+          </p:cNvCxnSpPr>
+          <p:nvPr/>
+        </p:nvCxnSpPr>
+        <p:spPr>
+          <a:xfrm flipH="1">
+            <a:off x="10729660" y="5427524"/>
+            <a:ext cx="715916" cy="681269"/>
+          </a:xfrm>
+          <a:prstGeom prst="line">
+            <a:avLst/>
+          </a:prstGeom>
+        </p:spPr>
+        <p:style>
+          <a:lnRef idx="1">
+            <a:schemeClr val="accent1"/>
+          </a:lnRef>
+          <a:fillRef idx="0">
+            <a:schemeClr val="accent1"/>
+          </a:fillRef>
+          <a:effectRef idx="0">
+            <a:schemeClr val="accent1"/>
+          </a:effectRef>
+          <a:fontRef idx="minor">
+            <a:schemeClr val="tx1"/>
+          </a:fontRef>
+        </p:style>
+      </p:cxnSp>
+      <p:cxnSp>
+        <p:nvCxnSpPr>
+          <p:cNvPr id="164" name="直線接點 163">
+            <a:extLst>
+              <a:ext uri="{FF2B5EF4-FFF2-40B4-BE49-F238E27FC236}">
+                <a16:creationId xmlns:a16="http://schemas.microsoft.com/office/drawing/2014/main" id="{1C210BDA-EAFE-435C-9D4E-185F6A76715A}"/>
+              </a:ext>
+            </a:extLst>
+          </p:cNvPr>
+          <p:cNvCxnSpPr>
+            <a:cxnSpLocks/>
+            <a:stCxn id="162" idx="2"/>
+            <a:endCxn id="160" idx="3"/>
+          </p:cNvCxnSpPr>
+          <p:nvPr/>
+        </p:nvCxnSpPr>
+        <p:spPr>
+          <a:xfrm flipH="1" flipV="1">
+            <a:off x="10729660" y="6108793"/>
+            <a:ext cx="303463" cy="135467"/>
+          </a:xfrm>
+          <a:prstGeom prst="line">
+            <a:avLst/>
+          </a:prstGeom>
+        </p:spPr>
+        <p:style>
+          <a:lnRef idx="1">
+            <a:schemeClr val="accent1"/>
+          </a:lnRef>
+          <a:fillRef idx="0">
+            <a:schemeClr val="accent1"/>
+          </a:fillRef>
+          <a:effectRef idx="0">
+            <a:schemeClr val="accent1"/>
+          </a:effectRef>
+          <a:fontRef idx="minor">
+            <a:schemeClr val="tx1"/>
+          </a:fontRef>
+        </p:style>
+      </p:cxnSp>
+      <p:cxnSp>
+        <p:nvCxnSpPr>
+          <p:cNvPr id="165" name="直線接點 164">
+            <a:extLst>
+              <a:ext uri="{FF2B5EF4-FFF2-40B4-BE49-F238E27FC236}">
+                <a16:creationId xmlns:a16="http://schemas.microsoft.com/office/drawing/2014/main" id="{64E38CA5-9EDF-41C2-B861-1E26770D3154}"/>
+              </a:ext>
+            </a:extLst>
+          </p:cNvPr>
+          <p:cNvCxnSpPr>
+            <a:cxnSpLocks/>
+            <a:stCxn id="158" idx="2"/>
+            <a:endCxn id="160" idx="1"/>
+          </p:cNvCxnSpPr>
+          <p:nvPr/>
+        </p:nvCxnSpPr>
+        <p:spPr>
+          <a:xfrm>
+            <a:off x="8396885" y="5790751"/>
+            <a:ext cx="956736" cy="318042"/>
+          </a:xfrm>
+          <a:prstGeom prst="line">
+            <a:avLst/>
+          </a:prstGeom>
+          <a:ln w="38100"/>
+        </p:spPr>
+        <p:style>
+          <a:lnRef idx="1">
+            <a:schemeClr val="dk1"/>
+          </a:lnRef>
+          <a:fillRef idx="0">
+            <a:schemeClr val="dk1"/>
+          </a:fillRef>
+          <a:effectRef idx="0">
+            <a:schemeClr val="dk1"/>
+          </a:effectRef>
+          <a:fontRef idx="minor">
+            <a:schemeClr val="tx1"/>
+          </a:fontRef>
+        </p:style>
+      </p:cxnSp>
+      <p:sp>
+        <p:nvSpPr>
+          <p:cNvPr id="60" name="橢圓 59">
+            <a:extLst>
+              <a:ext uri="{FF2B5EF4-FFF2-40B4-BE49-F238E27FC236}">
+                <a16:creationId xmlns:a16="http://schemas.microsoft.com/office/drawing/2014/main" id="{73B8574A-00E8-4C31-883F-7B0AA1DBE9DE}"/>
+              </a:ext>
+            </a:extLst>
+          </p:cNvPr>
+          <p:cNvSpPr/>
+          <p:nvPr/>
+        </p:nvSpPr>
+        <p:spPr>
+          <a:xfrm>
+            <a:off x="2006822" y="40042"/>
+            <a:ext cx="1158877" cy="462712"/>
+          </a:xfrm>
+          <a:prstGeom prst="ellipse">
+            <a:avLst/>
+          </a:prstGeom>
+        </p:spPr>
+        <p:style>
+          <a:lnRef idx="2">
+            <a:schemeClr val="accent5">
+              <a:shade val="50000"/>
+            </a:schemeClr>
+          </a:lnRef>
+          <a:fillRef idx="1">
+            <a:schemeClr val="accent5"/>
+          </a:fillRef>
+          <a:effectRef idx="0">
+            <a:schemeClr val="accent5"/>
+          </a:effectRef>
+          <a:fontRef idx="minor">
+            <a:schemeClr val="lt1"/>
+          </a:fontRef>
+        </p:style>
+        <p:txBody>
+          <a:bodyPr rtlCol="0" anchor="ctr"/>
+          <a:lstStyle/>
+          <a:p>
+            <a:pPr algn="ctr"/>
+            <a:r>
+              <a:rPr lang="en-US" altLang="zh-TW" sz="1600" dirty="0">
+                <a:latin typeface="標楷體" panose="03000509000000000000" pitchFamily="65" charset="-120"/>
+                <a:ea typeface="標楷體" panose="03000509000000000000" pitchFamily="65" charset="-120"/>
+              </a:rPr>
+              <a:t>id</a:t>
+            </a:r>
+            <a:endParaRPr lang="zh-TW" altLang="en-US" sz="1600" dirty="0">
+              <a:latin typeface="標楷體" panose="03000509000000000000" pitchFamily="65" charset="-120"/>
+              <a:ea typeface="標楷體" panose="03000509000000000000" pitchFamily="65" charset="-120"/>
+            </a:endParaRPr>
+          </a:p>
+        </p:txBody>
+      </p:sp>
+      <p:cxnSp>
+        <p:nvCxnSpPr>
+          <p:cNvPr id="7" name="直線接點 6">
+            <a:extLst>
+              <a:ext uri="{FF2B5EF4-FFF2-40B4-BE49-F238E27FC236}">
+                <a16:creationId xmlns:a16="http://schemas.microsoft.com/office/drawing/2014/main" id="{8C169296-01FC-40DC-B26C-0476A57BEAF4}"/>
+              </a:ext>
+            </a:extLst>
+          </p:cNvPr>
+          <p:cNvCxnSpPr>
+            <a:stCxn id="60" idx="4"/>
+            <a:endCxn id="4" idx="0"/>
+          </p:cNvCxnSpPr>
+          <p:nvPr/>
+        </p:nvCxnSpPr>
+        <p:spPr>
+          <a:xfrm>
+            <a:off x="2586261" y="502754"/>
+            <a:ext cx="2" cy="287476"/>
+          </a:xfrm>
+          <a:prstGeom prst="line">
+            <a:avLst/>
+          </a:prstGeom>
+        </p:spPr>
+        <p:style>
+          <a:lnRef idx="1">
+            <a:schemeClr val="accent1"/>
+          </a:lnRef>
+          <a:fillRef idx="0">
+            <a:schemeClr val="accent1"/>
+          </a:fillRef>
+          <a:effectRef idx="0">
+            <a:schemeClr val="accent1"/>
+          </a:effectRef>
+          <a:fontRef idx="minor">
+            <a:schemeClr val="tx1"/>
+          </a:fontRef>
+        </p:style>
+      </p:cxnSp>
+      <p:sp>
+        <p:nvSpPr>
+          <p:cNvPr id="67" name="橢圓 66">
+            <a:extLst>
+              <a:ext uri="{FF2B5EF4-FFF2-40B4-BE49-F238E27FC236}">
+                <a16:creationId xmlns:a16="http://schemas.microsoft.com/office/drawing/2014/main" id="{165FB235-7039-44AB-9669-4410AE06B435}"/>
+              </a:ext>
+            </a:extLst>
+          </p:cNvPr>
+          <p:cNvSpPr/>
+          <p:nvPr/>
+        </p:nvSpPr>
+        <p:spPr>
+          <a:xfrm>
+            <a:off x="2001802" y="2025249"/>
+            <a:ext cx="1158877" cy="462712"/>
+          </a:xfrm>
+          <a:prstGeom prst="ellipse">
+            <a:avLst/>
+          </a:prstGeom>
+        </p:spPr>
+        <p:style>
+          <a:lnRef idx="2">
+            <a:schemeClr val="accent5">
+              <a:shade val="50000"/>
+            </a:schemeClr>
+          </a:lnRef>
+          <a:fillRef idx="1">
+            <a:schemeClr val="accent5"/>
+          </a:fillRef>
+          <a:effectRef idx="0">
+            <a:schemeClr val="accent5"/>
+          </a:effectRef>
+          <a:fontRef idx="minor">
+            <a:schemeClr val="lt1"/>
+          </a:fontRef>
+        </p:style>
+        <p:txBody>
+          <a:bodyPr rtlCol="0" anchor="ctr"/>
+          <a:lstStyle/>
+          <a:p>
+            <a:pPr algn="ctr"/>
+            <a:r>
+              <a:rPr lang="en-US" altLang="zh-TW" sz="1600" dirty="0">
+                <a:latin typeface="標楷體" panose="03000509000000000000" pitchFamily="65" charset="-120"/>
+                <a:ea typeface="標楷體" panose="03000509000000000000" pitchFamily="65" charset="-120"/>
+              </a:rPr>
+              <a:t>id</a:t>
+            </a:r>
+            <a:endParaRPr lang="zh-TW" altLang="en-US" sz="1600" dirty="0">
+              <a:latin typeface="標楷體" panose="03000509000000000000" pitchFamily="65" charset="-120"/>
+              <a:ea typeface="標楷體" panose="03000509000000000000" pitchFamily="65" charset="-120"/>
+            </a:endParaRPr>
+          </a:p>
+        </p:txBody>
+      </p:sp>
+      <p:cxnSp>
+        <p:nvCxnSpPr>
+          <p:cNvPr id="71" name="直線接點 70">
+            <a:extLst>
+              <a:ext uri="{FF2B5EF4-FFF2-40B4-BE49-F238E27FC236}">
+                <a16:creationId xmlns:a16="http://schemas.microsoft.com/office/drawing/2014/main" id="{EC66A32B-8171-47DF-9C7C-9971D00AF8FC}"/>
+              </a:ext>
+            </a:extLst>
+          </p:cNvPr>
+          <p:cNvCxnSpPr>
+            <a:cxnSpLocks/>
+            <a:stCxn id="67" idx="4"/>
+            <a:endCxn id="84" idx="0"/>
+          </p:cNvCxnSpPr>
+          <p:nvPr/>
+        </p:nvCxnSpPr>
+        <p:spPr>
+          <a:xfrm>
+            <a:off x="2581241" y="2487961"/>
+            <a:ext cx="5021" cy="277825"/>
+          </a:xfrm>
+          <a:prstGeom prst="line">
+            <a:avLst/>
+          </a:prstGeom>
+        </p:spPr>
+        <p:style>
+          <a:lnRef idx="1">
+            <a:schemeClr val="accent1"/>
+          </a:lnRef>
+          <a:fillRef idx="0">
+            <a:schemeClr val="accent1"/>
+          </a:fillRef>
+          <a:effectRef idx="0">
+            <a:schemeClr val="accent1"/>
+          </a:effectRef>
+          <a:fontRef idx="minor">
+            <a:schemeClr val="tx1"/>
+          </a:fontRef>
+        </p:style>
+      </p:cxnSp>
+      <p:sp>
+        <p:nvSpPr>
+          <p:cNvPr id="72" name="橢圓 71">
+            <a:extLst>
+              <a:ext uri="{FF2B5EF4-FFF2-40B4-BE49-F238E27FC236}">
+                <a16:creationId xmlns:a16="http://schemas.microsoft.com/office/drawing/2014/main" id="{E1B621AC-BC65-4B08-91DC-640CB29D6721}"/>
+              </a:ext>
+            </a:extLst>
+          </p:cNvPr>
+          <p:cNvSpPr/>
+          <p:nvPr/>
+        </p:nvSpPr>
+        <p:spPr>
+          <a:xfrm>
+            <a:off x="1989585" y="4072222"/>
+            <a:ext cx="1158877" cy="462712"/>
+          </a:xfrm>
+          <a:prstGeom prst="ellipse">
+            <a:avLst/>
+          </a:prstGeom>
+        </p:spPr>
+        <p:style>
+          <a:lnRef idx="2">
+            <a:schemeClr val="accent5">
+              <a:shade val="50000"/>
+            </a:schemeClr>
+          </a:lnRef>
+          <a:fillRef idx="1">
+            <a:schemeClr val="accent5"/>
+          </a:fillRef>
+          <a:effectRef idx="0">
+            <a:schemeClr val="accent5"/>
+          </a:effectRef>
+          <a:fontRef idx="minor">
+            <a:schemeClr val="lt1"/>
+          </a:fontRef>
+        </p:style>
+        <p:txBody>
+          <a:bodyPr rtlCol="0" anchor="ctr"/>
+          <a:lstStyle/>
+          <a:p>
+            <a:pPr algn="ctr"/>
+            <a:r>
+              <a:rPr lang="en-US" altLang="zh-TW" sz="1600" dirty="0">
+                <a:latin typeface="標楷體" panose="03000509000000000000" pitchFamily="65" charset="-120"/>
+                <a:ea typeface="標楷體" panose="03000509000000000000" pitchFamily="65" charset="-120"/>
+              </a:rPr>
+              <a:t>id</a:t>
+            </a:r>
+            <a:endParaRPr lang="zh-TW" altLang="en-US" sz="1600" dirty="0">
+              <a:latin typeface="標楷體" panose="03000509000000000000" pitchFamily="65" charset="-120"/>
+              <a:ea typeface="標楷體" panose="03000509000000000000" pitchFamily="65" charset="-120"/>
+            </a:endParaRPr>
+          </a:p>
+        </p:txBody>
+      </p:sp>
+      <p:cxnSp>
+        <p:nvCxnSpPr>
+          <p:cNvPr id="73" name="直線接點 72">
+            <a:extLst>
+              <a:ext uri="{FF2B5EF4-FFF2-40B4-BE49-F238E27FC236}">
+                <a16:creationId xmlns:a16="http://schemas.microsoft.com/office/drawing/2014/main" id="{3D0B5D47-A247-4C7D-B686-57D839932CC1}"/>
+              </a:ext>
+            </a:extLst>
+          </p:cNvPr>
+          <p:cNvCxnSpPr>
+            <a:cxnSpLocks/>
+            <a:stCxn id="72" idx="4"/>
+            <a:endCxn id="68" idx="0"/>
+          </p:cNvCxnSpPr>
+          <p:nvPr/>
+        </p:nvCxnSpPr>
+        <p:spPr>
+          <a:xfrm>
+            <a:off x="2569024" y="4534934"/>
+            <a:ext cx="17239" cy="297007"/>
+          </a:xfrm>
+          <a:prstGeom prst="line">
+            <a:avLst/>
+          </a:prstGeom>
+        </p:spPr>
+        <p:style>
+          <a:lnRef idx="1">
+            <a:schemeClr val="accent1"/>
+          </a:lnRef>
+          <a:fillRef idx="0">
+            <a:schemeClr val="accent1"/>
+          </a:fillRef>
+          <a:effectRef idx="0">
+            <a:schemeClr val="accent1"/>
+          </a:effectRef>
+          <a:fontRef idx="minor">
+            <a:schemeClr val="tx1"/>
+          </a:fontRef>
+        </p:style>
+      </p:cxnSp>
+      <p:sp>
+        <p:nvSpPr>
+          <p:cNvPr id="74" name="橢圓 73">
+            <a:extLst>
+              <a:ext uri="{FF2B5EF4-FFF2-40B4-BE49-F238E27FC236}">
+                <a16:creationId xmlns:a16="http://schemas.microsoft.com/office/drawing/2014/main" id="{CA05B5B1-3F41-42DF-8F11-F4BB912A2AF9}"/>
+              </a:ext>
+            </a:extLst>
+          </p:cNvPr>
+          <p:cNvSpPr/>
+          <p:nvPr/>
+        </p:nvSpPr>
+        <p:spPr>
+          <a:xfrm>
+            <a:off x="7685206" y="2002880"/>
+            <a:ext cx="1158877" cy="462712"/>
+          </a:xfrm>
+          <a:prstGeom prst="ellipse">
+            <a:avLst/>
+          </a:prstGeom>
+        </p:spPr>
+        <p:style>
+          <a:lnRef idx="2">
+            <a:schemeClr val="accent5">
+              <a:shade val="50000"/>
+            </a:schemeClr>
+          </a:lnRef>
+          <a:fillRef idx="1">
+            <a:schemeClr val="accent5"/>
+          </a:fillRef>
+          <a:effectRef idx="0">
+            <a:schemeClr val="accent5"/>
+          </a:effectRef>
+          <a:fontRef idx="minor">
+            <a:schemeClr val="lt1"/>
+          </a:fontRef>
+        </p:style>
+        <p:txBody>
+          <a:bodyPr rtlCol="0" anchor="ctr"/>
+          <a:lstStyle/>
+          <a:p>
+            <a:pPr algn="ctr"/>
+            <a:r>
+              <a:rPr lang="en-US" altLang="zh-TW" sz="1600" dirty="0">
+                <a:latin typeface="標楷體" panose="03000509000000000000" pitchFamily="65" charset="-120"/>
+                <a:ea typeface="標楷體" panose="03000509000000000000" pitchFamily="65" charset="-120"/>
+              </a:rPr>
+              <a:t>id</a:t>
+            </a:r>
+            <a:endParaRPr lang="zh-TW" altLang="en-US" sz="1600" dirty="0">
+              <a:latin typeface="標楷體" panose="03000509000000000000" pitchFamily="65" charset="-120"/>
+              <a:ea typeface="標楷體" panose="03000509000000000000" pitchFamily="65" charset="-120"/>
+            </a:endParaRPr>
+          </a:p>
+        </p:txBody>
+      </p:sp>
+      <p:cxnSp>
+        <p:nvCxnSpPr>
+          <p:cNvPr id="75" name="直線接點 74">
+            <a:extLst>
+              <a:ext uri="{FF2B5EF4-FFF2-40B4-BE49-F238E27FC236}">
+                <a16:creationId xmlns:a16="http://schemas.microsoft.com/office/drawing/2014/main" id="{2CBA15F3-D72D-4D70-BADC-D6C3117494BD}"/>
+              </a:ext>
+            </a:extLst>
+          </p:cNvPr>
+          <p:cNvCxnSpPr>
+            <a:cxnSpLocks/>
+            <a:stCxn id="74" idx="4"/>
+            <a:endCxn id="25" idx="0"/>
+          </p:cNvCxnSpPr>
+          <p:nvPr/>
+        </p:nvCxnSpPr>
+        <p:spPr>
+          <a:xfrm flipH="1">
+            <a:off x="8264644" y="2465592"/>
+            <a:ext cx="1" cy="295997"/>
+          </a:xfrm>
+          <a:prstGeom prst="line">
+            <a:avLst/>
+          </a:prstGeom>
+        </p:spPr>
+        <p:style>
+          <a:lnRef idx="1">
+            <a:schemeClr val="accent1"/>
+          </a:lnRef>
+          <a:fillRef idx="0">
+            <a:schemeClr val="accent1"/>
+          </a:fillRef>
+          <a:effectRef idx="0">
+            <a:schemeClr val="accent1"/>
+          </a:effectRef>
+          <a:fontRef idx="minor">
+            <a:schemeClr val="tx1"/>
+          </a:fontRef>
+        </p:style>
+      </p:cxnSp>
     </p:spTree>
     <p:extLst>
       <p:ext uri="{BB962C8B-B14F-4D97-AF65-F5344CB8AC3E}">

--- a/Report/ER Diagram.pptx
+++ b/Report/ER Diagram.pptx
@@ -7330,13 +7330,13 @@
           <a:p>
             <a:pPr algn="ctr"/>
             <a:r>
-              <a:rPr lang="en-US" altLang="zh-TW" sz="1250" dirty="0">
+              <a:rPr lang="en-US" altLang="zh-TW" sz="1250" u="sng" dirty="0">
                 <a:latin typeface="標楷體" panose="03000509000000000000" pitchFamily="65" charset="-120"/>
                 <a:ea typeface="標楷體" panose="03000509000000000000" pitchFamily="65" charset="-120"/>
               </a:rPr>
               <a:t>username</a:t>
             </a:r>
-            <a:endParaRPr lang="zh-TW" altLang="en-US" sz="1250" dirty="0">
+            <a:endParaRPr lang="zh-TW" altLang="en-US" sz="1250" u="sng" dirty="0">
               <a:latin typeface="標楷體" panose="03000509000000000000" pitchFamily="65" charset="-120"/>
               <a:ea typeface="標楷體" panose="03000509000000000000" pitchFamily="65" charset="-120"/>
             </a:endParaRPr>
@@ -7534,7 +7534,7 @@
         </p:nvSpPr>
         <p:spPr>
           <a:xfrm>
-            <a:off x="2006822" y="40042"/>
+            <a:off x="2006822" y="13409"/>
             <a:ext cx="1158877" cy="462712"/>
           </a:xfrm>
           <a:prstGeom prst="ellipse">
@@ -7563,13 +7563,13 @@
           <a:p>
             <a:pPr algn="ctr"/>
             <a:r>
-              <a:rPr lang="en-US" altLang="zh-TW" sz="1600" dirty="0">
+              <a:rPr lang="en-US" altLang="zh-TW" sz="1600" u="sng" dirty="0">
                 <a:latin typeface="標楷體" panose="03000509000000000000" pitchFamily="65" charset="-120"/>
                 <a:ea typeface="標楷體" panose="03000509000000000000" pitchFamily="65" charset="-120"/>
               </a:rPr>
               <a:t>id</a:t>
             </a:r>
-            <a:endParaRPr lang="zh-TW" altLang="en-US" sz="1600" dirty="0">
+            <a:endParaRPr lang="zh-TW" altLang="en-US" sz="1600" u="sng" dirty="0">
               <a:latin typeface="標楷體" panose="03000509000000000000" pitchFamily="65" charset="-120"/>
               <a:ea typeface="標楷體" panose="03000509000000000000" pitchFamily="65" charset="-120"/>
             </a:endParaRPr>
@@ -7593,8 +7593,8 @@
         </p:nvCxnSpPr>
         <p:spPr>
           <a:xfrm>
-            <a:off x="2586261" y="502754"/>
-            <a:ext cx="2" cy="287476"/>
+            <a:off x="2586261" y="476121"/>
+            <a:ext cx="2" cy="314109"/>
           </a:xfrm>
           <a:prstGeom prst="line">
             <a:avLst/>
@@ -7658,13 +7658,13 @@
           <a:p>
             <a:pPr algn="ctr"/>
             <a:r>
-              <a:rPr lang="en-US" altLang="zh-TW" sz="1600" dirty="0">
+              <a:rPr lang="en-US" altLang="zh-TW" sz="1600" u="sng" dirty="0">
                 <a:latin typeface="標楷體" panose="03000509000000000000" pitchFamily="65" charset="-120"/>
                 <a:ea typeface="標楷體" panose="03000509000000000000" pitchFamily="65" charset="-120"/>
               </a:rPr>
               <a:t>id</a:t>
             </a:r>
-            <a:endParaRPr lang="zh-TW" altLang="en-US" sz="1600" dirty="0">
+            <a:endParaRPr lang="zh-TW" altLang="en-US" sz="1600" u="sng" dirty="0">
               <a:latin typeface="標楷體" panose="03000509000000000000" pitchFamily="65" charset="-120"/>
               <a:ea typeface="標楷體" panose="03000509000000000000" pitchFamily="65" charset="-120"/>
             </a:endParaRPr>
@@ -7754,13 +7754,13 @@
           <a:p>
             <a:pPr algn="ctr"/>
             <a:r>
-              <a:rPr lang="en-US" altLang="zh-TW" sz="1600" dirty="0">
+              <a:rPr lang="en-US" altLang="zh-TW" sz="1600" u="sng" dirty="0">
                 <a:latin typeface="標楷體" panose="03000509000000000000" pitchFamily="65" charset="-120"/>
                 <a:ea typeface="標楷體" panose="03000509000000000000" pitchFamily="65" charset="-120"/>
               </a:rPr>
               <a:t>id</a:t>
             </a:r>
-            <a:endParaRPr lang="zh-TW" altLang="en-US" sz="1600" dirty="0">
+            <a:endParaRPr lang="zh-TW" altLang="en-US" sz="1600" u="sng" dirty="0">
               <a:latin typeface="標楷體" panose="03000509000000000000" pitchFamily="65" charset="-120"/>
               <a:ea typeface="標楷體" panose="03000509000000000000" pitchFamily="65" charset="-120"/>
             </a:endParaRPr>
@@ -7850,13 +7850,13 @@
           <a:p>
             <a:pPr algn="ctr"/>
             <a:r>
-              <a:rPr lang="en-US" altLang="zh-TW" sz="1600" dirty="0">
+              <a:rPr lang="en-US" altLang="zh-TW" sz="1600" u="sng" dirty="0">
                 <a:latin typeface="標楷體" panose="03000509000000000000" pitchFamily="65" charset="-120"/>
                 <a:ea typeface="標楷體" panose="03000509000000000000" pitchFamily="65" charset="-120"/>
               </a:rPr>
               <a:t>id</a:t>
             </a:r>
-            <a:endParaRPr lang="zh-TW" altLang="en-US" sz="1600" dirty="0">
+            <a:endParaRPr lang="zh-TW" altLang="en-US" sz="1600" u="sng" dirty="0">
               <a:latin typeface="標楷體" panose="03000509000000000000" pitchFamily="65" charset="-120"/>
               <a:ea typeface="標楷體" panose="03000509000000000000" pitchFamily="65" charset="-120"/>
             </a:endParaRPr>
